--- a/ORMs/Orms.pptx
+++ b/ORMs/Orms.pptx
@@ -2,68 +2,67 @@
 <file path=ppt/presentation.xml><?xml version="1.0" encoding="utf-8"?>
 <p:presentation xmlns:a="http://schemas.openxmlformats.org/drawingml/2006/main" xmlns:r="http://schemas.openxmlformats.org/officeDocument/2006/relationships" xmlns:p="http://schemas.openxmlformats.org/presentationml/2006/main" saveSubsetFonts="1">
   <p:sldMasterIdLst>
-    <p:sldMasterId id="2147483648" r:id="rId1"/>
+    <p:sldMasterId id="2147483660" r:id="rId1"/>
   </p:sldMasterIdLst>
   <p:notesMasterIdLst>
-    <p:notesMasterId r:id="rId56"/>
+    <p:notesMasterId r:id="rId55"/>
   </p:notesMasterIdLst>
   <p:sldIdLst>
     <p:sldId id="257" r:id="rId2"/>
-    <p:sldId id="258" r:id="rId3"/>
-    <p:sldId id="261" r:id="rId4"/>
-    <p:sldId id="262" r:id="rId5"/>
-    <p:sldId id="264" r:id="rId6"/>
-    <p:sldId id="265" r:id="rId7"/>
-    <p:sldId id="263" r:id="rId8"/>
-    <p:sldId id="266" r:id="rId9"/>
-    <p:sldId id="267" r:id="rId10"/>
-    <p:sldId id="268" r:id="rId11"/>
-    <p:sldId id="269" r:id="rId12"/>
-    <p:sldId id="271" r:id="rId13"/>
-    <p:sldId id="270" r:id="rId14"/>
-    <p:sldId id="272" r:id="rId15"/>
-    <p:sldId id="273" r:id="rId16"/>
-    <p:sldId id="274" r:id="rId17"/>
-    <p:sldId id="275" r:id="rId18"/>
-    <p:sldId id="276" r:id="rId19"/>
-    <p:sldId id="277" r:id="rId20"/>
-    <p:sldId id="278" r:id="rId21"/>
-    <p:sldId id="279" r:id="rId22"/>
-    <p:sldId id="280" r:id="rId23"/>
-    <p:sldId id="281" r:id="rId24"/>
-    <p:sldId id="282" r:id="rId25"/>
-    <p:sldId id="283" r:id="rId26"/>
-    <p:sldId id="284" r:id="rId27"/>
-    <p:sldId id="285" r:id="rId28"/>
-    <p:sldId id="286" r:id="rId29"/>
-    <p:sldId id="287" r:id="rId30"/>
-    <p:sldId id="288" r:id="rId31"/>
-    <p:sldId id="289" r:id="rId32"/>
-    <p:sldId id="290" r:id="rId33"/>
-    <p:sldId id="291" r:id="rId34"/>
-    <p:sldId id="292" r:id="rId35"/>
-    <p:sldId id="293" r:id="rId36"/>
-    <p:sldId id="295" r:id="rId37"/>
-    <p:sldId id="294" r:id="rId38"/>
-    <p:sldId id="296" r:id="rId39"/>
-    <p:sldId id="297" r:id="rId40"/>
-    <p:sldId id="298" r:id="rId41"/>
-    <p:sldId id="299" r:id="rId42"/>
-    <p:sldId id="300" r:id="rId43"/>
-    <p:sldId id="301" r:id="rId44"/>
-    <p:sldId id="302" r:id="rId45"/>
-    <p:sldId id="303" r:id="rId46"/>
-    <p:sldId id="304" r:id="rId47"/>
-    <p:sldId id="305" r:id="rId48"/>
-    <p:sldId id="306" r:id="rId49"/>
-    <p:sldId id="307" r:id="rId50"/>
-    <p:sldId id="308" r:id="rId51"/>
-    <p:sldId id="309" r:id="rId52"/>
-    <p:sldId id="310" r:id="rId53"/>
-    <p:sldId id="311" r:id="rId54"/>
-    <p:sldId id="312" r:id="rId55"/>
+    <p:sldId id="261" r:id="rId3"/>
+    <p:sldId id="262" r:id="rId4"/>
+    <p:sldId id="264" r:id="rId5"/>
+    <p:sldId id="265" r:id="rId6"/>
+    <p:sldId id="263" r:id="rId7"/>
+    <p:sldId id="266" r:id="rId8"/>
+    <p:sldId id="267" r:id="rId9"/>
+    <p:sldId id="268" r:id="rId10"/>
+    <p:sldId id="275" r:id="rId11"/>
+    <p:sldId id="276" r:id="rId12"/>
+    <p:sldId id="277" r:id="rId13"/>
+    <p:sldId id="278" r:id="rId14"/>
+    <p:sldId id="279" r:id="rId15"/>
+    <p:sldId id="280" r:id="rId16"/>
+    <p:sldId id="313" r:id="rId17"/>
+    <p:sldId id="314" r:id="rId18"/>
+    <p:sldId id="315" r:id="rId19"/>
+    <p:sldId id="316" r:id="rId20"/>
+    <p:sldId id="317" r:id="rId21"/>
+    <p:sldId id="318" r:id="rId22"/>
+    <p:sldId id="281" r:id="rId23"/>
+    <p:sldId id="282" r:id="rId24"/>
+    <p:sldId id="283" r:id="rId25"/>
+    <p:sldId id="284" r:id="rId26"/>
+    <p:sldId id="285" r:id="rId27"/>
+    <p:sldId id="286" r:id="rId28"/>
+    <p:sldId id="287" r:id="rId29"/>
+    <p:sldId id="288" r:id="rId30"/>
+    <p:sldId id="289" r:id="rId31"/>
+    <p:sldId id="290" r:id="rId32"/>
+    <p:sldId id="291" r:id="rId33"/>
+    <p:sldId id="292" r:id="rId34"/>
+    <p:sldId id="293" r:id="rId35"/>
+    <p:sldId id="295" r:id="rId36"/>
+    <p:sldId id="294" r:id="rId37"/>
+    <p:sldId id="296" r:id="rId38"/>
+    <p:sldId id="297" r:id="rId39"/>
+    <p:sldId id="298" r:id="rId40"/>
+    <p:sldId id="299" r:id="rId41"/>
+    <p:sldId id="300" r:id="rId42"/>
+    <p:sldId id="301" r:id="rId43"/>
+    <p:sldId id="302" r:id="rId44"/>
+    <p:sldId id="303" r:id="rId45"/>
+    <p:sldId id="304" r:id="rId46"/>
+    <p:sldId id="305" r:id="rId47"/>
+    <p:sldId id="306" r:id="rId48"/>
+    <p:sldId id="307" r:id="rId49"/>
+    <p:sldId id="308" r:id="rId50"/>
+    <p:sldId id="309" r:id="rId51"/>
+    <p:sldId id="310" r:id="rId52"/>
+    <p:sldId id="311" r:id="rId53"/>
+    <p:sldId id="312" r:id="rId54"/>
   </p:sldIdLst>
-  <p:sldSz cx="12192000" cy="6858000"/>
+  <p:sldSz cx="9144000" cy="6858000" type="screen4x3"/>
   <p:notesSz cx="6858000" cy="9144000"/>
   <p:defaultTextStyle>
     <a:defPPr>
@@ -250,7 +249,7 @@
           <a:p>
             <a:fld id="{1F97ECA5-4044-4ED6-8472-6668B9C1F77C}" type="datetimeFigureOut">
               <a:rPr lang="en-US" smtClean="0"/>
-              <a:t>8/11/2014</a:t>
+              <a:t>9/3/2014</a:t>
             </a:fld>
             <a:endParaRPr lang="en-US"/>
           </a:p>
@@ -268,8 +267,8 @@
         </p:nvSpPr>
         <p:spPr>
           <a:xfrm>
-            <a:off x="685800" y="1143000"/>
-            <a:ext cx="5486400" cy="3086100"/>
+            <a:off x="1371600" y="1143000"/>
+            <a:ext cx="4114800" cy="3086100"/>
           </a:xfrm>
           <a:prstGeom prst="rect">
             <a:avLst/>
@@ -547,8 +546,8 @@
         </p:nvSpPr>
         <p:spPr>
           <a:xfrm>
-            <a:off x="381000" y="685800"/>
-            <a:ext cx="6096000" cy="3429000"/>
+            <a:off x="1143000" y="685800"/>
+            <a:ext cx="4572000" cy="3429000"/>
           </a:xfrm>
         </p:spPr>
       </p:sp>
@@ -598,93 +597,6 @@
     <p:extLst>
       <p:ext uri="{BB962C8B-B14F-4D97-AF65-F5344CB8AC3E}">
         <p14:creationId xmlns:p14="http://schemas.microsoft.com/office/powerpoint/2010/main" val="4200398286"/>
-      </p:ext>
-    </p:extLst>
-  </p:cSld>
-  <p:clrMapOvr>
-    <a:masterClrMapping/>
-  </p:clrMapOvr>
-</p:notes>
-</file>
-
-<file path=ppt/notesSlides/notesSlide2.xml><?xml version="1.0" encoding="utf-8"?>
-<p:notes xmlns:a="http://schemas.openxmlformats.org/drawingml/2006/main" xmlns:r="http://schemas.openxmlformats.org/officeDocument/2006/relationships" xmlns:p="http://schemas.openxmlformats.org/presentationml/2006/main">
-  <p:cSld>
-    <p:spTree>
-      <p:nvGrpSpPr>
-        <p:cNvPr id="1" name=""/>
-        <p:cNvGrpSpPr/>
-        <p:nvPr/>
-      </p:nvGrpSpPr>
-      <p:grpSpPr>
-        <a:xfrm>
-          <a:off x="0" y="0"/>
-          <a:ext cx="0" cy="0"/>
-          <a:chOff x="0" y="0"/>
-          <a:chExt cx="0" cy="0"/>
-        </a:xfrm>
-      </p:grpSpPr>
-      <p:sp>
-        <p:nvSpPr>
-          <p:cNvPr id="46" name="Shape 46"/>
-          <p:cNvSpPr>
-            <a:spLocks noGrp="1" noRot="1" noChangeAspect="1"/>
-          </p:cNvSpPr>
-          <p:nvPr>
-            <p:ph type="sldImg"/>
-          </p:nvPr>
-        </p:nvSpPr>
-        <p:spPr>
-          <a:xfrm>
-            <a:off x="381000" y="685800"/>
-            <a:ext cx="6096000" cy="3429000"/>
-          </a:xfrm>
-          <a:prstGeom prst="rect">
-            <a:avLst/>
-          </a:prstGeom>
-        </p:spPr>
-        <p:txBody>
-          <a:bodyPr/>
-          <a:lstStyle/>
-          <a:p>
-            <a:pPr lvl="0"/>
-            <a:endParaRPr/>
-          </a:p>
-        </p:txBody>
-      </p:sp>
-      <p:sp>
-        <p:nvSpPr>
-          <p:cNvPr id="47" name="Shape 47"/>
-          <p:cNvSpPr>
-            <a:spLocks noGrp="1"/>
-          </p:cNvSpPr>
-          <p:nvPr>
-            <p:ph type="body" sz="quarter" idx="1"/>
-          </p:nvPr>
-        </p:nvSpPr>
-        <p:spPr>
-          <a:prstGeom prst="rect">
-            <a:avLst/>
-          </a:prstGeom>
-        </p:spPr>
-        <p:txBody>
-          <a:bodyPr/>
-          <a:lstStyle/>
-          <a:p>
-            <a:pPr lvl="0">
-              <a:defRPr sz="1800"/>
-            </a:pPr>
-            <a:r>
-              <a:rPr sz="3200"/>
-              <a:t>Please take a moment and thank our Principal, Platinum and Gold Sponsors.</a:t>
-            </a:r>
-          </a:p>
-        </p:txBody>
-      </p:sp>
-    </p:spTree>
-    <p:extLst>
-      <p:ext uri="{BB962C8B-B14F-4D97-AF65-F5344CB8AC3E}">
-        <p14:creationId xmlns:p14="http://schemas.microsoft.com/office/powerpoint/2010/main" val="3999245393"/>
       </p:ext>
     </p:extLst>
   </p:cSld>
@@ -723,8 +635,8 @@
         </p:nvSpPr>
         <p:spPr>
           <a:xfrm>
-            <a:off x="1524000" y="1122363"/>
-            <a:ext cx="9144000" cy="2387600"/>
+            <a:off x="685800" y="1122363"/>
+            <a:ext cx="7772400" cy="2387600"/>
           </a:xfrm>
         </p:spPr>
         <p:txBody>
@@ -739,7 +651,7 @@
               <a:rPr lang="en-US" smtClean="0"/>
               <a:t>Click to edit Master title style</a:t>
             </a:r>
-            <a:endParaRPr lang="en-US"/>
+            <a:endParaRPr lang="en-US" dirty="0"/>
           </a:p>
         </p:txBody>
       </p:sp>
@@ -755,8 +667,8 @@
         </p:nvSpPr>
         <p:spPr>
           <a:xfrm>
-            <a:off x="1524000" y="3602038"/>
-            <a:ext cx="9144000" cy="1655762"/>
+            <a:off x="1143000" y="3602038"/>
+            <a:ext cx="6858000" cy="1655762"/>
           </a:xfrm>
         </p:spPr>
         <p:txBody>
@@ -804,7 +716,7 @@
               <a:rPr lang="en-US" smtClean="0"/>
               <a:t>Click to edit Master subtitle style</a:t>
             </a:r>
-            <a:endParaRPr lang="en-US"/>
+            <a:endParaRPr lang="en-US" dirty="0"/>
           </a:p>
         </p:txBody>
       </p:sp>
@@ -825,7 +737,7 @@
           <a:p>
             <a:fld id="{00AB0D8E-E724-48D0-B7E1-3298C8355436}" type="datetimeFigureOut">
               <a:rPr lang="en-US" smtClean="0"/>
-              <a:t>8/11/2014</a:t>
+              <a:t>9/3/2014</a:t>
             </a:fld>
             <a:endParaRPr lang="en-US"/>
           </a:p>
@@ -876,7 +788,7 @@
     </p:spTree>
     <p:extLst>
       <p:ext uri="{BB962C8B-B14F-4D97-AF65-F5344CB8AC3E}">
-        <p14:creationId xmlns:p14="http://schemas.microsoft.com/office/powerpoint/2010/main" val="2964154683"/>
+        <p14:creationId xmlns:p14="http://schemas.microsoft.com/office/powerpoint/2010/main" val="3315378128"/>
       </p:ext>
     </p:extLst>
   </p:cSld>
@@ -922,7 +834,7 @@
               <a:rPr lang="en-US" smtClean="0"/>
               <a:t>Click to edit Master title style</a:t>
             </a:r>
-            <a:endParaRPr lang="en-US"/>
+            <a:endParaRPr lang="en-US" dirty="0"/>
           </a:p>
         </p:txBody>
       </p:sp>
@@ -974,7 +886,7 @@
               <a:rPr lang="en-US" smtClean="0"/>
               <a:t>Fifth level</a:t>
             </a:r>
-            <a:endParaRPr lang="en-US"/>
+            <a:endParaRPr lang="en-US" dirty="0"/>
           </a:p>
         </p:txBody>
       </p:sp>
@@ -995,7 +907,7 @@
           <a:p>
             <a:fld id="{00AB0D8E-E724-48D0-B7E1-3298C8355436}" type="datetimeFigureOut">
               <a:rPr lang="en-US" smtClean="0"/>
-              <a:t>8/11/2014</a:t>
+              <a:t>9/3/2014</a:t>
             </a:fld>
             <a:endParaRPr lang="en-US"/>
           </a:p>
@@ -1046,7 +958,7 @@
     </p:spTree>
     <p:extLst>
       <p:ext uri="{BB962C8B-B14F-4D97-AF65-F5344CB8AC3E}">
-        <p14:creationId xmlns:p14="http://schemas.microsoft.com/office/powerpoint/2010/main" val="4285501943"/>
+        <p14:creationId xmlns:p14="http://schemas.microsoft.com/office/powerpoint/2010/main" val="1662437077"/>
       </p:ext>
     </p:extLst>
   </p:cSld>
@@ -1085,8 +997,8 @@
         </p:nvSpPr>
         <p:spPr>
           <a:xfrm>
-            <a:off x="8724900" y="365125"/>
-            <a:ext cx="2628900" cy="5811838"/>
+            <a:off x="6543675" y="365125"/>
+            <a:ext cx="1971675" cy="5811838"/>
           </a:xfrm>
         </p:spPr>
         <p:txBody>
@@ -1097,7 +1009,7 @@
               <a:rPr lang="en-US" smtClean="0"/>
               <a:t>Click to edit Master title style</a:t>
             </a:r>
-            <a:endParaRPr lang="en-US"/>
+            <a:endParaRPr lang="en-US" dirty="0"/>
           </a:p>
         </p:txBody>
       </p:sp>
@@ -1113,8 +1025,8 @@
         </p:nvSpPr>
         <p:spPr>
           <a:xfrm>
-            <a:off x="838200" y="365125"/>
-            <a:ext cx="7734300" cy="5811838"/>
+            <a:off x="628650" y="365125"/>
+            <a:ext cx="5800725" cy="5811838"/>
           </a:xfrm>
         </p:spPr>
         <p:txBody>
@@ -1154,7 +1066,7 @@
               <a:rPr lang="en-US" smtClean="0"/>
               <a:t>Fifth level</a:t>
             </a:r>
-            <a:endParaRPr lang="en-US"/>
+            <a:endParaRPr lang="en-US" dirty="0"/>
           </a:p>
         </p:txBody>
       </p:sp>
@@ -1175,7 +1087,7 @@
           <a:p>
             <a:fld id="{00AB0D8E-E724-48D0-B7E1-3298C8355436}" type="datetimeFigureOut">
               <a:rPr lang="en-US" smtClean="0"/>
-              <a:t>8/11/2014</a:t>
+              <a:t>9/3/2014</a:t>
             </a:fld>
             <a:endParaRPr lang="en-US"/>
           </a:p>
@@ -1226,187 +1138,13 @@
     </p:spTree>
     <p:extLst>
       <p:ext uri="{BB962C8B-B14F-4D97-AF65-F5344CB8AC3E}">
-        <p14:creationId xmlns:p14="http://schemas.microsoft.com/office/powerpoint/2010/main" val="2724847889"/>
+        <p14:creationId xmlns:p14="http://schemas.microsoft.com/office/powerpoint/2010/main" val="1542422788"/>
       </p:ext>
     </p:extLst>
   </p:cSld>
   <p:clrMapOvr>
     <a:masterClrMapping/>
   </p:clrMapOvr>
-</p:sldLayout>
-</file>
-
-<file path=ppt/slideLayouts/slideLayout12.xml><?xml version="1.0" encoding="utf-8"?>
-<p:sldLayout xmlns:a="http://schemas.openxmlformats.org/drawingml/2006/main" xmlns:r="http://schemas.openxmlformats.org/officeDocument/2006/relationships" xmlns:p="http://schemas.openxmlformats.org/presentationml/2006/main" type="tx">
-  <p:cSld name="Title &amp; Subtitle">
-    <p:spTree>
-      <p:nvGrpSpPr>
-        <p:cNvPr id="1" name=""/>
-        <p:cNvGrpSpPr/>
-        <p:nvPr/>
-      </p:nvGrpSpPr>
-      <p:grpSpPr>
-        <a:xfrm>
-          <a:off x="0" y="0"/>
-          <a:ext cx="0" cy="0"/>
-          <a:chOff x="0" y="0"/>
-          <a:chExt cx="0" cy="0"/>
-        </a:xfrm>
-      </p:grpSpPr>
-      <p:sp>
-        <p:nvSpPr>
-          <p:cNvPr id="5" name="Shape 5"/>
-          <p:cNvSpPr>
-            <a:spLocks noGrp="1"/>
-          </p:cNvSpPr>
-          <p:nvPr>
-            <p:ph type="title"/>
-          </p:nvPr>
-        </p:nvSpPr>
-        <p:spPr>
-          <a:xfrm>
-            <a:off x="2416969" y="1151930"/>
-            <a:ext cx="7358063" cy="2321719"/>
-          </a:xfrm>
-          <a:prstGeom prst="rect">
-            <a:avLst/>
-          </a:prstGeom>
-        </p:spPr>
-        <p:txBody>
-          <a:bodyPr anchor="b"/>
-          <a:lstStyle/>
-          <a:p>
-            <a:pPr lvl="0">
-              <a:defRPr sz="1800"/>
-            </a:pPr>
-            <a:r>
-              <a:rPr sz="5600"/>
-              <a:t>Title Text</a:t>
-            </a:r>
-          </a:p>
-        </p:txBody>
-      </p:sp>
-      <p:sp>
-        <p:nvSpPr>
-          <p:cNvPr id="6" name="Shape 6"/>
-          <p:cNvSpPr>
-            <a:spLocks noGrp="1"/>
-          </p:cNvSpPr>
-          <p:nvPr>
-            <p:ph type="body" idx="1"/>
-          </p:nvPr>
-        </p:nvSpPr>
-        <p:spPr>
-          <a:xfrm>
-            <a:off x="2416969" y="3536156"/>
-            <a:ext cx="7358063" cy="794743"/>
-          </a:xfrm>
-          <a:prstGeom prst="rect">
-            <a:avLst/>
-          </a:prstGeom>
-        </p:spPr>
-        <p:txBody>
-          <a:bodyPr anchor="t"/>
-          <a:lstStyle>
-            <a:lvl1pPr marL="0" indent="0" algn="ctr">
-              <a:spcBef>
-                <a:spcPts val="0"/>
-              </a:spcBef>
-              <a:buSzTx/>
-              <a:buNone/>
-              <a:defRPr sz="2200"/>
-            </a:lvl1pPr>
-            <a:lvl2pPr marL="0" indent="114300" algn="ctr">
-              <a:spcBef>
-                <a:spcPts val="0"/>
-              </a:spcBef>
-              <a:buSzTx/>
-              <a:buNone/>
-              <a:defRPr sz="2200"/>
-            </a:lvl2pPr>
-            <a:lvl3pPr marL="0" indent="228600" algn="ctr">
-              <a:spcBef>
-                <a:spcPts val="0"/>
-              </a:spcBef>
-              <a:buSzTx/>
-              <a:buNone/>
-              <a:defRPr sz="2200"/>
-            </a:lvl3pPr>
-            <a:lvl4pPr marL="0" indent="342900" algn="ctr">
-              <a:spcBef>
-                <a:spcPts val="0"/>
-              </a:spcBef>
-              <a:buSzTx/>
-              <a:buNone/>
-              <a:defRPr sz="2200"/>
-            </a:lvl4pPr>
-            <a:lvl5pPr marL="0" indent="457200" algn="ctr">
-              <a:spcBef>
-                <a:spcPts val="0"/>
-              </a:spcBef>
-              <a:buSzTx/>
-              <a:buNone/>
-              <a:defRPr sz="2200"/>
-            </a:lvl5pPr>
-          </a:lstStyle>
-          <a:p>
-            <a:pPr lvl="0">
-              <a:defRPr sz="1800"/>
-            </a:pPr>
-            <a:r>
-              <a:rPr sz="2200"/>
-              <a:t>Body Level One</a:t>
-            </a:r>
-          </a:p>
-          <a:p>
-            <a:pPr lvl="1">
-              <a:defRPr sz="1800"/>
-            </a:pPr>
-            <a:r>
-              <a:rPr sz="2200"/>
-              <a:t>Body Level Two</a:t>
-            </a:r>
-          </a:p>
-          <a:p>
-            <a:pPr lvl="2">
-              <a:defRPr sz="1800"/>
-            </a:pPr>
-            <a:r>
-              <a:rPr sz="2200"/>
-              <a:t>Body Level Three</a:t>
-            </a:r>
-          </a:p>
-          <a:p>
-            <a:pPr lvl="3">
-              <a:defRPr sz="1800"/>
-            </a:pPr>
-            <a:r>
-              <a:rPr sz="2200"/>
-              <a:t>Body Level Four</a:t>
-            </a:r>
-          </a:p>
-          <a:p>
-            <a:pPr lvl="4">
-              <a:defRPr sz="1800"/>
-            </a:pPr>
-            <a:r>
-              <a:rPr sz="2200"/>
-              <a:t>Body Level Five</a:t>
-            </a:r>
-          </a:p>
-        </p:txBody>
-      </p:sp>
-    </p:spTree>
-    <p:extLst>
-      <p:ext uri="{BB962C8B-B14F-4D97-AF65-F5344CB8AC3E}">
-        <p14:creationId xmlns:p14="http://schemas.microsoft.com/office/powerpoint/2010/main" val="2459513874"/>
-      </p:ext>
-    </p:extLst>
-  </p:cSld>
-  <p:clrMapOvr>
-    <a:masterClrMapping/>
-  </p:clrMapOvr>
-  <p:transition spd="med"/>
 </p:sldLayout>
 </file>
 
@@ -1446,7 +1184,7 @@
               <a:rPr lang="en-US" smtClean="0"/>
               <a:t>Click to edit Master title style</a:t>
             </a:r>
-            <a:endParaRPr lang="en-US"/>
+            <a:endParaRPr lang="en-US" dirty="0"/>
           </a:p>
         </p:txBody>
       </p:sp>
@@ -1498,7 +1236,7 @@
               <a:rPr lang="en-US" smtClean="0"/>
               <a:t>Fifth level</a:t>
             </a:r>
-            <a:endParaRPr lang="en-US"/>
+            <a:endParaRPr lang="en-US" dirty="0"/>
           </a:p>
         </p:txBody>
       </p:sp>
@@ -1519,7 +1257,7 @@
           <a:p>
             <a:fld id="{00AB0D8E-E724-48D0-B7E1-3298C8355436}" type="datetimeFigureOut">
               <a:rPr lang="en-US" smtClean="0"/>
-              <a:t>8/11/2014</a:t>
+              <a:t>9/3/2014</a:t>
             </a:fld>
             <a:endParaRPr lang="en-US"/>
           </a:p>
@@ -1570,7 +1308,7 @@
     </p:spTree>
     <p:extLst>
       <p:ext uri="{BB962C8B-B14F-4D97-AF65-F5344CB8AC3E}">
-        <p14:creationId xmlns:p14="http://schemas.microsoft.com/office/powerpoint/2010/main" val="1808514702"/>
+        <p14:creationId xmlns:p14="http://schemas.microsoft.com/office/powerpoint/2010/main" val="1968290409"/>
       </p:ext>
     </p:extLst>
   </p:cSld>
@@ -1609,8 +1347,8 @@
         </p:nvSpPr>
         <p:spPr>
           <a:xfrm>
-            <a:off x="831850" y="1709738"/>
-            <a:ext cx="10515600" cy="2852737"/>
+            <a:off x="623888" y="1709739"/>
+            <a:ext cx="7886700" cy="2852737"/>
           </a:xfrm>
         </p:spPr>
         <p:txBody>
@@ -1625,7 +1363,7 @@
               <a:rPr lang="en-US" smtClean="0"/>
               <a:t>Click to edit Master title style</a:t>
             </a:r>
-            <a:endParaRPr lang="en-US"/>
+            <a:endParaRPr lang="en-US" dirty="0"/>
           </a:p>
         </p:txBody>
       </p:sp>
@@ -1641,8 +1379,8 @@
         </p:nvSpPr>
         <p:spPr>
           <a:xfrm>
-            <a:off x="831850" y="4589463"/>
-            <a:ext cx="10515600" cy="1500187"/>
+            <a:off x="623888" y="4589464"/>
+            <a:ext cx="7886700" cy="1500187"/>
           </a:xfrm>
         </p:spPr>
         <p:txBody>
@@ -1652,9 +1390,7 @@
               <a:buNone/>
               <a:defRPr sz="2400">
                 <a:solidFill>
-                  <a:schemeClr val="tx1">
-                    <a:tint val="75000"/>
-                  </a:schemeClr>
+                  <a:schemeClr val="tx1"/>
                 </a:solidFill>
               </a:defRPr>
             </a:lvl1pPr>
@@ -1765,7 +1501,7 @@
           <a:p>
             <a:fld id="{00AB0D8E-E724-48D0-B7E1-3298C8355436}" type="datetimeFigureOut">
               <a:rPr lang="en-US" smtClean="0"/>
-              <a:t>8/11/2014</a:t>
+              <a:t>9/3/2014</a:t>
             </a:fld>
             <a:endParaRPr lang="en-US"/>
           </a:p>
@@ -1816,7 +1552,7 @@
     </p:spTree>
     <p:extLst>
       <p:ext uri="{BB962C8B-B14F-4D97-AF65-F5344CB8AC3E}">
-        <p14:creationId xmlns:p14="http://schemas.microsoft.com/office/powerpoint/2010/main" val="1862008025"/>
+        <p14:creationId xmlns:p14="http://schemas.microsoft.com/office/powerpoint/2010/main" val="2766462418"/>
       </p:ext>
     </p:extLst>
   </p:cSld>
@@ -1862,7 +1598,7 @@
               <a:rPr lang="en-US" smtClean="0"/>
               <a:t>Click to edit Master title style</a:t>
             </a:r>
-            <a:endParaRPr lang="en-US"/>
+            <a:endParaRPr lang="en-US" dirty="0"/>
           </a:p>
         </p:txBody>
       </p:sp>
@@ -1878,8 +1614,8 @@
         </p:nvSpPr>
         <p:spPr>
           <a:xfrm>
-            <a:off x="838200" y="1825625"/>
-            <a:ext cx="5181600" cy="4351338"/>
+            <a:off x="628650" y="1825625"/>
+            <a:ext cx="3886200" cy="4351338"/>
           </a:xfrm>
         </p:spPr>
         <p:txBody>
@@ -1919,7 +1655,7 @@
               <a:rPr lang="en-US" smtClean="0"/>
               <a:t>Fifth level</a:t>
             </a:r>
-            <a:endParaRPr lang="en-US"/>
+            <a:endParaRPr lang="en-US" dirty="0"/>
           </a:p>
         </p:txBody>
       </p:sp>
@@ -1935,8 +1671,8 @@
         </p:nvSpPr>
         <p:spPr>
           <a:xfrm>
-            <a:off x="6172200" y="1825625"/>
-            <a:ext cx="5181600" cy="4351338"/>
+            <a:off x="4629150" y="1825625"/>
+            <a:ext cx="3886200" cy="4351338"/>
           </a:xfrm>
         </p:spPr>
         <p:txBody>
@@ -1976,7 +1712,7 @@
               <a:rPr lang="en-US" smtClean="0"/>
               <a:t>Fifth level</a:t>
             </a:r>
-            <a:endParaRPr lang="en-US"/>
+            <a:endParaRPr lang="en-US" dirty="0"/>
           </a:p>
         </p:txBody>
       </p:sp>
@@ -1997,7 +1733,7 @@
           <a:p>
             <a:fld id="{00AB0D8E-E724-48D0-B7E1-3298C8355436}" type="datetimeFigureOut">
               <a:rPr lang="en-US" smtClean="0"/>
-              <a:t>8/11/2014</a:t>
+              <a:t>9/3/2014</a:t>
             </a:fld>
             <a:endParaRPr lang="en-US"/>
           </a:p>
@@ -2048,7 +1784,7 @@
     </p:spTree>
     <p:extLst>
       <p:ext uri="{BB962C8B-B14F-4D97-AF65-F5344CB8AC3E}">
-        <p14:creationId xmlns:p14="http://schemas.microsoft.com/office/powerpoint/2010/main" val="3339264174"/>
+        <p14:creationId xmlns:p14="http://schemas.microsoft.com/office/powerpoint/2010/main" val="912103035"/>
       </p:ext>
     </p:extLst>
   </p:cSld>
@@ -2087,8 +1823,8 @@
         </p:nvSpPr>
         <p:spPr>
           <a:xfrm>
-            <a:off x="839788" y="365125"/>
-            <a:ext cx="10515600" cy="1325563"/>
+            <a:off x="629841" y="365126"/>
+            <a:ext cx="7886700" cy="1325563"/>
           </a:xfrm>
         </p:spPr>
         <p:txBody>
@@ -2099,7 +1835,7 @@
               <a:rPr lang="en-US" smtClean="0"/>
               <a:t>Click to edit Master title style</a:t>
             </a:r>
-            <a:endParaRPr lang="en-US"/>
+            <a:endParaRPr lang="en-US" dirty="0"/>
           </a:p>
         </p:txBody>
       </p:sp>
@@ -2115,8 +1851,8 @@
         </p:nvSpPr>
         <p:spPr>
           <a:xfrm>
-            <a:off x="839788" y="1681163"/>
-            <a:ext cx="5157787" cy="823912"/>
+            <a:off x="629842" y="1681163"/>
+            <a:ext cx="3868340" cy="823912"/>
           </a:xfrm>
         </p:spPr>
         <p:txBody>
@@ -2180,8 +1916,8 @@
         </p:nvSpPr>
         <p:spPr>
           <a:xfrm>
-            <a:off x="839788" y="2505075"/>
-            <a:ext cx="5157787" cy="3684588"/>
+            <a:off x="629842" y="2505075"/>
+            <a:ext cx="3868340" cy="3684588"/>
           </a:xfrm>
         </p:spPr>
         <p:txBody>
@@ -2221,7 +1957,7 @@
               <a:rPr lang="en-US" smtClean="0"/>
               <a:t>Fifth level</a:t>
             </a:r>
-            <a:endParaRPr lang="en-US"/>
+            <a:endParaRPr lang="en-US" dirty="0"/>
           </a:p>
         </p:txBody>
       </p:sp>
@@ -2237,8 +1973,8 @@
         </p:nvSpPr>
         <p:spPr>
           <a:xfrm>
-            <a:off x="6172200" y="1681163"/>
-            <a:ext cx="5183188" cy="823912"/>
+            <a:off x="4629150" y="1681163"/>
+            <a:ext cx="3887391" cy="823912"/>
           </a:xfrm>
         </p:spPr>
         <p:txBody>
@@ -2302,8 +2038,8 @@
         </p:nvSpPr>
         <p:spPr>
           <a:xfrm>
-            <a:off x="6172200" y="2505075"/>
-            <a:ext cx="5183188" cy="3684588"/>
+            <a:off x="4629150" y="2505075"/>
+            <a:ext cx="3887391" cy="3684588"/>
           </a:xfrm>
         </p:spPr>
         <p:txBody>
@@ -2343,7 +2079,7 @@
               <a:rPr lang="en-US" smtClean="0"/>
               <a:t>Fifth level</a:t>
             </a:r>
-            <a:endParaRPr lang="en-US"/>
+            <a:endParaRPr lang="en-US" dirty="0"/>
           </a:p>
         </p:txBody>
       </p:sp>
@@ -2364,7 +2100,7 @@
           <a:p>
             <a:fld id="{00AB0D8E-E724-48D0-B7E1-3298C8355436}" type="datetimeFigureOut">
               <a:rPr lang="en-US" smtClean="0"/>
-              <a:t>8/11/2014</a:t>
+              <a:t>9/3/2014</a:t>
             </a:fld>
             <a:endParaRPr lang="en-US"/>
           </a:p>
@@ -2415,7 +2151,7 @@
     </p:spTree>
     <p:extLst>
       <p:ext uri="{BB962C8B-B14F-4D97-AF65-F5344CB8AC3E}">
-        <p14:creationId xmlns:p14="http://schemas.microsoft.com/office/powerpoint/2010/main" val="4123693395"/>
+        <p14:creationId xmlns:p14="http://schemas.microsoft.com/office/powerpoint/2010/main" val="500438678"/>
       </p:ext>
     </p:extLst>
   </p:cSld>
@@ -2461,7 +2197,7 @@
               <a:rPr lang="en-US" smtClean="0"/>
               <a:t>Click to edit Master title style</a:t>
             </a:r>
-            <a:endParaRPr lang="en-US"/>
+            <a:endParaRPr lang="en-US" dirty="0"/>
           </a:p>
         </p:txBody>
       </p:sp>
@@ -2482,7 +2218,7 @@
           <a:p>
             <a:fld id="{00AB0D8E-E724-48D0-B7E1-3298C8355436}" type="datetimeFigureOut">
               <a:rPr lang="en-US" smtClean="0"/>
-              <a:t>8/11/2014</a:t>
+              <a:t>9/3/2014</a:t>
             </a:fld>
             <a:endParaRPr lang="en-US"/>
           </a:p>
@@ -2533,7 +2269,7 @@
     </p:spTree>
     <p:extLst>
       <p:ext uri="{BB962C8B-B14F-4D97-AF65-F5344CB8AC3E}">
-        <p14:creationId xmlns:p14="http://schemas.microsoft.com/office/powerpoint/2010/main" val="3713559261"/>
+        <p14:creationId xmlns:p14="http://schemas.microsoft.com/office/powerpoint/2010/main" val="3390511608"/>
       </p:ext>
     </p:extLst>
   </p:cSld>
@@ -2577,7 +2313,7 @@
           <a:p>
             <a:fld id="{00AB0D8E-E724-48D0-B7E1-3298C8355436}" type="datetimeFigureOut">
               <a:rPr lang="en-US" smtClean="0"/>
-              <a:t>8/11/2014</a:t>
+              <a:t>9/3/2014</a:t>
             </a:fld>
             <a:endParaRPr lang="en-US"/>
           </a:p>
@@ -2628,7 +2364,7 @@
     </p:spTree>
     <p:extLst>
       <p:ext uri="{BB962C8B-B14F-4D97-AF65-F5344CB8AC3E}">
-        <p14:creationId xmlns:p14="http://schemas.microsoft.com/office/powerpoint/2010/main" val="3102401640"/>
+        <p14:creationId xmlns:p14="http://schemas.microsoft.com/office/powerpoint/2010/main" val="1920359190"/>
       </p:ext>
     </p:extLst>
   </p:cSld>
@@ -2667,8 +2403,8 @@
         </p:nvSpPr>
         <p:spPr>
           <a:xfrm>
-            <a:off x="839788" y="457200"/>
-            <a:ext cx="3932237" cy="1600200"/>
+            <a:off x="629841" y="457200"/>
+            <a:ext cx="2949178" cy="1600200"/>
           </a:xfrm>
         </p:spPr>
         <p:txBody>
@@ -2683,7 +2419,7 @@
               <a:rPr lang="en-US" smtClean="0"/>
               <a:t>Click to edit Master title style</a:t>
             </a:r>
-            <a:endParaRPr lang="en-US"/>
+            <a:endParaRPr lang="en-US" dirty="0"/>
           </a:p>
         </p:txBody>
       </p:sp>
@@ -2699,8 +2435,8 @@
         </p:nvSpPr>
         <p:spPr>
           <a:xfrm>
-            <a:off x="5183188" y="987425"/>
-            <a:ext cx="6172200" cy="4873625"/>
+            <a:off x="3887391" y="987426"/>
+            <a:ext cx="4629150" cy="4873625"/>
           </a:xfrm>
         </p:spPr>
         <p:txBody>
@@ -2768,7 +2504,7 @@
               <a:rPr lang="en-US" smtClean="0"/>
               <a:t>Fifth level</a:t>
             </a:r>
-            <a:endParaRPr lang="en-US"/>
+            <a:endParaRPr lang="en-US" dirty="0"/>
           </a:p>
         </p:txBody>
       </p:sp>
@@ -2784,8 +2520,8 @@
         </p:nvSpPr>
         <p:spPr>
           <a:xfrm>
-            <a:off x="839788" y="2057400"/>
-            <a:ext cx="3932237" cy="3811588"/>
+            <a:off x="629841" y="2057400"/>
+            <a:ext cx="2949178" cy="3811588"/>
           </a:xfrm>
         </p:spPr>
         <p:txBody>
@@ -2854,7 +2590,7 @@
           <a:p>
             <a:fld id="{00AB0D8E-E724-48D0-B7E1-3298C8355436}" type="datetimeFigureOut">
               <a:rPr lang="en-US" smtClean="0"/>
-              <a:t>8/11/2014</a:t>
+              <a:t>9/3/2014</a:t>
             </a:fld>
             <a:endParaRPr lang="en-US"/>
           </a:p>
@@ -2905,7 +2641,7 @@
     </p:spTree>
     <p:extLst>
       <p:ext uri="{BB962C8B-B14F-4D97-AF65-F5344CB8AC3E}">
-        <p14:creationId xmlns:p14="http://schemas.microsoft.com/office/powerpoint/2010/main" val="384290364"/>
+        <p14:creationId xmlns:p14="http://schemas.microsoft.com/office/powerpoint/2010/main" val="3220667009"/>
       </p:ext>
     </p:extLst>
   </p:cSld>
@@ -2944,8 +2680,8 @@
         </p:nvSpPr>
         <p:spPr>
           <a:xfrm>
-            <a:off x="839788" y="457200"/>
-            <a:ext cx="3932237" cy="1600200"/>
+            <a:off x="629841" y="457200"/>
+            <a:ext cx="2949178" cy="1600200"/>
           </a:xfrm>
         </p:spPr>
         <p:txBody>
@@ -2960,7 +2696,7 @@
               <a:rPr lang="en-US" smtClean="0"/>
               <a:t>Click to edit Master title style</a:t>
             </a:r>
-            <a:endParaRPr lang="en-US"/>
+            <a:endParaRPr lang="en-US" dirty="0"/>
           </a:p>
         </p:txBody>
       </p:sp>
@@ -2968,7 +2704,7 @@
         <p:nvSpPr>
           <p:cNvPr id="3" name="Picture Placeholder 2"/>
           <p:cNvSpPr>
-            <a:spLocks noGrp="1"/>
+            <a:spLocks noGrp="1" noChangeAspect="1"/>
           </p:cNvSpPr>
           <p:nvPr>
             <p:ph type="pic" idx="1"/>
@@ -2976,12 +2712,12 @@
         </p:nvSpPr>
         <p:spPr>
           <a:xfrm>
-            <a:off x="5183188" y="987425"/>
-            <a:ext cx="6172200" cy="4873625"/>
+            <a:off x="3887391" y="987426"/>
+            <a:ext cx="4629150" cy="4873625"/>
           </a:xfrm>
         </p:spPr>
         <p:txBody>
-          <a:bodyPr/>
+          <a:bodyPr anchor="t"/>
           <a:lstStyle>
             <a:lvl1pPr marL="0" indent="0">
               <a:buNone/>
@@ -3021,7 +2757,11 @@
             </a:lvl9pPr>
           </a:lstStyle>
           <a:p>
-            <a:endParaRPr lang="en-US"/>
+            <a:r>
+              <a:rPr lang="en-US" smtClean="0"/>
+              <a:t>Click icon to add picture</a:t>
+            </a:r>
+            <a:endParaRPr lang="en-US" dirty="0"/>
           </a:p>
         </p:txBody>
       </p:sp>
@@ -3037,8 +2777,8 @@
         </p:nvSpPr>
         <p:spPr>
           <a:xfrm>
-            <a:off x="839788" y="2057400"/>
-            <a:ext cx="3932237" cy="3811588"/>
+            <a:off x="629841" y="2057400"/>
+            <a:ext cx="2949178" cy="3811588"/>
           </a:xfrm>
         </p:spPr>
         <p:txBody>
@@ -3107,7 +2847,7 @@
           <a:p>
             <a:fld id="{00AB0D8E-E724-48D0-B7E1-3298C8355436}" type="datetimeFigureOut">
               <a:rPr lang="en-US" smtClean="0"/>
-              <a:t>8/11/2014</a:t>
+              <a:t>9/3/2014</a:t>
             </a:fld>
             <a:endParaRPr lang="en-US"/>
           </a:p>
@@ -3158,7 +2898,7 @@
     </p:spTree>
     <p:extLst>
       <p:ext uri="{BB962C8B-B14F-4D97-AF65-F5344CB8AC3E}">
-        <p14:creationId xmlns:p14="http://schemas.microsoft.com/office/powerpoint/2010/main" val="2134362567"/>
+        <p14:creationId xmlns:p14="http://schemas.microsoft.com/office/powerpoint/2010/main" val="628010808"/>
       </p:ext>
     </p:extLst>
   </p:cSld>
@@ -3202,8 +2942,8 @@
         </p:nvSpPr>
         <p:spPr>
           <a:xfrm>
-            <a:off x="838200" y="365125"/>
-            <a:ext cx="10515600" cy="1325563"/>
+            <a:off x="628650" y="365126"/>
+            <a:ext cx="7886700" cy="1325563"/>
           </a:xfrm>
           <a:prstGeom prst="rect">
             <a:avLst/>
@@ -3219,7 +2959,7 @@
               <a:rPr lang="en-US" smtClean="0"/>
               <a:t>Click to edit Master title style</a:t>
             </a:r>
-            <a:endParaRPr lang="en-US"/>
+            <a:endParaRPr lang="en-US" dirty="0"/>
           </a:p>
         </p:txBody>
       </p:sp>
@@ -3235,8 +2975,8 @@
         </p:nvSpPr>
         <p:spPr>
           <a:xfrm>
-            <a:off x="838200" y="1825625"/>
-            <a:ext cx="10515600" cy="4351338"/>
+            <a:off x="628650" y="1825625"/>
+            <a:ext cx="7886700" cy="4351338"/>
           </a:xfrm>
           <a:prstGeom prst="rect">
             <a:avLst/>
@@ -3281,7 +3021,7 @@
               <a:rPr lang="en-US" smtClean="0"/>
               <a:t>Fifth level</a:t>
             </a:r>
-            <a:endParaRPr lang="en-US"/>
+            <a:endParaRPr lang="en-US" dirty="0"/>
           </a:p>
         </p:txBody>
       </p:sp>
@@ -3297,8 +3037,8 @@
         </p:nvSpPr>
         <p:spPr>
           <a:xfrm>
-            <a:off x="838200" y="6356350"/>
-            <a:ext cx="2743200" cy="365125"/>
+            <a:off x="628650" y="6356351"/>
+            <a:ext cx="2057400" cy="365125"/>
           </a:xfrm>
           <a:prstGeom prst="rect">
             <a:avLst/>
@@ -3320,7 +3060,7 @@
           <a:p>
             <a:fld id="{00AB0D8E-E724-48D0-B7E1-3298C8355436}" type="datetimeFigureOut">
               <a:rPr lang="en-US" smtClean="0"/>
-              <a:t>8/11/2014</a:t>
+              <a:t>9/3/2014</a:t>
             </a:fld>
             <a:endParaRPr lang="en-US"/>
           </a:p>
@@ -3338,8 +3078,8 @@
         </p:nvSpPr>
         <p:spPr>
           <a:xfrm>
-            <a:off x="4038600" y="6356350"/>
-            <a:ext cx="4114800" cy="365125"/>
+            <a:off x="3028950" y="6356351"/>
+            <a:ext cx="3086100" cy="365125"/>
           </a:xfrm>
           <a:prstGeom prst="rect">
             <a:avLst/>
@@ -3375,8 +3115,8 @@
         </p:nvSpPr>
         <p:spPr>
           <a:xfrm>
-            <a:off x="8610600" y="6356350"/>
-            <a:ext cx="2743200" cy="365125"/>
+            <a:off x="6457950" y="6356351"/>
+            <a:ext cx="2057400" cy="365125"/>
           </a:xfrm>
           <a:prstGeom prst="rect">
             <a:avLst/>
@@ -3407,24 +3147,23 @@
     </p:spTree>
     <p:extLst>
       <p:ext uri="{BB962C8B-B14F-4D97-AF65-F5344CB8AC3E}">
-        <p14:creationId xmlns:p14="http://schemas.microsoft.com/office/powerpoint/2010/main" val="1483356472"/>
+        <p14:creationId xmlns:p14="http://schemas.microsoft.com/office/powerpoint/2010/main" val="749051933"/>
       </p:ext>
     </p:extLst>
   </p:cSld>
   <p:clrMap bg1="lt1" tx1="dk1" bg2="lt2" tx2="dk2" accent1="accent1" accent2="accent2" accent3="accent3" accent4="accent4" accent5="accent5" accent6="accent6" hlink="hlink" folHlink="folHlink"/>
   <p:sldLayoutIdLst>
-    <p:sldLayoutId id="2147483649" r:id="rId1"/>
-    <p:sldLayoutId id="2147483650" r:id="rId2"/>
-    <p:sldLayoutId id="2147483651" r:id="rId3"/>
-    <p:sldLayoutId id="2147483652" r:id="rId4"/>
-    <p:sldLayoutId id="2147483653" r:id="rId5"/>
-    <p:sldLayoutId id="2147483654" r:id="rId6"/>
-    <p:sldLayoutId id="2147483655" r:id="rId7"/>
-    <p:sldLayoutId id="2147483656" r:id="rId8"/>
-    <p:sldLayoutId id="2147483657" r:id="rId9"/>
-    <p:sldLayoutId id="2147483658" r:id="rId10"/>
-    <p:sldLayoutId id="2147483659" r:id="rId11"/>
-    <p:sldLayoutId id="2147483660" r:id="rId12"/>
+    <p:sldLayoutId id="2147483661" r:id="rId1"/>
+    <p:sldLayoutId id="2147483662" r:id="rId2"/>
+    <p:sldLayoutId id="2147483663" r:id="rId3"/>
+    <p:sldLayoutId id="2147483664" r:id="rId4"/>
+    <p:sldLayoutId id="2147483665" r:id="rId5"/>
+    <p:sldLayoutId id="2147483666" r:id="rId6"/>
+    <p:sldLayoutId id="2147483667" r:id="rId7"/>
+    <p:sldLayoutId id="2147483668" r:id="rId8"/>
+    <p:sldLayoutId id="2147483669" r:id="rId9"/>
+    <p:sldLayoutId id="2147483670" r:id="rId10"/>
+    <p:sldLayoutId id="2147483671" r:id="rId11"/>
   </p:sldLayoutIdLst>
   <p:txStyles>
     <p:titleStyle>
@@ -3741,7 +3480,7 @@
         </p:nvSpPr>
         <p:spPr>
           <a:xfrm>
-            <a:off x="1759388" y="70969"/>
+            <a:off x="235391" y="70969"/>
             <a:ext cx="8691327" cy="2387600"/>
           </a:xfrm>
         </p:spPr>
@@ -3752,7 +3491,7 @@
           <a:lstStyle/>
           <a:p>
             <a:r>
-              <a:rPr lang="en-US" sz="7300" dirty="0" smtClean="0"/>
+              <a:rPr lang="en-US" sz="7300" dirty="0"/>
               <a:t>ORMs:</a:t>
             </a:r>
             <a:r>
@@ -3785,8 +3524,8 @@
         </p:nvSpPr>
         <p:spPr>
           <a:xfrm>
-            <a:off x="2676052" y="2693395"/>
-            <a:ext cx="6858000" cy="1655762"/>
+            <a:off x="1152052" y="2693396"/>
+            <a:ext cx="6858000" cy="1655763"/>
           </a:xfrm>
         </p:spPr>
         <p:txBody>
@@ -3862,8 +3601,8 @@
         </p:blipFill>
         <p:spPr bwMode="auto">
           <a:xfrm>
-            <a:off x="1905000" y="4521448"/>
-            <a:ext cx="1428750" cy="1790701"/>
+            <a:off x="381002" y="4521449"/>
+            <a:ext cx="1428751" cy="1790701"/>
           </a:xfrm>
           <a:prstGeom prst="rect">
             <a:avLst/>
@@ -3903,7 +3642,7 @@
         </p:blipFill>
         <p:spPr bwMode="auto">
           <a:xfrm>
-            <a:off x="8839201" y="4559547"/>
+            <a:off x="7315203" y="4559547"/>
             <a:ext cx="1095375" cy="1714500"/>
           </a:xfrm>
           <a:prstGeom prst="rect">
@@ -3944,7 +3683,7 @@
         </p:blipFill>
         <p:spPr bwMode="auto">
           <a:xfrm>
-            <a:off x="2913646" y="4724401"/>
+            <a:off x="1389648" y="4724403"/>
             <a:ext cx="6047539" cy="733425"/>
           </a:xfrm>
           <a:prstGeom prst="rect">
@@ -3985,7 +3724,7 @@
         </p:blipFill>
         <p:spPr bwMode="auto">
           <a:xfrm>
-            <a:off x="4000500" y="5871326"/>
+            <a:off x="2476500" y="5871329"/>
             <a:ext cx="3733800" cy="382377"/>
           </a:xfrm>
           <a:prstGeom prst="rect">
@@ -4045,7 +3784,7 @@
       </p:grpSpPr>
       <p:sp>
         <p:nvSpPr>
-          <p:cNvPr id="4" name="Title 3"/>
+          <p:cNvPr id="2" name="Title 1"/>
           <p:cNvSpPr>
             <a:spLocks noGrp="1"/>
           </p:cNvSpPr>
@@ -4060,35 +3799,42 @@
           <a:p>
             <a:r>
               <a:rPr lang="en-US" dirty="0" smtClean="0"/>
-              <a:t>Mapping Problems</a:t>
+              <a:t>Bad Idea: DB-Generated</a:t>
             </a:r>
             <a:endParaRPr lang="en-US" dirty="0"/>
           </a:p>
         </p:txBody>
       </p:sp>
-      <p:sp>
-        <p:nvSpPr>
-          <p:cNvPr id="5" name="Text Placeholder 4"/>
-          <p:cNvSpPr>
-            <a:spLocks noGrp="1"/>
-          </p:cNvSpPr>
-          <p:nvPr>
-            <p:ph type="body" idx="1"/>
-          </p:nvPr>
-        </p:nvSpPr>
-        <p:spPr/>
-        <p:txBody>
-          <a:bodyPr/>
-          <a:lstStyle/>
-          <a:p>
-            <a:endParaRPr lang="en-US"/>
-          </a:p>
-        </p:txBody>
-      </p:sp>
+      <p:pic>
+        <p:nvPicPr>
+          <p:cNvPr id="4" name="Content Placeholder 3"/>
+          <p:cNvPicPr>
+            <a:picLocks noGrp="1" noChangeAspect="1"/>
+          </p:cNvPicPr>
+          <p:nvPr>
+            <p:ph idx="1"/>
+          </p:nvPr>
+        </p:nvPicPr>
+        <p:blipFill>
+          <a:blip r:embed="rId2"/>
+          <a:stretch>
+            <a:fillRect/>
+          </a:stretch>
+        </p:blipFill>
+        <p:spPr>
+          <a:xfrm>
+            <a:off x="2146475" y="1825625"/>
+            <a:ext cx="4851049" cy="4351338"/>
+          </a:xfrm>
+          <a:prstGeom prst="rect">
+            <a:avLst/>
+          </a:prstGeom>
+        </p:spPr>
+      </p:pic>
     </p:spTree>
     <p:extLst>
       <p:ext uri="{BB962C8B-B14F-4D97-AF65-F5344CB8AC3E}">
-        <p14:creationId xmlns:p14="http://schemas.microsoft.com/office/powerpoint/2010/main" val="1030116070"/>
+        <p14:creationId xmlns:p14="http://schemas.microsoft.com/office/powerpoint/2010/main" val="3689072831"/>
       </p:ext>
     </p:extLst>
   </p:cSld>
@@ -4124,7 +3870,7 @@
       </p:grpSpPr>
       <p:sp>
         <p:nvSpPr>
-          <p:cNvPr id="4" name="Title 3"/>
+          <p:cNvPr id="2" name="Title 1"/>
           <p:cNvSpPr>
             <a:spLocks noGrp="1"/>
           </p:cNvSpPr>
@@ -4139,7 +3885,7 @@
           <a:p>
             <a:r>
               <a:rPr lang="en-US" dirty="0" smtClean="0"/>
-              <a:t>Bad Idea: Many-to-many mapping</a:t>
+              <a:t>Good Idea: Code-First</a:t>
             </a:r>
             <a:endParaRPr lang="en-US" dirty="0"/>
           </a:p>
@@ -4147,51 +3893,34 @@
       </p:sp>
       <p:pic>
         <p:nvPicPr>
-          <p:cNvPr id="9" name="Picture 2" descr="image"/>
+          <p:cNvPr id="4" name="Content Placeholder 3"/>
           <p:cNvPicPr>
-            <a:picLocks noGrp="1" noChangeAspect="1" noChangeArrowheads="1"/>
+            <a:picLocks noGrp="1" noChangeAspect="1"/>
           </p:cNvPicPr>
           <p:nvPr>
             <p:ph idx="1"/>
           </p:nvPr>
         </p:nvPicPr>
         <p:blipFill>
-          <a:blip r:embed="rId2">
-            <a:extLst>
-              <a:ext uri="{28A0092B-C50C-407E-A947-70E740481C1C}">
-                <a14:useLocalDpi xmlns:a14="http://schemas.microsoft.com/office/drawing/2010/main" val="0"/>
-              </a:ext>
-            </a:extLst>
-          </a:blip>
-          <a:srcRect/>
+          <a:blip r:embed="rId2"/>
           <a:stretch>
             <a:fillRect/>
           </a:stretch>
         </p:blipFill>
-        <p:spPr bwMode="auto">
+        <p:spPr>
           <a:xfrm>
-            <a:off x="3519128" y="2162712"/>
-            <a:ext cx="5153744" cy="3677163"/>
+            <a:off x="2146475" y="1825625"/>
+            <a:ext cx="4851049" cy="4351338"/>
           </a:xfrm>
           <a:prstGeom prst="rect">
             <a:avLst/>
           </a:prstGeom>
-          <a:noFill/>
-          <a:extLst>
-            <a:ext uri="{909E8E84-426E-40DD-AFC4-6F175D3DCCD1}">
-              <a14:hiddenFill xmlns:a14="http://schemas.microsoft.com/office/drawing/2010/main">
-                <a:solidFill>
-                  <a:srgbClr val="FFFFFF"/>
-                </a:solidFill>
-              </a14:hiddenFill>
-            </a:ext>
-          </a:extLst>
         </p:spPr>
       </p:pic>
     </p:spTree>
     <p:extLst>
       <p:ext uri="{BB962C8B-B14F-4D97-AF65-F5344CB8AC3E}">
-        <p14:creationId xmlns:p14="http://schemas.microsoft.com/office/powerpoint/2010/main" val="4143912776"/>
+        <p14:creationId xmlns:p14="http://schemas.microsoft.com/office/powerpoint/2010/main" val="4079621477"/>
       </p:ext>
     </p:extLst>
   </p:cSld>
@@ -4227,7 +3956,7 @@
       </p:grpSpPr>
       <p:sp>
         <p:nvSpPr>
-          <p:cNvPr id="4" name="Title 3"/>
+          <p:cNvPr id="2" name="Title 1"/>
           <p:cNvSpPr>
             <a:spLocks noGrp="1"/>
           </p:cNvSpPr>
@@ -4237,20 +3966,22 @@
         </p:nvSpPr>
         <p:spPr/>
         <p:txBody>
-          <a:bodyPr/>
-          <a:lstStyle/>
-          <a:p>
-            <a:r>
-              <a:rPr lang="en-US" dirty="0" smtClean="0"/>
-              <a:t>Bad Idea: Many-to-many mapping</a:t>
-            </a:r>
-            <a:endParaRPr lang="en-US" dirty="0"/>
+          <a:bodyPr>
+            <a:normAutofit/>
+          </a:bodyPr>
+          <a:lstStyle/>
+          <a:p>
+            <a:r>
+              <a:rPr lang="en-US" sz="4000" dirty="0"/>
+              <a:t>Bad Idea: Extraneous navigations</a:t>
+            </a:r>
+            <a:endParaRPr lang="en-US" sz="4000" dirty="0"/>
           </a:p>
         </p:txBody>
       </p:sp>
       <p:pic>
         <p:nvPicPr>
-          <p:cNvPr id="7" name="Content Placeholder 6"/>
+          <p:cNvPr id="4" name="Content Placeholder 3"/>
           <p:cNvPicPr>
             <a:picLocks noGrp="1" noChangeAspect="1"/>
           </p:cNvPicPr>
@@ -4266,8 +3997,8 @@
         </p:blipFill>
         <p:spPr>
           <a:xfrm>
-            <a:off x="1395412" y="2882106"/>
-            <a:ext cx="9401175" cy="2238375"/>
+            <a:off x="1002786" y="1825625"/>
+            <a:ext cx="7138428" cy="4351338"/>
           </a:xfrm>
           <a:prstGeom prst="rect">
             <a:avLst/>
@@ -4277,7 +4008,7 @@
     </p:spTree>
     <p:extLst>
       <p:ext uri="{BB962C8B-B14F-4D97-AF65-F5344CB8AC3E}">
-        <p14:creationId xmlns:p14="http://schemas.microsoft.com/office/powerpoint/2010/main" val="1249152444"/>
+        <p14:creationId xmlns:p14="http://schemas.microsoft.com/office/powerpoint/2010/main" val="3292736826"/>
       </p:ext>
     </p:extLst>
   </p:cSld>
@@ -4328,7 +4059,7 @@
           <a:p>
             <a:r>
               <a:rPr lang="en-US" dirty="0" smtClean="0"/>
-              <a:t>Good idea: Map join table</a:t>
+              <a:t>Good Idea: YAGNI Associations</a:t>
             </a:r>
             <a:endParaRPr lang="en-US" dirty="0"/>
           </a:p>
@@ -4352,8 +4083,8 @@
         </p:blipFill>
         <p:spPr>
           <a:xfrm>
-            <a:off x="1766887" y="3005931"/>
-            <a:ext cx="8658225" cy="1990725"/>
+            <a:off x="1388947" y="1825625"/>
+            <a:ext cx="6366105" cy="4351338"/>
           </a:xfrm>
           <a:prstGeom prst="rect">
             <a:avLst/>
@@ -4363,7 +4094,7 @@
     </p:spTree>
     <p:extLst>
       <p:ext uri="{BB962C8B-B14F-4D97-AF65-F5344CB8AC3E}">
-        <p14:creationId xmlns:p14="http://schemas.microsoft.com/office/powerpoint/2010/main" val="211915413"/>
+        <p14:creationId xmlns:p14="http://schemas.microsoft.com/office/powerpoint/2010/main" val="2466255831"/>
       </p:ext>
     </p:extLst>
   </p:cSld>
@@ -4414,7 +4145,7 @@
           <a:p>
             <a:r>
               <a:rPr lang="en-US" dirty="0" smtClean="0"/>
-              <a:t>Bad Idea: Primitive Obsession</a:t>
+              <a:t>Bad Idea: Mapping Duplication</a:t>
             </a:r>
             <a:endParaRPr lang="en-US" dirty="0"/>
           </a:p>
@@ -4422,7 +4153,7 @@
       </p:sp>
       <p:pic>
         <p:nvPicPr>
-          <p:cNvPr id="4" name="Content Placeholder 3"/>
+          <p:cNvPr id="8" name="Content Placeholder 7"/>
           <p:cNvPicPr>
             <a:picLocks noGrp="1" noChangeAspect="1"/>
           </p:cNvPicPr>
@@ -4438,8 +4169,8 @@
         </p:blipFill>
         <p:spPr>
           <a:xfrm>
-            <a:off x="2986083" y="2996403"/>
-            <a:ext cx="6219825" cy="2009775"/>
+            <a:off x="628650" y="3112151"/>
+            <a:ext cx="7886700" cy="1778286"/>
           </a:xfrm>
           <a:prstGeom prst="rect">
             <a:avLst/>
@@ -4449,7 +4180,7 @@
     </p:spTree>
     <p:extLst>
       <p:ext uri="{BB962C8B-B14F-4D97-AF65-F5344CB8AC3E}">
-        <p14:creationId xmlns:p14="http://schemas.microsoft.com/office/powerpoint/2010/main" val="3056272040"/>
+        <p14:creationId xmlns:p14="http://schemas.microsoft.com/office/powerpoint/2010/main" val="2239251441"/>
       </p:ext>
     </p:extLst>
   </p:cSld>
@@ -4500,7 +4231,7 @@
           <a:p>
             <a:r>
               <a:rPr lang="en-US" dirty="0" smtClean="0"/>
-              <a:t>Good Idea: Custom User Types</a:t>
+              <a:t>Good Idea: Mapping Conventions</a:t>
             </a:r>
             <a:endParaRPr lang="en-US" dirty="0"/>
           </a:p>
@@ -4524,8 +4255,8 @@
         </p:blipFill>
         <p:spPr>
           <a:xfrm>
-            <a:off x="2538412" y="2991644"/>
-            <a:ext cx="7115175" cy="2019300"/>
+            <a:off x="628650" y="3231430"/>
+            <a:ext cx="7886700" cy="1539728"/>
           </a:xfrm>
           <a:prstGeom prst="rect">
             <a:avLst/>
@@ -4535,7 +4266,7 @@
     </p:spTree>
     <p:extLst>
       <p:ext uri="{BB962C8B-B14F-4D97-AF65-F5344CB8AC3E}">
-        <p14:creationId xmlns:p14="http://schemas.microsoft.com/office/powerpoint/2010/main" val="910025511"/>
+        <p14:creationId xmlns:p14="http://schemas.microsoft.com/office/powerpoint/2010/main" val="4060878284"/>
       </p:ext>
     </p:extLst>
   </p:cSld>
@@ -4571,7 +4302,7 @@
       </p:grpSpPr>
       <p:sp>
         <p:nvSpPr>
-          <p:cNvPr id="2" name="Title 1"/>
+          <p:cNvPr id="4" name="Title 3"/>
           <p:cNvSpPr>
             <a:spLocks noGrp="1"/>
           </p:cNvSpPr>
@@ -4586,7 +4317,7 @@
           <a:p>
             <a:r>
               <a:rPr lang="en-US" dirty="0" smtClean="0"/>
-              <a:t>Good Idea: Custom User Types</a:t>
+              <a:t>Bad Idea: Many-to-many mapping</a:t>
             </a:r>
             <a:endParaRPr lang="en-US" dirty="0"/>
           </a:p>
@@ -4594,34 +4325,50 @@
       </p:sp>
       <p:pic>
         <p:nvPicPr>
-          <p:cNvPr id="4" name="Content Placeholder 3"/>
+          <p:cNvPr id="9" name="Picture 2" descr="image"/>
           <p:cNvPicPr>
-            <a:picLocks noGrp="1" noChangeAspect="1"/>
+            <a:picLocks noGrp="1" noChangeAspect="1" noChangeArrowheads="1"/>
           </p:cNvPicPr>
           <p:nvPr>
             <p:ph idx="1"/>
           </p:nvPr>
         </p:nvPicPr>
         <p:blipFill>
-          <a:blip r:embed="rId2"/>
+          <a:blip r:embed="rId2">
+            <a:extLst>
+              <a:ext uri="{28A0092B-C50C-407E-A947-70E740481C1C}">
+                <a14:useLocalDpi xmlns:a14="http://schemas.microsoft.com/office/drawing/2010/main" val="0"/>
+              </a:ext>
+            </a:extLst>
+          </a:blip>
           <a:stretch>
             <a:fillRect/>
           </a:stretch>
         </p:blipFill>
-        <p:spPr>
+        <p:spPr bwMode="auto">
           <a:xfrm>
-            <a:off x="3152775" y="3225006"/>
-            <a:ext cx="5886450" cy="1552575"/>
+            <a:off x="1995128" y="2162712"/>
+            <a:ext cx="5153744" cy="3677163"/>
           </a:xfrm>
           <a:prstGeom prst="rect">
             <a:avLst/>
           </a:prstGeom>
+          <a:noFill/>
+          <a:extLst>
+            <a:ext uri="{909E8E84-426E-40DD-AFC4-6F175D3DCCD1}">
+              <a14:hiddenFill xmlns:a14="http://schemas.microsoft.com/office/drawing/2010/main">
+                <a:solidFill>
+                  <a:srgbClr val="FFFFFF"/>
+                </a:solidFill>
+              </a14:hiddenFill>
+            </a:ext>
+          </a:extLst>
         </p:spPr>
       </p:pic>
     </p:spTree>
     <p:extLst>
       <p:ext uri="{BB962C8B-B14F-4D97-AF65-F5344CB8AC3E}">
-        <p14:creationId xmlns:p14="http://schemas.microsoft.com/office/powerpoint/2010/main" val="2717072857"/>
+        <p14:creationId xmlns:p14="http://schemas.microsoft.com/office/powerpoint/2010/main" val="2415964479"/>
       </p:ext>
     </p:extLst>
   </p:cSld>
@@ -4657,7 +4404,7 @@
       </p:grpSpPr>
       <p:sp>
         <p:nvSpPr>
-          <p:cNvPr id="2" name="Title 1"/>
+          <p:cNvPr id="4" name="Title 3"/>
           <p:cNvSpPr>
             <a:spLocks noGrp="1"/>
           </p:cNvSpPr>
@@ -4672,7 +4419,7 @@
           <a:p>
             <a:r>
               <a:rPr lang="en-US" dirty="0" smtClean="0"/>
-              <a:t>Bad Idea: DB-Generated</a:t>
+              <a:t>Bad Idea: Many-to-many mapping</a:t>
             </a:r>
             <a:endParaRPr lang="en-US" dirty="0"/>
           </a:p>
@@ -4680,7 +4427,7 @@
       </p:sp>
       <p:pic>
         <p:nvPicPr>
-          <p:cNvPr id="4" name="Content Placeholder 3"/>
+          <p:cNvPr id="7" name="Content Placeholder 6"/>
           <p:cNvPicPr>
             <a:picLocks noGrp="1" noChangeAspect="1"/>
           </p:cNvPicPr>
@@ -4696,8 +4443,8 @@
         </p:blipFill>
         <p:spPr>
           <a:xfrm>
-            <a:off x="3670475" y="1825625"/>
-            <a:ext cx="4851049" cy="4351338"/>
+            <a:off x="628650" y="3062401"/>
+            <a:ext cx="7886700" cy="1877785"/>
           </a:xfrm>
           <a:prstGeom prst="rect">
             <a:avLst/>
@@ -4707,7 +4454,7 @@
     </p:spTree>
     <p:extLst>
       <p:ext uri="{BB962C8B-B14F-4D97-AF65-F5344CB8AC3E}">
-        <p14:creationId xmlns:p14="http://schemas.microsoft.com/office/powerpoint/2010/main" val="3689072831"/>
+        <p14:creationId xmlns:p14="http://schemas.microsoft.com/office/powerpoint/2010/main" val="1086788209"/>
       </p:ext>
     </p:extLst>
   </p:cSld>
@@ -4758,7 +4505,7 @@
           <a:p>
             <a:r>
               <a:rPr lang="en-US" dirty="0" smtClean="0"/>
-              <a:t>Good Idea: Code-First</a:t>
+              <a:t>Good idea: Map join table</a:t>
             </a:r>
             <a:endParaRPr lang="en-US" dirty="0"/>
           </a:p>
@@ -4782,8 +4529,8 @@
         </p:blipFill>
         <p:spPr>
           <a:xfrm>
-            <a:off x="3670475" y="1825625"/>
-            <a:ext cx="4851049" cy="4351338"/>
+            <a:off x="628650" y="3094627"/>
+            <a:ext cx="7886700" cy="1813333"/>
           </a:xfrm>
           <a:prstGeom prst="rect">
             <a:avLst/>
@@ -4793,7 +4540,7 @@
     </p:spTree>
     <p:extLst>
       <p:ext uri="{BB962C8B-B14F-4D97-AF65-F5344CB8AC3E}">
-        <p14:creationId xmlns:p14="http://schemas.microsoft.com/office/powerpoint/2010/main" val="4079621477"/>
+        <p14:creationId xmlns:p14="http://schemas.microsoft.com/office/powerpoint/2010/main" val="1461970805"/>
       </p:ext>
     </p:extLst>
   </p:cSld>
@@ -4839,16 +4586,14 @@
         </p:nvSpPr>
         <p:spPr/>
         <p:txBody>
-          <a:bodyPr>
-            <a:normAutofit/>
-          </a:bodyPr>
-          <a:lstStyle/>
-          <a:p>
-            <a:r>
-              <a:rPr lang="en-US" sz="4000" dirty="0" smtClean="0"/>
-              <a:t>Bad Idea: Extraneous navigations</a:t>
-            </a:r>
-            <a:endParaRPr lang="en-US" sz="4000" dirty="0"/>
+          <a:bodyPr/>
+          <a:lstStyle/>
+          <a:p>
+            <a:r>
+              <a:rPr lang="en-US" dirty="0" smtClean="0"/>
+              <a:t>Bad Idea: Primitive Obsession</a:t>
+            </a:r>
+            <a:endParaRPr lang="en-US" dirty="0"/>
           </a:p>
         </p:txBody>
       </p:sp>
@@ -4870,8 +4615,8 @@
         </p:blipFill>
         <p:spPr>
           <a:xfrm>
-            <a:off x="2526786" y="1825625"/>
-            <a:ext cx="7138428" cy="4351338"/>
+            <a:off x="1462087" y="2996406"/>
+            <a:ext cx="6219825" cy="2009775"/>
           </a:xfrm>
           <a:prstGeom prst="rect">
             <a:avLst/>
@@ -4881,7 +4626,7 @@
     </p:spTree>
     <p:extLst>
       <p:ext uri="{BB962C8B-B14F-4D97-AF65-F5344CB8AC3E}">
-        <p14:creationId xmlns:p14="http://schemas.microsoft.com/office/powerpoint/2010/main" val="3292736826"/>
+        <p14:creationId xmlns:p14="http://schemas.microsoft.com/office/powerpoint/2010/main" val="1097761192"/>
       </p:ext>
     </p:extLst>
   </p:cSld>
@@ -4915,1212 +4660,6 @@
           <a:chExt cx="0" cy="0"/>
         </a:xfrm>
       </p:grpSpPr>
-      <p:pic>
-        <p:nvPicPr>
-          <p:cNvPr id="35" name="API-plat.jpg"/>
-          <p:cNvPicPr/>
-          <p:nvPr/>
-        </p:nvPicPr>
-        <p:blipFill>
-          <a:blip r:embed="rId3">
-            <a:extLst/>
-          </a:blip>
-          <a:stretch>
-            <a:fillRect/>
-          </a:stretch>
-        </p:blipFill>
-        <p:spPr>
-          <a:xfrm>
-            <a:off x="3387701" y="2645678"/>
-            <a:ext cx="2578101" cy="1943101"/>
-          </a:xfrm>
-          <a:prstGeom prst="rect">
-            <a:avLst/>
-          </a:prstGeom>
-          <a:ln w="12700">
-            <a:miter lim="400000"/>
-          </a:ln>
-        </p:spPr>
-      </p:pic>
-      <p:pic>
-        <p:nvPicPr>
-          <p:cNvPr id="36" name="InRule-Plat.jpg"/>
-          <p:cNvPicPr/>
-          <p:nvPr/>
-        </p:nvPicPr>
-        <p:blipFill>
-          <a:blip r:embed="rId4">
-            <a:extLst/>
-          </a:blip>
-          <a:stretch>
-            <a:fillRect/>
-          </a:stretch>
-        </p:blipFill>
-        <p:spPr>
-          <a:xfrm>
-            <a:off x="549202" y="2645678"/>
-            <a:ext cx="2578101" cy="1943101"/>
-          </a:xfrm>
-          <a:prstGeom prst="rect">
-            <a:avLst/>
-          </a:prstGeom>
-          <a:ln w="12700">
-            <a:miter lim="400000"/>
-          </a:ln>
-        </p:spPr>
-      </p:pic>
-      <p:pic>
-        <p:nvPicPr>
-          <p:cNvPr id="37" name="paypalBraintree.jpg"/>
-          <p:cNvPicPr/>
-          <p:nvPr/>
-        </p:nvPicPr>
-        <p:blipFill>
-          <a:blip r:embed="rId5">
-            <a:extLst/>
-          </a:blip>
-          <a:stretch>
-            <a:fillRect/>
-          </a:stretch>
-        </p:blipFill>
-        <p:spPr>
-          <a:xfrm>
-            <a:off x="9064698" y="2645678"/>
-            <a:ext cx="2578101" cy="1943101"/>
-          </a:xfrm>
-          <a:prstGeom prst="rect">
-            <a:avLst/>
-          </a:prstGeom>
-          <a:ln w="12700">
-            <a:miter lim="400000"/>
-          </a:ln>
-        </p:spPr>
-      </p:pic>
-      <p:pic>
-        <p:nvPicPr>
-          <p:cNvPr id="38" name="wordpress-com.jpg"/>
-          <p:cNvPicPr/>
-          <p:nvPr/>
-        </p:nvPicPr>
-        <p:blipFill>
-          <a:blip r:embed="rId6">
-            <a:extLst/>
-          </a:blip>
-          <a:stretch>
-            <a:fillRect/>
-          </a:stretch>
-        </p:blipFill>
-        <p:spPr>
-          <a:xfrm>
-            <a:off x="6226199" y="2645678"/>
-            <a:ext cx="2578101" cy="1943101"/>
-          </a:xfrm>
-          <a:prstGeom prst="rect">
-            <a:avLst/>
-          </a:prstGeom>
-          <a:ln w="12700">
-            <a:miter lim="400000"/>
-          </a:ln>
-        </p:spPr>
-      </p:pic>
-      <p:pic>
-        <p:nvPicPr>
-          <p:cNvPr id="39" name="gold-1-skyline.jpg"/>
-          <p:cNvPicPr/>
-          <p:nvPr/>
-        </p:nvPicPr>
-        <p:blipFill>
-          <a:blip r:embed="rId7">
-            <a:extLst/>
-          </a:blip>
-          <a:stretch>
-            <a:fillRect/>
-          </a:stretch>
-        </p:blipFill>
-        <p:spPr>
-          <a:xfrm>
-            <a:off x="1163812" y="4701353"/>
-            <a:ext cx="1270001" cy="1270001"/>
-          </a:xfrm>
-          <a:prstGeom prst="rect">
-            <a:avLst/>
-          </a:prstGeom>
-          <a:ln w="12700">
-            <a:miter lim="400000"/>
-          </a:ln>
-        </p:spPr>
-      </p:pic>
-      <p:pic>
-        <p:nvPicPr>
-          <p:cNvPr id="40" name="gold-6-ts.jpg"/>
-          <p:cNvPicPr/>
-          <p:nvPr/>
-        </p:nvPicPr>
-        <p:blipFill>
-          <a:blip r:embed="rId8">
-            <a:extLst/>
-          </a:blip>
-          <a:stretch>
-            <a:fillRect/>
-          </a:stretch>
-        </p:blipFill>
-        <p:spPr>
-          <a:xfrm>
-            <a:off x="9758188" y="4701353"/>
-            <a:ext cx="1270001" cy="1270001"/>
-          </a:xfrm>
-          <a:prstGeom prst="rect">
-            <a:avLst/>
-          </a:prstGeom>
-          <a:ln w="12700">
-            <a:miter lim="400000"/>
-          </a:ln>
-        </p:spPr>
-      </p:pic>
-      <p:pic>
-        <p:nvPicPr>
-          <p:cNvPr id="41" name="gold-2-safenet.jpg"/>
-          <p:cNvPicPr/>
-          <p:nvPr/>
-        </p:nvPicPr>
-        <p:blipFill>
-          <a:blip r:embed="rId9">
-            <a:extLst/>
-          </a:blip>
-          <a:stretch>
-            <a:fillRect/>
-          </a:stretch>
-        </p:blipFill>
-        <p:spPr>
-          <a:xfrm>
-            <a:off x="2882687" y="4701353"/>
-            <a:ext cx="1270001" cy="1270001"/>
-          </a:xfrm>
-          <a:prstGeom prst="rect">
-            <a:avLst/>
-          </a:prstGeom>
-          <a:ln w="12700">
-            <a:miter lim="400000"/>
-          </a:ln>
-        </p:spPr>
-      </p:pic>
-      <p:pic>
-        <p:nvPicPr>
-          <p:cNvPr id="42" name="gold-3-devexpress.jpg"/>
-          <p:cNvPicPr/>
-          <p:nvPr/>
-        </p:nvPicPr>
-        <p:blipFill>
-          <a:blip r:embed="rId10">
-            <a:extLst/>
-          </a:blip>
-          <a:stretch>
-            <a:fillRect/>
-          </a:stretch>
-        </p:blipFill>
-        <p:spPr>
-          <a:xfrm>
-            <a:off x="4601562" y="4701353"/>
-            <a:ext cx="1270001" cy="1270001"/>
-          </a:xfrm>
-          <a:prstGeom prst="rect">
-            <a:avLst/>
-          </a:prstGeom>
-          <a:ln w="12700">
-            <a:miter lim="400000"/>
-          </a:ln>
-        </p:spPr>
-      </p:pic>
-      <p:pic>
-        <p:nvPicPr>
-          <p:cNvPr id="43" name="gold-4-omni.jpg"/>
-          <p:cNvPicPr/>
-          <p:nvPr/>
-        </p:nvPicPr>
-        <p:blipFill>
-          <a:blip r:embed="rId11">
-            <a:extLst/>
-          </a:blip>
-          <a:stretch>
-            <a:fillRect/>
-          </a:stretch>
-        </p:blipFill>
-        <p:spPr>
-          <a:xfrm>
-            <a:off x="6320438" y="4701353"/>
-            <a:ext cx="1270001" cy="1270001"/>
-          </a:xfrm>
-          <a:prstGeom prst="rect">
-            <a:avLst/>
-          </a:prstGeom>
-          <a:ln w="12700">
-            <a:miter lim="400000"/>
-          </a:ln>
-        </p:spPr>
-      </p:pic>
-      <p:pic>
-        <p:nvPicPr>
-          <p:cNvPr id="44" name="gold-5-corvisa.jpg"/>
-          <p:cNvPicPr/>
-          <p:nvPr/>
-        </p:nvPicPr>
-        <p:blipFill>
-          <a:blip r:embed="rId12">
-            <a:extLst/>
-          </a:blip>
-          <a:stretch>
-            <a:fillRect/>
-          </a:stretch>
-        </p:blipFill>
-        <p:spPr>
-          <a:xfrm>
-            <a:off x="8039313" y="4701353"/>
-            <a:ext cx="1270001" cy="1270001"/>
-          </a:xfrm>
-          <a:prstGeom prst="rect">
-            <a:avLst/>
-          </a:prstGeom>
-          <a:ln w="12700">
-            <a:miter lim="400000"/>
-          </a:ln>
-        </p:spPr>
-      </p:pic>
-      <p:pic>
-        <p:nvPicPr>
-          <p:cNvPr id="45" name="ibm.png"/>
-          <p:cNvPicPr/>
-          <p:nvPr/>
-        </p:nvPicPr>
-        <p:blipFill>
-          <a:blip r:embed="rId13">
-            <a:extLst/>
-          </a:blip>
-          <a:stretch>
-            <a:fillRect/>
-          </a:stretch>
-        </p:blipFill>
-        <p:spPr>
-          <a:xfrm>
-            <a:off x="3885817" y="761213"/>
-            <a:ext cx="4420367" cy="1771891"/>
-          </a:xfrm>
-          <a:prstGeom prst="rect">
-            <a:avLst/>
-          </a:prstGeom>
-          <a:ln w="12700">
-            <a:miter lim="400000"/>
-          </a:ln>
-        </p:spPr>
-      </p:pic>
-    </p:spTree>
-    <p:extLst>
-      <p:ext uri="{BB962C8B-B14F-4D97-AF65-F5344CB8AC3E}">
-        <p14:creationId xmlns:p14="http://schemas.microsoft.com/office/powerpoint/2010/main" val="426596643"/>
-      </p:ext>
-    </p:extLst>
-  </p:cSld>
-  <p:clrMapOvr>
-    <a:masterClrMapping/>
-  </p:clrMapOvr>
-  <p:transition spd="med"/>
-  <p:timing>
-    <p:tnLst>
-      <p:par>
-        <p:cTn id="1" dur="indefinite" restart="never" nodeType="tmRoot"/>
-      </p:par>
-    </p:tnLst>
-  </p:timing>
-</p:sld>
-</file>
-
-<file path=ppt/slides/slide20.xml><?xml version="1.0" encoding="utf-8"?>
-<p:sld xmlns:a="http://schemas.openxmlformats.org/drawingml/2006/main" xmlns:r="http://schemas.openxmlformats.org/officeDocument/2006/relationships" xmlns:p="http://schemas.openxmlformats.org/presentationml/2006/main">
-  <p:cSld>
-    <p:spTree>
-      <p:nvGrpSpPr>
-        <p:cNvPr id="1" name=""/>
-        <p:cNvGrpSpPr/>
-        <p:nvPr/>
-      </p:nvGrpSpPr>
-      <p:grpSpPr>
-        <a:xfrm>
-          <a:off x="0" y="0"/>
-          <a:ext cx="0" cy="0"/>
-          <a:chOff x="0" y="0"/>
-          <a:chExt cx="0" cy="0"/>
-        </a:xfrm>
-      </p:grpSpPr>
-      <p:sp>
-        <p:nvSpPr>
-          <p:cNvPr id="2" name="Title 1"/>
-          <p:cNvSpPr>
-            <a:spLocks noGrp="1"/>
-          </p:cNvSpPr>
-          <p:nvPr>
-            <p:ph type="title"/>
-          </p:nvPr>
-        </p:nvSpPr>
-        <p:spPr/>
-        <p:txBody>
-          <a:bodyPr/>
-          <a:lstStyle/>
-          <a:p>
-            <a:r>
-              <a:rPr lang="en-US" dirty="0" smtClean="0"/>
-              <a:t>Good Idea: YAGNI Associations</a:t>
-            </a:r>
-            <a:endParaRPr lang="en-US" dirty="0"/>
-          </a:p>
-        </p:txBody>
-      </p:sp>
-      <p:pic>
-        <p:nvPicPr>
-          <p:cNvPr id="4" name="Content Placeholder 3"/>
-          <p:cNvPicPr>
-            <a:picLocks noGrp="1" noChangeAspect="1"/>
-          </p:cNvPicPr>
-          <p:nvPr>
-            <p:ph idx="1"/>
-          </p:nvPr>
-        </p:nvPicPr>
-        <p:blipFill>
-          <a:blip r:embed="rId2"/>
-          <a:stretch>
-            <a:fillRect/>
-          </a:stretch>
-        </p:blipFill>
-        <p:spPr>
-          <a:xfrm>
-            <a:off x="2912947" y="1825625"/>
-            <a:ext cx="6366105" cy="4351338"/>
-          </a:xfrm>
-          <a:prstGeom prst="rect">
-            <a:avLst/>
-          </a:prstGeom>
-        </p:spPr>
-      </p:pic>
-    </p:spTree>
-    <p:extLst>
-      <p:ext uri="{BB962C8B-B14F-4D97-AF65-F5344CB8AC3E}">
-        <p14:creationId xmlns:p14="http://schemas.microsoft.com/office/powerpoint/2010/main" val="2466255831"/>
-      </p:ext>
-    </p:extLst>
-  </p:cSld>
-  <p:clrMapOvr>
-    <a:masterClrMapping/>
-  </p:clrMapOvr>
-  <p:timing>
-    <p:tnLst>
-      <p:par>
-        <p:cTn id="1" dur="indefinite" restart="never" nodeType="tmRoot"/>
-      </p:par>
-    </p:tnLst>
-  </p:timing>
-</p:sld>
-</file>
-
-<file path=ppt/slides/slide21.xml><?xml version="1.0" encoding="utf-8"?>
-<p:sld xmlns:a="http://schemas.openxmlformats.org/drawingml/2006/main" xmlns:r="http://schemas.openxmlformats.org/officeDocument/2006/relationships" xmlns:p="http://schemas.openxmlformats.org/presentationml/2006/main">
-  <p:cSld>
-    <p:spTree>
-      <p:nvGrpSpPr>
-        <p:cNvPr id="1" name=""/>
-        <p:cNvGrpSpPr/>
-        <p:nvPr/>
-      </p:nvGrpSpPr>
-      <p:grpSpPr>
-        <a:xfrm>
-          <a:off x="0" y="0"/>
-          <a:ext cx="0" cy="0"/>
-          <a:chOff x="0" y="0"/>
-          <a:chExt cx="0" cy="0"/>
-        </a:xfrm>
-      </p:grpSpPr>
-      <p:sp>
-        <p:nvSpPr>
-          <p:cNvPr id="2" name="Title 1"/>
-          <p:cNvSpPr>
-            <a:spLocks noGrp="1"/>
-          </p:cNvSpPr>
-          <p:nvPr>
-            <p:ph type="title"/>
-          </p:nvPr>
-        </p:nvSpPr>
-        <p:spPr/>
-        <p:txBody>
-          <a:bodyPr/>
-          <a:lstStyle/>
-          <a:p>
-            <a:r>
-              <a:rPr lang="en-US" dirty="0" smtClean="0"/>
-              <a:t>Bad Idea: Mapping Duplication</a:t>
-            </a:r>
-            <a:endParaRPr lang="en-US" dirty="0"/>
-          </a:p>
-        </p:txBody>
-      </p:sp>
-      <p:pic>
-        <p:nvPicPr>
-          <p:cNvPr id="8" name="Content Placeholder 7"/>
-          <p:cNvPicPr>
-            <a:picLocks noGrp="1" noChangeAspect="1"/>
-          </p:cNvPicPr>
-          <p:nvPr>
-            <p:ph idx="1"/>
-          </p:nvPr>
-        </p:nvPicPr>
-        <p:blipFill>
-          <a:blip r:embed="rId2"/>
-          <a:stretch>
-            <a:fillRect/>
-          </a:stretch>
-        </p:blipFill>
-        <p:spPr>
-          <a:xfrm>
-            <a:off x="1871662" y="3048794"/>
-            <a:ext cx="8448675" cy="1905000"/>
-          </a:xfrm>
-          <a:prstGeom prst="rect">
-            <a:avLst/>
-          </a:prstGeom>
-        </p:spPr>
-      </p:pic>
-    </p:spTree>
-    <p:extLst>
-      <p:ext uri="{BB962C8B-B14F-4D97-AF65-F5344CB8AC3E}">
-        <p14:creationId xmlns:p14="http://schemas.microsoft.com/office/powerpoint/2010/main" val="2239251441"/>
-      </p:ext>
-    </p:extLst>
-  </p:cSld>
-  <p:clrMapOvr>
-    <a:masterClrMapping/>
-  </p:clrMapOvr>
-  <p:timing>
-    <p:tnLst>
-      <p:par>
-        <p:cTn id="1" dur="indefinite" restart="never" nodeType="tmRoot"/>
-      </p:par>
-    </p:tnLst>
-  </p:timing>
-</p:sld>
-</file>
-
-<file path=ppt/slides/slide22.xml><?xml version="1.0" encoding="utf-8"?>
-<p:sld xmlns:a="http://schemas.openxmlformats.org/drawingml/2006/main" xmlns:r="http://schemas.openxmlformats.org/officeDocument/2006/relationships" xmlns:p="http://schemas.openxmlformats.org/presentationml/2006/main">
-  <p:cSld>
-    <p:spTree>
-      <p:nvGrpSpPr>
-        <p:cNvPr id="1" name=""/>
-        <p:cNvGrpSpPr/>
-        <p:nvPr/>
-      </p:nvGrpSpPr>
-      <p:grpSpPr>
-        <a:xfrm>
-          <a:off x="0" y="0"/>
-          <a:ext cx="0" cy="0"/>
-          <a:chOff x="0" y="0"/>
-          <a:chExt cx="0" cy="0"/>
-        </a:xfrm>
-      </p:grpSpPr>
-      <p:sp>
-        <p:nvSpPr>
-          <p:cNvPr id="2" name="Title 1"/>
-          <p:cNvSpPr>
-            <a:spLocks noGrp="1"/>
-          </p:cNvSpPr>
-          <p:nvPr>
-            <p:ph type="title"/>
-          </p:nvPr>
-        </p:nvSpPr>
-        <p:spPr/>
-        <p:txBody>
-          <a:bodyPr/>
-          <a:lstStyle/>
-          <a:p>
-            <a:r>
-              <a:rPr lang="en-US" dirty="0" smtClean="0"/>
-              <a:t>Good Idea: Mapping Conventions</a:t>
-            </a:r>
-            <a:endParaRPr lang="en-US" dirty="0"/>
-          </a:p>
-        </p:txBody>
-      </p:sp>
-      <p:pic>
-        <p:nvPicPr>
-          <p:cNvPr id="4" name="Content Placeholder 3"/>
-          <p:cNvPicPr>
-            <a:picLocks noGrp="1" noChangeAspect="1"/>
-          </p:cNvPicPr>
-          <p:nvPr>
-            <p:ph idx="1"/>
-          </p:nvPr>
-        </p:nvPicPr>
-        <p:blipFill>
-          <a:blip r:embed="rId2"/>
-          <a:stretch>
-            <a:fillRect/>
-          </a:stretch>
-        </p:blipFill>
-        <p:spPr>
-          <a:xfrm>
-            <a:off x="838200" y="2974808"/>
-            <a:ext cx="10515600" cy="2052971"/>
-          </a:xfrm>
-          <a:prstGeom prst="rect">
-            <a:avLst/>
-          </a:prstGeom>
-        </p:spPr>
-      </p:pic>
-    </p:spTree>
-    <p:extLst>
-      <p:ext uri="{BB962C8B-B14F-4D97-AF65-F5344CB8AC3E}">
-        <p14:creationId xmlns:p14="http://schemas.microsoft.com/office/powerpoint/2010/main" val="4060878284"/>
-      </p:ext>
-    </p:extLst>
-  </p:cSld>
-  <p:clrMapOvr>
-    <a:masterClrMapping/>
-  </p:clrMapOvr>
-  <p:timing>
-    <p:tnLst>
-      <p:par>
-        <p:cTn id="1" dur="indefinite" restart="never" nodeType="tmRoot"/>
-      </p:par>
-    </p:tnLst>
-  </p:timing>
-</p:sld>
-</file>
-
-<file path=ppt/slides/slide23.xml><?xml version="1.0" encoding="utf-8"?>
-<p:sld xmlns:a="http://schemas.openxmlformats.org/drawingml/2006/main" xmlns:r="http://schemas.openxmlformats.org/officeDocument/2006/relationships" xmlns:p="http://schemas.openxmlformats.org/presentationml/2006/main">
-  <p:cSld>
-    <p:spTree>
-      <p:nvGrpSpPr>
-        <p:cNvPr id="1" name=""/>
-        <p:cNvGrpSpPr/>
-        <p:nvPr/>
-      </p:nvGrpSpPr>
-      <p:grpSpPr>
-        <a:xfrm>
-          <a:off x="0" y="0"/>
-          <a:ext cx="0" cy="0"/>
-          <a:chOff x="0" y="0"/>
-          <a:chExt cx="0" cy="0"/>
-        </a:xfrm>
-      </p:grpSpPr>
-      <p:sp>
-        <p:nvSpPr>
-          <p:cNvPr id="4" name="Title 3"/>
-          <p:cNvSpPr>
-            <a:spLocks noGrp="1"/>
-          </p:cNvSpPr>
-          <p:nvPr>
-            <p:ph type="title"/>
-          </p:nvPr>
-        </p:nvSpPr>
-        <p:spPr/>
-        <p:txBody>
-          <a:bodyPr/>
-          <a:lstStyle/>
-          <a:p>
-            <a:r>
-              <a:rPr lang="en-US" dirty="0" smtClean="0"/>
-              <a:t>Querying Problems</a:t>
-            </a:r>
-            <a:endParaRPr lang="en-US" dirty="0"/>
-          </a:p>
-        </p:txBody>
-      </p:sp>
-      <p:sp>
-        <p:nvSpPr>
-          <p:cNvPr id="5" name="Text Placeholder 4"/>
-          <p:cNvSpPr>
-            <a:spLocks noGrp="1"/>
-          </p:cNvSpPr>
-          <p:nvPr>
-            <p:ph type="body" idx="1"/>
-          </p:nvPr>
-        </p:nvSpPr>
-        <p:spPr/>
-        <p:txBody>
-          <a:bodyPr/>
-          <a:lstStyle/>
-          <a:p>
-            <a:endParaRPr lang="en-US"/>
-          </a:p>
-        </p:txBody>
-      </p:sp>
-    </p:spTree>
-    <p:extLst>
-      <p:ext uri="{BB962C8B-B14F-4D97-AF65-F5344CB8AC3E}">
-        <p14:creationId xmlns:p14="http://schemas.microsoft.com/office/powerpoint/2010/main" val="4012419859"/>
-      </p:ext>
-    </p:extLst>
-  </p:cSld>
-  <p:clrMapOvr>
-    <a:masterClrMapping/>
-  </p:clrMapOvr>
-  <p:timing>
-    <p:tnLst>
-      <p:par>
-        <p:cTn id="1" dur="indefinite" restart="never" nodeType="tmRoot"/>
-      </p:par>
-    </p:tnLst>
-  </p:timing>
-</p:sld>
-</file>
-
-<file path=ppt/slides/slide24.xml><?xml version="1.0" encoding="utf-8"?>
-<p:sld xmlns:a="http://schemas.openxmlformats.org/drawingml/2006/main" xmlns:r="http://schemas.openxmlformats.org/officeDocument/2006/relationships" xmlns:p="http://schemas.openxmlformats.org/presentationml/2006/main">
-  <p:cSld>
-    <p:spTree>
-      <p:nvGrpSpPr>
-        <p:cNvPr id="1" name=""/>
-        <p:cNvGrpSpPr/>
-        <p:nvPr/>
-      </p:nvGrpSpPr>
-      <p:grpSpPr>
-        <a:xfrm>
-          <a:off x="0" y="0"/>
-          <a:ext cx="0" cy="0"/>
-          <a:chOff x="0" y="0"/>
-          <a:chExt cx="0" cy="0"/>
-        </a:xfrm>
-      </p:grpSpPr>
-      <p:sp>
-        <p:nvSpPr>
-          <p:cNvPr id="4" name="Title 3"/>
-          <p:cNvSpPr>
-            <a:spLocks noGrp="1"/>
-          </p:cNvSpPr>
-          <p:nvPr>
-            <p:ph type="title"/>
-          </p:nvPr>
-        </p:nvSpPr>
-        <p:spPr/>
-        <p:txBody>
-          <a:bodyPr>
-            <a:normAutofit/>
-          </a:bodyPr>
-          <a:lstStyle/>
-          <a:p>
-            <a:r>
-              <a:rPr lang="en-US" sz="3600" dirty="0" smtClean="0"/>
-              <a:t>Bad Idea:</a:t>
-            </a:r>
-            <a:br>
-              <a:rPr lang="en-US" sz="3600" dirty="0" smtClean="0"/>
-            </a:br>
-            <a:r>
-              <a:rPr lang="en-US" sz="3600" dirty="0" smtClean="0"/>
-              <a:t>Excessive Lazy Loading / SELECT N+1</a:t>
-            </a:r>
-            <a:endParaRPr lang="en-US" sz="3600" dirty="0"/>
-          </a:p>
-        </p:txBody>
-      </p:sp>
-      <p:pic>
-        <p:nvPicPr>
-          <p:cNvPr id="6" name="Content Placeholder 5"/>
-          <p:cNvPicPr>
-            <a:picLocks noGrp="1" noChangeAspect="1"/>
-          </p:cNvPicPr>
-          <p:nvPr>
-            <p:ph idx="1"/>
-          </p:nvPr>
-        </p:nvPicPr>
-        <p:blipFill>
-          <a:blip r:embed="rId2"/>
-          <a:stretch>
-            <a:fillRect/>
-          </a:stretch>
-        </p:blipFill>
-        <p:spPr>
-          <a:xfrm>
-            <a:off x="1438275" y="3053556"/>
-            <a:ext cx="9315450" cy="1895475"/>
-          </a:xfrm>
-          <a:prstGeom prst="rect">
-            <a:avLst/>
-          </a:prstGeom>
-        </p:spPr>
-      </p:pic>
-    </p:spTree>
-    <p:extLst>
-      <p:ext uri="{BB962C8B-B14F-4D97-AF65-F5344CB8AC3E}">
-        <p14:creationId xmlns:p14="http://schemas.microsoft.com/office/powerpoint/2010/main" val="1506575911"/>
-      </p:ext>
-    </p:extLst>
-  </p:cSld>
-  <p:clrMapOvr>
-    <a:masterClrMapping/>
-  </p:clrMapOvr>
-  <p:timing>
-    <p:tnLst>
-      <p:par>
-        <p:cTn id="1" dur="indefinite" restart="never" nodeType="tmRoot"/>
-      </p:par>
-    </p:tnLst>
-  </p:timing>
-</p:sld>
-</file>
-
-<file path=ppt/slides/slide25.xml><?xml version="1.0" encoding="utf-8"?>
-<p:sld xmlns:a="http://schemas.openxmlformats.org/drawingml/2006/main" xmlns:r="http://schemas.openxmlformats.org/officeDocument/2006/relationships" xmlns:p="http://schemas.openxmlformats.org/presentationml/2006/main">
-  <p:cSld>
-    <p:spTree>
-      <p:nvGrpSpPr>
-        <p:cNvPr id="1" name=""/>
-        <p:cNvGrpSpPr/>
-        <p:nvPr/>
-      </p:nvGrpSpPr>
-      <p:grpSpPr>
-        <a:xfrm>
-          <a:off x="0" y="0"/>
-          <a:ext cx="0" cy="0"/>
-          <a:chOff x="0" y="0"/>
-          <a:chExt cx="0" cy="0"/>
-        </a:xfrm>
-      </p:grpSpPr>
-      <p:sp>
-        <p:nvSpPr>
-          <p:cNvPr id="4" name="Title 3"/>
-          <p:cNvSpPr>
-            <a:spLocks noGrp="1"/>
-          </p:cNvSpPr>
-          <p:nvPr>
-            <p:ph type="title"/>
-          </p:nvPr>
-        </p:nvSpPr>
-        <p:spPr/>
-        <p:txBody>
-          <a:bodyPr>
-            <a:normAutofit/>
-          </a:bodyPr>
-          <a:lstStyle/>
-          <a:p>
-            <a:r>
-              <a:rPr lang="en-US" sz="3600" dirty="0" smtClean="0"/>
-              <a:t>Bad Idea:</a:t>
-            </a:r>
-            <a:br>
-              <a:rPr lang="en-US" sz="3600" dirty="0" smtClean="0"/>
-            </a:br>
-            <a:r>
-              <a:rPr lang="en-US" sz="3600" dirty="0" smtClean="0"/>
-              <a:t>Excessive Lazy Loading / SELECT N+1</a:t>
-            </a:r>
-            <a:endParaRPr lang="en-US" sz="3600" dirty="0"/>
-          </a:p>
-        </p:txBody>
-      </p:sp>
-      <p:pic>
-        <p:nvPicPr>
-          <p:cNvPr id="3" name="Content Placeholder 2"/>
-          <p:cNvPicPr>
-            <a:picLocks noGrp="1" noChangeAspect="1"/>
-          </p:cNvPicPr>
-          <p:nvPr>
-            <p:ph idx="1"/>
-          </p:nvPr>
-        </p:nvPicPr>
-        <p:blipFill>
-          <a:blip r:embed="rId2"/>
-          <a:stretch>
-            <a:fillRect/>
-          </a:stretch>
-        </p:blipFill>
-        <p:spPr>
-          <a:xfrm>
-            <a:off x="3019468" y="1825625"/>
-            <a:ext cx="6153063" cy="4351338"/>
-          </a:xfrm>
-          <a:prstGeom prst="rect">
-            <a:avLst/>
-          </a:prstGeom>
-        </p:spPr>
-      </p:pic>
-    </p:spTree>
-    <p:extLst>
-      <p:ext uri="{BB962C8B-B14F-4D97-AF65-F5344CB8AC3E}">
-        <p14:creationId xmlns:p14="http://schemas.microsoft.com/office/powerpoint/2010/main" val="1308787145"/>
-      </p:ext>
-    </p:extLst>
-  </p:cSld>
-  <p:clrMapOvr>
-    <a:masterClrMapping/>
-  </p:clrMapOvr>
-  <p:timing>
-    <p:tnLst>
-      <p:par>
-        <p:cTn id="1" dur="indefinite" restart="never" nodeType="tmRoot"/>
-      </p:par>
-    </p:tnLst>
-  </p:timing>
-</p:sld>
-</file>
-
-<file path=ppt/slides/slide26.xml><?xml version="1.0" encoding="utf-8"?>
-<p:sld xmlns:a="http://schemas.openxmlformats.org/drawingml/2006/main" xmlns:r="http://schemas.openxmlformats.org/officeDocument/2006/relationships" xmlns:p="http://schemas.openxmlformats.org/presentationml/2006/main">
-  <p:cSld>
-    <p:spTree>
-      <p:nvGrpSpPr>
-        <p:cNvPr id="1" name=""/>
-        <p:cNvGrpSpPr/>
-        <p:nvPr/>
-      </p:nvGrpSpPr>
-      <p:grpSpPr>
-        <a:xfrm>
-          <a:off x="0" y="0"/>
-          <a:ext cx="0" cy="0"/>
-          <a:chOff x="0" y="0"/>
-          <a:chExt cx="0" cy="0"/>
-        </a:xfrm>
-      </p:grpSpPr>
-      <p:sp>
-        <p:nvSpPr>
-          <p:cNvPr id="2" name="Title 1"/>
-          <p:cNvSpPr>
-            <a:spLocks noGrp="1"/>
-          </p:cNvSpPr>
-          <p:nvPr>
-            <p:ph type="title"/>
-          </p:nvPr>
-        </p:nvSpPr>
-        <p:spPr/>
-        <p:txBody>
-          <a:bodyPr/>
-          <a:lstStyle/>
-          <a:p>
-            <a:r>
-              <a:rPr lang="en-US" dirty="0" smtClean="0"/>
-              <a:t>Good Idea: Eager Fetch</a:t>
-            </a:r>
-            <a:endParaRPr lang="en-US" dirty="0"/>
-          </a:p>
-        </p:txBody>
-      </p:sp>
-      <p:pic>
-        <p:nvPicPr>
-          <p:cNvPr id="4" name="Content Placeholder 3"/>
-          <p:cNvPicPr>
-            <a:picLocks noGrp="1" noChangeAspect="1"/>
-          </p:cNvPicPr>
-          <p:nvPr>
-            <p:ph idx="1"/>
-          </p:nvPr>
-        </p:nvPicPr>
-        <p:blipFill>
-          <a:blip r:embed="rId2"/>
-          <a:stretch>
-            <a:fillRect/>
-          </a:stretch>
-        </p:blipFill>
-        <p:spPr>
-          <a:xfrm>
-            <a:off x="1409700" y="2467769"/>
-            <a:ext cx="9372600" cy="3067050"/>
-          </a:xfrm>
-          <a:prstGeom prst="rect">
-            <a:avLst/>
-          </a:prstGeom>
-        </p:spPr>
-      </p:pic>
-    </p:spTree>
-    <p:extLst>
-      <p:ext uri="{BB962C8B-B14F-4D97-AF65-F5344CB8AC3E}">
-        <p14:creationId xmlns:p14="http://schemas.microsoft.com/office/powerpoint/2010/main" val="3136115361"/>
-      </p:ext>
-    </p:extLst>
-  </p:cSld>
-  <p:clrMapOvr>
-    <a:masterClrMapping/>
-  </p:clrMapOvr>
-  <p:timing>
-    <p:tnLst>
-      <p:par>
-        <p:cTn id="1" dur="indefinite" restart="never" nodeType="tmRoot"/>
-      </p:par>
-    </p:tnLst>
-  </p:timing>
-</p:sld>
-</file>
-
-<file path=ppt/slides/slide27.xml><?xml version="1.0" encoding="utf-8"?>
-<p:sld xmlns:a="http://schemas.openxmlformats.org/drawingml/2006/main" xmlns:r="http://schemas.openxmlformats.org/officeDocument/2006/relationships" xmlns:p="http://schemas.openxmlformats.org/presentationml/2006/main">
-  <p:cSld>
-    <p:spTree>
-      <p:nvGrpSpPr>
-        <p:cNvPr id="1" name=""/>
-        <p:cNvGrpSpPr/>
-        <p:nvPr/>
-      </p:nvGrpSpPr>
-      <p:grpSpPr>
-        <a:xfrm>
-          <a:off x="0" y="0"/>
-          <a:ext cx="0" cy="0"/>
-          <a:chOff x="0" y="0"/>
-          <a:chExt cx="0" cy="0"/>
-        </a:xfrm>
-      </p:grpSpPr>
-      <p:sp>
-        <p:nvSpPr>
-          <p:cNvPr id="2" name="Title 1"/>
-          <p:cNvSpPr>
-            <a:spLocks noGrp="1"/>
-          </p:cNvSpPr>
-          <p:nvPr>
-            <p:ph type="title"/>
-          </p:nvPr>
-        </p:nvSpPr>
-        <p:spPr/>
-        <p:txBody>
-          <a:bodyPr/>
-          <a:lstStyle/>
-          <a:p>
-            <a:r>
-              <a:rPr lang="en-US" dirty="0" smtClean="0"/>
-              <a:t>Bad Idea: Cartesian Products</a:t>
-            </a:r>
-            <a:endParaRPr lang="en-US" dirty="0"/>
-          </a:p>
-        </p:txBody>
-      </p:sp>
-      <p:pic>
-        <p:nvPicPr>
-          <p:cNvPr id="4" name="Content Placeholder 3"/>
-          <p:cNvPicPr>
-            <a:picLocks noGrp="1" noChangeAspect="1"/>
-          </p:cNvPicPr>
-          <p:nvPr>
-            <p:ph idx="1"/>
-          </p:nvPr>
-        </p:nvPicPr>
-        <p:blipFill>
-          <a:blip r:embed="rId2"/>
-          <a:stretch>
-            <a:fillRect/>
-          </a:stretch>
-        </p:blipFill>
-        <p:spPr>
-          <a:xfrm>
-            <a:off x="2100262" y="2529681"/>
-            <a:ext cx="7991475" cy="2943225"/>
-          </a:xfrm>
-          <a:prstGeom prst="rect">
-            <a:avLst/>
-          </a:prstGeom>
-        </p:spPr>
-      </p:pic>
-    </p:spTree>
-    <p:extLst>
-      <p:ext uri="{BB962C8B-B14F-4D97-AF65-F5344CB8AC3E}">
-        <p14:creationId xmlns:p14="http://schemas.microsoft.com/office/powerpoint/2010/main" val="3862415564"/>
-      </p:ext>
-    </p:extLst>
-  </p:cSld>
-  <p:clrMapOvr>
-    <a:masterClrMapping/>
-  </p:clrMapOvr>
-  <p:timing>
-    <p:tnLst>
-      <p:par>
-        <p:cTn id="1" dur="indefinite" restart="never" nodeType="tmRoot"/>
-      </p:par>
-    </p:tnLst>
-  </p:timing>
-</p:sld>
-</file>
-
-<file path=ppt/slides/slide28.xml><?xml version="1.0" encoding="utf-8"?>
-<p:sld xmlns:a="http://schemas.openxmlformats.org/drawingml/2006/main" xmlns:r="http://schemas.openxmlformats.org/officeDocument/2006/relationships" xmlns:p="http://schemas.openxmlformats.org/presentationml/2006/main">
-  <p:cSld>
-    <p:spTree>
-      <p:nvGrpSpPr>
-        <p:cNvPr id="1" name=""/>
-        <p:cNvGrpSpPr/>
-        <p:nvPr/>
-      </p:nvGrpSpPr>
-      <p:grpSpPr>
-        <a:xfrm>
-          <a:off x="0" y="0"/>
-          <a:ext cx="0" cy="0"/>
-          <a:chOff x="0" y="0"/>
-          <a:chExt cx="0" cy="0"/>
-        </a:xfrm>
-      </p:grpSpPr>
-      <p:sp>
-        <p:nvSpPr>
-          <p:cNvPr id="2" name="Title 1"/>
-          <p:cNvSpPr>
-            <a:spLocks noGrp="1"/>
-          </p:cNvSpPr>
-          <p:nvPr>
-            <p:ph type="title"/>
-          </p:nvPr>
-        </p:nvSpPr>
-        <p:spPr/>
-        <p:txBody>
-          <a:bodyPr/>
-          <a:lstStyle/>
-          <a:p>
-            <a:r>
-              <a:rPr lang="en-US" dirty="0" smtClean="0"/>
-              <a:t>Good Idea: Multiple Queries</a:t>
-            </a:r>
-            <a:endParaRPr lang="en-US" dirty="0"/>
-          </a:p>
-        </p:txBody>
-      </p:sp>
-      <p:pic>
-        <p:nvPicPr>
-          <p:cNvPr id="7" name="Content Placeholder 6"/>
-          <p:cNvPicPr>
-            <a:picLocks noGrp="1" noChangeAspect="1"/>
-          </p:cNvPicPr>
-          <p:nvPr>
-            <p:ph idx="1"/>
-          </p:nvPr>
-        </p:nvPicPr>
-        <p:blipFill>
-          <a:blip r:embed="rId2"/>
-          <a:stretch>
-            <a:fillRect/>
-          </a:stretch>
-        </p:blipFill>
-        <p:spPr>
-          <a:xfrm>
-            <a:off x="2100262" y="2267744"/>
-            <a:ext cx="7991475" cy="3467100"/>
-          </a:xfrm>
-          <a:prstGeom prst="rect">
-            <a:avLst/>
-          </a:prstGeom>
-        </p:spPr>
-      </p:pic>
-    </p:spTree>
-    <p:extLst>
-      <p:ext uri="{BB962C8B-B14F-4D97-AF65-F5344CB8AC3E}">
-        <p14:creationId xmlns:p14="http://schemas.microsoft.com/office/powerpoint/2010/main" val="3863443740"/>
-      </p:ext>
-    </p:extLst>
-  </p:cSld>
-  <p:clrMapOvr>
-    <a:masterClrMapping/>
-  </p:clrMapOvr>
-  <p:timing>
-    <p:tnLst>
-      <p:par>
-        <p:cTn id="1" dur="indefinite" restart="never" nodeType="tmRoot"/>
-      </p:par>
-    </p:tnLst>
-  </p:timing>
-</p:sld>
-</file>
-
-<file path=ppt/slides/slide29.xml><?xml version="1.0" encoding="utf-8"?>
-<p:sld xmlns:a="http://schemas.openxmlformats.org/drawingml/2006/main" xmlns:r="http://schemas.openxmlformats.org/officeDocument/2006/relationships" xmlns:p="http://schemas.openxmlformats.org/presentationml/2006/main">
-  <p:cSld>
-    <p:spTree>
-      <p:nvGrpSpPr>
-        <p:cNvPr id="1" name=""/>
-        <p:cNvGrpSpPr/>
-        <p:nvPr/>
-      </p:nvGrpSpPr>
-      <p:grpSpPr>
-        <a:xfrm>
-          <a:off x="0" y="0"/>
-          <a:ext cx="0" cy="0"/>
-          <a:chOff x="0" y="0"/>
-          <a:chExt cx="0" cy="0"/>
-        </a:xfrm>
-      </p:grpSpPr>
-      <p:sp>
-        <p:nvSpPr>
-          <p:cNvPr id="2" name="Title 1"/>
-          <p:cNvSpPr>
-            <a:spLocks noGrp="1"/>
-          </p:cNvSpPr>
-          <p:nvPr>
-            <p:ph type="title"/>
-          </p:nvPr>
-        </p:nvSpPr>
-        <p:spPr/>
-        <p:txBody>
-          <a:bodyPr/>
-          <a:lstStyle/>
-          <a:p>
-            <a:r>
-              <a:rPr lang="en-US" dirty="0" smtClean="0"/>
-              <a:t>Bad Idea: Indecipherable LINQ</a:t>
-            </a:r>
-            <a:endParaRPr lang="en-US" dirty="0"/>
-          </a:p>
-        </p:txBody>
-      </p:sp>
-      <p:pic>
-        <p:nvPicPr>
-          <p:cNvPr id="4" name="Content Placeholder 3"/>
-          <p:cNvPicPr>
-            <a:picLocks noGrp="1" noChangeAspect="1"/>
-          </p:cNvPicPr>
-          <p:nvPr>
-            <p:ph idx="1"/>
-          </p:nvPr>
-        </p:nvPicPr>
-        <p:blipFill>
-          <a:blip r:embed="rId2"/>
-          <a:stretch>
-            <a:fillRect/>
-          </a:stretch>
-        </p:blipFill>
-        <p:spPr>
-          <a:xfrm>
-            <a:off x="2874158" y="1825625"/>
-            <a:ext cx="6443683" cy="4351338"/>
-          </a:xfrm>
-          <a:prstGeom prst="rect">
-            <a:avLst/>
-          </a:prstGeom>
-        </p:spPr>
-      </p:pic>
-    </p:spTree>
-    <p:extLst>
-      <p:ext uri="{BB962C8B-B14F-4D97-AF65-F5344CB8AC3E}">
-        <p14:creationId xmlns:p14="http://schemas.microsoft.com/office/powerpoint/2010/main" val="3274163139"/>
-      </p:ext>
-    </p:extLst>
-  </p:cSld>
-  <p:clrMapOvr>
-    <a:masterClrMapping/>
-  </p:clrMapOvr>
-  <p:timing>
-    <p:tnLst>
-      <p:par>
-        <p:cTn id="1" dur="indefinite" restart="never" nodeType="tmRoot"/>
-      </p:par>
-    </p:tnLst>
-  </p:timing>
-</p:sld>
-</file>
-
-<file path=ppt/slides/slide3.xml><?xml version="1.0" encoding="utf-8"?>
-<p:sld xmlns:a="http://schemas.openxmlformats.org/drawingml/2006/main" xmlns:r="http://schemas.openxmlformats.org/officeDocument/2006/relationships" xmlns:p="http://schemas.openxmlformats.org/presentationml/2006/main">
-  <p:cSld>
-    <p:spTree>
-      <p:nvGrpSpPr>
-        <p:cNvPr id="1" name=""/>
-        <p:cNvGrpSpPr/>
-        <p:nvPr/>
-      </p:nvGrpSpPr>
-      <p:grpSpPr>
-        <a:xfrm>
-          <a:off x="0" y="0"/>
-          <a:ext cx="0" cy="0"/>
-          <a:chOff x="0" y="0"/>
-          <a:chExt cx="0" cy="0"/>
-        </a:xfrm>
-      </p:grpSpPr>
       <p:sp>
         <p:nvSpPr>
           <p:cNvPr id="4" name="Title 3"/>
@@ -6193,8 +4732,8 @@
         </p:blipFill>
         <p:spPr bwMode="auto">
           <a:xfrm>
-            <a:off x="3449053" y="3145035"/>
-            <a:ext cx="5172744" cy="3508846"/>
+            <a:off x="2951629" y="3841397"/>
+            <a:ext cx="4146168" cy="2812486"/>
           </a:xfrm>
           <a:prstGeom prst="rect">
             <a:avLst/>
@@ -6299,7 +4838,7 @@
 </p:sld>
 </file>
 
-<file path=ppt/slides/slide30.xml><?xml version="1.0" encoding="utf-8"?>
+<file path=ppt/slides/slide20.xml><?xml version="1.0" encoding="utf-8"?>
 <p:sld xmlns:a="http://schemas.openxmlformats.org/drawingml/2006/main" xmlns:r="http://schemas.openxmlformats.org/officeDocument/2006/relationships" xmlns:p="http://schemas.openxmlformats.org/presentationml/2006/main">
   <p:cSld>
     <p:spTree>
@@ -6333,7 +4872,7 @@
           <a:p>
             <a:r>
               <a:rPr lang="en-US" dirty="0" smtClean="0"/>
-              <a:t>Good Idea: Just use SQL</a:t>
+              <a:t>Good Idea: Custom User Types</a:t>
             </a:r>
             <a:endParaRPr lang="en-US" dirty="0"/>
           </a:p>
@@ -6341,7 +4880,7 @@
       </p:sp>
       <p:pic>
         <p:nvPicPr>
-          <p:cNvPr id="5" name="Content Placeholder 4"/>
+          <p:cNvPr id="4" name="Content Placeholder 3"/>
           <p:cNvPicPr>
             <a:picLocks noGrp="1" noChangeAspect="1"/>
           </p:cNvPicPr>
@@ -6357,8 +4896,793 @@
         </p:blipFill>
         <p:spPr>
           <a:xfrm>
-            <a:off x="1144930" y="1825625"/>
-            <a:ext cx="9902139" cy="4351338"/>
+            <a:off x="1014412" y="2991644"/>
+            <a:ext cx="7115175" cy="2019300"/>
+          </a:xfrm>
+          <a:prstGeom prst="rect">
+            <a:avLst/>
+          </a:prstGeom>
+        </p:spPr>
+      </p:pic>
+    </p:spTree>
+    <p:extLst>
+      <p:ext uri="{BB962C8B-B14F-4D97-AF65-F5344CB8AC3E}">
+        <p14:creationId xmlns:p14="http://schemas.microsoft.com/office/powerpoint/2010/main" val="2975924560"/>
+      </p:ext>
+    </p:extLst>
+  </p:cSld>
+  <p:clrMapOvr>
+    <a:masterClrMapping/>
+  </p:clrMapOvr>
+  <p:timing>
+    <p:tnLst>
+      <p:par>
+        <p:cTn id="1" dur="indefinite" restart="never" nodeType="tmRoot"/>
+      </p:par>
+    </p:tnLst>
+  </p:timing>
+</p:sld>
+</file>
+
+<file path=ppt/slides/slide21.xml><?xml version="1.0" encoding="utf-8"?>
+<p:sld xmlns:a="http://schemas.openxmlformats.org/drawingml/2006/main" xmlns:r="http://schemas.openxmlformats.org/officeDocument/2006/relationships" xmlns:p="http://schemas.openxmlformats.org/presentationml/2006/main">
+  <p:cSld>
+    <p:spTree>
+      <p:nvGrpSpPr>
+        <p:cNvPr id="1" name=""/>
+        <p:cNvGrpSpPr/>
+        <p:nvPr/>
+      </p:nvGrpSpPr>
+      <p:grpSpPr>
+        <a:xfrm>
+          <a:off x="0" y="0"/>
+          <a:ext cx="0" cy="0"/>
+          <a:chOff x="0" y="0"/>
+          <a:chExt cx="0" cy="0"/>
+        </a:xfrm>
+      </p:grpSpPr>
+      <p:sp>
+        <p:nvSpPr>
+          <p:cNvPr id="2" name="Title 1"/>
+          <p:cNvSpPr>
+            <a:spLocks noGrp="1"/>
+          </p:cNvSpPr>
+          <p:nvPr>
+            <p:ph type="title"/>
+          </p:nvPr>
+        </p:nvSpPr>
+        <p:spPr/>
+        <p:txBody>
+          <a:bodyPr/>
+          <a:lstStyle/>
+          <a:p>
+            <a:r>
+              <a:rPr lang="en-US" dirty="0" smtClean="0"/>
+              <a:t>Good Idea: Custom User Types</a:t>
+            </a:r>
+            <a:endParaRPr lang="en-US" dirty="0"/>
+          </a:p>
+        </p:txBody>
+      </p:sp>
+      <p:pic>
+        <p:nvPicPr>
+          <p:cNvPr id="4" name="Content Placeholder 3"/>
+          <p:cNvPicPr>
+            <a:picLocks noGrp="1" noChangeAspect="1"/>
+          </p:cNvPicPr>
+          <p:nvPr>
+            <p:ph idx="1"/>
+          </p:nvPr>
+        </p:nvPicPr>
+        <p:blipFill>
+          <a:blip r:embed="rId2"/>
+          <a:stretch>
+            <a:fillRect/>
+          </a:stretch>
+        </p:blipFill>
+        <p:spPr>
+          <a:xfrm>
+            <a:off x="1628775" y="3225006"/>
+            <a:ext cx="5886450" cy="1552575"/>
+          </a:xfrm>
+          <a:prstGeom prst="rect">
+            <a:avLst/>
+          </a:prstGeom>
+        </p:spPr>
+      </p:pic>
+    </p:spTree>
+    <p:extLst>
+      <p:ext uri="{BB962C8B-B14F-4D97-AF65-F5344CB8AC3E}">
+        <p14:creationId xmlns:p14="http://schemas.microsoft.com/office/powerpoint/2010/main" val="3559478228"/>
+      </p:ext>
+    </p:extLst>
+  </p:cSld>
+  <p:clrMapOvr>
+    <a:masterClrMapping/>
+  </p:clrMapOvr>
+  <p:timing>
+    <p:tnLst>
+      <p:par>
+        <p:cTn id="1" dur="indefinite" restart="never" nodeType="tmRoot"/>
+      </p:par>
+    </p:tnLst>
+  </p:timing>
+</p:sld>
+</file>
+
+<file path=ppt/slides/slide22.xml><?xml version="1.0" encoding="utf-8"?>
+<p:sld xmlns:a="http://schemas.openxmlformats.org/drawingml/2006/main" xmlns:r="http://schemas.openxmlformats.org/officeDocument/2006/relationships" xmlns:p="http://schemas.openxmlformats.org/presentationml/2006/main">
+  <p:cSld>
+    <p:spTree>
+      <p:nvGrpSpPr>
+        <p:cNvPr id="1" name=""/>
+        <p:cNvGrpSpPr/>
+        <p:nvPr/>
+      </p:nvGrpSpPr>
+      <p:grpSpPr>
+        <a:xfrm>
+          <a:off x="0" y="0"/>
+          <a:ext cx="0" cy="0"/>
+          <a:chOff x="0" y="0"/>
+          <a:chExt cx="0" cy="0"/>
+        </a:xfrm>
+      </p:grpSpPr>
+      <p:sp>
+        <p:nvSpPr>
+          <p:cNvPr id="4" name="Title 3"/>
+          <p:cNvSpPr>
+            <a:spLocks noGrp="1"/>
+          </p:cNvSpPr>
+          <p:nvPr>
+            <p:ph type="title"/>
+          </p:nvPr>
+        </p:nvSpPr>
+        <p:spPr/>
+        <p:txBody>
+          <a:bodyPr/>
+          <a:lstStyle/>
+          <a:p>
+            <a:r>
+              <a:rPr lang="en-US" dirty="0" smtClean="0"/>
+              <a:t>Querying Problems</a:t>
+            </a:r>
+            <a:endParaRPr lang="en-US" dirty="0"/>
+          </a:p>
+        </p:txBody>
+      </p:sp>
+      <p:sp>
+        <p:nvSpPr>
+          <p:cNvPr id="5" name="Text Placeholder 4"/>
+          <p:cNvSpPr>
+            <a:spLocks noGrp="1"/>
+          </p:cNvSpPr>
+          <p:nvPr>
+            <p:ph type="body" idx="1"/>
+          </p:nvPr>
+        </p:nvSpPr>
+        <p:spPr/>
+        <p:txBody>
+          <a:bodyPr/>
+          <a:lstStyle/>
+          <a:p>
+            <a:endParaRPr lang="en-US"/>
+          </a:p>
+        </p:txBody>
+      </p:sp>
+    </p:spTree>
+    <p:extLst>
+      <p:ext uri="{BB962C8B-B14F-4D97-AF65-F5344CB8AC3E}">
+        <p14:creationId xmlns:p14="http://schemas.microsoft.com/office/powerpoint/2010/main" val="4012419859"/>
+      </p:ext>
+    </p:extLst>
+  </p:cSld>
+  <p:clrMapOvr>
+    <a:masterClrMapping/>
+  </p:clrMapOvr>
+  <p:timing>
+    <p:tnLst>
+      <p:par>
+        <p:cTn id="1" dur="indefinite" restart="never" nodeType="tmRoot"/>
+      </p:par>
+    </p:tnLst>
+  </p:timing>
+</p:sld>
+</file>
+
+<file path=ppt/slides/slide23.xml><?xml version="1.0" encoding="utf-8"?>
+<p:sld xmlns:a="http://schemas.openxmlformats.org/drawingml/2006/main" xmlns:r="http://schemas.openxmlformats.org/officeDocument/2006/relationships" xmlns:p="http://schemas.openxmlformats.org/presentationml/2006/main">
+  <p:cSld>
+    <p:spTree>
+      <p:nvGrpSpPr>
+        <p:cNvPr id="1" name=""/>
+        <p:cNvGrpSpPr/>
+        <p:nvPr/>
+      </p:nvGrpSpPr>
+      <p:grpSpPr>
+        <a:xfrm>
+          <a:off x="0" y="0"/>
+          <a:ext cx="0" cy="0"/>
+          <a:chOff x="0" y="0"/>
+          <a:chExt cx="0" cy="0"/>
+        </a:xfrm>
+      </p:grpSpPr>
+      <p:sp>
+        <p:nvSpPr>
+          <p:cNvPr id="4" name="Title 3"/>
+          <p:cNvSpPr>
+            <a:spLocks noGrp="1"/>
+          </p:cNvSpPr>
+          <p:nvPr>
+            <p:ph type="title"/>
+          </p:nvPr>
+        </p:nvSpPr>
+        <p:spPr/>
+        <p:txBody>
+          <a:bodyPr>
+            <a:normAutofit fontScale="90000"/>
+          </a:bodyPr>
+          <a:lstStyle/>
+          <a:p>
+            <a:r>
+              <a:rPr lang="en-US" sz="3600" dirty="0"/>
+              <a:t>Bad Idea:</a:t>
+            </a:r>
+            <a:br>
+              <a:rPr lang="en-US" sz="3600" dirty="0"/>
+            </a:br>
+            <a:r>
+              <a:rPr lang="en-US" sz="3600" dirty="0"/>
+              <a:t>Excessive Lazy Loading / SELECT N+1</a:t>
+            </a:r>
+            <a:endParaRPr lang="en-US" sz="3600" dirty="0"/>
+          </a:p>
+        </p:txBody>
+      </p:sp>
+      <p:pic>
+        <p:nvPicPr>
+          <p:cNvPr id="6" name="Content Placeholder 5"/>
+          <p:cNvPicPr>
+            <a:picLocks noGrp="1" noChangeAspect="1"/>
+          </p:cNvPicPr>
+          <p:nvPr>
+            <p:ph idx="1"/>
+          </p:nvPr>
+        </p:nvPicPr>
+        <p:blipFill>
+          <a:blip r:embed="rId2"/>
+          <a:stretch>
+            <a:fillRect/>
+          </a:stretch>
+        </p:blipFill>
+        <p:spPr>
+          <a:xfrm>
+            <a:off x="628650" y="3198915"/>
+            <a:ext cx="7886700" cy="1604757"/>
+          </a:xfrm>
+          <a:prstGeom prst="rect">
+            <a:avLst/>
+          </a:prstGeom>
+        </p:spPr>
+      </p:pic>
+    </p:spTree>
+    <p:extLst>
+      <p:ext uri="{BB962C8B-B14F-4D97-AF65-F5344CB8AC3E}">
+        <p14:creationId xmlns:p14="http://schemas.microsoft.com/office/powerpoint/2010/main" val="1506575911"/>
+      </p:ext>
+    </p:extLst>
+  </p:cSld>
+  <p:clrMapOvr>
+    <a:masterClrMapping/>
+  </p:clrMapOvr>
+  <p:timing>
+    <p:tnLst>
+      <p:par>
+        <p:cTn id="1" dur="indefinite" restart="never" nodeType="tmRoot"/>
+      </p:par>
+    </p:tnLst>
+  </p:timing>
+</p:sld>
+</file>
+
+<file path=ppt/slides/slide24.xml><?xml version="1.0" encoding="utf-8"?>
+<p:sld xmlns:a="http://schemas.openxmlformats.org/drawingml/2006/main" xmlns:r="http://schemas.openxmlformats.org/officeDocument/2006/relationships" xmlns:p="http://schemas.openxmlformats.org/presentationml/2006/main">
+  <p:cSld>
+    <p:spTree>
+      <p:nvGrpSpPr>
+        <p:cNvPr id="1" name=""/>
+        <p:cNvGrpSpPr/>
+        <p:nvPr/>
+      </p:nvGrpSpPr>
+      <p:grpSpPr>
+        <a:xfrm>
+          <a:off x="0" y="0"/>
+          <a:ext cx="0" cy="0"/>
+          <a:chOff x="0" y="0"/>
+          <a:chExt cx="0" cy="0"/>
+        </a:xfrm>
+      </p:grpSpPr>
+      <p:sp>
+        <p:nvSpPr>
+          <p:cNvPr id="4" name="Title 3"/>
+          <p:cNvSpPr>
+            <a:spLocks noGrp="1"/>
+          </p:cNvSpPr>
+          <p:nvPr>
+            <p:ph type="title"/>
+          </p:nvPr>
+        </p:nvSpPr>
+        <p:spPr/>
+        <p:txBody>
+          <a:bodyPr>
+            <a:normAutofit fontScale="90000"/>
+          </a:bodyPr>
+          <a:lstStyle/>
+          <a:p>
+            <a:r>
+              <a:rPr lang="en-US" sz="3600" dirty="0"/>
+              <a:t>Bad Idea:</a:t>
+            </a:r>
+            <a:br>
+              <a:rPr lang="en-US" sz="3600" dirty="0"/>
+            </a:br>
+            <a:r>
+              <a:rPr lang="en-US" sz="3600" dirty="0"/>
+              <a:t>Excessive Lazy Loading / SELECT N+1</a:t>
+            </a:r>
+            <a:endParaRPr lang="en-US" sz="3600" dirty="0"/>
+          </a:p>
+        </p:txBody>
+      </p:sp>
+      <p:pic>
+        <p:nvPicPr>
+          <p:cNvPr id="3" name="Content Placeholder 2"/>
+          <p:cNvPicPr>
+            <a:picLocks noGrp="1" noChangeAspect="1"/>
+          </p:cNvPicPr>
+          <p:nvPr>
+            <p:ph idx="1"/>
+          </p:nvPr>
+        </p:nvPicPr>
+        <p:blipFill>
+          <a:blip r:embed="rId2"/>
+          <a:stretch>
+            <a:fillRect/>
+          </a:stretch>
+        </p:blipFill>
+        <p:spPr>
+          <a:xfrm>
+            <a:off x="1495468" y="1825625"/>
+            <a:ext cx="6153063" cy="4351338"/>
+          </a:xfrm>
+          <a:prstGeom prst="rect">
+            <a:avLst/>
+          </a:prstGeom>
+        </p:spPr>
+      </p:pic>
+    </p:spTree>
+    <p:extLst>
+      <p:ext uri="{BB962C8B-B14F-4D97-AF65-F5344CB8AC3E}">
+        <p14:creationId xmlns:p14="http://schemas.microsoft.com/office/powerpoint/2010/main" val="1308787145"/>
+      </p:ext>
+    </p:extLst>
+  </p:cSld>
+  <p:clrMapOvr>
+    <a:masterClrMapping/>
+  </p:clrMapOvr>
+  <p:timing>
+    <p:tnLst>
+      <p:par>
+        <p:cTn id="1" dur="indefinite" restart="never" nodeType="tmRoot"/>
+      </p:par>
+    </p:tnLst>
+  </p:timing>
+</p:sld>
+</file>
+
+<file path=ppt/slides/slide25.xml><?xml version="1.0" encoding="utf-8"?>
+<p:sld xmlns:a="http://schemas.openxmlformats.org/drawingml/2006/main" xmlns:r="http://schemas.openxmlformats.org/officeDocument/2006/relationships" xmlns:p="http://schemas.openxmlformats.org/presentationml/2006/main">
+  <p:cSld>
+    <p:spTree>
+      <p:nvGrpSpPr>
+        <p:cNvPr id="1" name=""/>
+        <p:cNvGrpSpPr/>
+        <p:nvPr/>
+      </p:nvGrpSpPr>
+      <p:grpSpPr>
+        <a:xfrm>
+          <a:off x="0" y="0"/>
+          <a:ext cx="0" cy="0"/>
+          <a:chOff x="0" y="0"/>
+          <a:chExt cx="0" cy="0"/>
+        </a:xfrm>
+      </p:grpSpPr>
+      <p:sp>
+        <p:nvSpPr>
+          <p:cNvPr id="2" name="Title 1"/>
+          <p:cNvSpPr>
+            <a:spLocks noGrp="1"/>
+          </p:cNvSpPr>
+          <p:nvPr>
+            <p:ph type="title"/>
+          </p:nvPr>
+        </p:nvSpPr>
+        <p:spPr/>
+        <p:txBody>
+          <a:bodyPr/>
+          <a:lstStyle/>
+          <a:p>
+            <a:r>
+              <a:rPr lang="en-US" dirty="0" smtClean="0"/>
+              <a:t>Good Idea: Eager Fetch</a:t>
+            </a:r>
+            <a:endParaRPr lang="en-US" dirty="0"/>
+          </a:p>
+        </p:txBody>
+      </p:sp>
+      <p:pic>
+        <p:nvPicPr>
+          <p:cNvPr id="4" name="Content Placeholder 3"/>
+          <p:cNvPicPr>
+            <a:picLocks noGrp="1" noChangeAspect="1"/>
+          </p:cNvPicPr>
+          <p:nvPr>
+            <p:ph idx="1"/>
+          </p:nvPr>
+        </p:nvPicPr>
+        <p:blipFill>
+          <a:blip r:embed="rId2"/>
+          <a:stretch>
+            <a:fillRect/>
+          </a:stretch>
+        </p:blipFill>
+        <p:spPr>
+          <a:xfrm>
+            <a:off x="628650" y="2710889"/>
+            <a:ext cx="7886700" cy="2580810"/>
+          </a:xfrm>
+          <a:prstGeom prst="rect">
+            <a:avLst/>
+          </a:prstGeom>
+        </p:spPr>
+      </p:pic>
+    </p:spTree>
+    <p:extLst>
+      <p:ext uri="{BB962C8B-B14F-4D97-AF65-F5344CB8AC3E}">
+        <p14:creationId xmlns:p14="http://schemas.microsoft.com/office/powerpoint/2010/main" val="3136115361"/>
+      </p:ext>
+    </p:extLst>
+  </p:cSld>
+  <p:clrMapOvr>
+    <a:masterClrMapping/>
+  </p:clrMapOvr>
+  <p:timing>
+    <p:tnLst>
+      <p:par>
+        <p:cTn id="1" dur="indefinite" restart="never" nodeType="tmRoot"/>
+      </p:par>
+    </p:tnLst>
+  </p:timing>
+</p:sld>
+</file>
+
+<file path=ppt/slides/slide26.xml><?xml version="1.0" encoding="utf-8"?>
+<p:sld xmlns:a="http://schemas.openxmlformats.org/drawingml/2006/main" xmlns:r="http://schemas.openxmlformats.org/officeDocument/2006/relationships" xmlns:p="http://schemas.openxmlformats.org/presentationml/2006/main">
+  <p:cSld>
+    <p:spTree>
+      <p:nvGrpSpPr>
+        <p:cNvPr id="1" name=""/>
+        <p:cNvGrpSpPr/>
+        <p:nvPr/>
+      </p:nvGrpSpPr>
+      <p:grpSpPr>
+        <a:xfrm>
+          <a:off x="0" y="0"/>
+          <a:ext cx="0" cy="0"/>
+          <a:chOff x="0" y="0"/>
+          <a:chExt cx="0" cy="0"/>
+        </a:xfrm>
+      </p:grpSpPr>
+      <p:sp>
+        <p:nvSpPr>
+          <p:cNvPr id="2" name="Title 1"/>
+          <p:cNvSpPr>
+            <a:spLocks noGrp="1"/>
+          </p:cNvSpPr>
+          <p:nvPr>
+            <p:ph type="title"/>
+          </p:nvPr>
+        </p:nvSpPr>
+        <p:spPr/>
+        <p:txBody>
+          <a:bodyPr/>
+          <a:lstStyle/>
+          <a:p>
+            <a:r>
+              <a:rPr lang="en-US" dirty="0" smtClean="0"/>
+              <a:t>Bad Idea: Cartesian Products</a:t>
+            </a:r>
+            <a:endParaRPr lang="en-US" dirty="0"/>
+          </a:p>
+        </p:txBody>
+      </p:sp>
+      <p:pic>
+        <p:nvPicPr>
+          <p:cNvPr id="4" name="Content Placeholder 3"/>
+          <p:cNvPicPr>
+            <a:picLocks noGrp="1" noChangeAspect="1"/>
+          </p:cNvPicPr>
+          <p:nvPr>
+            <p:ph idx="1"/>
+          </p:nvPr>
+        </p:nvPicPr>
+        <p:blipFill>
+          <a:blip r:embed="rId2"/>
+          <a:stretch>
+            <a:fillRect/>
+          </a:stretch>
+        </p:blipFill>
+        <p:spPr>
+          <a:xfrm>
+            <a:off x="628650" y="2548976"/>
+            <a:ext cx="7886700" cy="2904636"/>
+          </a:xfrm>
+          <a:prstGeom prst="rect">
+            <a:avLst/>
+          </a:prstGeom>
+        </p:spPr>
+      </p:pic>
+    </p:spTree>
+    <p:extLst>
+      <p:ext uri="{BB962C8B-B14F-4D97-AF65-F5344CB8AC3E}">
+        <p14:creationId xmlns:p14="http://schemas.microsoft.com/office/powerpoint/2010/main" val="3862415564"/>
+      </p:ext>
+    </p:extLst>
+  </p:cSld>
+  <p:clrMapOvr>
+    <a:masterClrMapping/>
+  </p:clrMapOvr>
+  <p:timing>
+    <p:tnLst>
+      <p:par>
+        <p:cTn id="1" dur="indefinite" restart="never" nodeType="tmRoot"/>
+      </p:par>
+    </p:tnLst>
+  </p:timing>
+</p:sld>
+</file>
+
+<file path=ppt/slides/slide27.xml><?xml version="1.0" encoding="utf-8"?>
+<p:sld xmlns:a="http://schemas.openxmlformats.org/drawingml/2006/main" xmlns:r="http://schemas.openxmlformats.org/officeDocument/2006/relationships" xmlns:p="http://schemas.openxmlformats.org/presentationml/2006/main">
+  <p:cSld>
+    <p:spTree>
+      <p:nvGrpSpPr>
+        <p:cNvPr id="1" name=""/>
+        <p:cNvGrpSpPr/>
+        <p:nvPr/>
+      </p:nvGrpSpPr>
+      <p:grpSpPr>
+        <a:xfrm>
+          <a:off x="0" y="0"/>
+          <a:ext cx="0" cy="0"/>
+          <a:chOff x="0" y="0"/>
+          <a:chExt cx="0" cy="0"/>
+        </a:xfrm>
+      </p:grpSpPr>
+      <p:sp>
+        <p:nvSpPr>
+          <p:cNvPr id="2" name="Title 1"/>
+          <p:cNvSpPr>
+            <a:spLocks noGrp="1"/>
+          </p:cNvSpPr>
+          <p:nvPr>
+            <p:ph type="title"/>
+          </p:nvPr>
+        </p:nvSpPr>
+        <p:spPr/>
+        <p:txBody>
+          <a:bodyPr/>
+          <a:lstStyle/>
+          <a:p>
+            <a:r>
+              <a:rPr lang="en-US" dirty="0" smtClean="0"/>
+              <a:t>Good Idea: Multiple Queries</a:t>
+            </a:r>
+            <a:endParaRPr lang="en-US" dirty="0"/>
+          </a:p>
+        </p:txBody>
+      </p:sp>
+      <p:pic>
+        <p:nvPicPr>
+          <p:cNvPr id="7" name="Content Placeholder 6"/>
+          <p:cNvPicPr>
+            <a:picLocks noGrp="1" noChangeAspect="1"/>
+          </p:cNvPicPr>
+          <p:nvPr>
+            <p:ph idx="1"/>
+          </p:nvPr>
+        </p:nvPicPr>
+        <p:blipFill>
+          <a:blip r:embed="rId2"/>
+          <a:stretch>
+            <a:fillRect/>
+          </a:stretch>
+        </p:blipFill>
+        <p:spPr>
+          <a:xfrm>
+            <a:off x="628650" y="2290472"/>
+            <a:ext cx="7886700" cy="3421643"/>
+          </a:xfrm>
+          <a:prstGeom prst="rect">
+            <a:avLst/>
+          </a:prstGeom>
+        </p:spPr>
+      </p:pic>
+    </p:spTree>
+    <p:extLst>
+      <p:ext uri="{BB962C8B-B14F-4D97-AF65-F5344CB8AC3E}">
+        <p14:creationId xmlns:p14="http://schemas.microsoft.com/office/powerpoint/2010/main" val="3863443740"/>
+      </p:ext>
+    </p:extLst>
+  </p:cSld>
+  <p:clrMapOvr>
+    <a:masterClrMapping/>
+  </p:clrMapOvr>
+  <p:timing>
+    <p:tnLst>
+      <p:par>
+        <p:cTn id="1" dur="indefinite" restart="never" nodeType="tmRoot"/>
+      </p:par>
+    </p:tnLst>
+  </p:timing>
+</p:sld>
+</file>
+
+<file path=ppt/slides/slide28.xml><?xml version="1.0" encoding="utf-8"?>
+<p:sld xmlns:a="http://schemas.openxmlformats.org/drawingml/2006/main" xmlns:r="http://schemas.openxmlformats.org/officeDocument/2006/relationships" xmlns:p="http://schemas.openxmlformats.org/presentationml/2006/main">
+  <p:cSld>
+    <p:spTree>
+      <p:nvGrpSpPr>
+        <p:cNvPr id="1" name=""/>
+        <p:cNvGrpSpPr/>
+        <p:nvPr/>
+      </p:nvGrpSpPr>
+      <p:grpSpPr>
+        <a:xfrm>
+          <a:off x="0" y="0"/>
+          <a:ext cx="0" cy="0"/>
+          <a:chOff x="0" y="0"/>
+          <a:chExt cx="0" cy="0"/>
+        </a:xfrm>
+      </p:grpSpPr>
+      <p:sp>
+        <p:nvSpPr>
+          <p:cNvPr id="2" name="Title 1"/>
+          <p:cNvSpPr>
+            <a:spLocks noGrp="1"/>
+          </p:cNvSpPr>
+          <p:nvPr>
+            <p:ph type="title"/>
+          </p:nvPr>
+        </p:nvSpPr>
+        <p:spPr/>
+        <p:txBody>
+          <a:bodyPr/>
+          <a:lstStyle/>
+          <a:p>
+            <a:r>
+              <a:rPr lang="en-US" dirty="0" smtClean="0"/>
+              <a:t>Bad Idea: Indecipherable LINQ</a:t>
+            </a:r>
+            <a:endParaRPr lang="en-US" dirty="0"/>
+          </a:p>
+        </p:txBody>
+      </p:sp>
+      <p:pic>
+        <p:nvPicPr>
+          <p:cNvPr id="4" name="Content Placeholder 3"/>
+          <p:cNvPicPr>
+            <a:picLocks noGrp="1" noChangeAspect="1"/>
+          </p:cNvPicPr>
+          <p:nvPr>
+            <p:ph idx="1"/>
+          </p:nvPr>
+        </p:nvPicPr>
+        <p:blipFill>
+          <a:blip r:embed="rId2"/>
+          <a:stretch>
+            <a:fillRect/>
+          </a:stretch>
+        </p:blipFill>
+        <p:spPr>
+          <a:xfrm>
+            <a:off x="1350158" y="1825625"/>
+            <a:ext cx="6443683" cy="4351338"/>
+          </a:xfrm>
+          <a:prstGeom prst="rect">
+            <a:avLst/>
+          </a:prstGeom>
+        </p:spPr>
+      </p:pic>
+    </p:spTree>
+    <p:extLst>
+      <p:ext uri="{BB962C8B-B14F-4D97-AF65-F5344CB8AC3E}">
+        <p14:creationId xmlns:p14="http://schemas.microsoft.com/office/powerpoint/2010/main" val="3274163139"/>
+      </p:ext>
+    </p:extLst>
+  </p:cSld>
+  <p:clrMapOvr>
+    <a:masterClrMapping/>
+  </p:clrMapOvr>
+  <p:timing>
+    <p:tnLst>
+      <p:par>
+        <p:cTn id="1" dur="indefinite" restart="never" nodeType="tmRoot"/>
+      </p:par>
+    </p:tnLst>
+  </p:timing>
+</p:sld>
+</file>
+
+<file path=ppt/slides/slide29.xml><?xml version="1.0" encoding="utf-8"?>
+<p:sld xmlns:a="http://schemas.openxmlformats.org/drawingml/2006/main" xmlns:r="http://schemas.openxmlformats.org/officeDocument/2006/relationships" xmlns:p="http://schemas.openxmlformats.org/presentationml/2006/main">
+  <p:cSld>
+    <p:spTree>
+      <p:nvGrpSpPr>
+        <p:cNvPr id="1" name=""/>
+        <p:cNvGrpSpPr/>
+        <p:nvPr/>
+      </p:nvGrpSpPr>
+      <p:grpSpPr>
+        <a:xfrm>
+          <a:off x="0" y="0"/>
+          <a:ext cx="0" cy="0"/>
+          <a:chOff x="0" y="0"/>
+          <a:chExt cx="0" cy="0"/>
+        </a:xfrm>
+      </p:grpSpPr>
+      <p:sp>
+        <p:nvSpPr>
+          <p:cNvPr id="2" name="Title 1"/>
+          <p:cNvSpPr>
+            <a:spLocks noGrp="1"/>
+          </p:cNvSpPr>
+          <p:nvPr>
+            <p:ph type="title"/>
+          </p:nvPr>
+        </p:nvSpPr>
+        <p:spPr/>
+        <p:txBody>
+          <a:bodyPr/>
+          <a:lstStyle/>
+          <a:p>
+            <a:r>
+              <a:rPr lang="en-US" dirty="0" smtClean="0"/>
+              <a:t>Good Idea: Just use SQL</a:t>
+            </a:r>
+            <a:endParaRPr lang="en-US" dirty="0"/>
+          </a:p>
+        </p:txBody>
+      </p:sp>
+      <p:pic>
+        <p:nvPicPr>
+          <p:cNvPr id="5" name="Content Placeholder 4"/>
+          <p:cNvPicPr>
+            <a:picLocks noGrp="1" noChangeAspect="1"/>
+          </p:cNvPicPr>
+          <p:nvPr>
+            <p:ph idx="1"/>
+          </p:nvPr>
+        </p:nvPicPr>
+        <p:blipFill>
+          <a:blip r:embed="rId2"/>
+          <a:stretch>
+            <a:fillRect/>
+          </a:stretch>
+        </p:blipFill>
+        <p:spPr>
+          <a:xfrm>
+            <a:off x="628650" y="2268451"/>
+            <a:ext cx="7886700" cy="3465685"/>
           </a:xfrm>
           <a:prstGeom prst="rect">
             <a:avLst/>
@@ -6385,7 +5709,7 @@
 </p:sld>
 </file>
 
-<file path=ppt/slides/slide31.xml><?xml version="1.0" encoding="utf-8"?>
+<file path=ppt/slides/slide3.xml><?xml version="1.0" encoding="utf-8"?>
 <p:sld xmlns:a="http://schemas.openxmlformats.org/drawingml/2006/main" xmlns:r="http://schemas.openxmlformats.org/officeDocument/2006/relationships" xmlns:p="http://schemas.openxmlformats.org/presentationml/2006/main">
   <p:cSld>
     <p:spTree>
@@ -6404,913 +5728,14 @@
       </p:grpSpPr>
       <p:sp>
         <p:nvSpPr>
-          <p:cNvPr id="2" name="Title 1"/>
-          <p:cNvSpPr>
-            <a:spLocks noGrp="1"/>
-          </p:cNvSpPr>
-          <p:nvPr>
-            <p:ph type="title"/>
-          </p:nvPr>
-        </p:nvSpPr>
-        <p:spPr/>
-        <p:txBody>
-          <a:bodyPr/>
-          <a:lstStyle/>
-          <a:p>
-            <a:r>
-              <a:rPr lang="en-US" dirty="0" smtClean="0"/>
-              <a:t>Bad Idea: Too much data</a:t>
-            </a:r>
-            <a:endParaRPr lang="en-US" dirty="0"/>
-          </a:p>
-        </p:txBody>
-      </p:sp>
-      <p:pic>
-        <p:nvPicPr>
-          <p:cNvPr id="4" name="Content Placeholder 3"/>
-          <p:cNvPicPr>
-            <a:picLocks noGrp="1" noChangeAspect="1"/>
-          </p:cNvPicPr>
-          <p:nvPr>
-            <p:ph idx="1"/>
-          </p:nvPr>
-        </p:nvPicPr>
-        <p:blipFill>
-          <a:blip r:embed="rId2"/>
-          <a:stretch>
-            <a:fillRect/>
-          </a:stretch>
-        </p:blipFill>
-        <p:spPr>
-          <a:xfrm>
-            <a:off x="2003367" y="1825625"/>
-            <a:ext cx="8185265" cy="4351338"/>
-          </a:xfrm>
-          <a:prstGeom prst="rect">
-            <a:avLst/>
-          </a:prstGeom>
-        </p:spPr>
-      </p:pic>
-    </p:spTree>
-    <p:extLst>
-      <p:ext uri="{BB962C8B-B14F-4D97-AF65-F5344CB8AC3E}">
-        <p14:creationId xmlns:p14="http://schemas.microsoft.com/office/powerpoint/2010/main" val="3544782156"/>
-      </p:ext>
-    </p:extLst>
-  </p:cSld>
-  <p:clrMapOvr>
-    <a:masterClrMapping/>
-  </p:clrMapOvr>
-  <p:timing>
-    <p:tnLst>
-      <p:par>
-        <p:cTn id="1" dur="indefinite" restart="never" nodeType="tmRoot"/>
-      </p:par>
-    </p:tnLst>
-  </p:timing>
-</p:sld>
-</file>
-
-<file path=ppt/slides/slide32.xml><?xml version="1.0" encoding="utf-8"?>
-<p:sld xmlns:a="http://schemas.openxmlformats.org/drawingml/2006/main" xmlns:r="http://schemas.openxmlformats.org/officeDocument/2006/relationships" xmlns:p="http://schemas.openxmlformats.org/presentationml/2006/main">
-  <p:cSld>
-    <p:spTree>
-      <p:nvGrpSpPr>
-        <p:cNvPr id="1" name=""/>
-        <p:cNvGrpSpPr/>
-        <p:nvPr/>
-      </p:nvGrpSpPr>
-      <p:grpSpPr>
-        <a:xfrm>
-          <a:off x="0" y="0"/>
-          <a:ext cx="0" cy="0"/>
-          <a:chOff x="0" y="0"/>
-          <a:chExt cx="0" cy="0"/>
-        </a:xfrm>
-      </p:grpSpPr>
-      <p:sp>
-        <p:nvSpPr>
-          <p:cNvPr id="2" name="Title 1"/>
-          <p:cNvSpPr>
-            <a:spLocks noGrp="1"/>
-          </p:cNvSpPr>
-          <p:nvPr>
-            <p:ph type="title"/>
-          </p:nvPr>
-        </p:nvSpPr>
-        <p:spPr/>
-        <p:txBody>
-          <a:bodyPr/>
-          <a:lstStyle/>
-          <a:p>
-            <a:r>
-              <a:rPr lang="en-US" dirty="0" smtClean="0"/>
-              <a:t>Good Idea: Projection</a:t>
-            </a:r>
-            <a:endParaRPr lang="en-US" dirty="0"/>
-          </a:p>
-        </p:txBody>
-      </p:sp>
-      <p:pic>
-        <p:nvPicPr>
-          <p:cNvPr id="4" name="Content Placeholder 3"/>
-          <p:cNvPicPr>
-            <a:picLocks noGrp="1" noChangeAspect="1"/>
-          </p:cNvPicPr>
-          <p:nvPr>
-            <p:ph idx="1"/>
-          </p:nvPr>
-        </p:nvPicPr>
-        <p:blipFill>
-          <a:blip r:embed="rId2"/>
-          <a:stretch>
-            <a:fillRect/>
-          </a:stretch>
-        </p:blipFill>
-        <p:spPr>
-          <a:xfrm>
-            <a:off x="838200" y="3266294"/>
-            <a:ext cx="10515600" cy="1470000"/>
-          </a:xfrm>
-          <a:prstGeom prst="rect">
-            <a:avLst/>
-          </a:prstGeom>
-        </p:spPr>
-      </p:pic>
-    </p:spTree>
-    <p:extLst>
-      <p:ext uri="{BB962C8B-B14F-4D97-AF65-F5344CB8AC3E}">
-        <p14:creationId xmlns:p14="http://schemas.microsoft.com/office/powerpoint/2010/main" val="2189916734"/>
-      </p:ext>
-    </p:extLst>
-  </p:cSld>
-  <p:clrMapOvr>
-    <a:masterClrMapping/>
-  </p:clrMapOvr>
-  <p:timing>
-    <p:tnLst>
-      <p:par>
-        <p:cTn id="1" dur="indefinite" restart="never" nodeType="tmRoot"/>
-      </p:par>
-    </p:tnLst>
-  </p:timing>
-</p:sld>
-</file>
-
-<file path=ppt/slides/slide33.xml><?xml version="1.0" encoding="utf-8"?>
-<p:sld xmlns:a="http://schemas.openxmlformats.org/drawingml/2006/main" xmlns:r="http://schemas.openxmlformats.org/officeDocument/2006/relationships" xmlns:p="http://schemas.openxmlformats.org/presentationml/2006/main">
-  <p:cSld>
-    <p:spTree>
-      <p:nvGrpSpPr>
-        <p:cNvPr id="1" name=""/>
-        <p:cNvGrpSpPr/>
-        <p:nvPr/>
-      </p:nvGrpSpPr>
-      <p:grpSpPr>
-        <a:xfrm>
-          <a:off x="0" y="0"/>
-          <a:ext cx="0" cy="0"/>
-          <a:chOff x="0" y="0"/>
-          <a:chExt cx="0" cy="0"/>
-        </a:xfrm>
-      </p:grpSpPr>
-      <p:sp>
-        <p:nvSpPr>
-          <p:cNvPr id="2" name="Title 1"/>
-          <p:cNvSpPr>
-            <a:spLocks noGrp="1"/>
-          </p:cNvSpPr>
-          <p:nvPr>
-            <p:ph type="title"/>
-          </p:nvPr>
-        </p:nvSpPr>
-        <p:spPr/>
-        <p:txBody>
-          <a:bodyPr/>
-          <a:lstStyle/>
-          <a:p>
-            <a:r>
-              <a:rPr lang="en-US" dirty="0" smtClean="0"/>
-              <a:t>Good Idea: Projection</a:t>
-            </a:r>
-            <a:endParaRPr lang="en-US" dirty="0"/>
-          </a:p>
-        </p:txBody>
-      </p:sp>
-      <p:pic>
-        <p:nvPicPr>
-          <p:cNvPr id="5122" name="Picture 2" descr="image"/>
-          <p:cNvPicPr>
-            <a:picLocks noGrp="1" noChangeAspect="1" noChangeArrowheads="1"/>
-          </p:cNvPicPr>
-          <p:nvPr>
-            <p:ph idx="1"/>
-          </p:nvPr>
-        </p:nvPicPr>
-        <p:blipFill>
-          <a:blip r:embed="rId2">
-            <a:extLst>
-              <a:ext uri="{28A0092B-C50C-407E-A947-70E740481C1C}">
-                <a14:useLocalDpi xmlns:a14="http://schemas.microsoft.com/office/drawing/2010/main" val="0"/>
-              </a:ext>
-            </a:extLst>
-          </a:blip>
-          <a:srcRect/>
-          <a:stretch>
-            <a:fillRect/>
-          </a:stretch>
-        </p:blipFill>
-        <p:spPr bwMode="auto">
-          <a:xfrm>
-            <a:off x="2180809" y="1929423"/>
-            <a:ext cx="7830382" cy="4385652"/>
-          </a:xfrm>
-          <a:prstGeom prst="rect">
-            <a:avLst/>
-          </a:prstGeom>
-          <a:noFill/>
-          <a:extLst>
-            <a:ext uri="{909E8E84-426E-40DD-AFC4-6F175D3DCCD1}">
-              <a14:hiddenFill xmlns:a14="http://schemas.microsoft.com/office/drawing/2010/main">
-                <a:solidFill>
-                  <a:srgbClr val="FFFFFF"/>
-                </a:solidFill>
-              </a14:hiddenFill>
-            </a:ext>
-          </a:extLst>
-        </p:spPr>
-      </p:pic>
-    </p:spTree>
-    <p:extLst>
-      <p:ext uri="{BB962C8B-B14F-4D97-AF65-F5344CB8AC3E}">
-        <p14:creationId xmlns:p14="http://schemas.microsoft.com/office/powerpoint/2010/main" val="2514899313"/>
-      </p:ext>
-    </p:extLst>
-  </p:cSld>
-  <p:clrMapOvr>
-    <a:masterClrMapping/>
-  </p:clrMapOvr>
-  <p:timing>
-    <p:tnLst>
-      <p:par>
-        <p:cTn id="1" dur="indefinite" restart="never" nodeType="tmRoot"/>
-      </p:par>
-    </p:tnLst>
-  </p:timing>
-</p:sld>
-</file>
-
-<file path=ppt/slides/slide34.xml><?xml version="1.0" encoding="utf-8"?>
-<p:sld xmlns:a="http://schemas.openxmlformats.org/drawingml/2006/main" xmlns:r="http://schemas.openxmlformats.org/officeDocument/2006/relationships" xmlns:p="http://schemas.openxmlformats.org/presentationml/2006/main">
-  <p:cSld>
-    <p:spTree>
-      <p:nvGrpSpPr>
-        <p:cNvPr id="1" name=""/>
-        <p:cNvGrpSpPr/>
-        <p:nvPr/>
-      </p:nvGrpSpPr>
-      <p:grpSpPr>
-        <a:xfrm>
-          <a:off x="0" y="0"/>
-          <a:ext cx="0" cy="0"/>
-          <a:chOff x="0" y="0"/>
-          <a:chExt cx="0" cy="0"/>
-        </a:xfrm>
-      </p:grpSpPr>
-      <p:sp>
-        <p:nvSpPr>
-          <p:cNvPr id="2" name="Title 1"/>
-          <p:cNvSpPr>
-            <a:spLocks noGrp="1"/>
-          </p:cNvSpPr>
-          <p:nvPr>
-            <p:ph type="title"/>
-          </p:nvPr>
-        </p:nvSpPr>
-        <p:spPr/>
-        <p:txBody>
-          <a:bodyPr>
-            <a:normAutofit/>
-          </a:bodyPr>
-          <a:lstStyle/>
-          <a:p>
-            <a:r>
-              <a:rPr lang="en-US" sz="4000" dirty="0" smtClean="0"/>
-              <a:t>Bad Idea: Excessive Round trips</a:t>
-            </a:r>
-            <a:endParaRPr lang="en-US" sz="4000" dirty="0"/>
-          </a:p>
-        </p:txBody>
-      </p:sp>
-      <p:pic>
-        <p:nvPicPr>
-          <p:cNvPr id="4" name="Content Placeholder 3"/>
-          <p:cNvPicPr>
-            <a:picLocks noGrp="1" noChangeAspect="1"/>
-          </p:cNvPicPr>
-          <p:nvPr>
-            <p:ph idx="1"/>
-          </p:nvPr>
-        </p:nvPicPr>
-        <p:blipFill>
-          <a:blip r:embed="rId2"/>
-          <a:stretch>
-            <a:fillRect/>
-          </a:stretch>
-        </p:blipFill>
-        <p:spPr>
-          <a:xfrm>
-            <a:off x="3200089" y="1825625"/>
-            <a:ext cx="5791822" cy="4351338"/>
-          </a:xfrm>
-          <a:prstGeom prst="rect">
-            <a:avLst/>
-          </a:prstGeom>
-        </p:spPr>
-      </p:pic>
-    </p:spTree>
-    <p:extLst>
-      <p:ext uri="{BB962C8B-B14F-4D97-AF65-F5344CB8AC3E}">
-        <p14:creationId xmlns:p14="http://schemas.microsoft.com/office/powerpoint/2010/main" val="416829783"/>
-      </p:ext>
-    </p:extLst>
-  </p:cSld>
-  <p:clrMapOvr>
-    <a:masterClrMapping/>
-  </p:clrMapOvr>
-  <p:timing>
-    <p:tnLst>
-      <p:par>
-        <p:cTn id="1" dur="indefinite" restart="never" nodeType="tmRoot"/>
-      </p:par>
-    </p:tnLst>
-  </p:timing>
-</p:sld>
-</file>
-
-<file path=ppt/slides/slide35.xml><?xml version="1.0" encoding="utf-8"?>
-<p:sld xmlns:a="http://schemas.openxmlformats.org/drawingml/2006/main" xmlns:r="http://schemas.openxmlformats.org/officeDocument/2006/relationships" xmlns:p="http://schemas.openxmlformats.org/presentationml/2006/main">
-  <p:cSld>
-    <p:spTree>
-      <p:nvGrpSpPr>
-        <p:cNvPr id="1" name=""/>
-        <p:cNvGrpSpPr/>
-        <p:nvPr/>
-      </p:nvGrpSpPr>
-      <p:grpSpPr>
-        <a:xfrm>
-          <a:off x="0" y="0"/>
-          <a:ext cx="0" cy="0"/>
-          <a:chOff x="0" y="0"/>
-          <a:chExt cx="0" cy="0"/>
-        </a:xfrm>
-      </p:grpSpPr>
-      <p:sp>
-        <p:nvSpPr>
-          <p:cNvPr id="2" name="Title 1"/>
-          <p:cNvSpPr>
-            <a:spLocks noGrp="1"/>
-          </p:cNvSpPr>
-          <p:nvPr>
-            <p:ph type="title"/>
-          </p:nvPr>
-        </p:nvSpPr>
-        <p:spPr/>
-        <p:txBody>
-          <a:bodyPr/>
-          <a:lstStyle/>
-          <a:p>
-            <a:r>
-              <a:rPr lang="en-US" dirty="0" smtClean="0"/>
-              <a:t>Good Idea:</a:t>
-            </a:r>
-            <a:br>
-              <a:rPr lang="en-US" dirty="0" smtClean="0"/>
-            </a:br>
-            <a:r>
-              <a:rPr lang="en-US" dirty="0" smtClean="0"/>
-              <a:t>Batched/Future Queries</a:t>
-            </a:r>
-            <a:endParaRPr lang="en-US" dirty="0"/>
-          </a:p>
-        </p:txBody>
-      </p:sp>
-      <p:pic>
-        <p:nvPicPr>
-          <p:cNvPr id="4" name="Content Placeholder 3"/>
-          <p:cNvPicPr>
-            <a:picLocks noGrp="1" noChangeAspect="1"/>
-          </p:cNvPicPr>
-          <p:nvPr>
-            <p:ph idx="1"/>
-          </p:nvPr>
-        </p:nvPicPr>
-        <p:blipFill>
-          <a:blip r:embed="rId2"/>
-          <a:stretch>
-            <a:fillRect/>
-          </a:stretch>
-        </p:blipFill>
-        <p:spPr>
-          <a:xfrm>
-            <a:off x="3951092" y="1825625"/>
-            <a:ext cx="4289815" cy="4351338"/>
-          </a:xfrm>
-          <a:prstGeom prst="rect">
-            <a:avLst/>
-          </a:prstGeom>
-        </p:spPr>
-      </p:pic>
-      <p:cxnSp>
-        <p:nvCxnSpPr>
-          <p:cNvPr id="6" name="Straight Arrow Connector 5"/>
-          <p:cNvCxnSpPr/>
-          <p:nvPr/>
-        </p:nvCxnSpPr>
-        <p:spPr>
-          <a:xfrm flipH="1">
-            <a:off x="5334000" y="2714625"/>
-            <a:ext cx="847725" cy="0"/>
-          </a:xfrm>
-          <a:prstGeom prst="straightConnector1">
-            <a:avLst/>
-          </a:prstGeom>
-          <a:ln w="76200">
-            <a:tailEnd type="triangle"/>
-          </a:ln>
-        </p:spPr>
-        <p:style>
-          <a:lnRef idx="3">
-            <a:schemeClr val="accent2"/>
-          </a:lnRef>
-          <a:fillRef idx="0">
-            <a:schemeClr val="accent2"/>
-          </a:fillRef>
-          <a:effectRef idx="2">
-            <a:schemeClr val="accent2"/>
-          </a:effectRef>
-          <a:fontRef idx="minor">
-            <a:schemeClr val="tx1"/>
-          </a:fontRef>
-        </p:style>
-      </p:cxnSp>
-      <p:cxnSp>
-        <p:nvCxnSpPr>
-          <p:cNvPr id="7" name="Straight Arrow Connector 6"/>
-          <p:cNvCxnSpPr/>
-          <p:nvPr/>
-        </p:nvCxnSpPr>
-        <p:spPr>
-          <a:xfrm flipH="1">
-            <a:off x="5334000" y="3686175"/>
-            <a:ext cx="847725" cy="0"/>
-          </a:xfrm>
-          <a:prstGeom prst="straightConnector1">
-            <a:avLst/>
-          </a:prstGeom>
-          <a:ln w="76200">
-            <a:tailEnd type="triangle"/>
-          </a:ln>
-        </p:spPr>
-        <p:style>
-          <a:lnRef idx="3">
-            <a:schemeClr val="accent2"/>
-          </a:lnRef>
-          <a:fillRef idx="0">
-            <a:schemeClr val="accent2"/>
-          </a:fillRef>
-          <a:effectRef idx="2">
-            <a:schemeClr val="accent2"/>
-          </a:effectRef>
-          <a:fontRef idx="minor">
-            <a:schemeClr val="tx1"/>
-          </a:fontRef>
-        </p:style>
-      </p:cxnSp>
-      <p:cxnSp>
-        <p:nvCxnSpPr>
-          <p:cNvPr id="8" name="Straight Arrow Connector 7"/>
-          <p:cNvCxnSpPr/>
-          <p:nvPr/>
-        </p:nvCxnSpPr>
-        <p:spPr>
-          <a:xfrm flipH="1">
-            <a:off x="5334000" y="4476750"/>
-            <a:ext cx="847725" cy="0"/>
-          </a:xfrm>
-          <a:prstGeom prst="straightConnector1">
-            <a:avLst/>
-          </a:prstGeom>
-          <a:ln w="76200">
-            <a:tailEnd type="triangle"/>
-          </a:ln>
-        </p:spPr>
-        <p:style>
-          <a:lnRef idx="3">
-            <a:schemeClr val="accent2"/>
-          </a:lnRef>
-          <a:fillRef idx="0">
-            <a:schemeClr val="accent2"/>
-          </a:fillRef>
-          <a:effectRef idx="2">
-            <a:schemeClr val="accent2"/>
-          </a:effectRef>
-          <a:fontRef idx="minor">
-            <a:schemeClr val="tx1"/>
-          </a:fontRef>
-        </p:style>
-      </p:cxnSp>
-    </p:spTree>
-    <p:extLst>
-      <p:ext uri="{BB962C8B-B14F-4D97-AF65-F5344CB8AC3E}">
-        <p14:creationId xmlns:p14="http://schemas.microsoft.com/office/powerpoint/2010/main" val="210623497"/>
-      </p:ext>
-    </p:extLst>
-  </p:cSld>
-  <p:clrMapOvr>
-    <a:masterClrMapping/>
-  </p:clrMapOvr>
-  <p:timing>
-    <p:tnLst>
-      <p:par>
-        <p:cTn id="1" dur="indefinite" restart="never" nodeType="tmRoot"/>
-      </p:par>
-    </p:tnLst>
-  </p:timing>
-</p:sld>
-</file>
-
-<file path=ppt/slides/slide36.xml><?xml version="1.0" encoding="utf-8"?>
-<p:sld xmlns:a="http://schemas.openxmlformats.org/drawingml/2006/main" xmlns:r="http://schemas.openxmlformats.org/officeDocument/2006/relationships" xmlns:p="http://schemas.openxmlformats.org/presentationml/2006/main">
-  <p:cSld>
-    <p:spTree>
-      <p:nvGrpSpPr>
-        <p:cNvPr id="1" name=""/>
-        <p:cNvGrpSpPr/>
-        <p:nvPr/>
-      </p:nvGrpSpPr>
-      <p:grpSpPr>
-        <a:xfrm>
-          <a:off x="0" y="0"/>
-          <a:ext cx="0" cy="0"/>
-          <a:chOff x="0" y="0"/>
-          <a:chExt cx="0" cy="0"/>
-        </a:xfrm>
-      </p:grpSpPr>
-      <p:sp>
-        <p:nvSpPr>
-          <p:cNvPr id="2" name="Title 1"/>
-          <p:cNvSpPr>
-            <a:spLocks noGrp="1"/>
-          </p:cNvSpPr>
-          <p:nvPr>
-            <p:ph type="title"/>
-          </p:nvPr>
-        </p:nvSpPr>
-        <p:spPr/>
-        <p:txBody>
-          <a:bodyPr/>
-          <a:lstStyle/>
-          <a:p>
-            <a:r>
-              <a:rPr lang="en-US" dirty="0" smtClean="0"/>
-              <a:t>Good Idea:</a:t>
-            </a:r>
-            <a:br>
-              <a:rPr lang="en-US" dirty="0" smtClean="0"/>
-            </a:br>
-            <a:r>
-              <a:rPr lang="en-US" dirty="0" smtClean="0"/>
-              <a:t>Batched/Future Queries</a:t>
-            </a:r>
-            <a:endParaRPr lang="en-US" dirty="0"/>
-          </a:p>
-        </p:txBody>
-      </p:sp>
-      <p:pic>
-        <p:nvPicPr>
-          <p:cNvPr id="10" name="Content Placeholder 9"/>
-          <p:cNvPicPr>
-            <a:picLocks noGrp="1" noChangeAspect="1"/>
-          </p:cNvPicPr>
-          <p:nvPr>
-            <p:ph idx="1"/>
-          </p:nvPr>
-        </p:nvPicPr>
-        <p:blipFill>
-          <a:blip r:embed="rId2"/>
-          <a:stretch>
-            <a:fillRect/>
-          </a:stretch>
-        </p:blipFill>
-        <p:spPr>
-          <a:xfrm>
-            <a:off x="838200" y="2259334"/>
-            <a:ext cx="10515600" cy="3483919"/>
-          </a:xfrm>
-          <a:prstGeom prst="rect">
-            <a:avLst/>
-          </a:prstGeom>
-        </p:spPr>
-      </p:pic>
-    </p:spTree>
-    <p:extLst>
-      <p:ext uri="{BB962C8B-B14F-4D97-AF65-F5344CB8AC3E}">
-        <p14:creationId xmlns:p14="http://schemas.microsoft.com/office/powerpoint/2010/main" val="1413067244"/>
-      </p:ext>
-    </p:extLst>
-  </p:cSld>
-  <p:clrMapOvr>
-    <a:masterClrMapping/>
-  </p:clrMapOvr>
-  <p:timing>
-    <p:tnLst>
-      <p:par>
-        <p:cTn id="1" dur="indefinite" restart="never" nodeType="tmRoot"/>
-      </p:par>
-    </p:tnLst>
-  </p:timing>
-</p:sld>
-</file>
-
-<file path=ppt/slides/slide37.xml><?xml version="1.0" encoding="utf-8"?>
-<p:sld xmlns:a="http://schemas.openxmlformats.org/drawingml/2006/main" xmlns:r="http://schemas.openxmlformats.org/officeDocument/2006/relationships" xmlns:p="http://schemas.openxmlformats.org/presentationml/2006/main">
-  <p:cSld>
-    <p:spTree>
-      <p:nvGrpSpPr>
-        <p:cNvPr id="1" name=""/>
-        <p:cNvGrpSpPr/>
-        <p:nvPr/>
-      </p:nvGrpSpPr>
-      <p:grpSpPr>
-        <a:xfrm>
-          <a:off x="0" y="0"/>
-          <a:ext cx="0" cy="0"/>
-          <a:chOff x="0" y="0"/>
-          <a:chExt cx="0" cy="0"/>
-        </a:xfrm>
-      </p:grpSpPr>
-      <p:sp>
-        <p:nvSpPr>
-          <p:cNvPr id="2" name="Title 1"/>
-          <p:cNvSpPr>
-            <a:spLocks noGrp="1"/>
-          </p:cNvSpPr>
-          <p:nvPr>
-            <p:ph type="title"/>
-          </p:nvPr>
-        </p:nvSpPr>
-        <p:spPr/>
-        <p:txBody>
-          <a:bodyPr/>
-          <a:lstStyle/>
-          <a:p>
-            <a:r>
-              <a:rPr lang="en-US" dirty="0" smtClean="0"/>
-              <a:t>Bad Idea: Deferred Execution</a:t>
-            </a:r>
-            <a:endParaRPr lang="en-US" dirty="0"/>
-          </a:p>
-        </p:txBody>
-      </p:sp>
-      <p:pic>
-        <p:nvPicPr>
-          <p:cNvPr id="4" name="Content Placeholder 3"/>
-          <p:cNvPicPr>
-            <a:picLocks noGrp="1" noChangeAspect="1"/>
-          </p:cNvPicPr>
-          <p:nvPr>
-            <p:ph idx="1"/>
-          </p:nvPr>
-        </p:nvPicPr>
-        <p:blipFill>
-          <a:blip r:embed="rId2"/>
-          <a:stretch>
-            <a:fillRect/>
-          </a:stretch>
-        </p:blipFill>
-        <p:spPr>
-          <a:xfrm>
-            <a:off x="1302729" y="1825625"/>
-            <a:ext cx="9586541" cy="4351338"/>
-          </a:xfrm>
-          <a:prstGeom prst="rect">
-            <a:avLst/>
-          </a:prstGeom>
-        </p:spPr>
-      </p:pic>
-    </p:spTree>
-    <p:extLst>
-      <p:ext uri="{BB962C8B-B14F-4D97-AF65-F5344CB8AC3E}">
-        <p14:creationId xmlns:p14="http://schemas.microsoft.com/office/powerpoint/2010/main" val="4238381868"/>
-      </p:ext>
-    </p:extLst>
-  </p:cSld>
-  <p:clrMapOvr>
-    <a:masterClrMapping/>
-  </p:clrMapOvr>
-  <p:timing>
-    <p:tnLst>
-      <p:par>
-        <p:cTn id="1" dur="indefinite" restart="never" nodeType="tmRoot"/>
-      </p:par>
-    </p:tnLst>
-  </p:timing>
-</p:sld>
-</file>
-
-<file path=ppt/slides/slide38.xml><?xml version="1.0" encoding="utf-8"?>
-<p:sld xmlns:a="http://schemas.openxmlformats.org/drawingml/2006/main" xmlns:r="http://schemas.openxmlformats.org/officeDocument/2006/relationships" xmlns:p="http://schemas.openxmlformats.org/presentationml/2006/main">
-  <p:cSld>
-    <p:spTree>
-      <p:nvGrpSpPr>
-        <p:cNvPr id="1" name=""/>
-        <p:cNvGrpSpPr/>
-        <p:nvPr/>
-      </p:nvGrpSpPr>
-      <p:grpSpPr>
-        <a:xfrm>
-          <a:off x="0" y="0"/>
-          <a:ext cx="0" cy="0"/>
-          <a:chOff x="0" y="0"/>
-          <a:chExt cx="0" cy="0"/>
-        </a:xfrm>
-      </p:grpSpPr>
-      <p:sp>
-        <p:nvSpPr>
-          <p:cNvPr id="2" name="Title 1"/>
-          <p:cNvSpPr>
-            <a:spLocks noGrp="1"/>
-          </p:cNvSpPr>
-          <p:nvPr>
-            <p:ph type="title"/>
-          </p:nvPr>
-        </p:nvSpPr>
-        <p:spPr/>
-        <p:txBody>
-          <a:bodyPr/>
-          <a:lstStyle/>
-          <a:p>
-            <a:r>
-              <a:rPr lang="en-US" dirty="0" smtClean="0"/>
-              <a:t>Good Idea: Immediate Execution</a:t>
-            </a:r>
-            <a:endParaRPr lang="en-US" dirty="0"/>
-          </a:p>
-        </p:txBody>
-      </p:sp>
-      <p:pic>
-        <p:nvPicPr>
-          <p:cNvPr id="4" name="Content Placeholder 3"/>
-          <p:cNvPicPr>
-            <a:picLocks noGrp="1" noChangeAspect="1"/>
-          </p:cNvPicPr>
-          <p:nvPr>
-            <p:ph idx="1"/>
-          </p:nvPr>
-        </p:nvPicPr>
-        <p:blipFill>
-          <a:blip r:embed="rId2"/>
-          <a:stretch>
-            <a:fillRect/>
-          </a:stretch>
-        </p:blipFill>
-        <p:spPr>
-          <a:xfrm>
-            <a:off x="1380928" y="1825625"/>
-            <a:ext cx="9430144" cy="4351338"/>
-          </a:xfrm>
-          <a:prstGeom prst="rect">
-            <a:avLst/>
-          </a:prstGeom>
-        </p:spPr>
-      </p:pic>
-    </p:spTree>
-    <p:extLst>
-      <p:ext uri="{BB962C8B-B14F-4D97-AF65-F5344CB8AC3E}">
-        <p14:creationId xmlns:p14="http://schemas.microsoft.com/office/powerpoint/2010/main" val="3513515749"/>
-      </p:ext>
-    </p:extLst>
-  </p:cSld>
-  <p:clrMapOvr>
-    <a:masterClrMapping/>
-  </p:clrMapOvr>
-  <p:timing>
-    <p:tnLst>
-      <p:par>
-        <p:cTn id="1" dur="indefinite" restart="never" nodeType="tmRoot"/>
-      </p:par>
-    </p:tnLst>
-  </p:timing>
-</p:sld>
-</file>
-
-<file path=ppt/slides/slide39.xml><?xml version="1.0" encoding="utf-8"?>
-<p:sld xmlns:a="http://schemas.openxmlformats.org/drawingml/2006/main" xmlns:r="http://schemas.openxmlformats.org/officeDocument/2006/relationships" xmlns:p="http://schemas.openxmlformats.org/presentationml/2006/main">
-  <p:cSld>
-    <p:spTree>
-      <p:nvGrpSpPr>
-        <p:cNvPr id="1" name=""/>
-        <p:cNvGrpSpPr/>
-        <p:nvPr/>
-      </p:nvGrpSpPr>
-      <p:grpSpPr>
-        <a:xfrm>
-          <a:off x="0" y="0"/>
-          <a:ext cx="0" cy="0"/>
-          <a:chOff x="0" y="0"/>
-          <a:chExt cx="0" cy="0"/>
-        </a:xfrm>
-      </p:grpSpPr>
-      <p:sp>
-        <p:nvSpPr>
-          <p:cNvPr id="4" name="Title 3"/>
-          <p:cNvSpPr>
-            <a:spLocks noGrp="1"/>
-          </p:cNvSpPr>
-          <p:nvPr>
-            <p:ph type="title"/>
-          </p:nvPr>
-        </p:nvSpPr>
-        <p:spPr/>
-        <p:txBody>
-          <a:bodyPr/>
-          <a:lstStyle/>
-          <a:p>
-            <a:r>
-              <a:rPr lang="en-US" dirty="0" smtClean="0"/>
-              <a:t>Usage Problems</a:t>
-            </a:r>
-            <a:endParaRPr lang="en-US" dirty="0"/>
-          </a:p>
-        </p:txBody>
-      </p:sp>
-      <p:sp>
-        <p:nvSpPr>
-          <p:cNvPr id="5" name="Text Placeholder 4"/>
-          <p:cNvSpPr>
-            <a:spLocks noGrp="1"/>
-          </p:cNvSpPr>
-          <p:nvPr>
-            <p:ph type="body" idx="1"/>
-          </p:nvPr>
-        </p:nvSpPr>
-        <p:spPr/>
-        <p:txBody>
-          <a:bodyPr/>
-          <a:lstStyle/>
-          <a:p>
-            <a:endParaRPr lang="en-US"/>
-          </a:p>
-        </p:txBody>
-      </p:sp>
-    </p:spTree>
-    <p:extLst>
-      <p:ext uri="{BB962C8B-B14F-4D97-AF65-F5344CB8AC3E}">
-        <p14:creationId xmlns:p14="http://schemas.microsoft.com/office/powerpoint/2010/main" val="996127825"/>
-      </p:ext>
-    </p:extLst>
-  </p:cSld>
-  <p:clrMapOvr>
-    <a:masterClrMapping/>
-  </p:clrMapOvr>
-  <p:timing>
-    <p:tnLst>
-      <p:par>
-        <p:cTn id="1" dur="indefinite" restart="never" nodeType="tmRoot"/>
-      </p:par>
-    </p:tnLst>
-  </p:timing>
-</p:sld>
-</file>
-
-<file path=ppt/slides/slide4.xml><?xml version="1.0" encoding="utf-8"?>
-<p:sld xmlns:a="http://schemas.openxmlformats.org/drawingml/2006/main" xmlns:r="http://schemas.openxmlformats.org/officeDocument/2006/relationships" xmlns:p="http://schemas.openxmlformats.org/presentationml/2006/main">
-  <p:cSld>
-    <p:spTree>
-      <p:nvGrpSpPr>
-        <p:cNvPr id="1" name=""/>
-        <p:cNvGrpSpPr/>
-        <p:nvPr/>
-      </p:nvGrpSpPr>
-      <p:grpSpPr>
-        <a:xfrm>
-          <a:off x="0" y="0"/>
-          <a:ext cx="0" cy="0"/>
-          <a:chOff x="0" y="0"/>
-          <a:chExt cx="0" cy="0"/>
-        </a:xfrm>
-      </p:grpSpPr>
-      <p:sp>
-        <p:nvSpPr>
           <p:cNvPr id="4" name="Can 3"/>
           <p:cNvSpPr/>
           <p:nvPr/>
         </p:nvSpPr>
         <p:spPr>
           <a:xfrm>
-            <a:off x="7483642" y="1203157"/>
-            <a:ext cx="2951747" cy="3922296"/>
+            <a:off x="7126942" y="1728538"/>
+            <a:ext cx="1811344" cy="2926859"/>
           </a:xfrm>
           <a:prstGeom prst="can">
             <a:avLst/>
@@ -7338,7 +5763,7 @@
           <a:p>
             <a:pPr algn="ctr"/>
             <a:r>
-              <a:rPr lang="en-US" sz="5400" dirty="0" smtClean="0"/>
+              <a:rPr lang="en-US" sz="5400" dirty="0"/>
               <a:t>DB</a:t>
             </a:r>
             <a:endParaRPr lang="en-US" sz="5400" dirty="0"/>
@@ -7353,8 +5778,8 @@
         </p:nvSpPr>
         <p:spPr>
           <a:xfrm>
-            <a:off x="794084" y="1728536"/>
-            <a:ext cx="3320716" cy="2871537"/>
+            <a:off x="389964" y="2111189"/>
+            <a:ext cx="2247901" cy="2166157"/>
           </a:xfrm>
           <a:prstGeom prst="rect">
             <a:avLst/>
@@ -7382,7 +5807,7 @@
           <a:p>
             <a:pPr algn="ctr"/>
             <a:r>
-              <a:rPr lang="en-US" sz="5400" dirty="0" smtClean="0"/>
+              <a:rPr lang="en-US" sz="5400" dirty="0"/>
               <a:t>App</a:t>
             </a:r>
             <a:endParaRPr lang="en-US" sz="5400" dirty="0"/>
@@ -7399,9 +5824,9 @@
           <p:nvPr/>
         </p:nvCxnSpPr>
         <p:spPr>
-          <a:xfrm>
-            <a:off x="4114800" y="3164305"/>
-            <a:ext cx="3368842" cy="0"/>
+          <a:xfrm flipV="1">
+            <a:off x="2637865" y="3191968"/>
+            <a:ext cx="4489077" cy="2300"/>
           </a:xfrm>
           <a:prstGeom prst="straightConnector1">
             <a:avLst/>
@@ -7449,7 +5874,7 @@
         </p:blipFill>
         <p:spPr bwMode="auto">
           <a:xfrm>
-            <a:off x="4580021" y="1945104"/>
+            <a:off x="4024209" y="1972767"/>
             <a:ext cx="2438400" cy="2438400"/>
           </a:xfrm>
           <a:prstGeom prst="rect">
@@ -7555,7 +5980,7 @@
 </p:sld>
 </file>
 
-<file path=ppt/slides/slide40.xml><?xml version="1.0" encoding="utf-8"?>
+<file path=ppt/slides/slide30.xml><?xml version="1.0" encoding="utf-8"?>
 <p:sld xmlns:a="http://schemas.openxmlformats.org/drawingml/2006/main" xmlns:r="http://schemas.openxmlformats.org/officeDocument/2006/relationships" xmlns:p="http://schemas.openxmlformats.org/presentationml/2006/main">
   <p:cSld>
     <p:spTree>
@@ -7574,7 +5999,7 @@
       </p:grpSpPr>
       <p:sp>
         <p:nvSpPr>
-          <p:cNvPr id="4" name="Title 3"/>
+          <p:cNvPr id="2" name="Title 1"/>
           <p:cNvSpPr>
             <a:spLocks noGrp="1"/>
           </p:cNvSpPr>
@@ -7589,7 +6014,7 @@
           <a:p>
             <a:r>
               <a:rPr lang="en-US" dirty="0" smtClean="0"/>
-              <a:t>Bad Idea: Repositories</a:t>
+              <a:t>Bad Idea: Too much data</a:t>
             </a:r>
             <a:endParaRPr lang="en-US" dirty="0"/>
           </a:p>
@@ -7597,7 +6022,7 @@
       </p:sp>
       <p:pic>
         <p:nvPicPr>
-          <p:cNvPr id="6" name="Content Placeholder 5"/>
+          <p:cNvPr id="4" name="Content Placeholder 3"/>
           <p:cNvPicPr>
             <a:picLocks noGrp="1" noChangeAspect="1"/>
           </p:cNvPicPr>
@@ -7613,7 +6038,905 @@
         </p:blipFill>
         <p:spPr>
           <a:xfrm>
-            <a:off x="2640250" y="1825625"/>
+            <a:off x="628650" y="1904985"/>
+            <a:ext cx="7886700" cy="4192618"/>
+          </a:xfrm>
+          <a:prstGeom prst="rect">
+            <a:avLst/>
+          </a:prstGeom>
+        </p:spPr>
+      </p:pic>
+    </p:spTree>
+    <p:extLst>
+      <p:ext uri="{BB962C8B-B14F-4D97-AF65-F5344CB8AC3E}">
+        <p14:creationId xmlns:p14="http://schemas.microsoft.com/office/powerpoint/2010/main" val="3544782156"/>
+      </p:ext>
+    </p:extLst>
+  </p:cSld>
+  <p:clrMapOvr>
+    <a:masterClrMapping/>
+  </p:clrMapOvr>
+  <p:timing>
+    <p:tnLst>
+      <p:par>
+        <p:cTn id="1" dur="indefinite" restart="never" nodeType="tmRoot"/>
+      </p:par>
+    </p:tnLst>
+  </p:timing>
+</p:sld>
+</file>
+
+<file path=ppt/slides/slide31.xml><?xml version="1.0" encoding="utf-8"?>
+<p:sld xmlns:a="http://schemas.openxmlformats.org/drawingml/2006/main" xmlns:r="http://schemas.openxmlformats.org/officeDocument/2006/relationships" xmlns:p="http://schemas.openxmlformats.org/presentationml/2006/main">
+  <p:cSld>
+    <p:spTree>
+      <p:nvGrpSpPr>
+        <p:cNvPr id="1" name=""/>
+        <p:cNvGrpSpPr/>
+        <p:nvPr/>
+      </p:nvGrpSpPr>
+      <p:grpSpPr>
+        <a:xfrm>
+          <a:off x="0" y="0"/>
+          <a:ext cx="0" cy="0"/>
+          <a:chOff x="0" y="0"/>
+          <a:chExt cx="0" cy="0"/>
+        </a:xfrm>
+      </p:grpSpPr>
+      <p:sp>
+        <p:nvSpPr>
+          <p:cNvPr id="2" name="Title 1"/>
+          <p:cNvSpPr>
+            <a:spLocks noGrp="1"/>
+          </p:cNvSpPr>
+          <p:nvPr>
+            <p:ph type="title"/>
+          </p:nvPr>
+        </p:nvSpPr>
+        <p:spPr/>
+        <p:txBody>
+          <a:bodyPr/>
+          <a:lstStyle/>
+          <a:p>
+            <a:r>
+              <a:rPr lang="en-US" dirty="0" smtClean="0"/>
+              <a:t>Good Idea: Projection</a:t>
+            </a:r>
+            <a:endParaRPr lang="en-US" dirty="0"/>
+          </a:p>
+        </p:txBody>
+      </p:sp>
+      <p:pic>
+        <p:nvPicPr>
+          <p:cNvPr id="4" name="Content Placeholder 3"/>
+          <p:cNvPicPr>
+            <a:picLocks noGrp="1" noChangeAspect="1"/>
+          </p:cNvPicPr>
+          <p:nvPr>
+            <p:ph idx="1"/>
+          </p:nvPr>
+        </p:nvPicPr>
+        <p:blipFill>
+          <a:blip r:embed="rId2"/>
+          <a:stretch>
+            <a:fillRect/>
+          </a:stretch>
+        </p:blipFill>
+        <p:spPr>
+          <a:xfrm>
+            <a:off x="628650" y="3450044"/>
+            <a:ext cx="7886700" cy="1102500"/>
+          </a:xfrm>
+          <a:prstGeom prst="rect">
+            <a:avLst/>
+          </a:prstGeom>
+        </p:spPr>
+      </p:pic>
+    </p:spTree>
+    <p:extLst>
+      <p:ext uri="{BB962C8B-B14F-4D97-AF65-F5344CB8AC3E}">
+        <p14:creationId xmlns:p14="http://schemas.microsoft.com/office/powerpoint/2010/main" val="2189916734"/>
+      </p:ext>
+    </p:extLst>
+  </p:cSld>
+  <p:clrMapOvr>
+    <a:masterClrMapping/>
+  </p:clrMapOvr>
+  <p:timing>
+    <p:tnLst>
+      <p:par>
+        <p:cTn id="1" dur="indefinite" restart="never" nodeType="tmRoot"/>
+      </p:par>
+    </p:tnLst>
+  </p:timing>
+</p:sld>
+</file>
+
+<file path=ppt/slides/slide32.xml><?xml version="1.0" encoding="utf-8"?>
+<p:sld xmlns:a="http://schemas.openxmlformats.org/drawingml/2006/main" xmlns:r="http://schemas.openxmlformats.org/officeDocument/2006/relationships" xmlns:p="http://schemas.openxmlformats.org/presentationml/2006/main">
+  <p:cSld>
+    <p:spTree>
+      <p:nvGrpSpPr>
+        <p:cNvPr id="1" name=""/>
+        <p:cNvGrpSpPr/>
+        <p:nvPr/>
+      </p:nvGrpSpPr>
+      <p:grpSpPr>
+        <a:xfrm>
+          <a:off x="0" y="0"/>
+          <a:ext cx="0" cy="0"/>
+          <a:chOff x="0" y="0"/>
+          <a:chExt cx="0" cy="0"/>
+        </a:xfrm>
+      </p:grpSpPr>
+      <p:sp>
+        <p:nvSpPr>
+          <p:cNvPr id="2" name="Title 1"/>
+          <p:cNvSpPr>
+            <a:spLocks noGrp="1"/>
+          </p:cNvSpPr>
+          <p:nvPr>
+            <p:ph type="title"/>
+          </p:nvPr>
+        </p:nvSpPr>
+        <p:spPr/>
+        <p:txBody>
+          <a:bodyPr/>
+          <a:lstStyle/>
+          <a:p>
+            <a:r>
+              <a:rPr lang="en-US" dirty="0" smtClean="0"/>
+              <a:t>Good Idea: Projection</a:t>
+            </a:r>
+            <a:endParaRPr lang="en-US" dirty="0"/>
+          </a:p>
+        </p:txBody>
+      </p:sp>
+      <p:pic>
+        <p:nvPicPr>
+          <p:cNvPr id="5122" name="Picture 2" descr="image"/>
+          <p:cNvPicPr>
+            <a:picLocks noGrp="1" noChangeAspect="1" noChangeArrowheads="1"/>
+          </p:cNvPicPr>
+          <p:nvPr>
+            <p:ph idx="1"/>
+          </p:nvPr>
+        </p:nvPicPr>
+        <p:blipFill>
+          <a:blip r:embed="rId2">
+            <a:extLst>
+              <a:ext uri="{28A0092B-C50C-407E-A947-70E740481C1C}">
+                <a14:useLocalDpi xmlns:a14="http://schemas.microsoft.com/office/drawing/2010/main" val="0"/>
+              </a:ext>
+            </a:extLst>
+          </a:blip>
+          <a:stretch>
+            <a:fillRect/>
+          </a:stretch>
+        </p:blipFill>
+        <p:spPr bwMode="auto">
+          <a:xfrm>
+            <a:off x="2233286" y="2691423"/>
+            <a:ext cx="4677428" cy="2619741"/>
+          </a:xfrm>
+          <a:prstGeom prst="rect">
+            <a:avLst/>
+          </a:prstGeom>
+          <a:noFill/>
+          <a:extLst>
+            <a:ext uri="{909E8E84-426E-40DD-AFC4-6F175D3DCCD1}">
+              <a14:hiddenFill xmlns:a14="http://schemas.microsoft.com/office/drawing/2010/main">
+                <a:solidFill>
+                  <a:srgbClr val="FFFFFF"/>
+                </a:solidFill>
+              </a14:hiddenFill>
+            </a:ext>
+          </a:extLst>
+        </p:spPr>
+      </p:pic>
+    </p:spTree>
+    <p:extLst>
+      <p:ext uri="{BB962C8B-B14F-4D97-AF65-F5344CB8AC3E}">
+        <p14:creationId xmlns:p14="http://schemas.microsoft.com/office/powerpoint/2010/main" val="2514899313"/>
+      </p:ext>
+    </p:extLst>
+  </p:cSld>
+  <p:clrMapOvr>
+    <a:masterClrMapping/>
+  </p:clrMapOvr>
+  <p:timing>
+    <p:tnLst>
+      <p:par>
+        <p:cTn id="1" dur="indefinite" restart="never" nodeType="tmRoot"/>
+      </p:par>
+    </p:tnLst>
+  </p:timing>
+</p:sld>
+</file>
+
+<file path=ppt/slides/slide33.xml><?xml version="1.0" encoding="utf-8"?>
+<p:sld xmlns:a="http://schemas.openxmlformats.org/drawingml/2006/main" xmlns:r="http://schemas.openxmlformats.org/officeDocument/2006/relationships" xmlns:p="http://schemas.openxmlformats.org/presentationml/2006/main">
+  <p:cSld>
+    <p:spTree>
+      <p:nvGrpSpPr>
+        <p:cNvPr id="1" name=""/>
+        <p:cNvGrpSpPr/>
+        <p:nvPr/>
+      </p:nvGrpSpPr>
+      <p:grpSpPr>
+        <a:xfrm>
+          <a:off x="0" y="0"/>
+          <a:ext cx="0" cy="0"/>
+          <a:chOff x="0" y="0"/>
+          <a:chExt cx="0" cy="0"/>
+        </a:xfrm>
+      </p:grpSpPr>
+      <p:sp>
+        <p:nvSpPr>
+          <p:cNvPr id="2" name="Title 1"/>
+          <p:cNvSpPr>
+            <a:spLocks noGrp="1"/>
+          </p:cNvSpPr>
+          <p:nvPr>
+            <p:ph type="title"/>
+          </p:nvPr>
+        </p:nvSpPr>
+        <p:spPr/>
+        <p:txBody>
+          <a:bodyPr>
+            <a:normAutofit/>
+          </a:bodyPr>
+          <a:lstStyle/>
+          <a:p>
+            <a:r>
+              <a:rPr lang="en-US" sz="4000" dirty="0"/>
+              <a:t>Bad Idea: Excessive Round trips</a:t>
+            </a:r>
+            <a:endParaRPr lang="en-US" sz="4000" dirty="0"/>
+          </a:p>
+        </p:txBody>
+      </p:sp>
+      <p:pic>
+        <p:nvPicPr>
+          <p:cNvPr id="4" name="Content Placeholder 3"/>
+          <p:cNvPicPr>
+            <a:picLocks noGrp="1" noChangeAspect="1"/>
+          </p:cNvPicPr>
+          <p:nvPr>
+            <p:ph idx="1"/>
+          </p:nvPr>
+        </p:nvPicPr>
+        <p:blipFill>
+          <a:blip r:embed="rId2"/>
+          <a:stretch>
+            <a:fillRect/>
+          </a:stretch>
+        </p:blipFill>
+        <p:spPr>
+          <a:xfrm>
+            <a:off x="1676089" y="1825625"/>
+            <a:ext cx="5791822" cy="4351338"/>
+          </a:xfrm>
+          <a:prstGeom prst="rect">
+            <a:avLst/>
+          </a:prstGeom>
+        </p:spPr>
+      </p:pic>
+    </p:spTree>
+    <p:extLst>
+      <p:ext uri="{BB962C8B-B14F-4D97-AF65-F5344CB8AC3E}">
+        <p14:creationId xmlns:p14="http://schemas.microsoft.com/office/powerpoint/2010/main" val="416829783"/>
+      </p:ext>
+    </p:extLst>
+  </p:cSld>
+  <p:clrMapOvr>
+    <a:masterClrMapping/>
+  </p:clrMapOvr>
+  <p:timing>
+    <p:tnLst>
+      <p:par>
+        <p:cTn id="1" dur="indefinite" restart="never" nodeType="tmRoot"/>
+      </p:par>
+    </p:tnLst>
+  </p:timing>
+</p:sld>
+</file>
+
+<file path=ppt/slides/slide34.xml><?xml version="1.0" encoding="utf-8"?>
+<p:sld xmlns:a="http://schemas.openxmlformats.org/drawingml/2006/main" xmlns:r="http://schemas.openxmlformats.org/officeDocument/2006/relationships" xmlns:p="http://schemas.openxmlformats.org/presentationml/2006/main">
+  <p:cSld>
+    <p:spTree>
+      <p:nvGrpSpPr>
+        <p:cNvPr id="1" name=""/>
+        <p:cNvGrpSpPr/>
+        <p:nvPr/>
+      </p:nvGrpSpPr>
+      <p:grpSpPr>
+        <a:xfrm>
+          <a:off x="0" y="0"/>
+          <a:ext cx="0" cy="0"/>
+          <a:chOff x="0" y="0"/>
+          <a:chExt cx="0" cy="0"/>
+        </a:xfrm>
+      </p:grpSpPr>
+      <p:sp>
+        <p:nvSpPr>
+          <p:cNvPr id="2" name="Title 1"/>
+          <p:cNvSpPr>
+            <a:spLocks noGrp="1"/>
+          </p:cNvSpPr>
+          <p:nvPr>
+            <p:ph type="title"/>
+          </p:nvPr>
+        </p:nvSpPr>
+        <p:spPr/>
+        <p:txBody>
+          <a:bodyPr/>
+          <a:lstStyle/>
+          <a:p>
+            <a:r>
+              <a:rPr lang="en-US" dirty="0" smtClean="0"/>
+              <a:t>Good Idea:</a:t>
+            </a:r>
+            <a:br>
+              <a:rPr lang="en-US" dirty="0" smtClean="0"/>
+            </a:br>
+            <a:r>
+              <a:rPr lang="en-US" dirty="0" smtClean="0"/>
+              <a:t>Batched/Future Queries</a:t>
+            </a:r>
+            <a:endParaRPr lang="en-US" dirty="0"/>
+          </a:p>
+        </p:txBody>
+      </p:sp>
+      <p:pic>
+        <p:nvPicPr>
+          <p:cNvPr id="4" name="Content Placeholder 3"/>
+          <p:cNvPicPr>
+            <a:picLocks noGrp="1" noChangeAspect="1"/>
+          </p:cNvPicPr>
+          <p:nvPr>
+            <p:ph idx="1"/>
+          </p:nvPr>
+        </p:nvPicPr>
+        <p:blipFill>
+          <a:blip r:embed="rId2"/>
+          <a:stretch>
+            <a:fillRect/>
+          </a:stretch>
+        </p:blipFill>
+        <p:spPr>
+          <a:xfrm>
+            <a:off x="2427092" y="1825625"/>
+            <a:ext cx="4289815" cy="4351338"/>
+          </a:xfrm>
+          <a:prstGeom prst="rect">
+            <a:avLst/>
+          </a:prstGeom>
+        </p:spPr>
+      </p:pic>
+      <p:cxnSp>
+        <p:nvCxnSpPr>
+          <p:cNvPr id="6" name="Straight Arrow Connector 5"/>
+          <p:cNvCxnSpPr/>
+          <p:nvPr/>
+        </p:nvCxnSpPr>
+        <p:spPr>
+          <a:xfrm flipH="1">
+            <a:off x="3810001" y="2714625"/>
+            <a:ext cx="847725" cy="0"/>
+          </a:xfrm>
+          <a:prstGeom prst="straightConnector1">
+            <a:avLst/>
+          </a:prstGeom>
+          <a:ln w="76200">
+            <a:tailEnd type="triangle"/>
+          </a:ln>
+        </p:spPr>
+        <p:style>
+          <a:lnRef idx="3">
+            <a:schemeClr val="accent2"/>
+          </a:lnRef>
+          <a:fillRef idx="0">
+            <a:schemeClr val="accent2"/>
+          </a:fillRef>
+          <a:effectRef idx="2">
+            <a:schemeClr val="accent2"/>
+          </a:effectRef>
+          <a:fontRef idx="minor">
+            <a:schemeClr val="tx1"/>
+          </a:fontRef>
+        </p:style>
+      </p:cxnSp>
+      <p:cxnSp>
+        <p:nvCxnSpPr>
+          <p:cNvPr id="7" name="Straight Arrow Connector 6"/>
+          <p:cNvCxnSpPr/>
+          <p:nvPr/>
+        </p:nvCxnSpPr>
+        <p:spPr>
+          <a:xfrm flipH="1">
+            <a:off x="3810001" y="3686175"/>
+            <a:ext cx="847725" cy="0"/>
+          </a:xfrm>
+          <a:prstGeom prst="straightConnector1">
+            <a:avLst/>
+          </a:prstGeom>
+          <a:ln w="76200">
+            <a:tailEnd type="triangle"/>
+          </a:ln>
+        </p:spPr>
+        <p:style>
+          <a:lnRef idx="3">
+            <a:schemeClr val="accent2"/>
+          </a:lnRef>
+          <a:fillRef idx="0">
+            <a:schemeClr val="accent2"/>
+          </a:fillRef>
+          <a:effectRef idx="2">
+            <a:schemeClr val="accent2"/>
+          </a:effectRef>
+          <a:fontRef idx="minor">
+            <a:schemeClr val="tx1"/>
+          </a:fontRef>
+        </p:style>
+      </p:cxnSp>
+      <p:cxnSp>
+        <p:nvCxnSpPr>
+          <p:cNvPr id="8" name="Straight Arrow Connector 7"/>
+          <p:cNvCxnSpPr/>
+          <p:nvPr/>
+        </p:nvCxnSpPr>
+        <p:spPr>
+          <a:xfrm flipH="1">
+            <a:off x="3810001" y="4476751"/>
+            <a:ext cx="847725" cy="0"/>
+          </a:xfrm>
+          <a:prstGeom prst="straightConnector1">
+            <a:avLst/>
+          </a:prstGeom>
+          <a:ln w="76200">
+            <a:tailEnd type="triangle"/>
+          </a:ln>
+        </p:spPr>
+        <p:style>
+          <a:lnRef idx="3">
+            <a:schemeClr val="accent2"/>
+          </a:lnRef>
+          <a:fillRef idx="0">
+            <a:schemeClr val="accent2"/>
+          </a:fillRef>
+          <a:effectRef idx="2">
+            <a:schemeClr val="accent2"/>
+          </a:effectRef>
+          <a:fontRef idx="minor">
+            <a:schemeClr val="tx1"/>
+          </a:fontRef>
+        </p:style>
+      </p:cxnSp>
+    </p:spTree>
+    <p:extLst>
+      <p:ext uri="{BB962C8B-B14F-4D97-AF65-F5344CB8AC3E}">
+        <p14:creationId xmlns:p14="http://schemas.microsoft.com/office/powerpoint/2010/main" val="210623497"/>
+      </p:ext>
+    </p:extLst>
+  </p:cSld>
+  <p:clrMapOvr>
+    <a:masterClrMapping/>
+  </p:clrMapOvr>
+  <p:timing>
+    <p:tnLst>
+      <p:par>
+        <p:cTn id="1" dur="indefinite" restart="never" nodeType="tmRoot"/>
+      </p:par>
+    </p:tnLst>
+  </p:timing>
+</p:sld>
+</file>
+
+<file path=ppt/slides/slide35.xml><?xml version="1.0" encoding="utf-8"?>
+<p:sld xmlns:a="http://schemas.openxmlformats.org/drawingml/2006/main" xmlns:r="http://schemas.openxmlformats.org/officeDocument/2006/relationships" xmlns:p="http://schemas.openxmlformats.org/presentationml/2006/main">
+  <p:cSld>
+    <p:spTree>
+      <p:nvGrpSpPr>
+        <p:cNvPr id="1" name=""/>
+        <p:cNvGrpSpPr/>
+        <p:nvPr/>
+      </p:nvGrpSpPr>
+      <p:grpSpPr>
+        <a:xfrm>
+          <a:off x="0" y="0"/>
+          <a:ext cx="0" cy="0"/>
+          <a:chOff x="0" y="0"/>
+          <a:chExt cx="0" cy="0"/>
+        </a:xfrm>
+      </p:grpSpPr>
+      <p:sp>
+        <p:nvSpPr>
+          <p:cNvPr id="2" name="Title 1"/>
+          <p:cNvSpPr>
+            <a:spLocks noGrp="1"/>
+          </p:cNvSpPr>
+          <p:nvPr>
+            <p:ph type="title"/>
+          </p:nvPr>
+        </p:nvSpPr>
+        <p:spPr/>
+        <p:txBody>
+          <a:bodyPr/>
+          <a:lstStyle/>
+          <a:p>
+            <a:r>
+              <a:rPr lang="en-US" dirty="0" smtClean="0"/>
+              <a:t>Good Idea:</a:t>
+            </a:r>
+            <a:br>
+              <a:rPr lang="en-US" dirty="0" smtClean="0"/>
+            </a:br>
+            <a:r>
+              <a:rPr lang="en-US" dirty="0" smtClean="0"/>
+              <a:t>Batched/Future Queries</a:t>
+            </a:r>
+            <a:endParaRPr lang="en-US" dirty="0"/>
+          </a:p>
+        </p:txBody>
+      </p:sp>
+      <p:pic>
+        <p:nvPicPr>
+          <p:cNvPr id="10" name="Content Placeholder 9"/>
+          <p:cNvPicPr>
+            <a:picLocks noGrp="1" noChangeAspect="1"/>
+          </p:cNvPicPr>
+          <p:nvPr>
+            <p:ph idx="1"/>
+          </p:nvPr>
+        </p:nvPicPr>
+        <p:blipFill>
+          <a:blip r:embed="rId2"/>
+          <a:stretch>
+            <a:fillRect/>
+          </a:stretch>
+        </p:blipFill>
+        <p:spPr>
+          <a:xfrm>
+            <a:off x="628650" y="2694824"/>
+            <a:ext cx="7886700" cy="2612939"/>
+          </a:xfrm>
+          <a:prstGeom prst="rect">
+            <a:avLst/>
+          </a:prstGeom>
+        </p:spPr>
+      </p:pic>
+    </p:spTree>
+    <p:extLst>
+      <p:ext uri="{BB962C8B-B14F-4D97-AF65-F5344CB8AC3E}">
+        <p14:creationId xmlns:p14="http://schemas.microsoft.com/office/powerpoint/2010/main" val="1413067244"/>
+      </p:ext>
+    </p:extLst>
+  </p:cSld>
+  <p:clrMapOvr>
+    <a:masterClrMapping/>
+  </p:clrMapOvr>
+  <p:timing>
+    <p:tnLst>
+      <p:par>
+        <p:cTn id="1" dur="indefinite" restart="never" nodeType="tmRoot"/>
+      </p:par>
+    </p:tnLst>
+  </p:timing>
+</p:sld>
+</file>
+
+<file path=ppt/slides/slide36.xml><?xml version="1.0" encoding="utf-8"?>
+<p:sld xmlns:a="http://schemas.openxmlformats.org/drawingml/2006/main" xmlns:r="http://schemas.openxmlformats.org/officeDocument/2006/relationships" xmlns:p="http://schemas.openxmlformats.org/presentationml/2006/main">
+  <p:cSld>
+    <p:spTree>
+      <p:nvGrpSpPr>
+        <p:cNvPr id="1" name=""/>
+        <p:cNvGrpSpPr/>
+        <p:nvPr/>
+      </p:nvGrpSpPr>
+      <p:grpSpPr>
+        <a:xfrm>
+          <a:off x="0" y="0"/>
+          <a:ext cx="0" cy="0"/>
+          <a:chOff x="0" y="0"/>
+          <a:chExt cx="0" cy="0"/>
+        </a:xfrm>
+      </p:grpSpPr>
+      <p:sp>
+        <p:nvSpPr>
+          <p:cNvPr id="2" name="Title 1"/>
+          <p:cNvSpPr>
+            <a:spLocks noGrp="1"/>
+          </p:cNvSpPr>
+          <p:nvPr>
+            <p:ph type="title"/>
+          </p:nvPr>
+        </p:nvSpPr>
+        <p:spPr/>
+        <p:txBody>
+          <a:bodyPr/>
+          <a:lstStyle/>
+          <a:p>
+            <a:r>
+              <a:rPr lang="en-US" dirty="0" smtClean="0"/>
+              <a:t>Bad Idea: Deferred Execution</a:t>
+            </a:r>
+            <a:endParaRPr lang="en-US" dirty="0"/>
+          </a:p>
+        </p:txBody>
+      </p:sp>
+      <p:pic>
+        <p:nvPicPr>
+          <p:cNvPr id="4" name="Content Placeholder 3"/>
+          <p:cNvPicPr>
+            <a:picLocks noGrp="1" noChangeAspect="1"/>
+          </p:cNvPicPr>
+          <p:nvPr>
+            <p:ph idx="1"/>
+          </p:nvPr>
+        </p:nvPicPr>
+        <p:blipFill>
+          <a:blip r:embed="rId2"/>
+          <a:stretch>
+            <a:fillRect/>
+          </a:stretch>
+        </p:blipFill>
+        <p:spPr>
+          <a:xfrm>
+            <a:off x="628650" y="2211405"/>
+            <a:ext cx="7886700" cy="3579778"/>
+          </a:xfrm>
+          <a:prstGeom prst="rect">
+            <a:avLst/>
+          </a:prstGeom>
+        </p:spPr>
+      </p:pic>
+    </p:spTree>
+    <p:extLst>
+      <p:ext uri="{BB962C8B-B14F-4D97-AF65-F5344CB8AC3E}">
+        <p14:creationId xmlns:p14="http://schemas.microsoft.com/office/powerpoint/2010/main" val="4238381868"/>
+      </p:ext>
+    </p:extLst>
+  </p:cSld>
+  <p:clrMapOvr>
+    <a:masterClrMapping/>
+  </p:clrMapOvr>
+  <p:timing>
+    <p:tnLst>
+      <p:par>
+        <p:cTn id="1" dur="indefinite" restart="never" nodeType="tmRoot"/>
+      </p:par>
+    </p:tnLst>
+  </p:timing>
+</p:sld>
+</file>
+
+<file path=ppt/slides/slide37.xml><?xml version="1.0" encoding="utf-8"?>
+<p:sld xmlns:a="http://schemas.openxmlformats.org/drawingml/2006/main" xmlns:r="http://schemas.openxmlformats.org/officeDocument/2006/relationships" xmlns:p="http://schemas.openxmlformats.org/presentationml/2006/main">
+  <p:cSld>
+    <p:spTree>
+      <p:nvGrpSpPr>
+        <p:cNvPr id="1" name=""/>
+        <p:cNvGrpSpPr/>
+        <p:nvPr/>
+      </p:nvGrpSpPr>
+      <p:grpSpPr>
+        <a:xfrm>
+          <a:off x="0" y="0"/>
+          <a:ext cx="0" cy="0"/>
+          <a:chOff x="0" y="0"/>
+          <a:chExt cx="0" cy="0"/>
+        </a:xfrm>
+      </p:grpSpPr>
+      <p:sp>
+        <p:nvSpPr>
+          <p:cNvPr id="2" name="Title 1"/>
+          <p:cNvSpPr>
+            <a:spLocks noGrp="1"/>
+          </p:cNvSpPr>
+          <p:nvPr>
+            <p:ph type="title"/>
+          </p:nvPr>
+        </p:nvSpPr>
+        <p:spPr/>
+        <p:txBody>
+          <a:bodyPr/>
+          <a:lstStyle/>
+          <a:p>
+            <a:r>
+              <a:rPr lang="en-US" dirty="0" smtClean="0"/>
+              <a:t>Good Idea: Immediate Execution</a:t>
+            </a:r>
+            <a:endParaRPr lang="en-US" dirty="0"/>
+          </a:p>
+        </p:txBody>
+      </p:sp>
+      <p:pic>
+        <p:nvPicPr>
+          <p:cNvPr id="4" name="Content Placeholder 3"/>
+          <p:cNvPicPr>
+            <a:picLocks noGrp="1" noChangeAspect="1"/>
+          </p:cNvPicPr>
+          <p:nvPr>
+            <p:ph idx="1"/>
+          </p:nvPr>
+        </p:nvPicPr>
+        <p:blipFill>
+          <a:blip r:embed="rId2"/>
+          <a:stretch>
+            <a:fillRect/>
+          </a:stretch>
+        </p:blipFill>
+        <p:spPr>
+          <a:xfrm>
+            <a:off x="628650" y="2181720"/>
+            <a:ext cx="7886700" cy="3639148"/>
+          </a:xfrm>
+          <a:prstGeom prst="rect">
+            <a:avLst/>
+          </a:prstGeom>
+        </p:spPr>
+      </p:pic>
+    </p:spTree>
+    <p:extLst>
+      <p:ext uri="{BB962C8B-B14F-4D97-AF65-F5344CB8AC3E}">
+        <p14:creationId xmlns:p14="http://schemas.microsoft.com/office/powerpoint/2010/main" val="3513515749"/>
+      </p:ext>
+    </p:extLst>
+  </p:cSld>
+  <p:clrMapOvr>
+    <a:masterClrMapping/>
+  </p:clrMapOvr>
+  <p:timing>
+    <p:tnLst>
+      <p:par>
+        <p:cTn id="1" dur="indefinite" restart="never" nodeType="tmRoot"/>
+      </p:par>
+    </p:tnLst>
+  </p:timing>
+</p:sld>
+</file>
+
+<file path=ppt/slides/slide38.xml><?xml version="1.0" encoding="utf-8"?>
+<p:sld xmlns:a="http://schemas.openxmlformats.org/drawingml/2006/main" xmlns:r="http://schemas.openxmlformats.org/officeDocument/2006/relationships" xmlns:p="http://schemas.openxmlformats.org/presentationml/2006/main">
+  <p:cSld>
+    <p:spTree>
+      <p:nvGrpSpPr>
+        <p:cNvPr id="1" name=""/>
+        <p:cNvGrpSpPr/>
+        <p:nvPr/>
+      </p:nvGrpSpPr>
+      <p:grpSpPr>
+        <a:xfrm>
+          <a:off x="0" y="0"/>
+          <a:ext cx="0" cy="0"/>
+          <a:chOff x="0" y="0"/>
+          <a:chExt cx="0" cy="0"/>
+        </a:xfrm>
+      </p:grpSpPr>
+      <p:sp>
+        <p:nvSpPr>
+          <p:cNvPr id="4" name="Title 3"/>
+          <p:cNvSpPr>
+            <a:spLocks noGrp="1"/>
+          </p:cNvSpPr>
+          <p:nvPr>
+            <p:ph type="title"/>
+          </p:nvPr>
+        </p:nvSpPr>
+        <p:spPr/>
+        <p:txBody>
+          <a:bodyPr/>
+          <a:lstStyle/>
+          <a:p>
+            <a:r>
+              <a:rPr lang="en-US" dirty="0" smtClean="0"/>
+              <a:t>Usage Problems</a:t>
+            </a:r>
+            <a:endParaRPr lang="en-US" dirty="0"/>
+          </a:p>
+        </p:txBody>
+      </p:sp>
+      <p:sp>
+        <p:nvSpPr>
+          <p:cNvPr id="5" name="Text Placeholder 4"/>
+          <p:cNvSpPr>
+            <a:spLocks noGrp="1"/>
+          </p:cNvSpPr>
+          <p:nvPr>
+            <p:ph type="body" idx="1"/>
+          </p:nvPr>
+        </p:nvSpPr>
+        <p:spPr/>
+        <p:txBody>
+          <a:bodyPr/>
+          <a:lstStyle/>
+          <a:p>
+            <a:endParaRPr lang="en-US"/>
+          </a:p>
+        </p:txBody>
+      </p:sp>
+    </p:spTree>
+    <p:extLst>
+      <p:ext uri="{BB962C8B-B14F-4D97-AF65-F5344CB8AC3E}">
+        <p14:creationId xmlns:p14="http://schemas.microsoft.com/office/powerpoint/2010/main" val="996127825"/>
+      </p:ext>
+    </p:extLst>
+  </p:cSld>
+  <p:clrMapOvr>
+    <a:masterClrMapping/>
+  </p:clrMapOvr>
+  <p:timing>
+    <p:tnLst>
+      <p:par>
+        <p:cTn id="1" dur="indefinite" restart="never" nodeType="tmRoot"/>
+      </p:par>
+    </p:tnLst>
+  </p:timing>
+</p:sld>
+</file>
+
+<file path=ppt/slides/slide39.xml><?xml version="1.0" encoding="utf-8"?>
+<p:sld xmlns:a="http://schemas.openxmlformats.org/drawingml/2006/main" xmlns:r="http://schemas.openxmlformats.org/officeDocument/2006/relationships" xmlns:p="http://schemas.openxmlformats.org/presentationml/2006/main">
+  <p:cSld>
+    <p:spTree>
+      <p:nvGrpSpPr>
+        <p:cNvPr id="1" name=""/>
+        <p:cNvGrpSpPr/>
+        <p:nvPr/>
+      </p:nvGrpSpPr>
+      <p:grpSpPr>
+        <a:xfrm>
+          <a:off x="0" y="0"/>
+          <a:ext cx="0" cy="0"/>
+          <a:chOff x="0" y="0"/>
+          <a:chExt cx="0" cy="0"/>
+        </a:xfrm>
+      </p:grpSpPr>
+      <p:sp>
+        <p:nvSpPr>
+          <p:cNvPr id="4" name="Title 3"/>
+          <p:cNvSpPr>
+            <a:spLocks noGrp="1"/>
+          </p:cNvSpPr>
+          <p:nvPr>
+            <p:ph type="title"/>
+          </p:nvPr>
+        </p:nvSpPr>
+        <p:spPr/>
+        <p:txBody>
+          <a:bodyPr/>
+          <a:lstStyle/>
+          <a:p>
+            <a:r>
+              <a:rPr lang="en-US" dirty="0" smtClean="0"/>
+              <a:t>Bad Idea: Repositories</a:t>
+            </a:r>
+            <a:endParaRPr lang="en-US" dirty="0"/>
+          </a:p>
+        </p:txBody>
+      </p:sp>
+      <p:pic>
+        <p:nvPicPr>
+          <p:cNvPr id="6" name="Content Placeholder 5"/>
+          <p:cNvPicPr>
+            <a:picLocks noGrp="1" noChangeAspect="1"/>
+          </p:cNvPicPr>
+          <p:nvPr>
+            <p:ph idx="1"/>
+          </p:nvPr>
+        </p:nvPicPr>
+        <p:blipFill>
+          <a:blip r:embed="rId2"/>
+          <a:stretch>
+            <a:fillRect/>
+          </a:stretch>
+        </p:blipFill>
+        <p:spPr>
+          <a:xfrm>
+            <a:off x="1116250" y="1825625"/>
             <a:ext cx="6911500" cy="4351338"/>
           </a:xfrm>
           <a:prstGeom prst="rect">
@@ -7641,7 +6964,7 @@
 </p:sld>
 </file>
 
-<file path=ppt/slides/slide41.xml><?xml version="1.0" encoding="utf-8"?>
+<file path=ppt/slides/slide4.xml><?xml version="1.0" encoding="utf-8"?>
 <p:sld xmlns:a="http://schemas.openxmlformats.org/drawingml/2006/main" xmlns:r="http://schemas.openxmlformats.org/officeDocument/2006/relationships" xmlns:p="http://schemas.openxmlformats.org/presentationml/2006/main">
   <p:cSld>
     <p:spTree>
@@ -7675,801 +6998,6 @@
           <a:p>
             <a:r>
               <a:rPr lang="en-US" dirty="0" smtClean="0"/>
-              <a:t>Good Idea:</a:t>
-            </a:r>
-            <a:br>
-              <a:rPr lang="en-US" dirty="0" smtClean="0"/>
-            </a:br>
-            <a:r>
-              <a:rPr lang="en-US" dirty="0" smtClean="0"/>
-              <a:t>Commands and Queries</a:t>
-            </a:r>
-            <a:endParaRPr lang="en-US" dirty="0"/>
-          </a:p>
-        </p:txBody>
-      </p:sp>
-      <p:pic>
-        <p:nvPicPr>
-          <p:cNvPr id="4" name="Content Placeholder 3"/>
-          <p:cNvPicPr>
-            <a:picLocks noGrp="1" noChangeAspect="1"/>
-          </p:cNvPicPr>
-          <p:nvPr>
-            <p:ph idx="1"/>
-          </p:nvPr>
-        </p:nvPicPr>
-        <p:blipFill>
-          <a:blip r:embed="rId2"/>
-          <a:stretch>
-            <a:fillRect/>
-          </a:stretch>
-        </p:blipFill>
-        <p:spPr>
-          <a:xfrm>
-            <a:off x="1585912" y="2201069"/>
-            <a:ext cx="9020175" cy="3600450"/>
-          </a:xfrm>
-          <a:prstGeom prst="rect">
-            <a:avLst/>
-          </a:prstGeom>
-        </p:spPr>
-      </p:pic>
-    </p:spTree>
-    <p:extLst>
-      <p:ext uri="{BB962C8B-B14F-4D97-AF65-F5344CB8AC3E}">
-        <p14:creationId xmlns:p14="http://schemas.microsoft.com/office/powerpoint/2010/main" val="46282006"/>
-      </p:ext>
-    </p:extLst>
-  </p:cSld>
-  <p:clrMapOvr>
-    <a:masterClrMapping/>
-  </p:clrMapOvr>
-  <p:timing>
-    <p:tnLst>
-      <p:par>
-        <p:cTn id="1" dur="indefinite" restart="never" nodeType="tmRoot"/>
-      </p:par>
-    </p:tnLst>
-  </p:timing>
-</p:sld>
-</file>
-
-<file path=ppt/slides/slide42.xml><?xml version="1.0" encoding="utf-8"?>
-<p:sld xmlns:a="http://schemas.openxmlformats.org/drawingml/2006/main" xmlns:r="http://schemas.openxmlformats.org/officeDocument/2006/relationships" xmlns:p="http://schemas.openxmlformats.org/presentationml/2006/main">
-  <p:cSld>
-    <p:spTree>
-      <p:nvGrpSpPr>
-        <p:cNvPr id="1" name=""/>
-        <p:cNvGrpSpPr/>
-        <p:nvPr/>
-      </p:nvGrpSpPr>
-      <p:grpSpPr>
-        <a:xfrm>
-          <a:off x="0" y="0"/>
-          <a:ext cx="0" cy="0"/>
-          <a:chOff x="0" y="0"/>
-          <a:chExt cx="0" cy="0"/>
-        </a:xfrm>
-      </p:grpSpPr>
-      <p:sp>
-        <p:nvSpPr>
-          <p:cNvPr id="2" name="Title 1"/>
-          <p:cNvSpPr>
-            <a:spLocks noGrp="1"/>
-          </p:cNvSpPr>
-          <p:nvPr>
-            <p:ph type="title"/>
-          </p:nvPr>
-        </p:nvSpPr>
-        <p:spPr/>
-        <p:txBody>
-          <a:bodyPr/>
-          <a:lstStyle/>
-          <a:p>
-            <a:r>
-              <a:rPr lang="en-US" dirty="0" smtClean="0"/>
-              <a:t>Good Idea:</a:t>
-            </a:r>
-            <a:br>
-              <a:rPr lang="en-US" dirty="0" smtClean="0"/>
-            </a:br>
-            <a:r>
-              <a:rPr lang="en-US" dirty="0" smtClean="0"/>
-              <a:t>Commands and Queries</a:t>
-            </a:r>
-            <a:endParaRPr lang="en-US" dirty="0"/>
-          </a:p>
-        </p:txBody>
-      </p:sp>
-      <p:pic>
-        <p:nvPicPr>
-          <p:cNvPr id="7" name="Content Placeholder 6"/>
-          <p:cNvPicPr>
-            <a:picLocks noGrp="1" noChangeAspect="1"/>
-          </p:cNvPicPr>
-          <p:nvPr>
-            <p:ph idx="1"/>
-          </p:nvPr>
-        </p:nvPicPr>
-        <p:blipFill>
-          <a:blip r:embed="rId2"/>
-          <a:stretch>
-            <a:fillRect/>
-          </a:stretch>
-        </p:blipFill>
-        <p:spPr>
-          <a:xfrm>
-            <a:off x="3954478" y="1825625"/>
-            <a:ext cx="4283043" cy="4351338"/>
-          </a:xfrm>
-          <a:prstGeom prst="rect">
-            <a:avLst/>
-          </a:prstGeom>
-        </p:spPr>
-      </p:pic>
-    </p:spTree>
-    <p:extLst>
-      <p:ext uri="{BB962C8B-B14F-4D97-AF65-F5344CB8AC3E}">
-        <p14:creationId xmlns:p14="http://schemas.microsoft.com/office/powerpoint/2010/main" val="788632804"/>
-      </p:ext>
-    </p:extLst>
-  </p:cSld>
-  <p:clrMapOvr>
-    <a:masterClrMapping/>
-  </p:clrMapOvr>
-  <p:timing>
-    <p:tnLst>
-      <p:par>
-        <p:cTn id="1" dur="indefinite" restart="never" nodeType="tmRoot"/>
-      </p:par>
-    </p:tnLst>
-  </p:timing>
-</p:sld>
-</file>
-
-<file path=ppt/slides/slide43.xml><?xml version="1.0" encoding="utf-8"?>
-<p:sld xmlns:a="http://schemas.openxmlformats.org/drawingml/2006/main" xmlns:r="http://schemas.openxmlformats.org/officeDocument/2006/relationships" xmlns:p="http://schemas.openxmlformats.org/presentationml/2006/main">
-  <p:cSld>
-    <p:spTree>
-      <p:nvGrpSpPr>
-        <p:cNvPr id="1" name=""/>
-        <p:cNvGrpSpPr/>
-        <p:nvPr/>
-      </p:nvGrpSpPr>
-      <p:grpSpPr>
-        <a:xfrm>
-          <a:off x="0" y="0"/>
-          <a:ext cx="0" cy="0"/>
-          <a:chOff x="0" y="0"/>
-          <a:chExt cx="0" cy="0"/>
-        </a:xfrm>
-      </p:grpSpPr>
-      <p:sp>
-        <p:nvSpPr>
-          <p:cNvPr id="2" name="Title 1"/>
-          <p:cNvSpPr>
-            <a:spLocks noGrp="1"/>
-          </p:cNvSpPr>
-          <p:nvPr>
-            <p:ph type="title"/>
-          </p:nvPr>
-        </p:nvSpPr>
-        <p:spPr/>
-        <p:txBody>
-          <a:bodyPr/>
-          <a:lstStyle/>
-          <a:p>
-            <a:r>
-              <a:rPr lang="en-US" dirty="0" smtClean="0"/>
-              <a:t>Good Idea:</a:t>
-            </a:r>
-            <a:br>
-              <a:rPr lang="en-US" dirty="0" smtClean="0"/>
-            </a:br>
-            <a:r>
-              <a:rPr lang="en-US" dirty="0" smtClean="0"/>
-              <a:t>Commands and Queries</a:t>
-            </a:r>
-            <a:endParaRPr lang="en-US" dirty="0"/>
-          </a:p>
-        </p:txBody>
-      </p:sp>
-      <p:pic>
-        <p:nvPicPr>
-          <p:cNvPr id="5" name="Content Placeholder 4"/>
-          <p:cNvPicPr>
-            <a:picLocks noGrp="1" noChangeAspect="1"/>
-          </p:cNvPicPr>
-          <p:nvPr>
-            <p:ph idx="1"/>
-          </p:nvPr>
-        </p:nvPicPr>
-        <p:blipFill>
-          <a:blip r:embed="rId2"/>
-          <a:stretch>
-            <a:fillRect/>
-          </a:stretch>
-        </p:blipFill>
-        <p:spPr>
-          <a:xfrm>
-            <a:off x="838200" y="2701572"/>
-            <a:ext cx="10515600" cy="2599444"/>
-          </a:xfrm>
-          <a:prstGeom prst="rect">
-            <a:avLst/>
-          </a:prstGeom>
-        </p:spPr>
-      </p:pic>
-    </p:spTree>
-    <p:extLst>
-      <p:ext uri="{BB962C8B-B14F-4D97-AF65-F5344CB8AC3E}">
-        <p14:creationId xmlns:p14="http://schemas.microsoft.com/office/powerpoint/2010/main" val="2122406355"/>
-      </p:ext>
-    </p:extLst>
-  </p:cSld>
-  <p:clrMapOvr>
-    <a:masterClrMapping/>
-  </p:clrMapOvr>
-  <p:timing>
-    <p:tnLst>
-      <p:par>
-        <p:cTn id="1" dur="indefinite" restart="never" nodeType="tmRoot"/>
-      </p:par>
-    </p:tnLst>
-  </p:timing>
-</p:sld>
-</file>
-
-<file path=ppt/slides/slide44.xml><?xml version="1.0" encoding="utf-8"?>
-<p:sld xmlns:a="http://schemas.openxmlformats.org/drawingml/2006/main" xmlns:r="http://schemas.openxmlformats.org/officeDocument/2006/relationships" xmlns:p="http://schemas.openxmlformats.org/presentationml/2006/main">
-  <p:cSld>
-    <p:spTree>
-      <p:nvGrpSpPr>
-        <p:cNvPr id="1" name=""/>
-        <p:cNvGrpSpPr/>
-        <p:nvPr/>
-      </p:nvGrpSpPr>
-      <p:grpSpPr>
-        <a:xfrm>
-          <a:off x="0" y="0"/>
-          <a:ext cx="0" cy="0"/>
-          <a:chOff x="0" y="0"/>
-          <a:chExt cx="0" cy="0"/>
-        </a:xfrm>
-      </p:grpSpPr>
-      <p:sp>
-        <p:nvSpPr>
-          <p:cNvPr id="2" name="Title 1"/>
-          <p:cNvSpPr>
-            <a:spLocks noGrp="1"/>
-          </p:cNvSpPr>
-          <p:nvPr>
-            <p:ph type="title"/>
-          </p:nvPr>
-        </p:nvSpPr>
-        <p:spPr/>
-        <p:txBody>
-          <a:bodyPr/>
-          <a:lstStyle/>
-          <a:p>
-            <a:r>
-              <a:rPr lang="en-US" dirty="0" smtClean="0"/>
-              <a:t>Bad Idea: Binding to Entities</a:t>
-            </a:r>
-            <a:endParaRPr lang="en-US" dirty="0"/>
-          </a:p>
-        </p:txBody>
-      </p:sp>
-      <p:pic>
-        <p:nvPicPr>
-          <p:cNvPr id="4" name="Content Placeholder 3"/>
-          <p:cNvPicPr>
-            <a:picLocks noGrp="1" noChangeAspect="1"/>
-          </p:cNvPicPr>
-          <p:nvPr>
-            <p:ph idx="1"/>
-          </p:nvPr>
-        </p:nvPicPr>
-        <p:blipFill>
-          <a:blip r:embed="rId2"/>
-          <a:stretch>
-            <a:fillRect/>
-          </a:stretch>
-        </p:blipFill>
-        <p:spPr>
-          <a:xfrm>
-            <a:off x="2270719" y="1825625"/>
-            <a:ext cx="7650561" cy="4351338"/>
-          </a:xfrm>
-          <a:prstGeom prst="rect">
-            <a:avLst/>
-          </a:prstGeom>
-        </p:spPr>
-      </p:pic>
-    </p:spTree>
-    <p:extLst>
-      <p:ext uri="{BB962C8B-B14F-4D97-AF65-F5344CB8AC3E}">
-        <p14:creationId xmlns:p14="http://schemas.microsoft.com/office/powerpoint/2010/main" val="2874687232"/>
-      </p:ext>
-    </p:extLst>
-  </p:cSld>
-  <p:clrMapOvr>
-    <a:masterClrMapping/>
-  </p:clrMapOvr>
-  <p:timing>
-    <p:tnLst>
-      <p:par>
-        <p:cTn id="1" dur="indefinite" restart="never" nodeType="tmRoot"/>
-      </p:par>
-    </p:tnLst>
-  </p:timing>
-</p:sld>
-</file>
-
-<file path=ppt/slides/slide45.xml><?xml version="1.0" encoding="utf-8"?>
-<p:sld xmlns:a="http://schemas.openxmlformats.org/drawingml/2006/main" xmlns:r="http://schemas.openxmlformats.org/officeDocument/2006/relationships" xmlns:p="http://schemas.openxmlformats.org/presentationml/2006/main">
-  <p:cSld>
-    <p:spTree>
-      <p:nvGrpSpPr>
-        <p:cNvPr id="1" name=""/>
-        <p:cNvGrpSpPr/>
-        <p:nvPr/>
-      </p:nvGrpSpPr>
-      <p:grpSpPr>
-        <a:xfrm>
-          <a:off x="0" y="0"/>
-          <a:ext cx="0" cy="0"/>
-          <a:chOff x="0" y="0"/>
-          <a:chExt cx="0" cy="0"/>
-        </a:xfrm>
-      </p:grpSpPr>
-      <p:sp>
-        <p:nvSpPr>
-          <p:cNvPr id="2" name="Title 1"/>
-          <p:cNvSpPr>
-            <a:spLocks noGrp="1"/>
-          </p:cNvSpPr>
-          <p:nvPr>
-            <p:ph type="title"/>
-          </p:nvPr>
-        </p:nvSpPr>
-        <p:spPr/>
-        <p:txBody>
-          <a:bodyPr/>
-          <a:lstStyle/>
-          <a:p>
-            <a:r>
-              <a:rPr lang="en-US" dirty="0" smtClean="0"/>
-              <a:t>Good Idea: Bind to DTOs</a:t>
-            </a:r>
-            <a:endParaRPr lang="en-US" dirty="0"/>
-          </a:p>
-        </p:txBody>
-      </p:sp>
-      <p:pic>
-        <p:nvPicPr>
-          <p:cNvPr id="4" name="Content Placeholder 3"/>
-          <p:cNvPicPr>
-            <a:picLocks noGrp="1" noChangeAspect="1"/>
-          </p:cNvPicPr>
-          <p:nvPr>
-            <p:ph idx="1"/>
-          </p:nvPr>
-        </p:nvPicPr>
-        <p:blipFill>
-          <a:blip r:embed="rId2"/>
-          <a:stretch>
-            <a:fillRect/>
-          </a:stretch>
-        </p:blipFill>
-        <p:spPr>
-          <a:xfrm>
-            <a:off x="2879192" y="1825625"/>
-            <a:ext cx="6433615" cy="4351338"/>
-          </a:xfrm>
-          <a:prstGeom prst="rect">
-            <a:avLst/>
-          </a:prstGeom>
-        </p:spPr>
-      </p:pic>
-    </p:spTree>
-    <p:extLst>
-      <p:ext uri="{BB962C8B-B14F-4D97-AF65-F5344CB8AC3E}">
-        <p14:creationId xmlns:p14="http://schemas.microsoft.com/office/powerpoint/2010/main" val="3306291573"/>
-      </p:ext>
-    </p:extLst>
-  </p:cSld>
-  <p:clrMapOvr>
-    <a:masterClrMapping/>
-  </p:clrMapOvr>
-  <p:timing>
-    <p:tnLst>
-      <p:par>
-        <p:cTn id="1" dur="indefinite" restart="never" nodeType="tmRoot"/>
-      </p:par>
-    </p:tnLst>
-  </p:timing>
-</p:sld>
-</file>
-
-<file path=ppt/slides/slide46.xml><?xml version="1.0" encoding="utf-8"?>
-<p:sld xmlns:a="http://schemas.openxmlformats.org/drawingml/2006/main" xmlns:r="http://schemas.openxmlformats.org/officeDocument/2006/relationships" xmlns:p="http://schemas.openxmlformats.org/presentationml/2006/main">
-  <p:cSld>
-    <p:spTree>
-      <p:nvGrpSpPr>
-        <p:cNvPr id="1" name=""/>
-        <p:cNvGrpSpPr/>
-        <p:nvPr/>
-      </p:nvGrpSpPr>
-      <p:grpSpPr>
-        <a:xfrm>
-          <a:off x="0" y="0"/>
-          <a:ext cx="0" cy="0"/>
-          <a:chOff x="0" y="0"/>
-          <a:chExt cx="0" cy="0"/>
-        </a:xfrm>
-      </p:grpSpPr>
-      <p:sp>
-        <p:nvSpPr>
-          <p:cNvPr id="2" name="Title 1"/>
-          <p:cNvSpPr>
-            <a:spLocks noGrp="1"/>
-          </p:cNvSpPr>
-          <p:nvPr>
-            <p:ph type="title"/>
-          </p:nvPr>
-        </p:nvSpPr>
-        <p:spPr/>
-        <p:txBody>
-          <a:bodyPr/>
-          <a:lstStyle/>
-          <a:p>
-            <a:r>
-              <a:rPr lang="en-US" dirty="0" smtClean="0"/>
-              <a:t>Bad Idea: SQL Ignorance</a:t>
-            </a:r>
-            <a:endParaRPr lang="en-US" dirty="0"/>
-          </a:p>
-        </p:txBody>
-      </p:sp>
-      <p:pic>
-        <p:nvPicPr>
-          <p:cNvPr id="4" name="Content Placeholder 3"/>
-          <p:cNvPicPr>
-            <a:picLocks noGrp="1" noChangeAspect="1"/>
-          </p:cNvPicPr>
-          <p:nvPr>
-            <p:ph idx="1"/>
-          </p:nvPr>
-        </p:nvPicPr>
-        <p:blipFill>
-          <a:blip r:embed="rId2"/>
-          <a:stretch>
-            <a:fillRect/>
-          </a:stretch>
-        </p:blipFill>
-        <p:spPr>
-          <a:xfrm>
-            <a:off x="3547158" y="1825625"/>
-            <a:ext cx="5097684" cy="4351338"/>
-          </a:xfrm>
-          <a:prstGeom prst="rect">
-            <a:avLst/>
-          </a:prstGeom>
-        </p:spPr>
-      </p:pic>
-    </p:spTree>
-    <p:extLst>
-      <p:ext uri="{BB962C8B-B14F-4D97-AF65-F5344CB8AC3E}">
-        <p14:creationId xmlns:p14="http://schemas.microsoft.com/office/powerpoint/2010/main" val="3932293493"/>
-      </p:ext>
-    </p:extLst>
-  </p:cSld>
-  <p:clrMapOvr>
-    <a:masterClrMapping/>
-  </p:clrMapOvr>
-  <p:timing>
-    <p:tnLst>
-      <p:par>
-        <p:cTn id="1" dur="indefinite" restart="never" nodeType="tmRoot"/>
-      </p:par>
-    </p:tnLst>
-  </p:timing>
-</p:sld>
-</file>
-
-<file path=ppt/slides/slide47.xml><?xml version="1.0" encoding="utf-8"?>
-<p:sld xmlns:a="http://schemas.openxmlformats.org/drawingml/2006/main" xmlns:r="http://schemas.openxmlformats.org/officeDocument/2006/relationships" xmlns:p="http://schemas.openxmlformats.org/presentationml/2006/main">
-  <p:cSld>
-    <p:spTree>
-      <p:nvGrpSpPr>
-        <p:cNvPr id="1" name=""/>
-        <p:cNvGrpSpPr/>
-        <p:nvPr/>
-      </p:nvGrpSpPr>
-      <p:grpSpPr>
-        <a:xfrm>
-          <a:off x="0" y="0"/>
-          <a:ext cx="0" cy="0"/>
-          <a:chOff x="0" y="0"/>
-          <a:chExt cx="0" cy="0"/>
-        </a:xfrm>
-      </p:grpSpPr>
-      <p:sp>
-        <p:nvSpPr>
-          <p:cNvPr id="2" name="Title 1"/>
-          <p:cNvSpPr>
-            <a:spLocks noGrp="1"/>
-          </p:cNvSpPr>
-          <p:nvPr>
-            <p:ph type="title"/>
-          </p:nvPr>
-        </p:nvSpPr>
-        <p:spPr/>
-        <p:txBody>
-          <a:bodyPr/>
-          <a:lstStyle/>
-          <a:p>
-            <a:r>
-              <a:rPr lang="en-US" dirty="0" smtClean="0"/>
-              <a:t>Good Idea: SQL Enlightenment</a:t>
-            </a:r>
-            <a:endParaRPr lang="en-US" dirty="0"/>
-          </a:p>
-        </p:txBody>
-      </p:sp>
-      <p:pic>
-        <p:nvPicPr>
-          <p:cNvPr id="4" name="Content Placeholder 3"/>
-          <p:cNvPicPr>
-            <a:picLocks noGrp="1" noChangeAspect="1"/>
-          </p:cNvPicPr>
-          <p:nvPr>
-            <p:ph idx="1"/>
-          </p:nvPr>
-        </p:nvPicPr>
-        <p:blipFill>
-          <a:blip r:embed="rId2"/>
-          <a:stretch>
-            <a:fillRect/>
-          </a:stretch>
-        </p:blipFill>
-        <p:spPr>
-          <a:xfrm>
-            <a:off x="3143250" y="2824956"/>
-            <a:ext cx="5905500" cy="2352675"/>
-          </a:xfrm>
-          <a:prstGeom prst="rect">
-            <a:avLst/>
-          </a:prstGeom>
-        </p:spPr>
-      </p:pic>
-    </p:spTree>
-    <p:extLst>
-      <p:ext uri="{BB962C8B-B14F-4D97-AF65-F5344CB8AC3E}">
-        <p14:creationId xmlns:p14="http://schemas.microsoft.com/office/powerpoint/2010/main" val="2982018092"/>
-      </p:ext>
-    </p:extLst>
-  </p:cSld>
-  <p:clrMapOvr>
-    <a:masterClrMapping/>
-  </p:clrMapOvr>
-  <p:timing>
-    <p:tnLst>
-      <p:par>
-        <p:cTn id="1" dur="indefinite" restart="never" nodeType="tmRoot"/>
-      </p:par>
-    </p:tnLst>
-  </p:timing>
-</p:sld>
-</file>
-
-<file path=ppt/slides/slide48.xml><?xml version="1.0" encoding="utf-8"?>
-<p:sld xmlns:a="http://schemas.openxmlformats.org/drawingml/2006/main" xmlns:r="http://schemas.openxmlformats.org/officeDocument/2006/relationships" xmlns:p="http://schemas.openxmlformats.org/presentationml/2006/main">
-  <p:cSld>
-    <p:spTree>
-      <p:nvGrpSpPr>
-        <p:cNvPr id="1" name=""/>
-        <p:cNvGrpSpPr/>
-        <p:nvPr/>
-      </p:nvGrpSpPr>
-      <p:grpSpPr>
-        <a:xfrm>
-          <a:off x="0" y="0"/>
-          <a:ext cx="0" cy="0"/>
-          <a:chOff x="0" y="0"/>
-          <a:chExt cx="0" cy="0"/>
-        </a:xfrm>
-      </p:grpSpPr>
-      <p:sp>
-        <p:nvSpPr>
-          <p:cNvPr id="2" name="Title 1"/>
-          <p:cNvSpPr>
-            <a:spLocks noGrp="1"/>
-          </p:cNvSpPr>
-          <p:nvPr>
-            <p:ph type="title"/>
-          </p:nvPr>
-        </p:nvSpPr>
-        <p:spPr/>
-        <p:txBody>
-          <a:bodyPr/>
-          <a:lstStyle/>
-          <a:p>
-            <a:r>
-              <a:rPr lang="en-US" dirty="0" smtClean="0"/>
-              <a:t>Good Idea: SQL Enlightenment</a:t>
-            </a:r>
-            <a:endParaRPr lang="en-US" dirty="0"/>
-          </a:p>
-        </p:txBody>
-      </p:sp>
-      <p:pic>
-        <p:nvPicPr>
-          <p:cNvPr id="4" name="Content Placeholder 3"/>
-          <p:cNvPicPr>
-            <a:picLocks noGrp="1" noChangeAspect="1"/>
-          </p:cNvPicPr>
-          <p:nvPr>
-            <p:ph idx="1"/>
-          </p:nvPr>
-        </p:nvPicPr>
-        <p:blipFill>
-          <a:blip r:embed="rId2"/>
-          <a:stretch>
-            <a:fillRect/>
-          </a:stretch>
-        </p:blipFill>
-        <p:spPr>
-          <a:xfrm>
-            <a:off x="838200" y="2266397"/>
-            <a:ext cx="10515600" cy="3469793"/>
-          </a:xfrm>
-          <a:prstGeom prst="rect">
-            <a:avLst/>
-          </a:prstGeom>
-        </p:spPr>
-      </p:pic>
-    </p:spTree>
-    <p:extLst>
-      <p:ext uri="{BB962C8B-B14F-4D97-AF65-F5344CB8AC3E}">
-        <p14:creationId xmlns:p14="http://schemas.microsoft.com/office/powerpoint/2010/main" val="2967677256"/>
-      </p:ext>
-    </p:extLst>
-  </p:cSld>
-  <p:clrMapOvr>
-    <a:masterClrMapping/>
-  </p:clrMapOvr>
-  <p:timing>
-    <p:tnLst>
-      <p:par>
-        <p:cTn id="1" dur="indefinite" restart="never" nodeType="tmRoot"/>
-      </p:par>
-    </p:tnLst>
-  </p:timing>
-</p:sld>
-</file>
-
-<file path=ppt/slides/slide49.xml><?xml version="1.0" encoding="utf-8"?>
-<p:sld xmlns:a="http://schemas.openxmlformats.org/drawingml/2006/main" xmlns:r="http://schemas.openxmlformats.org/officeDocument/2006/relationships" xmlns:p="http://schemas.openxmlformats.org/presentationml/2006/main">
-  <p:cSld>
-    <p:spTree>
-      <p:nvGrpSpPr>
-        <p:cNvPr id="1" name=""/>
-        <p:cNvGrpSpPr/>
-        <p:nvPr/>
-      </p:nvGrpSpPr>
-      <p:grpSpPr>
-        <a:xfrm>
-          <a:off x="0" y="0"/>
-          <a:ext cx="0" cy="0"/>
-          <a:chOff x="0" y="0"/>
-          <a:chExt cx="0" cy="0"/>
-        </a:xfrm>
-      </p:grpSpPr>
-      <p:sp>
-        <p:nvSpPr>
-          <p:cNvPr id="2" name="Title 1"/>
-          <p:cNvSpPr>
-            <a:spLocks noGrp="1"/>
-          </p:cNvSpPr>
-          <p:nvPr>
-            <p:ph type="title"/>
-          </p:nvPr>
-        </p:nvSpPr>
-        <p:spPr/>
-        <p:txBody>
-          <a:bodyPr/>
-          <a:lstStyle/>
-          <a:p>
-            <a:r>
-              <a:rPr lang="en-US" dirty="0" smtClean="0"/>
-              <a:t>Good Idea: SQL Enlightenment</a:t>
-            </a:r>
-            <a:endParaRPr lang="en-US" dirty="0"/>
-          </a:p>
-        </p:txBody>
-      </p:sp>
-      <p:pic>
-        <p:nvPicPr>
-          <p:cNvPr id="4" name="Content Placeholder 3"/>
-          <p:cNvPicPr>
-            <a:picLocks noGrp="1" noChangeAspect="1"/>
-          </p:cNvPicPr>
-          <p:nvPr>
-            <p:ph idx="1"/>
-          </p:nvPr>
-        </p:nvPicPr>
-        <p:blipFill>
-          <a:blip r:embed="rId2"/>
-          <a:stretch>
-            <a:fillRect/>
-          </a:stretch>
-        </p:blipFill>
-        <p:spPr>
-          <a:xfrm>
-            <a:off x="2686084" y="1825625"/>
-            <a:ext cx="6819832" cy="4351338"/>
-          </a:xfrm>
-          <a:prstGeom prst="rect">
-            <a:avLst/>
-          </a:prstGeom>
-        </p:spPr>
-      </p:pic>
-    </p:spTree>
-    <p:extLst>
-      <p:ext uri="{BB962C8B-B14F-4D97-AF65-F5344CB8AC3E}">
-        <p14:creationId xmlns:p14="http://schemas.microsoft.com/office/powerpoint/2010/main" val="2784056842"/>
-      </p:ext>
-    </p:extLst>
-  </p:cSld>
-  <p:clrMapOvr>
-    <a:masterClrMapping/>
-  </p:clrMapOvr>
-  <p:timing>
-    <p:tnLst>
-      <p:par>
-        <p:cTn id="1" dur="indefinite" restart="never" nodeType="tmRoot"/>
-      </p:par>
-    </p:tnLst>
-  </p:timing>
-</p:sld>
-</file>
-
-<file path=ppt/slides/slide5.xml><?xml version="1.0" encoding="utf-8"?>
-<p:sld xmlns:a="http://schemas.openxmlformats.org/drawingml/2006/main" xmlns:r="http://schemas.openxmlformats.org/officeDocument/2006/relationships" xmlns:p="http://schemas.openxmlformats.org/presentationml/2006/main">
-  <p:cSld>
-    <p:spTree>
-      <p:nvGrpSpPr>
-        <p:cNvPr id="1" name=""/>
-        <p:cNvGrpSpPr/>
-        <p:nvPr/>
-      </p:nvGrpSpPr>
-      <p:grpSpPr>
-        <a:xfrm>
-          <a:off x="0" y="0"/>
-          <a:ext cx="0" cy="0"/>
-          <a:chOff x="0" y="0"/>
-          <a:chExt cx="0" cy="0"/>
-        </a:xfrm>
-      </p:grpSpPr>
-      <p:sp>
-        <p:nvSpPr>
-          <p:cNvPr id="2" name="Title 1"/>
-          <p:cNvSpPr>
-            <a:spLocks noGrp="1"/>
-          </p:cNvSpPr>
-          <p:nvPr>
-            <p:ph type="title"/>
-          </p:nvPr>
-        </p:nvSpPr>
-        <p:spPr/>
-        <p:txBody>
-          <a:bodyPr/>
-          <a:lstStyle/>
-          <a:p>
-            <a:r>
-              <a:rPr lang="en-US" dirty="0" smtClean="0"/>
               <a:t>Data Source Patterns</a:t>
             </a:r>
             <a:endParaRPr lang="en-US" dirty="0"/>
@@ -8523,7 +7051,7 @@
         </p:blipFill>
         <p:spPr bwMode="auto">
           <a:xfrm>
-            <a:off x="2147094" y="3509169"/>
+            <a:off x="623096" y="3509169"/>
             <a:ext cx="2543175" cy="1676400"/>
           </a:xfrm>
           <a:prstGeom prst="rect">
@@ -8582,15 +7110,14 @@
               </a:ext>
             </a:extLst>
           </a:blip>
-          <a:srcRect/>
           <a:stretch>
             <a:fillRect/>
           </a:stretch>
         </p:blipFill>
         <p:spPr bwMode="auto">
           <a:xfrm>
-            <a:off x="6549231" y="3723481"/>
-            <a:ext cx="4429125" cy="1247775"/>
+            <a:off x="4629150" y="3799734"/>
+            <a:ext cx="3887788" cy="1095269"/>
           </a:xfrm>
           <a:prstGeom prst="rect">
             <a:avLst/>
@@ -8627,6 +7154,1085 @@
 </p:sld>
 </file>
 
+<file path=ppt/slides/slide40.xml><?xml version="1.0" encoding="utf-8"?>
+<p:sld xmlns:a="http://schemas.openxmlformats.org/drawingml/2006/main" xmlns:r="http://schemas.openxmlformats.org/officeDocument/2006/relationships" xmlns:p="http://schemas.openxmlformats.org/presentationml/2006/main">
+  <p:cSld>
+    <p:spTree>
+      <p:nvGrpSpPr>
+        <p:cNvPr id="1" name=""/>
+        <p:cNvGrpSpPr/>
+        <p:nvPr/>
+      </p:nvGrpSpPr>
+      <p:grpSpPr>
+        <a:xfrm>
+          <a:off x="0" y="0"/>
+          <a:ext cx="0" cy="0"/>
+          <a:chOff x="0" y="0"/>
+          <a:chExt cx="0" cy="0"/>
+        </a:xfrm>
+      </p:grpSpPr>
+      <p:sp>
+        <p:nvSpPr>
+          <p:cNvPr id="2" name="Title 1"/>
+          <p:cNvSpPr>
+            <a:spLocks noGrp="1"/>
+          </p:cNvSpPr>
+          <p:nvPr>
+            <p:ph type="title"/>
+          </p:nvPr>
+        </p:nvSpPr>
+        <p:spPr/>
+        <p:txBody>
+          <a:bodyPr/>
+          <a:lstStyle/>
+          <a:p>
+            <a:r>
+              <a:rPr lang="en-US" dirty="0" smtClean="0"/>
+              <a:t>Good Idea:</a:t>
+            </a:r>
+            <a:br>
+              <a:rPr lang="en-US" dirty="0" smtClean="0"/>
+            </a:br>
+            <a:r>
+              <a:rPr lang="en-US" dirty="0" smtClean="0"/>
+              <a:t>Commands and Queries</a:t>
+            </a:r>
+            <a:endParaRPr lang="en-US" dirty="0"/>
+          </a:p>
+        </p:txBody>
+      </p:sp>
+      <p:pic>
+        <p:nvPicPr>
+          <p:cNvPr id="4" name="Content Placeholder 3"/>
+          <p:cNvPicPr>
+            <a:picLocks noGrp="1" noChangeAspect="1"/>
+          </p:cNvPicPr>
+          <p:nvPr>
+            <p:ph idx="1"/>
+          </p:nvPr>
+        </p:nvPicPr>
+        <p:blipFill>
+          <a:blip r:embed="rId2"/>
+          <a:stretch>
+            <a:fillRect/>
+          </a:stretch>
+        </p:blipFill>
+        <p:spPr>
+          <a:xfrm>
+            <a:off x="628650" y="2427285"/>
+            <a:ext cx="7886700" cy="3148017"/>
+          </a:xfrm>
+          <a:prstGeom prst="rect">
+            <a:avLst/>
+          </a:prstGeom>
+        </p:spPr>
+      </p:pic>
+    </p:spTree>
+    <p:extLst>
+      <p:ext uri="{BB962C8B-B14F-4D97-AF65-F5344CB8AC3E}">
+        <p14:creationId xmlns:p14="http://schemas.microsoft.com/office/powerpoint/2010/main" val="46282006"/>
+      </p:ext>
+    </p:extLst>
+  </p:cSld>
+  <p:clrMapOvr>
+    <a:masterClrMapping/>
+  </p:clrMapOvr>
+  <p:timing>
+    <p:tnLst>
+      <p:par>
+        <p:cTn id="1" dur="indefinite" restart="never" nodeType="tmRoot"/>
+      </p:par>
+    </p:tnLst>
+  </p:timing>
+</p:sld>
+</file>
+
+<file path=ppt/slides/slide41.xml><?xml version="1.0" encoding="utf-8"?>
+<p:sld xmlns:a="http://schemas.openxmlformats.org/drawingml/2006/main" xmlns:r="http://schemas.openxmlformats.org/officeDocument/2006/relationships" xmlns:p="http://schemas.openxmlformats.org/presentationml/2006/main">
+  <p:cSld>
+    <p:spTree>
+      <p:nvGrpSpPr>
+        <p:cNvPr id="1" name=""/>
+        <p:cNvGrpSpPr/>
+        <p:nvPr/>
+      </p:nvGrpSpPr>
+      <p:grpSpPr>
+        <a:xfrm>
+          <a:off x="0" y="0"/>
+          <a:ext cx="0" cy="0"/>
+          <a:chOff x="0" y="0"/>
+          <a:chExt cx="0" cy="0"/>
+        </a:xfrm>
+      </p:grpSpPr>
+      <p:sp>
+        <p:nvSpPr>
+          <p:cNvPr id="2" name="Title 1"/>
+          <p:cNvSpPr>
+            <a:spLocks noGrp="1"/>
+          </p:cNvSpPr>
+          <p:nvPr>
+            <p:ph type="title"/>
+          </p:nvPr>
+        </p:nvSpPr>
+        <p:spPr/>
+        <p:txBody>
+          <a:bodyPr/>
+          <a:lstStyle/>
+          <a:p>
+            <a:r>
+              <a:rPr lang="en-US" dirty="0" smtClean="0"/>
+              <a:t>Good Idea:</a:t>
+            </a:r>
+            <a:br>
+              <a:rPr lang="en-US" dirty="0" smtClean="0"/>
+            </a:br>
+            <a:r>
+              <a:rPr lang="en-US" dirty="0" smtClean="0"/>
+              <a:t>Commands and Queries</a:t>
+            </a:r>
+            <a:endParaRPr lang="en-US" dirty="0"/>
+          </a:p>
+        </p:txBody>
+      </p:sp>
+      <p:pic>
+        <p:nvPicPr>
+          <p:cNvPr id="7" name="Content Placeholder 6"/>
+          <p:cNvPicPr>
+            <a:picLocks noGrp="1" noChangeAspect="1"/>
+          </p:cNvPicPr>
+          <p:nvPr>
+            <p:ph idx="1"/>
+          </p:nvPr>
+        </p:nvPicPr>
+        <p:blipFill>
+          <a:blip r:embed="rId2"/>
+          <a:stretch>
+            <a:fillRect/>
+          </a:stretch>
+        </p:blipFill>
+        <p:spPr>
+          <a:xfrm>
+            <a:off x="2430478" y="1825625"/>
+            <a:ext cx="4283043" cy="4351338"/>
+          </a:xfrm>
+          <a:prstGeom prst="rect">
+            <a:avLst/>
+          </a:prstGeom>
+        </p:spPr>
+      </p:pic>
+    </p:spTree>
+    <p:extLst>
+      <p:ext uri="{BB962C8B-B14F-4D97-AF65-F5344CB8AC3E}">
+        <p14:creationId xmlns:p14="http://schemas.microsoft.com/office/powerpoint/2010/main" val="788632804"/>
+      </p:ext>
+    </p:extLst>
+  </p:cSld>
+  <p:clrMapOvr>
+    <a:masterClrMapping/>
+  </p:clrMapOvr>
+  <p:timing>
+    <p:tnLst>
+      <p:par>
+        <p:cTn id="1" dur="indefinite" restart="never" nodeType="tmRoot"/>
+      </p:par>
+    </p:tnLst>
+  </p:timing>
+</p:sld>
+</file>
+
+<file path=ppt/slides/slide42.xml><?xml version="1.0" encoding="utf-8"?>
+<p:sld xmlns:a="http://schemas.openxmlformats.org/drawingml/2006/main" xmlns:r="http://schemas.openxmlformats.org/officeDocument/2006/relationships" xmlns:p="http://schemas.openxmlformats.org/presentationml/2006/main">
+  <p:cSld>
+    <p:spTree>
+      <p:nvGrpSpPr>
+        <p:cNvPr id="1" name=""/>
+        <p:cNvGrpSpPr/>
+        <p:nvPr/>
+      </p:nvGrpSpPr>
+      <p:grpSpPr>
+        <a:xfrm>
+          <a:off x="0" y="0"/>
+          <a:ext cx="0" cy="0"/>
+          <a:chOff x="0" y="0"/>
+          <a:chExt cx="0" cy="0"/>
+        </a:xfrm>
+      </p:grpSpPr>
+      <p:sp>
+        <p:nvSpPr>
+          <p:cNvPr id="2" name="Title 1"/>
+          <p:cNvSpPr>
+            <a:spLocks noGrp="1"/>
+          </p:cNvSpPr>
+          <p:nvPr>
+            <p:ph type="title"/>
+          </p:nvPr>
+        </p:nvSpPr>
+        <p:spPr/>
+        <p:txBody>
+          <a:bodyPr/>
+          <a:lstStyle/>
+          <a:p>
+            <a:r>
+              <a:rPr lang="en-US" dirty="0" smtClean="0"/>
+              <a:t>Good Idea:</a:t>
+            </a:r>
+            <a:br>
+              <a:rPr lang="en-US" dirty="0" smtClean="0"/>
+            </a:br>
+            <a:r>
+              <a:rPr lang="en-US" dirty="0" smtClean="0"/>
+              <a:t>Commands and Queries</a:t>
+            </a:r>
+            <a:endParaRPr lang="en-US" dirty="0"/>
+          </a:p>
+        </p:txBody>
+      </p:sp>
+      <p:pic>
+        <p:nvPicPr>
+          <p:cNvPr id="5" name="Content Placeholder 4"/>
+          <p:cNvPicPr>
+            <a:picLocks noGrp="1" noChangeAspect="1"/>
+          </p:cNvPicPr>
+          <p:nvPr>
+            <p:ph idx="1"/>
+          </p:nvPr>
+        </p:nvPicPr>
+        <p:blipFill>
+          <a:blip r:embed="rId2"/>
+          <a:stretch>
+            <a:fillRect/>
+          </a:stretch>
+        </p:blipFill>
+        <p:spPr>
+          <a:xfrm>
+            <a:off x="628650" y="3026502"/>
+            <a:ext cx="7886700" cy="1949583"/>
+          </a:xfrm>
+          <a:prstGeom prst="rect">
+            <a:avLst/>
+          </a:prstGeom>
+        </p:spPr>
+      </p:pic>
+    </p:spTree>
+    <p:extLst>
+      <p:ext uri="{BB962C8B-B14F-4D97-AF65-F5344CB8AC3E}">
+        <p14:creationId xmlns:p14="http://schemas.microsoft.com/office/powerpoint/2010/main" val="2122406355"/>
+      </p:ext>
+    </p:extLst>
+  </p:cSld>
+  <p:clrMapOvr>
+    <a:masterClrMapping/>
+  </p:clrMapOvr>
+  <p:timing>
+    <p:tnLst>
+      <p:par>
+        <p:cTn id="1" dur="indefinite" restart="never" nodeType="tmRoot"/>
+      </p:par>
+    </p:tnLst>
+  </p:timing>
+</p:sld>
+</file>
+
+<file path=ppt/slides/slide43.xml><?xml version="1.0" encoding="utf-8"?>
+<p:sld xmlns:a="http://schemas.openxmlformats.org/drawingml/2006/main" xmlns:r="http://schemas.openxmlformats.org/officeDocument/2006/relationships" xmlns:p="http://schemas.openxmlformats.org/presentationml/2006/main">
+  <p:cSld>
+    <p:spTree>
+      <p:nvGrpSpPr>
+        <p:cNvPr id="1" name=""/>
+        <p:cNvGrpSpPr/>
+        <p:nvPr/>
+      </p:nvGrpSpPr>
+      <p:grpSpPr>
+        <a:xfrm>
+          <a:off x="0" y="0"/>
+          <a:ext cx="0" cy="0"/>
+          <a:chOff x="0" y="0"/>
+          <a:chExt cx="0" cy="0"/>
+        </a:xfrm>
+      </p:grpSpPr>
+      <p:sp>
+        <p:nvSpPr>
+          <p:cNvPr id="2" name="Title 1"/>
+          <p:cNvSpPr>
+            <a:spLocks noGrp="1"/>
+          </p:cNvSpPr>
+          <p:nvPr>
+            <p:ph type="title"/>
+          </p:nvPr>
+        </p:nvSpPr>
+        <p:spPr/>
+        <p:txBody>
+          <a:bodyPr/>
+          <a:lstStyle/>
+          <a:p>
+            <a:r>
+              <a:rPr lang="en-US" dirty="0" smtClean="0"/>
+              <a:t>Bad Idea: Binding to Entities</a:t>
+            </a:r>
+            <a:endParaRPr lang="en-US" dirty="0"/>
+          </a:p>
+        </p:txBody>
+      </p:sp>
+      <p:pic>
+        <p:nvPicPr>
+          <p:cNvPr id="4" name="Content Placeholder 3"/>
+          <p:cNvPicPr>
+            <a:picLocks noGrp="1" noChangeAspect="1"/>
+          </p:cNvPicPr>
+          <p:nvPr>
+            <p:ph idx="1"/>
+          </p:nvPr>
+        </p:nvPicPr>
+        <p:blipFill>
+          <a:blip r:embed="rId2"/>
+          <a:stretch>
+            <a:fillRect/>
+          </a:stretch>
+        </p:blipFill>
+        <p:spPr>
+          <a:xfrm>
+            <a:off x="746719" y="1825625"/>
+            <a:ext cx="7650561" cy="4351338"/>
+          </a:xfrm>
+          <a:prstGeom prst="rect">
+            <a:avLst/>
+          </a:prstGeom>
+        </p:spPr>
+      </p:pic>
+    </p:spTree>
+    <p:extLst>
+      <p:ext uri="{BB962C8B-B14F-4D97-AF65-F5344CB8AC3E}">
+        <p14:creationId xmlns:p14="http://schemas.microsoft.com/office/powerpoint/2010/main" val="2874687232"/>
+      </p:ext>
+    </p:extLst>
+  </p:cSld>
+  <p:clrMapOvr>
+    <a:masterClrMapping/>
+  </p:clrMapOvr>
+  <p:timing>
+    <p:tnLst>
+      <p:par>
+        <p:cTn id="1" dur="indefinite" restart="never" nodeType="tmRoot"/>
+      </p:par>
+    </p:tnLst>
+  </p:timing>
+</p:sld>
+</file>
+
+<file path=ppt/slides/slide44.xml><?xml version="1.0" encoding="utf-8"?>
+<p:sld xmlns:a="http://schemas.openxmlformats.org/drawingml/2006/main" xmlns:r="http://schemas.openxmlformats.org/officeDocument/2006/relationships" xmlns:p="http://schemas.openxmlformats.org/presentationml/2006/main">
+  <p:cSld>
+    <p:spTree>
+      <p:nvGrpSpPr>
+        <p:cNvPr id="1" name=""/>
+        <p:cNvGrpSpPr/>
+        <p:nvPr/>
+      </p:nvGrpSpPr>
+      <p:grpSpPr>
+        <a:xfrm>
+          <a:off x="0" y="0"/>
+          <a:ext cx="0" cy="0"/>
+          <a:chOff x="0" y="0"/>
+          <a:chExt cx="0" cy="0"/>
+        </a:xfrm>
+      </p:grpSpPr>
+      <p:sp>
+        <p:nvSpPr>
+          <p:cNvPr id="2" name="Title 1"/>
+          <p:cNvSpPr>
+            <a:spLocks noGrp="1"/>
+          </p:cNvSpPr>
+          <p:nvPr>
+            <p:ph type="title"/>
+          </p:nvPr>
+        </p:nvSpPr>
+        <p:spPr/>
+        <p:txBody>
+          <a:bodyPr/>
+          <a:lstStyle/>
+          <a:p>
+            <a:r>
+              <a:rPr lang="en-US" dirty="0" smtClean="0"/>
+              <a:t>Good Idea: Bind to DTOs</a:t>
+            </a:r>
+            <a:endParaRPr lang="en-US" dirty="0"/>
+          </a:p>
+        </p:txBody>
+      </p:sp>
+      <p:pic>
+        <p:nvPicPr>
+          <p:cNvPr id="4" name="Content Placeholder 3"/>
+          <p:cNvPicPr>
+            <a:picLocks noGrp="1" noChangeAspect="1"/>
+          </p:cNvPicPr>
+          <p:nvPr>
+            <p:ph idx="1"/>
+          </p:nvPr>
+        </p:nvPicPr>
+        <p:blipFill>
+          <a:blip r:embed="rId2"/>
+          <a:stretch>
+            <a:fillRect/>
+          </a:stretch>
+        </p:blipFill>
+        <p:spPr>
+          <a:xfrm>
+            <a:off x="1355192" y="1825625"/>
+            <a:ext cx="6433615" cy="4351338"/>
+          </a:xfrm>
+          <a:prstGeom prst="rect">
+            <a:avLst/>
+          </a:prstGeom>
+        </p:spPr>
+      </p:pic>
+    </p:spTree>
+    <p:extLst>
+      <p:ext uri="{BB962C8B-B14F-4D97-AF65-F5344CB8AC3E}">
+        <p14:creationId xmlns:p14="http://schemas.microsoft.com/office/powerpoint/2010/main" val="3306291573"/>
+      </p:ext>
+    </p:extLst>
+  </p:cSld>
+  <p:clrMapOvr>
+    <a:masterClrMapping/>
+  </p:clrMapOvr>
+  <p:timing>
+    <p:tnLst>
+      <p:par>
+        <p:cTn id="1" dur="indefinite" restart="never" nodeType="tmRoot"/>
+      </p:par>
+    </p:tnLst>
+  </p:timing>
+</p:sld>
+</file>
+
+<file path=ppt/slides/slide45.xml><?xml version="1.0" encoding="utf-8"?>
+<p:sld xmlns:a="http://schemas.openxmlformats.org/drawingml/2006/main" xmlns:r="http://schemas.openxmlformats.org/officeDocument/2006/relationships" xmlns:p="http://schemas.openxmlformats.org/presentationml/2006/main">
+  <p:cSld>
+    <p:spTree>
+      <p:nvGrpSpPr>
+        <p:cNvPr id="1" name=""/>
+        <p:cNvGrpSpPr/>
+        <p:nvPr/>
+      </p:nvGrpSpPr>
+      <p:grpSpPr>
+        <a:xfrm>
+          <a:off x="0" y="0"/>
+          <a:ext cx="0" cy="0"/>
+          <a:chOff x="0" y="0"/>
+          <a:chExt cx="0" cy="0"/>
+        </a:xfrm>
+      </p:grpSpPr>
+      <p:sp>
+        <p:nvSpPr>
+          <p:cNvPr id="2" name="Title 1"/>
+          <p:cNvSpPr>
+            <a:spLocks noGrp="1"/>
+          </p:cNvSpPr>
+          <p:nvPr>
+            <p:ph type="title"/>
+          </p:nvPr>
+        </p:nvSpPr>
+        <p:spPr/>
+        <p:txBody>
+          <a:bodyPr/>
+          <a:lstStyle/>
+          <a:p>
+            <a:r>
+              <a:rPr lang="en-US" dirty="0" smtClean="0"/>
+              <a:t>Bad Idea: SQL Ignorance</a:t>
+            </a:r>
+            <a:endParaRPr lang="en-US" dirty="0"/>
+          </a:p>
+        </p:txBody>
+      </p:sp>
+      <p:pic>
+        <p:nvPicPr>
+          <p:cNvPr id="4" name="Content Placeholder 3"/>
+          <p:cNvPicPr>
+            <a:picLocks noGrp="1" noChangeAspect="1"/>
+          </p:cNvPicPr>
+          <p:nvPr>
+            <p:ph idx="1"/>
+          </p:nvPr>
+        </p:nvPicPr>
+        <p:blipFill>
+          <a:blip r:embed="rId2"/>
+          <a:stretch>
+            <a:fillRect/>
+          </a:stretch>
+        </p:blipFill>
+        <p:spPr>
+          <a:xfrm>
+            <a:off x="2023158" y="1825625"/>
+            <a:ext cx="5097684" cy="4351338"/>
+          </a:xfrm>
+          <a:prstGeom prst="rect">
+            <a:avLst/>
+          </a:prstGeom>
+        </p:spPr>
+      </p:pic>
+    </p:spTree>
+    <p:extLst>
+      <p:ext uri="{BB962C8B-B14F-4D97-AF65-F5344CB8AC3E}">
+        <p14:creationId xmlns:p14="http://schemas.microsoft.com/office/powerpoint/2010/main" val="3932293493"/>
+      </p:ext>
+    </p:extLst>
+  </p:cSld>
+  <p:clrMapOvr>
+    <a:masterClrMapping/>
+  </p:clrMapOvr>
+  <p:timing>
+    <p:tnLst>
+      <p:par>
+        <p:cTn id="1" dur="indefinite" restart="never" nodeType="tmRoot"/>
+      </p:par>
+    </p:tnLst>
+  </p:timing>
+</p:sld>
+</file>
+
+<file path=ppt/slides/slide46.xml><?xml version="1.0" encoding="utf-8"?>
+<p:sld xmlns:a="http://schemas.openxmlformats.org/drawingml/2006/main" xmlns:r="http://schemas.openxmlformats.org/officeDocument/2006/relationships" xmlns:p="http://schemas.openxmlformats.org/presentationml/2006/main">
+  <p:cSld>
+    <p:spTree>
+      <p:nvGrpSpPr>
+        <p:cNvPr id="1" name=""/>
+        <p:cNvGrpSpPr/>
+        <p:nvPr/>
+      </p:nvGrpSpPr>
+      <p:grpSpPr>
+        <a:xfrm>
+          <a:off x="0" y="0"/>
+          <a:ext cx="0" cy="0"/>
+          <a:chOff x="0" y="0"/>
+          <a:chExt cx="0" cy="0"/>
+        </a:xfrm>
+      </p:grpSpPr>
+      <p:sp>
+        <p:nvSpPr>
+          <p:cNvPr id="2" name="Title 1"/>
+          <p:cNvSpPr>
+            <a:spLocks noGrp="1"/>
+          </p:cNvSpPr>
+          <p:nvPr>
+            <p:ph type="title"/>
+          </p:nvPr>
+        </p:nvSpPr>
+        <p:spPr/>
+        <p:txBody>
+          <a:bodyPr/>
+          <a:lstStyle/>
+          <a:p>
+            <a:r>
+              <a:rPr lang="en-US" dirty="0" smtClean="0"/>
+              <a:t>Good Idea: SQL Enlightenment</a:t>
+            </a:r>
+            <a:endParaRPr lang="en-US" dirty="0"/>
+          </a:p>
+        </p:txBody>
+      </p:sp>
+      <p:pic>
+        <p:nvPicPr>
+          <p:cNvPr id="4" name="Content Placeholder 3"/>
+          <p:cNvPicPr>
+            <a:picLocks noGrp="1" noChangeAspect="1"/>
+          </p:cNvPicPr>
+          <p:nvPr>
+            <p:ph idx="1"/>
+          </p:nvPr>
+        </p:nvPicPr>
+        <p:blipFill>
+          <a:blip r:embed="rId2"/>
+          <a:stretch>
+            <a:fillRect/>
+          </a:stretch>
+        </p:blipFill>
+        <p:spPr>
+          <a:xfrm>
+            <a:off x="1619250" y="2824956"/>
+            <a:ext cx="5905500" cy="2352675"/>
+          </a:xfrm>
+          <a:prstGeom prst="rect">
+            <a:avLst/>
+          </a:prstGeom>
+        </p:spPr>
+      </p:pic>
+    </p:spTree>
+    <p:extLst>
+      <p:ext uri="{BB962C8B-B14F-4D97-AF65-F5344CB8AC3E}">
+        <p14:creationId xmlns:p14="http://schemas.microsoft.com/office/powerpoint/2010/main" val="2982018092"/>
+      </p:ext>
+    </p:extLst>
+  </p:cSld>
+  <p:clrMapOvr>
+    <a:masterClrMapping/>
+  </p:clrMapOvr>
+  <p:timing>
+    <p:tnLst>
+      <p:par>
+        <p:cTn id="1" dur="indefinite" restart="never" nodeType="tmRoot"/>
+      </p:par>
+    </p:tnLst>
+  </p:timing>
+</p:sld>
+</file>
+
+<file path=ppt/slides/slide47.xml><?xml version="1.0" encoding="utf-8"?>
+<p:sld xmlns:a="http://schemas.openxmlformats.org/drawingml/2006/main" xmlns:r="http://schemas.openxmlformats.org/officeDocument/2006/relationships" xmlns:p="http://schemas.openxmlformats.org/presentationml/2006/main">
+  <p:cSld>
+    <p:spTree>
+      <p:nvGrpSpPr>
+        <p:cNvPr id="1" name=""/>
+        <p:cNvGrpSpPr/>
+        <p:nvPr/>
+      </p:nvGrpSpPr>
+      <p:grpSpPr>
+        <a:xfrm>
+          <a:off x="0" y="0"/>
+          <a:ext cx="0" cy="0"/>
+          <a:chOff x="0" y="0"/>
+          <a:chExt cx="0" cy="0"/>
+        </a:xfrm>
+      </p:grpSpPr>
+      <p:sp>
+        <p:nvSpPr>
+          <p:cNvPr id="2" name="Title 1"/>
+          <p:cNvSpPr>
+            <a:spLocks noGrp="1"/>
+          </p:cNvSpPr>
+          <p:nvPr>
+            <p:ph type="title"/>
+          </p:nvPr>
+        </p:nvSpPr>
+        <p:spPr/>
+        <p:txBody>
+          <a:bodyPr/>
+          <a:lstStyle/>
+          <a:p>
+            <a:r>
+              <a:rPr lang="en-US" dirty="0" smtClean="0"/>
+              <a:t>Good Idea: SQL Enlightenment</a:t>
+            </a:r>
+            <a:endParaRPr lang="en-US" dirty="0"/>
+          </a:p>
+        </p:txBody>
+      </p:sp>
+      <p:pic>
+        <p:nvPicPr>
+          <p:cNvPr id="4" name="Content Placeholder 3"/>
+          <p:cNvPicPr>
+            <a:picLocks noGrp="1" noChangeAspect="1"/>
+          </p:cNvPicPr>
+          <p:nvPr>
+            <p:ph idx="1"/>
+          </p:nvPr>
+        </p:nvPicPr>
+        <p:blipFill>
+          <a:blip r:embed="rId2"/>
+          <a:stretch>
+            <a:fillRect/>
+          </a:stretch>
+        </p:blipFill>
+        <p:spPr>
+          <a:xfrm>
+            <a:off x="628650" y="2700121"/>
+            <a:ext cx="7886700" cy="2602345"/>
+          </a:xfrm>
+          <a:prstGeom prst="rect">
+            <a:avLst/>
+          </a:prstGeom>
+        </p:spPr>
+      </p:pic>
+    </p:spTree>
+    <p:extLst>
+      <p:ext uri="{BB962C8B-B14F-4D97-AF65-F5344CB8AC3E}">
+        <p14:creationId xmlns:p14="http://schemas.microsoft.com/office/powerpoint/2010/main" val="2967677256"/>
+      </p:ext>
+    </p:extLst>
+  </p:cSld>
+  <p:clrMapOvr>
+    <a:masterClrMapping/>
+  </p:clrMapOvr>
+  <p:timing>
+    <p:tnLst>
+      <p:par>
+        <p:cTn id="1" dur="indefinite" restart="never" nodeType="tmRoot"/>
+      </p:par>
+    </p:tnLst>
+  </p:timing>
+</p:sld>
+</file>
+
+<file path=ppt/slides/slide48.xml><?xml version="1.0" encoding="utf-8"?>
+<p:sld xmlns:a="http://schemas.openxmlformats.org/drawingml/2006/main" xmlns:r="http://schemas.openxmlformats.org/officeDocument/2006/relationships" xmlns:p="http://schemas.openxmlformats.org/presentationml/2006/main">
+  <p:cSld>
+    <p:spTree>
+      <p:nvGrpSpPr>
+        <p:cNvPr id="1" name=""/>
+        <p:cNvGrpSpPr/>
+        <p:nvPr/>
+      </p:nvGrpSpPr>
+      <p:grpSpPr>
+        <a:xfrm>
+          <a:off x="0" y="0"/>
+          <a:ext cx="0" cy="0"/>
+          <a:chOff x="0" y="0"/>
+          <a:chExt cx="0" cy="0"/>
+        </a:xfrm>
+      </p:grpSpPr>
+      <p:sp>
+        <p:nvSpPr>
+          <p:cNvPr id="2" name="Title 1"/>
+          <p:cNvSpPr>
+            <a:spLocks noGrp="1"/>
+          </p:cNvSpPr>
+          <p:nvPr>
+            <p:ph type="title"/>
+          </p:nvPr>
+        </p:nvSpPr>
+        <p:spPr/>
+        <p:txBody>
+          <a:bodyPr/>
+          <a:lstStyle/>
+          <a:p>
+            <a:r>
+              <a:rPr lang="en-US" dirty="0" smtClean="0"/>
+              <a:t>Good Idea: SQL Enlightenment</a:t>
+            </a:r>
+            <a:endParaRPr lang="en-US" dirty="0"/>
+          </a:p>
+        </p:txBody>
+      </p:sp>
+      <p:pic>
+        <p:nvPicPr>
+          <p:cNvPr id="4" name="Content Placeholder 3"/>
+          <p:cNvPicPr>
+            <a:picLocks noGrp="1" noChangeAspect="1"/>
+          </p:cNvPicPr>
+          <p:nvPr>
+            <p:ph idx="1"/>
+          </p:nvPr>
+        </p:nvPicPr>
+        <p:blipFill>
+          <a:blip r:embed="rId2"/>
+          <a:stretch>
+            <a:fillRect/>
+          </a:stretch>
+        </p:blipFill>
+        <p:spPr>
+          <a:xfrm>
+            <a:off x="1162084" y="1825625"/>
+            <a:ext cx="6819832" cy="4351338"/>
+          </a:xfrm>
+          <a:prstGeom prst="rect">
+            <a:avLst/>
+          </a:prstGeom>
+        </p:spPr>
+      </p:pic>
+    </p:spTree>
+    <p:extLst>
+      <p:ext uri="{BB962C8B-B14F-4D97-AF65-F5344CB8AC3E}">
+        <p14:creationId xmlns:p14="http://schemas.microsoft.com/office/powerpoint/2010/main" val="2784056842"/>
+      </p:ext>
+    </p:extLst>
+  </p:cSld>
+  <p:clrMapOvr>
+    <a:masterClrMapping/>
+  </p:clrMapOvr>
+  <p:timing>
+    <p:tnLst>
+      <p:par>
+        <p:cTn id="1" dur="indefinite" restart="never" nodeType="tmRoot"/>
+      </p:par>
+    </p:tnLst>
+  </p:timing>
+</p:sld>
+</file>
+
+<file path=ppt/slides/slide49.xml><?xml version="1.0" encoding="utf-8"?>
+<p:sld xmlns:a="http://schemas.openxmlformats.org/drawingml/2006/main" xmlns:r="http://schemas.openxmlformats.org/officeDocument/2006/relationships" xmlns:p="http://schemas.openxmlformats.org/presentationml/2006/main">
+  <p:cSld>
+    <p:spTree>
+      <p:nvGrpSpPr>
+        <p:cNvPr id="1" name=""/>
+        <p:cNvGrpSpPr/>
+        <p:nvPr/>
+      </p:nvGrpSpPr>
+      <p:grpSpPr>
+        <a:xfrm>
+          <a:off x="0" y="0"/>
+          <a:ext cx="0" cy="0"/>
+          <a:chOff x="0" y="0"/>
+          <a:chExt cx="0" cy="0"/>
+        </a:xfrm>
+      </p:grpSpPr>
+      <p:sp>
+        <p:nvSpPr>
+          <p:cNvPr id="2" name="Title 1"/>
+          <p:cNvSpPr>
+            <a:spLocks noGrp="1"/>
+          </p:cNvSpPr>
+          <p:nvPr>
+            <p:ph type="title"/>
+          </p:nvPr>
+        </p:nvSpPr>
+        <p:spPr/>
+        <p:txBody>
+          <a:bodyPr/>
+          <a:lstStyle/>
+          <a:p>
+            <a:r>
+              <a:rPr lang="en-US" dirty="0" smtClean="0"/>
+              <a:t>Bad Idea:</a:t>
+            </a:r>
+            <a:br>
+              <a:rPr lang="en-US" dirty="0" smtClean="0"/>
+            </a:br>
+            <a:r>
+              <a:rPr lang="en-US" dirty="0" smtClean="0"/>
+              <a:t>Implicit Transactions</a:t>
+            </a:r>
+            <a:endParaRPr lang="en-US" dirty="0"/>
+          </a:p>
+        </p:txBody>
+      </p:sp>
+      <p:pic>
+        <p:nvPicPr>
+          <p:cNvPr id="6" name="Content Placeholder 5"/>
+          <p:cNvPicPr>
+            <a:picLocks noGrp="1" noChangeAspect="1"/>
+          </p:cNvPicPr>
+          <p:nvPr>
+            <p:ph idx="1"/>
+          </p:nvPr>
+        </p:nvPicPr>
+        <p:blipFill>
+          <a:blip r:embed="rId2"/>
+          <a:stretch>
+            <a:fillRect/>
+          </a:stretch>
+        </p:blipFill>
+        <p:spPr>
+          <a:xfrm>
+            <a:off x="1251986" y="1825625"/>
+            <a:ext cx="6640028" cy="4351338"/>
+          </a:xfrm>
+          <a:prstGeom prst="rect">
+            <a:avLst/>
+          </a:prstGeom>
+        </p:spPr>
+      </p:pic>
+    </p:spTree>
+    <p:extLst>
+      <p:ext uri="{BB962C8B-B14F-4D97-AF65-F5344CB8AC3E}">
+        <p14:creationId xmlns:p14="http://schemas.microsoft.com/office/powerpoint/2010/main" val="2155082430"/>
+      </p:ext>
+    </p:extLst>
+  </p:cSld>
+  <p:clrMapOvr>
+    <a:masterClrMapping/>
+  </p:clrMapOvr>
+  <p:timing>
+    <p:tnLst>
+      <p:par>
+        <p:cTn id="1" dur="indefinite" restart="never" nodeType="tmRoot"/>
+      </p:par>
+    </p:tnLst>
+  </p:timing>
+</p:sld>
+</file>
+
+<file path=ppt/slides/slide5.xml><?xml version="1.0" encoding="utf-8"?>
+<p:sld xmlns:a="http://schemas.openxmlformats.org/drawingml/2006/main" xmlns:r="http://schemas.openxmlformats.org/officeDocument/2006/relationships" xmlns:p="http://schemas.openxmlformats.org/presentationml/2006/main">
+  <p:cSld>
+    <p:spTree>
+      <p:nvGrpSpPr>
+        <p:cNvPr id="1" name=""/>
+        <p:cNvGrpSpPr/>
+        <p:nvPr/>
+      </p:nvGrpSpPr>
+      <p:grpSpPr>
+        <a:xfrm>
+          <a:off x="0" y="0"/>
+          <a:ext cx="0" cy="0"/>
+          <a:chOff x="0" y="0"/>
+          <a:chExt cx="0" cy="0"/>
+        </a:xfrm>
+      </p:grpSpPr>
+      <p:sp>
+        <p:nvSpPr>
+          <p:cNvPr id="2" name="Title 1"/>
+          <p:cNvSpPr>
+            <a:spLocks noGrp="1"/>
+          </p:cNvSpPr>
+          <p:nvPr>
+            <p:ph type="title"/>
+          </p:nvPr>
+        </p:nvSpPr>
+        <p:spPr/>
+        <p:txBody>
+          <a:bodyPr/>
+          <a:lstStyle/>
+          <a:p>
+            <a:r>
+              <a:rPr lang="en-US" dirty="0" smtClean="0"/>
+              <a:t>Behavioral Patterns</a:t>
+            </a:r>
+            <a:endParaRPr lang="en-US" dirty="0"/>
+          </a:p>
+        </p:txBody>
+      </p:sp>
+      <p:sp>
+        <p:nvSpPr>
+          <p:cNvPr id="3" name="Text Placeholder 2"/>
+          <p:cNvSpPr>
+            <a:spLocks noGrp="1"/>
+          </p:cNvSpPr>
+          <p:nvPr>
+            <p:ph type="body" idx="1"/>
+          </p:nvPr>
+        </p:nvSpPr>
+        <p:spPr/>
+        <p:txBody>
+          <a:bodyPr/>
+          <a:lstStyle/>
+          <a:p>
+            <a:r>
+              <a:rPr lang="en-US" dirty="0" smtClean="0"/>
+              <a:t>Unit of Work</a:t>
+            </a:r>
+            <a:endParaRPr lang="en-US" dirty="0"/>
+          </a:p>
+        </p:txBody>
+      </p:sp>
+      <p:pic>
+        <p:nvPicPr>
+          <p:cNvPr id="1026" name="Picture 2" descr="http://martinfowler.com/eaaCatalog/unitOfWorkInterface.gif"/>
+          <p:cNvPicPr>
+            <a:picLocks noGrp="1" noChangeAspect="1" noChangeArrowheads="1"/>
+          </p:cNvPicPr>
+          <p:nvPr>
+            <p:ph sz="half" idx="2"/>
+          </p:nvPr>
+        </p:nvPicPr>
+        <p:blipFill>
+          <a:blip r:embed="rId2">
+            <a:extLst>
+              <a:ext uri="{28A0092B-C50C-407E-A947-70E740481C1C}">
+                <a14:useLocalDpi xmlns:a14="http://schemas.microsoft.com/office/drawing/2010/main" val="0"/>
+              </a:ext>
+            </a:extLst>
+          </a:blip>
+          <a:srcRect/>
+          <a:stretch>
+            <a:fillRect/>
+          </a:stretch>
+        </p:blipFill>
+        <p:spPr bwMode="auto">
+          <a:xfrm>
+            <a:off x="1142207" y="3680619"/>
+            <a:ext cx="1504951" cy="1333500"/>
+          </a:xfrm>
+          <a:prstGeom prst="rect">
+            <a:avLst/>
+          </a:prstGeom>
+          <a:noFill/>
+          <a:extLst>
+            <a:ext uri="{909E8E84-426E-40DD-AFC4-6F175D3DCCD1}">
+              <a14:hiddenFill xmlns:a14="http://schemas.microsoft.com/office/drawing/2010/main">
+                <a:solidFill>
+                  <a:srgbClr val="FFFFFF"/>
+                </a:solidFill>
+              </a14:hiddenFill>
+            </a:ext>
+          </a:extLst>
+        </p:spPr>
+      </p:pic>
+      <p:sp>
+        <p:nvSpPr>
+          <p:cNvPr id="5" name="Text Placeholder 4"/>
+          <p:cNvSpPr>
+            <a:spLocks noGrp="1"/>
+          </p:cNvSpPr>
+          <p:nvPr>
+            <p:ph type="body" sz="quarter" idx="3"/>
+          </p:nvPr>
+        </p:nvSpPr>
+        <p:spPr/>
+        <p:txBody>
+          <a:bodyPr/>
+          <a:lstStyle/>
+          <a:p>
+            <a:r>
+              <a:rPr lang="en-US" dirty="0" smtClean="0"/>
+              <a:t>Identity Map</a:t>
+            </a:r>
+            <a:endParaRPr lang="en-US" dirty="0"/>
+          </a:p>
+        </p:txBody>
+      </p:sp>
+      <p:pic>
+        <p:nvPicPr>
+          <p:cNvPr id="1028" name="Picture 4" descr="http://martinfowler.com/eaaCatalog/idMapperSketch.gif"/>
+          <p:cNvPicPr>
+            <a:picLocks noGrp="1" noChangeAspect="1" noChangeArrowheads="1"/>
+          </p:cNvPicPr>
+          <p:nvPr>
+            <p:ph sz="quarter" idx="4"/>
+          </p:nvPr>
+        </p:nvPicPr>
+        <p:blipFill>
+          <a:blip r:embed="rId3">
+            <a:extLst>
+              <a:ext uri="{28A0092B-C50C-407E-A947-70E740481C1C}">
+                <a14:useLocalDpi xmlns:a14="http://schemas.microsoft.com/office/drawing/2010/main" val="0"/>
+              </a:ext>
+            </a:extLst>
+          </a:blip>
+          <a:stretch>
+            <a:fillRect/>
+          </a:stretch>
+        </p:blipFill>
+        <p:spPr bwMode="auto">
+          <a:xfrm>
+            <a:off x="4629150" y="3482518"/>
+            <a:ext cx="3887788" cy="1729701"/>
+          </a:xfrm>
+          <a:prstGeom prst="rect">
+            <a:avLst/>
+          </a:prstGeom>
+          <a:noFill/>
+          <a:extLst>
+            <a:ext uri="{909E8E84-426E-40DD-AFC4-6F175D3DCCD1}">
+              <a14:hiddenFill xmlns:a14="http://schemas.microsoft.com/office/drawing/2010/main">
+                <a:solidFill>
+                  <a:srgbClr val="FFFFFF"/>
+                </a:solidFill>
+              </a14:hiddenFill>
+            </a:ext>
+          </a:extLst>
+        </p:spPr>
+      </p:pic>
+    </p:spTree>
+    <p:extLst>
+      <p:ext uri="{BB962C8B-B14F-4D97-AF65-F5344CB8AC3E}">
+        <p14:creationId xmlns:p14="http://schemas.microsoft.com/office/powerpoint/2010/main" val="2242429708"/>
+      </p:ext>
+    </p:extLst>
+  </p:cSld>
+  <p:clrMapOvr>
+    <a:masterClrMapping/>
+  </p:clrMapOvr>
+  <p:timing>
+    <p:tnLst>
+      <p:par>
+        <p:cTn id="1" dur="indefinite" restart="never" nodeType="tmRoot"/>
+      </p:par>
+    </p:tnLst>
+  </p:timing>
+</p:sld>
+</file>
+
 <file path=ppt/slides/slide50.xml><?xml version="1.0" encoding="utf-8"?>
 <p:sld xmlns:a="http://schemas.openxmlformats.org/drawingml/2006/main" xmlns:r="http://schemas.openxmlformats.org/officeDocument/2006/relationships" xmlns:p="http://schemas.openxmlformats.org/presentationml/2006/main">
   <p:cSld>
@@ -8661,14 +8267,14 @@
           <a:p>
             <a:r>
               <a:rPr lang="en-US" dirty="0" smtClean="0"/>
-              <a:t>Bad Idea:</a:t>
+              <a:t>Good Idea:</a:t>
             </a:r>
             <a:br>
               <a:rPr lang="en-US" dirty="0" smtClean="0"/>
             </a:br>
             <a:r>
               <a:rPr lang="en-US" dirty="0" smtClean="0"/>
-              <a:t>Implicit Transactions</a:t>
+              <a:t>Explicit Transactions</a:t>
             </a:r>
             <a:endParaRPr lang="en-US" dirty="0"/>
           </a:p>
@@ -8676,7 +8282,7 @@
       </p:sp>
       <p:pic>
         <p:nvPicPr>
-          <p:cNvPr id="6" name="Content Placeholder 5"/>
+          <p:cNvPr id="4" name="Content Placeholder 3"/>
           <p:cNvPicPr>
             <a:picLocks noGrp="1" noChangeAspect="1"/>
           </p:cNvPicPr>
@@ -8692,8 +8298,8 @@
         </p:blipFill>
         <p:spPr>
           <a:xfrm>
-            <a:off x="2775986" y="1825625"/>
-            <a:ext cx="6640028" cy="4351338"/>
+            <a:off x="1619700" y="1825625"/>
+            <a:ext cx="5904600" cy="4351338"/>
           </a:xfrm>
           <a:prstGeom prst="rect">
             <a:avLst/>
@@ -8703,7 +8309,7 @@
     </p:spTree>
     <p:extLst>
       <p:ext uri="{BB962C8B-B14F-4D97-AF65-F5344CB8AC3E}">
-        <p14:creationId xmlns:p14="http://schemas.microsoft.com/office/powerpoint/2010/main" val="2155082430"/>
+        <p14:creationId xmlns:p14="http://schemas.microsoft.com/office/powerpoint/2010/main" val="3067291498"/>
       </p:ext>
     </p:extLst>
   </p:cSld>
@@ -8754,14 +8360,7 @@
           <a:p>
             <a:r>
               <a:rPr lang="en-US" dirty="0" smtClean="0"/>
-              <a:t>Good Idea:</a:t>
-            </a:r>
-            <a:br>
-              <a:rPr lang="en-US" dirty="0" smtClean="0"/>
-            </a:br>
-            <a:r>
-              <a:rPr lang="en-US" dirty="0" smtClean="0"/>
-              <a:t>Explicit Transactions</a:t>
+              <a:t>Bad Idea: Too Many Contexts</a:t>
             </a:r>
             <a:endParaRPr lang="en-US" dirty="0"/>
           </a:p>
@@ -8785,8 +8384,8 @@
         </p:blipFill>
         <p:spPr>
           <a:xfrm>
-            <a:off x="3143700" y="1825625"/>
-            <a:ext cx="5904600" cy="4351338"/>
+            <a:off x="628650" y="2469059"/>
+            <a:ext cx="7886700" cy="3064470"/>
           </a:xfrm>
           <a:prstGeom prst="rect">
             <a:avLst/>
@@ -8796,7 +8395,7 @@
     </p:spTree>
     <p:extLst>
       <p:ext uri="{BB962C8B-B14F-4D97-AF65-F5344CB8AC3E}">
-        <p14:creationId xmlns:p14="http://schemas.microsoft.com/office/powerpoint/2010/main" val="3067291498"/>
+        <p14:creationId xmlns:p14="http://schemas.microsoft.com/office/powerpoint/2010/main" val="2484067786"/>
       </p:ext>
     </p:extLst>
   </p:cSld>
@@ -8847,7 +8446,7 @@
           <a:p>
             <a:r>
               <a:rPr lang="en-US" dirty="0" smtClean="0"/>
-              <a:t>Bad Idea: Too Many Contexts</a:t>
+              <a:t>Good Idea: Context Per Request</a:t>
             </a:r>
             <a:endParaRPr lang="en-US" dirty="0"/>
           </a:p>
@@ -8871,8 +8470,8 @@
         </p:blipFill>
         <p:spPr>
           <a:xfrm>
-            <a:off x="838200" y="1958314"/>
-            <a:ext cx="10515600" cy="4085960"/>
+            <a:off x="907520" y="1825625"/>
+            <a:ext cx="7328960" cy="4351338"/>
           </a:xfrm>
           <a:prstGeom prst="rect">
             <a:avLst/>
@@ -8882,7 +8481,7 @@
     </p:spTree>
     <p:extLst>
       <p:ext uri="{BB962C8B-B14F-4D97-AF65-F5344CB8AC3E}">
-        <p14:creationId xmlns:p14="http://schemas.microsoft.com/office/powerpoint/2010/main" val="2484067786"/>
+        <p14:creationId xmlns:p14="http://schemas.microsoft.com/office/powerpoint/2010/main" val="2477930030"/>
       </p:ext>
     </p:extLst>
   </p:cSld>
@@ -8933,92 +8532,6 @@
           <a:p>
             <a:r>
               <a:rPr lang="en-US" dirty="0" smtClean="0"/>
-              <a:t>Good Idea: Context Per Request</a:t>
-            </a:r>
-            <a:endParaRPr lang="en-US" dirty="0"/>
-          </a:p>
-        </p:txBody>
-      </p:sp>
-      <p:pic>
-        <p:nvPicPr>
-          <p:cNvPr id="4" name="Content Placeholder 3"/>
-          <p:cNvPicPr>
-            <a:picLocks noGrp="1" noChangeAspect="1"/>
-          </p:cNvPicPr>
-          <p:nvPr>
-            <p:ph idx="1"/>
-          </p:nvPr>
-        </p:nvPicPr>
-        <p:blipFill>
-          <a:blip r:embed="rId2"/>
-          <a:stretch>
-            <a:fillRect/>
-          </a:stretch>
-        </p:blipFill>
-        <p:spPr>
-          <a:xfrm>
-            <a:off x="2431520" y="1825625"/>
-            <a:ext cx="7328960" cy="4351338"/>
-          </a:xfrm>
-          <a:prstGeom prst="rect">
-            <a:avLst/>
-          </a:prstGeom>
-        </p:spPr>
-      </p:pic>
-    </p:spTree>
-    <p:extLst>
-      <p:ext uri="{BB962C8B-B14F-4D97-AF65-F5344CB8AC3E}">
-        <p14:creationId xmlns:p14="http://schemas.microsoft.com/office/powerpoint/2010/main" val="2477930030"/>
-      </p:ext>
-    </p:extLst>
-  </p:cSld>
-  <p:clrMapOvr>
-    <a:masterClrMapping/>
-  </p:clrMapOvr>
-  <p:timing>
-    <p:tnLst>
-      <p:par>
-        <p:cTn id="1" dur="indefinite" restart="never" nodeType="tmRoot"/>
-      </p:par>
-    </p:tnLst>
-  </p:timing>
-</p:sld>
-</file>
-
-<file path=ppt/slides/slide54.xml><?xml version="1.0" encoding="utf-8"?>
-<p:sld xmlns:a="http://schemas.openxmlformats.org/drawingml/2006/main" xmlns:r="http://schemas.openxmlformats.org/officeDocument/2006/relationships" xmlns:p="http://schemas.openxmlformats.org/presentationml/2006/main">
-  <p:cSld>
-    <p:spTree>
-      <p:nvGrpSpPr>
-        <p:cNvPr id="1" name=""/>
-        <p:cNvGrpSpPr/>
-        <p:nvPr/>
-      </p:nvGrpSpPr>
-      <p:grpSpPr>
-        <a:xfrm>
-          <a:off x="0" y="0"/>
-          <a:ext cx="0" cy="0"/>
-          <a:chOff x="0" y="0"/>
-          <a:chExt cx="0" cy="0"/>
-        </a:xfrm>
-      </p:grpSpPr>
-      <p:sp>
-        <p:nvSpPr>
-          <p:cNvPr id="2" name="Title 1"/>
-          <p:cNvSpPr>
-            <a:spLocks noGrp="1"/>
-          </p:cNvSpPr>
-          <p:nvPr>
-            <p:ph type="title"/>
-          </p:nvPr>
-        </p:nvSpPr>
-        <p:spPr/>
-        <p:txBody>
-          <a:bodyPr/>
-          <a:lstStyle/>
-          <a:p>
-            <a:r>
-              <a:rPr lang="en-US" dirty="0" smtClean="0"/>
               <a:t>Summary</a:t>
             </a:r>
             <a:endParaRPr lang="en-US" dirty="0"/>
@@ -9043,7 +8556,7 @@
           <a:lstStyle/>
           <a:p>
             <a:r>
-              <a:rPr lang="en-US" sz="4000" dirty="0" smtClean="0"/>
+              <a:rPr lang="en-US" sz="4000" dirty="0"/>
               <a:t>ORMs – not evil</a:t>
             </a:r>
           </a:p>
@@ -9052,7 +8565,7 @@
           </a:p>
           <a:p>
             <a:r>
-              <a:rPr lang="en-US" sz="4000" dirty="0" smtClean="0"/>
+              <a:rPr lang="en-US" sz="4000" dirty="0"/>
               <a:t>SQL – not evil</a:t>
             </a:r>
           </a:p>
@@ -9124,7 +8637,7 @@
           <a:p>
             <a:r>
               <a:rPr lang="en-US" dirty="0" smtClean="0"/>
-              <a:t>Behavioral Patterns</a:t>
+              <a:t>What an ORM is not</a:t>
             </a:r>
             <a:endParaRPr lang="en-US" dirty="0"/>
           </a:p>
@@ -9145,127 +8658,14 @@
           <a:bodyPr/>
           <a:lstStyle/>
           <a:p>
-            <a:r>
-              <a:rPr lang="en-US" dirty="0" smtClean="0"/>
-              <a:t>Unit of Work</a:t>
-            </a:r>
-            <a:endParaRPr lang="en-US" dirty="0"/>
-          </a:p>
-        </p:txBody>
-      </p:sp>
-      <p:sp>
-        <p:nvSpPr>
-          <p:cNvPr id="5" name="Text Placeholder 4"/>
-          <p:cNvSpPr>
-            <a:spLocks noGrp="1"/>
-          </p:cNvSpPr>
-          <p:nvPr>
-            <p:ph type="body" sz="quarter" idx="3"/>
-          </p:nvPr>
-        </p:nvSpPr>
-        <p:spPr/>
-        <p:txBody>
-          <a:bodyPr/>
-          <a:lstStyle/>
-          <a:p>
-            <a:r>
-              <a:rPr lang="en-US" dirty="0" smtClean="0"/>
-              <a:t>Identity Map</a:t>
-            </a:r>
-            <a:endParaRPr lang="en-US" dirty="0"/>
-          </a:p>
-        </p:txBody>
-      </p:sp>
-      <p:pic>
-        <p:nvPicPr>
-          <p:cNvPr id="1026" name="Picture 2" descr="http://martinfowler.com/eaaCatalog/unitOfWorkInterface.gif"/>
-          <p:cNvPicPr>
-            <a:picLocks noGrp="1" noChangeAspect="1" noChangeArrowheads="1"/>
-          </p:cNvPicPr>
-          <p:nvPr>
-            <p:ph sz="half" idx="2"/>
-          </p:nvPr>
-        </p:nvPicPr>
-        <p:blipFill>
-          <a:blip r:embed="rId2">
-            <a:extLst>
-              <a:ext uri="{28A0092B-C50C-407E-A947-70E740481C1C}">
-                <a14:useLocalDpi xmlns:a14="http://schemas.microsoft.com/office/drawing/2010/main" val="0"/>
-              </a:ext>
-            </a:extLst>
-          </a:blip>
-          <a:srcRect/>
-          <a:stretch>
-            <a:fillRect/>
-          </a:stretch>
-        </p:blipFill>
-        <p:spPr bwMode="auto">
-          <a:xfrm>
-            <a:off x="2666206" y="3680619"/>
-            <a:ext cx="1504950" cy="1333500"/>
-          </a:xfrm>
-          <a:prstGeom prst="rect">
-            <a:avLst/>
-          </a:prstGeom>
-          <a:noFill/>
-          <a:extLst>
-            <a:ext uri="{909E8E84-426E-40DD-AFC4-6F175D3DCCD1}">
-              <a14:hiddenFill xmlns:a14="http://schemas.microsoft.com/office/drawing/2010/main">
-                <a:solidFill>
-                  <a:srgbClr val="FFFFFF"/>
-                </a:solidFill>
-              </a14:hiddenFill>
-            </a:ext>
-          </a:extLst>
-        </p:spPr>
-      </p:pic>
-      <p:pic>
-        <p:nvPicPr>
-          <p:cNvPr id="1028" name="Picture 4" descr="http://martinfowler.com/eaaCatalog/idMapperSketch.gif"/>
-          <p:cNvPicPr>
-            <a:picLocks noGrp="1" noChangeAspect="1" noChangeArrowheads="1"/>
-          </p:cNvPicPr>
-          <p:nvPr>
-            <p:ph sz="quarter" idx="4"/>
-          </p:nvPr>
-        </p:nvPicPr>
-        <p:blipFill>
-          <a:blip r:embed="rId3">
-            <a:extLst>
-              <a:ext uri="{28A0092B-C50C-407E-A947-70E740481C1C}">
-                <a14:useLocalDpi xmlns:a14="http://schemas.microsoft.com/office/drawing/2010/main" val="0"/>
-              </a:ext>
-            </a:extLst>
-          </a:blip>
-          <a:srcRect/>
-          <a:stretch>
-            <a:fillRect/>
-          </a:stretch>
-        </p:blipFill>
-        <p:spPr bwMode="auto">
-          <a:xfrm>
-            <a:off x="6473031" y="3328194"/>
-            <a:ext cx="4581525" cy="2038350"/>
-          </a:xfrm>
-          <a:prstGeom prst="rect">
-            <a:avLst/>
-          </a:prstGeom>
-          <a:noFill/>
-          <a:extLst>
-            <a:ext uri="{909E8E84-426E-40DD-AFC4-6F175D3DCCD1}">
-              <a14:hiddenFill xmlns:a14="http://schemas.microsoft.com/office/drawing/2010/main">
-                <a:solidFill>
-                  <a:srgbClr val="FFFFFF"/>
-                </a:solidFill>
-              </a14:hiddenFill>
-            </a:ext>
-          </a:extLst>
-        </p:spPr>
-      </p:pic>
+            <a:endParaRPr lang="en-US"/>
+          </a:p>
+        </p:txBody>
+      </p:sp>
     </p:spTree>
     <p:extLst>
       <p:ext uri="{BB962C8B-B14F-4D97-AF65-F5344CB8AC3E}">
-        <p14:creationId xmlns:p14="http://schemas.microsoft.com/office/powerpoint/2010/main" val="2242429708"/>
+        <p14:creationId xmlns:p14="http://schemas.microsoft.com/office/powerpoint/2010/main" val="1878696057"/>
       </p:ext>
     </p:extLst>
   </p:cSld>
@@ -9301,85 +8701,6 @@
       </p:grpSpPr>
       <p:sp>
         <p:nvSpPr>
-          <p:cNvPr id="2" name="Title 1"/>
-          <p:cNvSpPr>
-            <a:spLocks noGrp="1"/>
-          </p:cNvSpPr>
-          <p:nvPr>
-            <p:ph type="title"/>
-          </p:nvPr>
-        </p:nvSpPr>
-        <p:spPr/>
-        <p:txBody>
-          <a:bodyPr/>
-          <a:lstStyle/>
-          <a:p>
-            <a:r>
-              <a:rPr lang="en-US" dirty="0" smtClean="0"/>
-              <a:t>What an ORM is not</a:t>
-            </a:r>
-            <a:endParaRPr lang="en-US" dirty="0"/>
-          </a:p>
-        </p:txBody>
-      </p:sp>
-      <p:sp>
-        <p:nvSpPr>
-          <p:cNvPr id="3" name="Text Placeholder 2"/>
-          <p:cNvSpPr>
-            <a:spLocks noGrp="1"/>
-          </p:cNvSpPr>
-          <p:nvPr>
-            <p:ph type="body" idx="1"/>
-          </p:nvPr>
-        </p:nvSpPr>
-        <p:spPr/>
-        <p:txBody>
-          <a:bodyPr/>
-          <a:lstStyle/>
-          <a:p>
-            <a:endParaRPr lang="en-US"/>
-          </a:p>
-        </p:txBody>
-      </p:sp>
-    </p:spTree>
-    <p:extLst>
-      <p:ext uri="{BB962C8B-B14F-4D97-AF65-F5344CB8AC3E}">
-        <p14:creationId xmlns:p14="http://schemas.microsoft.com/office/powerpoint/2010/main" val="1878696057"/>
-      </p:ext>
-    </p:extLst>
-  </p:cSld>
-  <p:clrMapOvr>
-    <a:masterClrMapping/>
-  </p:clrMapOvr>
-  <p:timing>
-    <p:tnLst>
-      <p:par>
-        <p:cTn id="1" dur="indefinite" restart="never" nodeType="tmRoot"/>
-      </p:par>
-    </p:tnLst>
-  </p:timing>
-</p:sld>
-</file>
-
-<file path=ppt/slides/slide8.xml><?xml version="1.0" encoding="utf-8"?>
-<p:sld xmlns:a="http://schemas.openxmlformats.org/drawingml/2006/main" xmlns:r="http://schemas.openxmlformats.org/officeDocument/2006/relationships" xmlns:p="http://schemas.openxmlformats.org/presentationml/2006/main">
-  <p:cSld>
-    <p:spTree>
-      <p:nvGrpSpPr>
-        <p:cNvPr id="1" name=""/>
-        <p:cNvGrpSpPr/>
-        <p:nvPr/>
-      </p:nvGrpSpPr>
-      <p:grpSpPr>
-        <a:xfrm>
-          <a:off x="0" y="0"/>
-          <a:ext cx="0" cy="0"/>
-          <a:chOff x="0" y="0"/>
-          <a:chExt cx="0" cy="0"/>
-        </a:xfrm>
-      </p:grpSpPr>
-      <p:sp>
-        <p:nvSpPr>
           <p:cNvPr id="4" name="Title 3"/>
           <p:cNvSpPr>
             <a:spLocks noGrp="1"/>
@@ -9419,14 +8740,13 @@
               </a:ext>
             </a:extLst>
           </a:blip>
-          <a:srcRect/>
           <a:stretch>
             <a:fillRect/>
           </a:stretch>
         </p:blipFill>
         <p:spPr bwMode="auto">
           <a:xfrm>
-            <a:off x="3192166" y="1825625"/>
+            <a:off x="1668166" y="1825625"/>
             <a:ext cx="5807668" cy="4351338"/>
           </a:xfrm>
           <a:prstGeom prst="rect">
@@ -9464,7 +8784,7 @@
 </p:sld>
 </file>
 
-<file path=ppt/slides/slide9.xml><?xml version="1.0" encoding="utf-8"?>
+<file path=ppt/slides/slide8.xml><?xml version="1.0" encoding="utf-8"?>
 <p:sld xmlns:a="http://schemas.openxmlformats.org/drawingml/2006/main" xmlns:r="http://schemas.openxmlformats.org/officeDocument/2006/relationships" xmlns:p="http://schemas.openxmlformats.org/presentationml/2006/main">
   <p:cSld>
     <p:spTree>
@@ -9522,14 +8842,13 @@
               </a:ext>
             </a:extLst>
           </a:blip>
-          <a:srcRect/>
           <a:stretch>
             <a:fillRect/>
           </a:stretch>
         </p:blipFill>
         <p:spPr bwMode="auto">
           <a:xfrm>
-            <a:off x="4191000" y="2934494"/>
+            <a:off x="2667000" y="2934494"/>
             <a:ext cx="3810000" cy="2133600"/>
           </a:xfrm>
           <a:prstGeom prst="rect">
@@ -9567,6 +8886,85 @@
 </p:sld>
 </file>
 
+<file path=ppt/slides/slide9.xml><?xml version="1.0" encoding="utf-8"?>
+<p:sld xmlns:a="http://schemas.openxmlformats.org/drawingml/2006/main" xmlns:r="http://schemas.openxmlformats.org/officeDocument/2006/relationships" xmlns:p="http://schemas.openxmlformats.org/presentationml/2006/main">
+  <p:cSld>
+    <p:spTree>
+      <p:nvGrpSpPr>
+        <p:cNvPr id="1" name=""/>
+        <p:cNvGrpSpPr/>
+        <p:nvPr/>
+      </p:nvGrpSpPr>
+      <p:grpSpPr>
+        <a:xfrm>
+          <a:off x="0" y="0"/>
+          <a:ext cx="0" cy="0"/>
+          <a:chOff x="0" y="0"/>
+          <a:chExt cx="0" cy="0"/>
+        </a:xfrm>
+      </p:grpSpPr>
+      <p:sp>
+        <p:nvSpPr>
+          <p:cNvPr id="4" name="Title 3"/>
+          <p:cNvSpPr>
+            <a:spLocks noGrp="1"/>
+          </p:cNvSpPr>
+          <p:nvPr>
+            <p:ph type="title"/>
+          </p:nvPr>
+        </p:nvSpPr>
+        <p:spPr/>
+        <p:txBody>
+          <a:bodyPr/>
+          <a:lstStyle/>
+          <a:p>
+            <a:r>
+              <a:rPr lang="en-US" dirty="0" smtClean="0"/>
+              <a:t>Mapping Problems</a:t>
+            </a:r>
+            <a:endParaRPr lang="en-US" dirty="0"/>
+          </a:p>
+        </p:txBody>
+      </p:sp>
+      <p:sp>
+        <p:nvSpPr>
+          <p:cNvPr id="5" name="Text Placeholder 4"/>
+          <p:cNvSpPr>
+            <a:spLocks noGrp="1"/>
+          </p:cNvSpPr>
+          <p:nvPr>
+            <p:ph type="body" idx="1"/>
+          </p:nvPr>
+        </p:nvSpPr>
+        <p:spPr/>
+        <p:txBody>
+          <a:bodyPr/>
+          <a:lstStyle/>
+          <a:p>
+            <a:endParaRPr lang="en-US"/>
+          </a:p>
+        </p:txBody>
+      </p:sp>
+    </p:spTree>
+    <p:extLst>
+      <p:ext uri="{BB962C8B-B14F-4D97-AF65-F5344CB8AC3E}">
+        <p14:creationId xmlns:p14="http://schemas.microsoft.com/office/powerpoint/2010/main" val="1030116070"/>
+      </p:ext>
+    </p:extLst>
+  </p:cSld>
+  <p:clrMapOvr>
+    <a:masterClrMapping/>
+  </p:clrMapOvr>
+  <p:timing>
+    <p:tnLst>
+      <p:par>
+        <p:cTn id="1" dur="indefinite" restart="never" nodeType="tmRoot"/>
+      </p:par>
+    </p:tnLst>
+  </p:timing>
+</p:sld>
+</file>
+
 <file path=ppt/tags/tag1.xml><?xml version="1.0" encoding="utf-8"?>
 <p:tagLst xmlns:a="http://schemas.openxmlformats.org/drawingml/2006/main" xmlns:r="http://schemas.openxmlformats.org/officeDocument/2006/relationships" xmlns:p="http://schemas.openxmlformats.org/presentationml/2006/main">
   <p:tag name="DVSECTIONID" val="ULJKTtTuA1JYcmiIHNUWnZ"/>
@@ -9588,7 +8986,7 @@
 <file path=ppt/theme/theme1.xml><?xml version="1.0" encoding="utf-8"?>
 <a:theme xmlns:a="http://schemas.openxmlformats.org/drawingml/2006/main" name="Office Theme">
   <a:themeElements>
-    <a:clrScheme name="Office">
+    <a:clrScheme name="Office Theme">
       <a:dk1>
         <a:sysClr val="windowText" lastClr="000000"/>
       </a:dk1>
@@ -9638,7 +9036,7 @@
         <a:cs typeface=""/>
       </a:minorFont>
     </a:fontScheme>
-    <a:fmtScheme name="Office">
+    <a:fmtScheme name="Office Theme">
       <a:fillStyleLst>
         <a:solidFill>
           <a:schemeClr val="phClr"/>

--- a/ORMs/Orms.pptx
+++ b/ORMs/Orms.pptx
@@ -5,7 +5,7 @@
     <p:sldMasterId id="2147483660" r:id="rId1"/>
   </p:sldMasterIdLst>
   <p:notesMasterIdLst>
-    <p:notesMasterId r:id="rId55"/>
+    <p:notesMasterId r:id="rId57"/>
   </p:notesMasterIdLst>
   <p:sldIdLst>
     <p:sldId id="257" r:id="rId2"/>
@@ -16,51 +16,53 @@
     <p:sldId id="263" r:id="rId7"/>
     <p:sldId id="266" r:id="rId8"/>
     <p:sldId id="267" r:id="rId9"/>
-    <p:sldId id="268" r:id="rId10"/>
-    <p:sldId id="275" r:id="rId11"/>
-    <p:sldId id="276" r:id="rId12"/>
-    <p:sldId id="277" r:id="rId13"/>
-    <p:sldId id="278" r:id="rId14"/>
-    <p:sldId id="279" r:id="rId15"/>
-    <p:sldId id="280" r:id="rId16"/>
-    <p:sldId id="313" r:id="rId17"/>
-    <p:sldId id="314" r:id="rId18"/>
-    <p:sldId id="315" r:id="rId19"/>
-    <p:sldId id="316" r:id="rId20"/>
-    <p:sldId id="317" r:id="rId21"/>
-    <p:sldId id="318" r:id="rId22"/>
-    <p:sldId id="281" r:id="rId23"/>
-    <p:sldId id="282" r:id="rId24"/>
-    <p:sldId id="283" r:id="rId25"/>
-    <p:sldId id="284" r:id="rId26"/>
-    <p:sldId id="285" r:id="rId27"/>
-    <p:sldId id="286" r:id="rId28"/>
-    <p:sldId id="287" r:id="rId29"/>
-    <p:sldId id="288" r:id="rId30"/>
-    <p:sldId id="289" r:id="rId31"/>
-    <p:sldId id="290" r:id="rId32"/>
-    <p:sldId id="291" r:id="rId33"/>
-    <p:sldId id="292" r:id="rId34"/>
-    <p:sldId id="293" r:id="rId35"/>
-    <p:sldId id="295" r:id="rId36"/>
-    <p:sldId id="294" r:id="rId37"/>
-    <p:sldId id="296" r:id="rId38"/>
-    <p:sldId id="297" r:id="rId39"/>
-    <p:sldId id="298" r:id="rId40"/>
-    <p:sldId id="299" r:id="rId41"/>
-    <p:sldId id="300" r:id="rId42"/>
-    <p:sldId id="301" r:id="rId43"/>
-    <p:sldId id="302" r:id="rId44"/>
-    <p:sldId id="303" r:id="rId45"/>
-    <p:sldId id="304" r:id="rId46"/>
-    <p:sldId id="305" r:id="rId47"/>
-    <p:sldId id="306" r:id="rId48"/>
-    <p:sldId id="307" r:id="rId49"/>
-    <p:sldId id="308" r:id="rId50"/>
-    <p:sldId id="309" r:id="rId51"/>
-    <p:sldId id="310" r:id="rId52"/>
-    <p:sldId id="311" r:id="rId53"/>
-    <p:sldId id="312" r:id="rId54"/>
+    <p:sldId id="319" r:id="rId10"/>
+    <p:sldId id="268" r:id="rId11"/>
+    <p:sldId id="275" r:id="rId12"/>
+    <p:sldId id="276" r:id="rId13"/>
+    <p:sldId id="277" r:id="rId14"/>
+    <p:sldId id="278" r:id="rId15"/>
+    <p:sldId id="279" r:id="rId16"/>
+    <p:sldId id="280" r:id="rId17"/>
+    <p:sldId id="313" r:id="rId18"/>
+    <p:sldId id="314" r:id="rId19"/>
+    <p:sldId id="315" r:id="rId20"/>
+    <p:sldId id="316" r:id="rId21"/>
+    <p:sldId id="317" r:id="rId22"/>
+    <p:sldId id="318" r:id="rId23"/>
+    <p:sldId id="281" r:id="rId24"/>
+    <p:sldId id="282" r:id="rId25"/>
+    <p:sldId id="283" r:id="rId26"/>
+    <p:sldId id="284" r:id="rId27"/>
+    <p:sldId id="285" r:id="rId28"/>
+    <p:sldId id="286" r:id="rId29"/>
+    <p:sldId id="287" r:id="rId30"/>
+    <p:sldId id="288" r:id="rId31"/>
+    <p:sldId id="289" r:id="rId32"/>
+    <p:sldId id="290" r:id="rId33"/>
+    <p:sldId id="291" r:id="rId34"/>
+    <p:sldId id="292" r:id="rId35"/>
+    <p:sldId id="293" r:id="rId36"/>
+    <p:sldId id="295" r:id="rId37"/>
+    <p:sldId id="294" r:id="rId38"/>
+    <p:sldId id="296" r:id="rId39"/>
+    <p:sldId id="297" r:id="rId40"/>
+    <p:sldId id="298" r:id="rId41"/>
+    <p:sldId id="299" r:id="rId42"/>
+    <p:sldId id="300" r:id="rId43"/>
+    <p:sldId id="320" r:id="rId44"/>
+    <p:sldId id="301" r:id="rId45"/>
+    <p:sldId id="302" r:id="rId46"/>
+    <p:sldId id="303" r:id="rId47"/>
+    <p:sldId id="304" r:id="rId48"/>
+    <p:sldId id="305" r:id="rId49"/>
+    <p:sldId id="306" r:id="rId50"/>
+    <p:sldId id="307" r:id="rId51"/>
+    <p:sldId id="308" r:id="rId52"/>
+    <p:sldId id="309" r:id="rId53"/>
+    <p:sldId id="310" r:id="rId54"/>
+    <p:sldId id="311" r:id="rId55"/>
+    <p:sldId id="312" r:id="rId56"/>
   </p:sldIdLst>
   <p:sldSz cx="9144000" cy="6858000" type="screen4x3"/>
   <p:notesSz cx="6858000" cy="9144000"/>
@@ -249,7 +251,7 @@
           <a:p>
             <a:fld id="{1F97ECA5-4044-4ED6-8472-6668B9C1F77C}" type="datetimeFigureOut">
               <a:rPr lang="en-US" smtClean="0"/>
-              <a:t>9/3/2014</a:t>
+              <a:t>11/6/2014</a:t>
             </a:fld>
             <a:endParaRPr lang="en-US"/>
           </a:p>
@@ -737,7 +739,7 @@
           <a:p>
             <a:fld id="{00AB0D8E-E724-48D0-B7E1-3298C8355436}" type="datetimeFigureOut">
               <a:rPr lang="en-US" smtClean="0"/>
-              <a:t>9/3/2014</a:t>
+              <a:t>11/6/2014</a:t>
             </a:fld>
             <a:endParaRPr lang="en-US"/>
           </a:p>
@@ -907,7 +909,7 @@
           <a:p>
             <a:fld id="{00AB0D8E-E724-48D0-B7E1-3298C8355436}" type="datetimeFigureOut">
               <a:rPr lang="en-US" smtClean="0"/>
-              <a:t>9/3/2014</a:t>
+              <a:t>11/6/2014</a:t>
             </a:fld>
             <a:endParaRPr lang="en-US"/>
           </a:p>
@@ -1087,7 +1089,7 @@
           <a:p>
             <a:fld id="{00AB0D8E-E724-48D0-B7E1-3298C8355436}" type="datetimeFigureOut">
               <a:rPr lang="en-US" smtClean="0"/>
-              <a:t>9/3/2014</a:t>
+              <a:t>11/6/2014</a:t>
             </a:fld>
             <a:endParaRPr lang="en-US"/>
           </a:p>
@@ -1257,7 +1259,7 @@
           <a:p>
             <a:fld id="{00AB0D8E-E724-48D0-B7E1-3298C8355436}" type="datetimeFigureOut">
               <a:rPr lang="en-US" smtClean="0"/>
-              <a:t>9/3/2014</a:t>
+              <a:t>11/6/2014</a:t>
             </a:fld>
             <a:endParaRPr lang="en-US"/>
           </a:p>
@@ -1501,7 +1503,7 @@
           <a:p>
             <a:fld id="{00AB0D8E-E724-48D0-B7E1-3298C8355436}" type="datetimeFigureOut">
               <a:rPr lang="en-US" smtClean="0"/>
-              <a:t>9/3/2014</a:t>
+              <a:t>11/6/2014</a:t>
             </a:fld>
             <a:endParaRPr lang="en-US"/>
           </a:p>
@@ -1733,7 +1735,7 @@
           <a:p>
             <a:fld id="{00AB0D8E-E724-48D0-B7E1-3298C8355436}" type="datetimeFigureOut">
               <a:rPr lang="en-US" smtClean="0"/>
-              <a:t>9/3/2014</a:t>
+              <a:t>11/6/2014</a:t>
             </a:fld>
             <a:endParaRPr lang="en-US"/>
           </a:p>
@@ -2100,7 +2102,7 @@
           <a:p>
             <a:fld id="{00AB0D8E-E724-48D0-B7E1-3298C8355436}" type="datetimeFigureOut">
               <a:rPr lang="en-US" smtClean="0"/>
-              <a:t>9/3/2014</a:t>
+              <a:t>11/6/2014</a:t>
             </a:fld>
             <a:endParaRPr lang="en-US"/>
           </a:p>
@@ -2218,7 +2220,7 @@
           <a:p>
             <a:fld id="{00AB0D8E-E724-48D0-B7E1-3298C8355436}" type="datetimeFigureOut">
               <a:rPr lang="en-US" smtClean="0"/>
-              <a:t>9/3/2014</a:t>
+              <a:t>11/6/2014</a:t>
             </a:fld>
             <a:endParaRPr lang="en-US"/>
           </a:p>
@@ -2313,7 +2315,7 @@
           <a:p>
             <a:fld id="{00AB0D8E-E724-48D0-B7E1-3298C8355436}" type="datetimeFigureOut">
               <a:rPr lang="en-US" smtClean="0"/>
-              <a:t>9/3/2014</a:t>
+              <a:t>11/6/2014</a:t>
             </a:fld>
             <a:endParaRPr lang="en-US"/>
           </a:p>
@@ -2590,7 +2592,7 @@
           <a:p>
             <a:fld id="{00AB0D8E-E724-48D0-B7E1-3298C8355436}" type="datetimeFigureOut">
               <a:rPr lang="en-US" smtClean="0"/>
-              <a:t>9/3/2014</a:t>
+              <a:t>11/6/2014</a:t>
             </a:fld>
             <a:endParaRPr lang="en-US"/>
           </a:p>
@@ -2847,7 +2849,7 @@
           <a:p>
             <a:fld id="{00AB0D8E-E724-48D0-B7E1-3298C8355436}" type="datetimeFigureOut">
               <a:rPr lang="en-US" smtClean="0"/>
-              <a:t>9/3/2014</a:t>
+              <a:t>11/6/2014</a:t>
             </a:fld>
             <a:endParaRPr lang="en-US"/>
           </a:p>
@@ -3060,7 +3062,7 @@
           <a:p>
             <a:fld id="{00AB0D8E-E724-48D0-B7E1-3298C8355436}" type="datetimeFigureOut">
               <a:rPr lang="en-US" smtClean="0"/>
-              <a:t>9/3/2014</a:t>
+              <a:t>11/6/2014</a:t>
             </a:fld>
             <a:endParaRPr lang="en-US"/>
           </a:p>
@@ -3784,6 +3786,85 @@
       </p:grpSpPr>
       <p:sp>
         <p:nvSpPr>
+          <p:cNvPr id="4" name="Title 3"/>
+          <p:cNvSpPr>
+            <a:spLocks noGrp="1"/>
+          </p:cNvSpPr>
+          <p:nvPr>
+            <p:ph type="title"/>
+          </p:nvPr>
+        </p:nvSpPr>
+        <p:spPr/>
+        <p:txBody>
+          <a:bodyPr/>
+          <a:lstStyle/>
+          <a:p>
+            <a:r>
+              <a:rPr lang="en-US" dirty="0" smtClean="0"/>
+              <a:t>Mapping Problems</a:t>
+            </a:r>
+            <a:endParaRPr lang="en-US" dirty="0"/>
+          </a:p>
+        </p:txBody>
+      </p:sp>
+      <p:sp>
+        <p:nvSpPr>
+          <p:cNvPr id="5" name="Text Placeholder 4"/>
+          <p:cNvSpPr>
+            <a:spLocks noGrp="1"/>
+          </p:cNvSpPr>
+          <p:nvPr>
+            <p:ph type="body" idx="1"/>
+          </p:nvPr>
+        </p:nvSpPr>
+        <p:spPr/>
+        <p:txBody>
+          <a:bodyPr/>
+          <a:lstStyle/>
+          <a:p>
+            <a:endParaRPr lang="en-US"/>
+          </a:p>
+        </p:txBody>
+      </p:sp>
+    </p:spTree>
+    <p:extLst>
+      <p:ext uri="{BB962C8B-B14F-4D97-AF65-F5344CB8AC3E}">
+        <p14:creationId xmlns:p14="http://schemas.microsoft.com/office/powerpoint/2010/main" val="1030116070"/>
+      </p:ext>
+    </p:extLst>
+  </p:cSld>
+  <p:clrMapOvr>
+    <a:masterClrMapping/>
+  </p:clrMapOvr>
+  <p:timing>
+    <p:tnLst>
+      <p:par>
+        <p:cTn id="1" dur="indefinite" restart="never" nodeType="tmRoot"/>
+      </p:par>
+    </p:tnLst>
+  </p:timing>
+</p:sld>
+</file>
+
+<file path=ppt/slides/slide11.xml><?xml version="1.0" encoding="utf-8"?>
+<p:sld xmlns:a="http://schemas.openxmlformats.org/drawingml/2006/main" xmlns:r="http://schemas.openxmlformats.org/officeDocument/2006/relationships" xmlns:p="http://schemas.openxmlformats.org/presentationml/2006/main">
+  <p:cSld>
+    <p:spTree>
+      <p:nvGrpSpPr>
+        <p:cNvPr id="1" name=""/>
+        <p:cNvGrpSpPr/>
+        <p:nvPr/>
+      </p:nvGrpSpPr>
+      <p:grpSpPr>
+        <a:xfrm>
+          <a:off x="0" y="0"/>
+          <a:ext cx="0" cy="0"/>
+          <a:chOff x="0" y="0"/>
+          <a:chExt cx="0" cy="0"/>
+        </a:xfrm>
+      </p:grpSpPr>
+      <p:sp>
+        <p:nvSpPr>
           <p:cNvPr id="2" name="Title 1"/>
           <p:cNvSpPr>
             <a:spLocks noGrp="1"/>
@@ -3851,7 +3932,7 @@
 </p:sld>
 </file>
 
-<file path=ppt/slides/slide11.xml><?xml version="1.0" encoding="utf-8"?>
+<file path=ppt/slides/slide12.xml><?xml version="1.0" encoding="utf-8"?>
 <p:sld xmlns:a="http://schemas.openxmlformats.org/drawingml/2006/main" xmlns:r="http://schemas.openxmlformats.org/officeDocument/2006/relationships" xmlns:p="http://schemas.openxmlformats.org/presentationml/2006/main">
   <p:cSld>
     <p:spTree>
@@ -3937,7 +4018,7 @@
 </p:sld>
 </file>
 
-<file path=ppt/slides/slide12.xml><?xml version="1.0" encoding="utf-8"?>
+<file path=ppt/slides/slide13.xml><?xml version="1.0" encoding="utf-8"?>
 <p:sld xmlns:a="http://schemas.openxmlformats.org/drawingml/2006/main" xmlns:r="http://schemas.openxmlformats.org/officeDocument/2006/relationships" xmlns:p="http://schemas.openxmlformats.org/presentationml/2006/main">
   <p:cSld>
     <p:spTree>
@@ -3975,7 +4056,6 @@
               <a:rPr lang="en-US" sz="4000" dirty="0"/>
               <a:t>Bad Idea: Extraneous navigations</a:t>
             </a:r>
-            <a:endParaRPr lang="en-US" sz="4000" dirty="0"/>
           </a:p>
         </p:txBody>
       </p:sp>
@@ -4025,7 +4105,7 @@
 </p:sld>
 </file>
 
-<file path=ppt/slides/slide13.xml><?xml version="1.0" encoding="utf-8"?>
+<file path=ppt/slides/slide14.xml><?xml version="1.0" encoding="utf-8"?>
 <p:sld xmlns:a="http://schemas.openxmlformats.org/drawingml/2006/main" xmlns:r="http://schemas.openxmlformats.org/officeDocument/2006/relationships" xmlns:p="http://schemas.openxmlformats.org/presentationml/2006/main">
   <p:cSld>
     <p:spTree>
@@ -4111,7 +4191,7 @@
 </p:sld>
 </file>
 
-<file path=ppt/slides/slide14.xml><?xml version="1.0" encoding="utf-8"?>
+<file path=ppt/slides/slide15.xml><?xml version="1.0" encoding="utf-8"?>
 <p:sld xmlns:a="http://schemas.openxmlformats.org/drawingml/2006/main" xmlns:r="http://schemas.openxmlformats.org/officeDocument/2006/relationships" xmlns:p="http://schemas.openxmlformats.org/presentationml/2006/main">
   <p:cSld>
     <p:spTree>
@@ -4197,7 +4277,7 @@
 </p:sld>
 </file>
 
-<file path=ppt/slides/slide15.xml><?xml version="1.0" encoding="utf-8"?>
+<file path=ppt/slides/slide16.xml><?xml version="1.0" encoding="utf-8"?>
 <p:sld xmlns:a="http://schemas.openxmlformats.org/drawingml/2006/main" xmlns:r="http://schemas.openxmlformats.org/officeDocument/2006/relationships" xmlns:p="http://schemas.openxmlformats.org/presentationml/2006/main">
   <p:cSld>
     <p:spTree>
@@ -4283,7 +4363,7 @@
 </p:sld>
 </file>
 
-<file path=ppt/slides/slide16.xml><?xml version="1.0" encoding="utf-8"?>
+<file path=ppt/slides/slide17.xml><?xml version="1.0" encoding="utf-8"?>
 <p:sld xmlns:a="http://schemas.openxmlformats.org/drawingml/2006/main" xmlns:r="http://schemas.openxmlformats.org/officeDocument/2006/relationships" xmlns:p="http://schemas.openxmlformats.org/presentationml/2006/main">
   <p:cSld>
     <p:spTree>
@@ -4385,7 +4465,7 @@
 </p:sld>
 </file>
 
-<file path=ppt/slides/slide17.xml><?xml version="1.0" encoding="utf-8"?>
+<file path=ppt/slides/slide18.xml><?xml version="1.0" encoding="utf-8"?>
 <p:sld xmlns:a="http://schemas.openxmlformats.org/drawingml/2006/main" xmlns:r="http://schemas.openxmlformats.org/officeDocument/2006/relationships" xmlns:p="http://schemas.openxmlformats.org/presentationml/2006/main">
   <p:cSld>
     <p:spTree>
@@ -4471,7 +4551,7 @@
 </p:sld>
 </file>
 
-<file path=ppt/slides/slide18.xml><?xml version="1.0" encoding="utf-8"?>
+<file path=ppt/slides/slide19.xml><?xml version="1.0" encoding="utf-8"?>
 <p:sld xmlns:a="http://schemas.openxmlformats.org/drawingml/2006/main" xmlns:r="http://schemas.openxmlformats.org/officeDocument/2006/relationships" xmlns:p="http://schemas.openxmlformats.org/presentationml/2006/main">
   <p:cSld>
     <p:spTree>
@@ -4541,92 +4621,6 @@
     <p:extLst>
       <p:ext uri="{BB962C8B-B14F-4D97-AF65-F5344CB8AC3E}">
         <p14:creationId xmlns:p14="http://schemas.microsoft.com/office/powerpoint/2010/main" val="1461970805"/>
-      </p:ext>
-    </p:extLst>
-  </p:cSld>
-  <p:clrMapOvr>
-    <a:masterClrMapping/>
-  </p:clrMapOvr>
-  <p:timing>
-    <p:tnLst>
-      <p:par>
-        <p:cTn id="1" dur="indefinite" restart="never" nodeType="tmRoot"/>
-      </p:par>
-    </p:tnLst>
-  </p:timing>
-</p:sld>
-</file>
-
-<file path=ppt/slides/slide19.xml><?xml version="1.0" encoding="utf-8"?>
-<p:sld xmlns:a="http://schemas.openxmlformats.org/drawingml/2006/main" xmlns:r="http://schemas.openxmlformats.org/officeDocument/2006/relationships" xmlns:p="http://schemas.openxmlformats.org/presentationml/2006/main">
-  <p:cSld>
-    <p:spTree>
-      <p:nvGrpSpPr>
-        <p:cNvPr id="1" name=""/>
-        <p:cNvGrpSpPr/>
-        <p:nvPr/>
-      </p:nvGrpSpPr>
-      <p:grpSpPr>
-        <a:xfrm>
-          <a:off x="0" y="0"/>
-          <a:ext cx="0" cy="0"/>
-          <a:chOff x="0" y="0"/>
-          <a:chExt cx="0" cy="0"/>
-        </a:xfrm>
-      </p:grpSpPr>
-      <p:sp>
-        <p:nvSpPr>
-          <p:cNvPr id="2" name="Title 1"/>
-          <p:cNvSpPr>
-            <a:spLocks noGrp="1"/>
-          </p:cNvSpPr>
-          <p:nvPr>
-            <p:ph type="title"/>
-          </p:nvPr>
-        </p:nvSpPr>
-        <p:spPr/>
-        <p:txBody>
-          <a:bodyPr/>
-          <a:lstStyle/>
-          <a:p>
-            <a:r>
-              <a:rPr lang="en-US" dirty="0" smtClean="0"/>
-              <a:t>Bad Idea: Primitive Obsession</a:t>
-            </a:r>
-            <a:endParaRPr lang="en-US" dirty="0"/>
-          </a:p>
-        </p:txBody>
-      </p:sp>
-      <p:pic>
-        <p:nvPicPr>
-          <p:cNvPr id="4" name="Content Placeholder 3"/>
-          <p:cNvPicPr>
-            <a:picLocks noGrp="1" noChangeAspect="1"/>
-          </p:cNvPicPr>
-          <p:nvPr>
-            <p:ph idx="1"/>
-          </p:nvPr>
-        </p:nvPicPr>
-        <p:blipFill>
-          <a:blip r:embed="rId2"/>
-          <a:stretch>
-            <a:fillRect/>
-          </a:stretch>
-        </p:blipFill>
-        <p:spPr>
-          <a:xfrm>
-            <a:off x="1462087" y="2996406"/>
-            <a:ext cx="6219825" cy="2009775"/>
-          </a:xfrm>
-          <a:prstGeom prst="rect">
-            <a:avLst/>
-          </a:prstGeom>
-        </p:spPr>
-      </p:pic>
-    </p:spTree>
-    <p:extLst>
-      <p:ext uri="{BB962C8B-B14F-4D97-AF65-F5344CB8AC3E}">
-        <p14:creationId xmlns:p14="http://schemas.microsoft.com/office/powerpoint/2010/main" val="1097761192"/>
       </p:ext>
     </p:extLst>
   </p:cSld>
@@ -4872,6 +4866,92 @@
           <a:p>
             <a:r>
               <a:rPr lang="en-US" dirty="0" smtClean="0"/>
+              <a:t>Bad Idea: Primitive Obsession</a:t>
+            </a:r>
+            <a:endParaRPr lang="en-US" dirty="0"/>
+          </a:p>
+        </p:txBody>
+      </p:sp>
+      <p:pic>
+        <p:nvPicPr>
+          <p:cNvPr id="4" name="Content Placeholder 3"/>
+          <p:cNvPicPr>
+            <a:picLocks noGrp="1" noChangeAspect="1"/>
+          </p:cNvPicPr>
+          <p:nvPr>
+            <p:ph idx="1"/>
+          </p:nvPr>
+        </p:nvPicPr>
+        <p:blipFill>
+          <a:blip r:embed="rId2"/>
+          <a:stretch>
+            <a:fillRect/>
+          </a:stretch>
+        </p:blipFill>
+        <p:spPr>
+          <a:xfrm>
+            <a:off x="1462087" y="2996406"/>
+            <a:ext cx="6219825" cy="2009775"/>
+          </a:xfrm>
+          <a:prstGeom prst="rect">
+            <a:avLst/>
+          </a:prstGeom>
+        </p:spPr>
+      </p:pic>
+    </p:spTree>
+    <p:extLst>
+      <p:ext uri="{BB962C8B-B14F-4D97-AF65-F5344CB8AC3E}">
+        <p14:creationId xmlns:p14="http://schemas.microsoft.com/office/powerpoint/2010/main" val="1097761192"/>
+      </p:ext>
+    </p:extLst>
+  </p:cSld>
+  <p:clrMapOvr>
+    <a:masterClrMapping/>
+  </p:clrMapOvr>
+  <p:timing>
+    <p:tnLst>
+      <p:par>
+        <p:cTn id="1" dur="indefinite" restart="never" nodeType="tmRoot"/>
+      </p:par>
+    </p:tnLst>
+  </p:timing>
+</p:sld>
+</file>
+
+<file path=ppt/slides/slide21.xml><?xml version="1.0" encoding="utf-8"?>
+<p:sld xmlns:a="http://schemas.openxmlformats.org/drawingml/2006/main" xmlns:r="http://schemas.openxmlformats.org/officeDocument/2006/relationships" xmlns:p="http://schemas.openxmlformats.org/presentationml/2006/main">
+  <p:cSld>
+    <p:spTree>
+      <p:nvGrpSpPr>
+        <p:cNvPr id="1" name=""/>
+        <p:cNvGrpSpPr/>
+        <p:nvPr/>
+      </p:nvGrpSpPr>
+      <p:grpSpPr>
+        <a:xfrm>
+          <a:off x="0" y="0"/>
+          <a:ext cx="0" cy="0"/>
+          <a:chOff x="0" y="0"/>
+          <a:chExt cx="0" cy="0"/>
+        </a:xfrm>
+      </p:grpSpPr>
+      <p:sp>
+        <p:nvSpPr>
+          <p:cNvPr id="2" name="Title 1"/>
+          <p:cNvSpPr>
+            <a:spLocks noGrp="1"/>
+          </p:cNvSpPr>
+          <p:nvPr>
+            <p:ph type="title"/>
+          </p:nvPr>
+        </p:nvSpPr>
+        <p:spPr/>
+        <p:txBody>
+          <a:bodyPr/>
+          <a:lstStyle/>
+          <a:p>
+            <a:r>
+              <a:rPr lang="en-US" dirty="0" smtClean="0"/>
               <a:t>Good Idea: Custom User Types</a:t>
             </a:r>
             <a:endParaRPr lang="en-US" dirty="0"/>
@@ -4924,7 +5004,7 @@
 </p:sld>
 </file>
 
-<file path=ppt/slides/slide21.xml><?xml version="1.0" encoding="utf-8"?>
+<file path=ppt/slides/slide22.xml><?xml version="1.0" encoding="utf-8"?>
 <p:sld xmlns:a="http://schemas.openxmlformats.org/drawingml/2006/main" xmlns:r="http://schemas.openxmlformats.org/officeDocument/2006/relationships" xmlns:p="http://schemas.openxmlformats.org/presentationml/2006/main">
   <p:cSld>
     <p:spTree>
@@ -5010,7 +5090,7 @@
 </p:sld>
 </file>
 
-<file path=ppt/slides/slide22.xml><?xml version="1.0" encoding="utf-8"?>
+<file path=ppt/slides/slide23.xml><?xml version="1.0" encoding="utf-8"?>
 <p:sld xmlns:a="http://schemas.openxmlformats.org/drawingml/2006/main" xmlns:r="http://schemas.openxmlformats.org/officeDocument/2006/relationships" xmlns:p="http://schemas.openxmlformats.org/presentationml/2006/main">
   <p:cSld>
     <p:spTree>
@@ -5089,7 +5169,7 @@
 </p:sld>
 </file>
 
-<file path=ppt/slides/slide23.xml><?xml version="1.0" encoding="utf-8"?>
+<file path=ppt/slides/slide24.xml><?xml version="1.0" encoding="utf-8"?>
 <p:sld xmlns:a="http://schemas.openxmlformats.org/drawingml/2006/main" xmlns:r="http://schemas.openxmlformats.org/officeDocument/2006/relationships" xmlns:p="http://schemas.openxmlformats.org/presentationml/2006/main">
   <p:cSld>
     <p:spTree>
@@ -5134,7 +5214,6 @@
               <a:rPr lang="en-US" sz="3600" dirty="0"/>
               <a:t>Excessive Lazy Loading / SELECT N+1</a:t>
             </a:r>
-            <a:endParaRPr lang="en-US" sz="3600" dirty="0"/>
           </a:p>
         </p:txBody>
       </p:sp>
@@ -5184,7 +5263,7 @@
 </p:sld>
 </file>
 
-<file path=ppt/slides/slide24.xml><?xml version="1.0" encoding="utf-8"?>
+<file path=ppt/slides/slide25.xml><?xml version="1.0" encoding="utf-8"?>
 <p:sld xmlns:a="http://schemas.openxmlformats.org/drawingml/2006/main" xmlns:r="http://schemas.openxmlformats.org/officeDocument/2006/relationships" xmlns:p="http://schemas.openxmlformats.org/presentationml/2006/main">
   <p:cSld>
     <p:spTree>
@@ -5229,7 +5308,6 @@
               <a:rPr lang="en-US" sz="3600" dirty="0"/>
               <a:t>Excessive Lazy Loading / SELECT N+1</a:t>
             </a:r>
-            <a:endParaRPr lang="en-US" sz="3600" dirty="0"/>
           </a:p>
         </p:txBody>
       </p:sp>
@@ -5279,7 +5357,7 @@
 </p:sld>
 </file>
 
-<file path=ppt/slides/slide25.xml><?xml version="1.0" encoding="utf-8"?>
+<file path=ppt/slides/slide26.xml><?xml version="1.0" encoding="utf-8"?>
 <p:sld xmlns:a="http://schemas.openxmlformats.org/drawingml/2006/main" xmlns:r="http://schemas.openxmlformats.org/officeDocument/2006/relationships" xmlns:p="http://schemas.openxmlformats.org/presentationml/2006/main">
   <p:cSld>
     <p:spTree>
@@ -5365,7 +5443,7 @@
 </p:sld>
 </file>
 
-<file path=ppt/slides/slide26.xml><?xml version="1.0" encoding="utf-8"?>
+<file path=ppt/slides/slide27.xml><?xml version="1.0" encoding="utf-8"?>
 <p:sld xmlns:a="http://schemas.openxmlformats.org/drawingml/2006/main" xmlns:r="http://schemas.openxmlformats.org/officeDocument/2006/relationships" xmlns:p="http://schemas.openxmlformats.org/presentationml/2006/main">
   <p:cSld>
     <p:spTree>
@@ -5451,7 +5529,7 @@
 </p:sld>
 </file>
 
-<file path=ppt/slides/slide27.xml><?xml version="1.0" encoding="utf-8"?>
+<file path=ppt/slides/slide28.xml><?xml version="1.0" encoding="utf-8"?>
 <p:sld xmlns:a="http://schemas.openxmlformats.org/drawingml/2006/main" xmlns:r="http://schemas.openxmlformats.org/officeDocument/2006/relationships" xmlns:p="http://schemas.openxmlformats.org/presentationml/2006/main">
   <p:cSld>
     <p:spTree>
@@ -5537,7 +5615,7 @@
 </p:sld>
 </file>
 
-<file path=ppt/slides/slide28.xml><?xml version="1.0" encoding="utf-8"?>
+<file path=ppt/slides/slide29.xml><?xml version="1.0" encoding="utf-8"?>
 <p:sld xmlns:a="http://schemas.openxmlformats.org/drawingml/2006/main" xmlns:r="http://schemas.openxmlformats.org/officeDocument/2006/relationships" xmlns:p="http://schemas.openxmlformats.org/presentationml/2006/main">
   <p:cSld>
     <p:spTree>
@@ -5623,92 +5701,6 @@
 </p:sld>
 </file>
 
-<file path=ppt/slides/slide29.xml><?xml version="1.0" encoding="utf-8"?>
-<p:sld xmlns:a="http://schemas.openxmlformats.org/drawingml/2006/main" xmlns:r="http://schemas.openxmlformats.org/officeDocument/2006/relationships" xmlns:p="http://schemas.openxmlformats.org/presentationml/2006/main">
-  <p:cSld>
-    <p:spTree>
-      <p:nvGrpSpPr>
-        <p:cNvPr id="1" name=""/>
-        <p:cNvGrpSpPr/>
-        <p:nvPr/>
-      </p:nvGrpSpPr>
-      <p:grpSpPr>
-        <a:xfrm>
-          <a:off x="0" y="0"/>
-          <a:ext cx="0" cy="0"/>
-          <a:chOff x="0" y="0"/>
-          <a:chExt cx="0" cy="0"/>
-        </a:xfrm>
-      </p:grpSpPr>
-      <p:sp>
-        <p:nvSpPr>
-          <p:cNvPr id="2" name="Title 1"/>
-          <p:cNvSpPr>
-            <a:spLocks noGrp="1"/>
-          </p:cNvSpPr>
-          <p:nvPr>
-            <p:ph type="title"/>
-          </p:nvPr>
-        </p:nvSpPr>
-        <p:spPr/>
-        <p:txBody>
-          <a:bodyPr/>
-          <a:lstStyle/>
-          <a:p>
-            <a:r>
-              <a:rPr lang="en-US" dirty="0" smtClean="0"/>
-              <a:t>Good Idea: Just use SQL</a:t>
-            </a:r>
-            <a:endParaRPr lang="en-US" dirty="0"/>
-          </a:p>
-        </p:txBody>
-      </p:sp>
-      <p:pic>
-        <p:nvPicPr>
-          <p:cNvPr id="5" name="Content Placeholder 4"/>
-          <p:cNvPicPr>
-            <a:picLocks noGrp="1" noChangeAspect="1"/>
-          </p:cNvPicPr>
-          <p:nvPr>
-            <p:ph idx="1"/>
-          </p:nvPr>
-        </p:nvPicPr>
-        <p:blipFill>
-          <a:blip r:embed="rId2"/>
-          <a:stretch>
-            <a:fillRect/>
-          </a:stretch>
-        </p:blipFill>
-        <p:spPr>
-          <a:xfrm>
-            <a:off x="628650" y="2268451"/>
-            <a:ext cx="7886700" cy="3465685"/>
-          </a:xfrm>
-          <a:prstGeom prst="rect">
-            <a:avLst/>
-          </a:prstGeom>
-        </p:spPr>
-      </p:pic>
-    </p:spTree>
-    <p:extLst>
-      <p:ext uri="{BB962C8B-B14F-4D97-AF65-F5344CB8AC3E}">
-        <p14:creationId xmlns:p14="http://schemas.microsoft.com/office/powerpoint/2010/main" val="1321050474"/>
-      </p:ext>
-    </p:extLst>
-  </p:cSld>
-  <p:clrMapOvr>
-    <a:masterClrMapping/>
-  </p:clrMapOvr>
-  <p:timing>
-    <p:tnLst>
-      <p:par>
-        <p:cTn id="1" dur="indefinite" restart="never" nodeType="tmRoot"/>
-      </p:par>
-    </p:tnLst>
-  </p:timing>
-</p:sld>
-</file>
-
 <file path=ppt/slides/slide3.xml><?xml version="1.0" encoding="utf-8"?>
 <p:sld xmlns:a="http://schemas.openxmlformats.org/drawingml/2006/main" xmlns:r="http://schemas.openxmlformats.org/officeDocument/2006/relationships" xmlns:p="http://schemas.openxmlformats.org/presentationml/2006/main">
   <p:cSld>
@@ -5766,7 +5758,6 @@
               <a:rPr lang="en-US" sz="5400" dirty="0"/>
               <a:t>DB</a:t>
             </a:r>
-            <a:endParaRPr lang="en-US" sz="5400" dirty="0"/>
           </a:p>
         </p:txBody>
       </p:sp>
@@ -5810,7 +5801,6 @@
               <a:rPr lang="en-US" sz="5400" dirty="0"/>
               <a:t>App</a:t>
             </a:r>
-            <a:endParaRPr lang="en-US" sz="5400" dirty="0"/>
           </a:p>
         </p:txBody>
       </p:sp>
@@ -6014,6 +6004,92 @@
           <a:p>
             <a:r>
               <a:rPr lang="en-US" dirty="0" smtClean="0"/>
+              <a:t>Good Idea: Just use SQL</a:t>
+            </a:r>
+            <a:endParaRPr lang="en-US" dirty="0"/>
+          </a:p>
+        </p:txBody>
+      </p:sp>
+      <p:pic>
+        <p:nvPicPr>
+          <p:cNvPr id="5" name="Content Placeholder 4"/>
+          <p:cNvPicPr>
+            <a:picLocks noGrp="1" noChangeAspect="1"/>
+          </p:cNvPicPr>
+          <p:nvPr>
+            <p:ph idx="1"/>
+          </p:nvPr>
+        </p:nvPicPr>
+        <p:blipFill>
+          <a:blip r:embed="rId2"/>
+          <a:stretch>
+            <a:fillRect/>
+          </a:stretch>
+        </p:blipFill>
+        <p:spPr>
+          <a:xfrm>
+            <a:off x="628650" y="2268451"/>
+            <a:ext cx="7886700" cy="3465685"/>
+          </a:xfrm>
+          <a:prstGeom prst="rect">
+            <a:avLst/>
+          </a:prstGeom>
+        </p:spPr>
+      </p:pic>
+    </p:spTree>
+    <p:extLst>
+      <p:ext uri="{BB962C8B-B14F-4D97-AF65-F5344CB8AC3E}">
+        <p14:creationId xmlns:p14="http://schemas.microsoft.com/office/powerpoint/2010/main" val="1321050474"/>
+      </p:ext>
+    </p:extLst>
+  </p:cSld>
+  <p:clrMapOvr>
+    <a:masterClrMapping/>
+  </p:clrMapOvr>
+  <p:timing>
+    <p:tnLst>
+      <p:par>
+        <p:cTn id="1" dur="indefinite" restart="never" nodeType="tmRoot"/>
+      </p:par>
+    </p:tnLst>
+  </p:timing>
+</p:sld>
+</file>
+
+<file path=ppt/slides/slide31.xml><?xml version="1.0" encoding="utf-8"?>
+<p:sld xmlns:a="http://schemas.openxmlformats.org/drawingml/2006/main" xmlns:r="http://schemas.openxmlformats.org/officeDocument/2006/relationships" xmlns:p="http://schemas.openxmlformats.org/presentationml/2006/main">
+  <p:cSld>
+    <p:spTree>
+      <p:nvGrpSpPr>
+        <p:cNvPr id="1" name=""/>
+        <p:cNvGrpSpPr/>
+        <p:nvPr/>
+      </p:nvGrpSpPr>
+      <p:grpSpPr>
+        <a:xfrm>
+          <a:off x="0" y="0"/>
+          <a:ext cx="0" cy="0"/>
+          <a:chOff x="0" y="0"/>
+          <a:chExt cx="0" cy="0"/>
+        </a:xfrm>
+      </p:grpSpPr>
+      <p:sp>
+        <p:nvSpPr>
+          <p:cNvPr id="2" name="Title 1"/>
+          <p:cNvSpPr>
+            <a:spLocks noGrp="1"/>
+          </p:cNvSpPr>
+          <p:nvPr>
+            <p:ph type="title"/>
+          </p:nvPr>
+        </p:nvSpPr>
+        <p:spPr/>
+        <p:txBody>
+          <a:bodyPr/>
+          <a:lstStyle/>
+          <a:p>
+            <a:r>
+              <a:rPr lang="en-US" dirty="0" smtClean="0"/>
               <a:t>Bad Idea: Too much data</a:t>
             </a:r>
             <a:endParaRPr lang="en-US" dirty="0"/>
@@ -6066,7 +6142,7 @@
 </p:sld>
 </file>
 
-<file path=ppt/slides/slide31.xml><?xml version="1.0" encoding="utf-8"?>
+<file path=ppt/slides/slide32.xml><?xml version="1.0" encoding="utf-8"?>
 <p:sld xmlns:a="http://schemas.openxmlformats.org/drawingml/2006/main" xmlns:r="http://schemas.openxmlformats.org/officeDocument/2006/relationships" xmlns:p="http://schemas.openxmlformats.org/presentationml/2006/main">
   <p:cSld>
     <p:spTree>
@@ -6152,7 +6228,7 @@
 </p:sld>
 </file>
 
-<file path=ppt/slides/slide32.xml><?xml version="1.0" encoding="utf-8"?>
+<file path=ppt/slides/slide33.xml><?xml version="1.0" encoding="utf-8"?>
 <p:sld xmlns:a="http://schemas.openxmlformats.org/drawingml/2006/main" xmlns:r="http://schemas.openxmlformats.org/officeDocument/2006/relationships" xmlns:p="http://schemas.openxmlformats.org/presentationml/2006/main">
   <p:cSld>
     <p:spTree>
@@ -6254,7 +6330,7 @@
 </p:sld>
 </file>
 
-<file path=ppt/slides/slide33.xml><?xml version="1.0" encoding="utf-8"?>
+<file path=ppt/slides/slide34.xml><?xml version="1.0" encoding="utf-8"?>
 <p:sld xmlns:a="http://schemas.openxmlformats.org/drawingml/2006/main" xmlns:r="http://schemas.openxmlformats.org/officeDocument/2006/relationships" xmlns:p="http://schemas.openxmlformats.org/presentationml/2006/main">
   <p:cSld>
     <p:spTree>
@@ -6292,7 +6368,6 @@
               <a:rPr lang="en-US" sz="4000" dirty="0"/>
               <a:t>Bad Idea: Excessive Round trips</a:t>
             </a:r>
-            <a:endParaRPr lang="en-US" sz="4000" dirty="0"/>
           </a:p>
         </p:txBody>
       </p:sp>
@@ -6342,7 +6417,7 @@
 </p:sld>
 </file>
 
-<file path=ppt/slides/slide34.xml><?xml version="1.0" encoding="utf-8"?>
+<file path=ppt/slides/slide35.xml><?xml version="1.0" encoding="utf-8"?>
 <p:sld xmlns:a="http://schemas.openxmlformats.org/drawingml/2006/main" xmlns:r="http://schemas.openxmlformats.org/officeDocument/2006/relationships" xmlns:p="http://schemas.openxmlformats.org/presentationml/2006/main">
   <p:cSld>
     <p:spTree>
@@ -6534,7 +6609,7 @@
 </p:sld>
 </file>
 
-<file path=ppt/slides/slide35.xml><?xml version="1.0" encoding="utf-8"?>
+<file path=ppt/slides/slide36.xml><?xml version="1.0" encoding="utf-8"?>
 <p:sld xmlns:a="http://schemas.openxmlformats.org/drawingml/2006/main" xmlns:r="http://schemas.openxmlformats.org/officeDocument/2006/relationships" xmlns:p="http://schemas.openxmlformats.org/presentationml/2006/main">
   <p:cSld>
     <p:spTree>
@@ -6627,7 +6702,7 @@
 </p:sld>
 </file>
 
-<file path=ppt/slides/slide36.xml><?xml version="1.0" encoding="utf-8"?>
+<file path=ppt/slides/slide37.xml><?xml version="1.0" encoding="utf-8"?>
 <p:sld xmlns:a="http://schemas.openxmlformats.org/drawingml/2006/main" xmlns:r="http://schemas.openxmlformats.org/officeDocument/2006/relationships" xmlns:p="http://schemas.openxmlformats.org/presentationml/2006/main">
   <p:cSld>
     <p:spTree>
@@ -6713,7 +6788,7 @@
 </p:sld>
 </file>
 
-<file path=ppt/slides/slide37.xml><?xml version="1.0" encoding="utf-8"?>
+<file path=ppt/slides/slide38.xml><?xml version="1.0" encoding="utf-8"?>
 <p:sld xmlns:a="http://schemas.openxmlformats.org/drawingml/2006/main" xmlns:r="http://schemas.openxmlformats.org/officeDocument/2006/relationships" xmlns:p="http://schemas.openxmlformats.org/presentationml/2006/main">
   <p:cSld>
     <p:spTree>
@@ -6799,85 +6874,6 @@
 </p:sld>
 </file>
 
-<file path=ppt/slides/slide38.xml><?xml version="1.0" encoding="utf-8"?>
-<p:sld xmlns:a="http://schemas.openxmlformats.org/drawingml/2006/main" xmlns:r="http://schemas.openxmlformats.org/officeDocument/2006/relationships" xmlns:p="http://schemas.openxmlformats.org/presentationml/2006/main">
-  <p:cSld>
-    <p:spTree>
-      <p:nvGrpSpPr>
-        <p:cNvPr id="1" name=""/>
-        <p:cNvGrpSpPr/>
-        <p:nvPr/>
-      </p:nvGrpSpPr>
-      <p:grpSpPr>
-        <a:xfrm>
-          <a:off x="0" y="0"/>
-          <a:ext cx="0" cy="0"/>
-          <a:chOff x="0" y="0"/>
-          <a:chExt cx="0" cy="0"/>
-        </a:xfrm>
-      </p:grpSpPr>
-      <p:sp>
-        <p:nvSpPr>
-          <p:cNvPr id="4" name="Title 3"/>
-          <p:cNvSpPr>
-            <a:spLocks noGrp="1"/>
-          </p:cNvSpPr>
-          <p:nvPr>
-            <p:ph type="title"/>
-          </p:nvPr>
-        </p:nvSpPr>
-        <p:spPr/>
-        <p:txBody>
-          <a:bodyPr/>
-          <a:lstStyle/>
-          <a:p>
-            <a:r>
-              <a:rPr lang="en-US" dirty="0" smtClean="0"/>
-              <a:t>Usage Problems</a:t>
-            </a:r>
-            <a:endParaRPr lang="en-US" dirty="0"/>
-          </a:p>
-        </p:txBody>
-      </p:sp>
-      <p:sp>
-        <p:nvSpPr>
-          <p:cNvPr id="5" name="Text Placeholder 4"/>
-          <p:cNvSpPr>
-            <a:spLocks noGrp="1"/>
-          </p:cNvSpPr>
-          <p:nvPr>
-            <p:ph type="body" idx="1"/>
-          </p:nvPr>
-        </p:nvSpPr>
-        <p:spPr/>
-        <p:txBody>
-          <a:bodyPr/>
-          <a:lstStyle/>
-          <a:p>
-            <a:endParaRPr lang="en-US"/>
-          </a:p>
-        </p:txBody>
-      </p:sp>
-    </p:spTree>
-    <p:extLst>
-      <p:ext uri="{BB962C8B-B14F-4D97-AF65-F5344CB8AC3E}">
-        <p14:creationId xmlns:p14="http://schemas.microsoft.com/office/powerpoint/2010/main" val="996127825"/>
-      </p:ext>
-    </p:extLst>
-  </p:cSld>
-  <p:clrMapOvr>
-    <a:masterClrMapping/>
-  </p:clrMapOvr>
-  <p:timing>
-    <p:tnLst>
-      <p:par>
-        <p:cTn id="1" dur="indefinite" restart="never" nodeType="tmRoot"/>
-      </p:par>
-    </p:tnLst>
-  </p:timing>
-</p:sld>
-</file>
-
 <file path=ppt/slides/slide39.xml><?xml version="1.0" encoding="utf-8"?>
 <p:sld xmlns:a="http://schemas.openxmlformats.org/drawingml/2006/main" xmlns:r="http://schemas.openxmlformats.org/officeDocument/2006/relationships" xmlns:p="http://schemas.openxmlformats.org/presentationml/2006/main">
   <p:cSld>
@@ -6912,42 +6908,35 @@
           <a:p>
             <a:r>
               <a:rPr lang="en-US" dirty="0" smtClean="0"/>
-              <a:t>Bad Idea: Repositories</a:t>
+              <a:t>Usage Problems</a:t>
             </a:r>
             <a:endParaRPr lang="en-US" dirty="0"/>
           </a:p>
         </p:txBody>
       </p:sp>
-      <p:pic>
-        <p:nvPicPr>
-          <p:cNvPr id="6" name="Content Placeholder 5"/>
-          <p:cNvPicPr>
-            <a:picLocks noGrp="1" noChangeAspect="1"/>
-          </p:cNvPicPr>
-          <p:nvPr>
-            <p:ph idx="1"/>
-          </p:nvPr>
-        </p:nvPicPr>
-        <p:blipFill>
-          <a:blip r:embed="rId2"/>
-          <a:stretch>
-            <a:fillRect/>
-          </a:stretch>
-        </p:blipFill>
-        <p:spPr>
-          <a:xfrm>
-            <a:off x="1116250" y="1825625"/>
-            <a:ext cx="6911500" cy="4351338"/>
-          </a:xfrm>
-          <a:prstGeom prst="rect">
-            <a:avLst/>
-          </a:prstGeom>
-        </p:spPr>
-      </p:pic>
+      <p:sp>
+        <p:nvSpPr>
+          <p:cNvPr id="5" name="Text Placeholder 4"/>
+          <p:cNvSpPr>
+            <a:spLocks noGrp="1"/>
+          </p:cNvSpPr>
+          <p:nvPr>
+            <p:ph type="body" idx="1"/>
+          </p:nvPr>
+        </p:nvSpPr>
+        <p:spPr/>
+        <p:txBody>
+          <a:bodyPr/>
+          <a:lstStyle/>
+          <a:p>
+            <a:endParaRPr lang="en-US"/>
+          </a:p>
+        </p:txBody>
+      </p:sp>
     </p:spTree>
     <p:extLst>
       <p:ext uri="{BB962C8B-B14F-4D97-AF65-F5344CB8AC3E}">
-        <p14:creationId xmlns:p14="http://schemas.microsoft.com/office/powerpoint/2010/main" val="669143034"/>
+        <p14:creationId xmlns:p14="http://schemas.microsoft.com/office/powerpoint/2010/main" val="996127825"/>
       </p:ext>
     </p:extLst>
   </p:cSld>
@@ -7051,8 +7040,8 @@
         </p:blipFill>
         <p:spPr bwMode="auto">
           <a:xfrm>
-            <a:off x="623096" y="3509169"/>
-            <a:ext cx="2543175" cy="1676400"/>
+            <a:off x="253764" y="3265714"/>
+            <a:ext cx="3545031" cy="2336800"/>
           </a:xfrm>
           <a:prstGeom prst="rect">
             <a:avLst/>
@@ -7116,8 +7105,8 @@
         </p:blipFill>
         <p:spPr bwMode="auto">
           <a:xfrm>
-            <a:off x="4629150" y="3799734"/>
-            <a:ext cx="3887788" cy="1095269"/>
+            <a:off x="4253430" y="3693886"/>
+            <a:ext cx="4765616" cy="1342571"/>
           </a:xfrm>
           <a:prstGeom prst="rect">
             <a:avLst/>
@@ -7173,6 +7162,92 @@
       </p:grpSpPr>
       <p:sp>
         <p:nvSpPr>
+          <p:cNvPr id="4" name="Title 3"/>
+          <p:cNvSpPr>
+            <a:spLocks noGrp="1"/>
+          </p:cNvSpPr>
+          <p:nvPr>
+            <p:ph type="title"/>
+          </p:nvPr>
+        </p:nvSpPr>
+        <p:spPr/>
+        <p:txBody>
+          <a:bodyPr/>
+          <a:lstStyle/>
+          <a:p>
+            <a:r>
+              <a:rPr lang="en-US" dirty="0" smtClean="0"/>
+              <a:t>Bad Idea: Repositories</a:t>
+            </a:r>
+            <a:endParaRPr lang="en-US" dirty="0"/>
+          </a:p>
+        </p:txBody>
+      </p:sp>
+      <p:pic>
+        <p:nvPicPr>
+          <p:cNvPr id="6" name="Content Placeholder 5"/>
+          <p:cNvPicPr>
+            <a:picLocks noGrp="1" noChangeAspect="1"/>
+          </p:cNvPicPr>
+          <p:nvPr>
+            <p:ph idx="1"/>
+          </p:nvPr>
+        </p:nvPicPr>
+        <p:blipFill>
+          <a:blip r:embed="rId2"/>
+          <a:stretch>
+            <a:fillRect/>
+          </a:stretch>
+        </p:blipFill>
+        <p:spPr>
+          <a:xfrm>
+            <a:off x="1116250" y="1825625"/>
+            <a:ext cx="6911500" cy="4351338"/>
+          </a:xfrm>
+          <a:prstGeom prst="rect">
+            <a:avLst/>
+          </a:prstGeom>
+        </p:spPr>
+      </p:pic>
+    </p:spTree>
+    <p:extLst>
+      <p:ext uri="{BB962C8B-B14F-4D97-AF65-F5344CB8AC3E}">
+        <p14:creationId xmlns:p14="http://schemas.microsoft.com/office/powerpoint/2010/main" val="669143034"/>
+      </p:ext>
+    </p:extLst>
+  </p:cSld>
+  <p:clrMapOvr>
+    <a:masterClrMapping/>
+  </p:clrMapOvr>
+  <p:timing>
+    <p:tnLst>
+      <p:par>
+        <p:cTn id="1" dur="indefinite" restart="never" nodeType="tmRoot"/>
+      </p:par>
+    </p:tnLst>
+  </p:timing>
+</p:sld>
+</file>
+
+<file path=ppt/slides/slide41.xml><?xml version="1.0" encoding="utf-8"?>
+<p:sld xmlns:a="http://schemas.openxmlformats.org/drawingml/2006/main" xmlns:r="http://schemas.openxmlformats.org/officeDocument/2006/relationships" xmlns:p="http://schemas.openxmlformats.org/presentationml/2006/main">
+  <p:cSld>
+    <p:spTree>
+      <p:nvGrpSpPr>
+        <p:cNvPr id="1" name=""/>
+        <p:cNvGrpSpPr/>
+        <p:nvPr/>
+      </p:nvGrpSpPr>
+      <p:grpSpPr>
+        <a:xfrm>
+          <a:off x="0" y="0"/>
+          <a:ext cx="0" cy="0"/>
+          <a:chOff x="0" y="0"/>
+          <a:chExt cx="0" cy="0"/>
+        </a:xfrm>
+      </p:grpSpPr>
+      <p:sp>
+        <p:nvSpPr>
           <p:cNvPr id="2" name="Title 1"/>
           <p:cNvSpPr>
             <a:spLocks noGrp="1"/>
@@ -7247,7 +7322,7 @@
 </p:sld>
 </file>
 
-<file path=ppt/slides/slide41.xml><?xml version="1.0" encoding="utf-8"?>
+<file path=ppt/slides/slide42.xml><?xml version="1.0" encoding="utf-8"?>
 <p:sld xmlns:a="http://schemas.openxmlformats.org/drawingml/2006/main" xmlns:r="http://schemas.openxmlformats.org/officeDocument/2006/relationships" xmlns:p="http://schemas.openxmlformats.org/presentationml/2006/main">
   <p:cSld>
     <p:spTree>
@@ -7312,8 +7387,8 @@
         </p:blipFill>
         <p:spPr>
           <a:xfrm>
-            <a:off x="2430478" y="1825625"/>
-            <a:ext cx="4283043" cy="4351338"/>
+            <a:off x="1930400" y="1689625"/>
+            <a:ext cx="5087257" cy="5168375"/>
           </a:xfrm>
           <a:prstGeom prst="rect">
             <a:avLst/>
@@ -7340,7 +7415,100 @@
 </p:sld>
 </file>
 
-<file path=ppt/slides/slide42.xml><?xml version="1.0" encoding="utf-8"?>
+<file path=ppt/slides/slide43.xml><?xml version="1.0" encoding="utf-8"?>
+<p:sld xmlns:a="http://schemas.openxmlformats.org/drawingml/2006/main" xmlns:r="http://schemas.openxmlformats.org/officeDocument/2006/relationships" xmlns:p="http://schemas.openxmlformats.org/presentationml/2006/main">
+  <p:cSld>
+    <p:spTree>
+      <p:nvGrpSpPr>
+        <p:cNvPr id="1" name=""/>
+        <p:cNvGrpSpPr/>
+        <p:nvPr/>
+      </p:nvGrpSpPr>
+      <p:grpSpPr>
+        <a:xfrm>
+          <a:off x="0" y="0"/>
+          <a:ext cx="0" cy="0"/>
+          <a:chOff x="0" y="0"/>
+          <a:chExt cx="0" cy="0"/>
+        </a:xfrm>
+      </p:grpSpPr>
+      <p:sp>
+        <p:nvSpPr>
+          <p:cNvPr id="2" name="Title 1"/>
+          <p:cNvSpPr>
+            <a:spLocks noGrp="1"/>
+          </p:cNvSpPr>
+          <p:nvPr>
+            <p:ph type="title"/>
+          </p:nvPr>
+        </p:nvSpPr>
+        <p:spPr/>
+        <p:txBody>
+          <a:bodyPr/>
+          <a:lstStyle/>
+          <a:p>
+            <a:r>
+              <a:rPr lang="en-US" dirty="0" smtClean="0"/>
+              <a:t>Good Idea:</a:t>
+            </a:r>
+            <a:br>
+              <a:rPr lang="en-US" dirty="0" smtClean="0"/>
+            </a:br>
+            <a:r>
+              <a:rPr lang="en-US" dirty="0" smtClean="0"/>
+              <a:t>Commands and Queries</a:t>
+            </a:r>
+            <a:endParaRPr lang="en-US" dirty="0"/>
+          </a:p>
+        </p:txBody>
+      </p:sp>
+      <p:pic>
+        <p:nvPicPr>
+          <p:cNvPr id="4" name="Content Placeholder 3"/>
+          <p:cNvPicPr>
+            <a:picLocks noGrp="1" noChangeAspect="1"/>
+          </p:cNvPicPr>
+          <p:nvPr>
+            <p:ph idx="1"/>
+          </p:nvPr>
+        </p:nvPicPr>
+        <p:blipFill>
+          <a:blip r:embed="rId2"/>
+          <a:stretch>
+            <a:fillRect/>
+          </a:stretch>
+        </p:blipFill>
+        <p:spPr>
+          <a:xfrm>
+            <a:off x="628650" y="2572874"/>
+            <a:ext cx="7886700" cy="2856839"/>
+          </a:xfrm>
+          <a:prstGeom prst="rect">
+            <a:avLst/>
+          </a:prstGeom>
+        </p:spPr>
+      </p:pic>
+    </p:spTree>
+    <p:extLst>
+      <p:ext uri="{BB962C8B-B14F-4D97-AF65-F5344CB8AC3E}">
+        <p14:creationId xmlns:p14="http://schemas.microsoft.com/office/powerpoint/2010/main" val="1865054286"/>
+      </p:ext>
+    </p:extLst>
+  </p:cSld>
+  <p:clrMapOvr>
+    <a:masterClrMapping/>
+  </p:clrMapOvr>
+  <p:timing>
+    <p:tnLst>
+      <p:par>
+        <p:cTn id="1" dur="indefinite" restart="never" nodeType="tmRoot"/>
+      </p:par>
+    </p:tnLst>
+  </p:timing>
+</p:sld>
+</file>
+
+<file path=ppt/slides/slide44.xml><?xml version="1.0" encoding="utf-8"?>
 <p:sld xmlns:a="http://schemas.openxmlformats.org/drawingml/2006/main" xmlns:r="http://schemas.openxmlformats.org/officeDocument/2006/relationships" xmlns:p="http://schemas.openxmlformats.org/presentationml/2006/main">
   <p:cSld>
     <p:spTree>
@@ -7433,7 +7601,7 @@
 </p:sld>
 </file>
 
-<file path=ppt/slides/slide43.xml><?xml version="1.0" encoding="utf-8"?>
+<file path=ppt/slides/slide45.xml><?xml version="1.0" encoding="utf-8"?>
 <p:sld xmlns:a="http://schemas.openxmlformats.org/drawingml/2006/main" xmlns:r="http://schemas.openxmlformats.org/officeDocument/2006/relationships" xmlns:p="http://schemas.openxmlformats.org/presentationml/2006/main">
   <p:cSld>
     <p:spTree>
@@ -7519,7 +7687,7 @@
 </p:sld>
 </file>
 
-<file path=ppt/slides/slide44.xml><?xml version="1.0" encoding="utf-8"?>
+<file path=ppt/slides/slide46.xml><?xml version="1.0" encoding="utf-8"?>
 <p:sld xmlns:a="http://schemas.openxmlformats.org/drawingml/2006/main" xmlns:r="http://schemas.openxmlformats.org/officeDocument/2006/relationships" xmlns:p="http://schemas.openxmlformats.org/presentationml/2006/main">
   <p:cSld>
     <p:spTree>
@@ -7605,7 +7773,7 @@
 </p:sld>
 </file>
 
-<file path=ppt/slides/slide45.xml><?xml version="1.0" encoding="utf-8"?>
+<file path=ppt/slides/slide47.xml><?xml version="1.0" encoding="utf-8"?>
 <p:sld xmlns:a="http://schemas.openxmlformats.org/drawingml/2006/main" xmlns:r="http://schemas.openxmlformats.org/officeDocument/2006/relationships" xmlns:p="http://schemas.openxmlformats.org/presentationml/2006/main">
   <p:cSld>
     <p:spTree>
@@ -7691,7 +7859,7 @@
 </p:sld>
 </file>
 
-<file path=ppt/slides/slide46.xml><?xml version="1.0" encoding="utf-8"?>
+<file path=ppt/slides/slide48.xml><?xml version="1.0" encoding="utf-8"?>
 <p:sld xmlns:a="http://schemas.openxmlformats.org/drawingml/2006/main" xmlns:r="http://schemas.openxmlformats.org/officeDocument/2006/relationships" xmlns:p="http://schemas.openxmlformats.org/presentationml/2006/main">
   <p:cSld>
     <p:spTree>
@@ -7777,7 +7945,7 @@
 </p:sld>
 </file>
 
-<file path=ppt/slides/slide47.xml><?xml version="1.0" encoding="utf-8"?>
+<file path=ppt/slides/slide49.xml><?xml version="1.0" encoding="utf-8"?>
 <p:sld xmlns:a="http://schemas.openxmlformats.org/drawingml/2006/main" xmlns:r="http://schemas.openxmlformats.org/officeDocument/2006/relationships" xmlns:p="http://schemas.openxmlformats.org/presentationml/2006/main">
   <p:cSld>
     <p:spTree>
@@ -7863,185 +8031,6 @@
 </p:sld>
 </file>
 
-<file path=ppt/slides/slide48.xml><?xml version="1.0" encoding="utf-8"?>
-<p:sld xmlns:a="http://schemas.openxmlformats.org/drawingml/2006/main" xmlns:r="http://schemas.openxmlformats.org/officeDocument/2006/relationships" xmlns:p="http://schemas.openxmlformats.org/presentationml/2006/main">
-  <p:cSld>
-    <p:spTree>
-      <p:nvGrpSpPr>
-        <p:cNvPr id="1" name=""/>
-        <p:cNvGrpSpPr/>
-        <p:nvPr/>
-      </p:nvGrpSpPr>
-      <p:grpSpPr>
-        <a:xfrm>
-          <a:off x="0" y="0"/>
-          <a:ext cx="0" cy="0"/>
-          <a:chOff x="0" y="0"/>
-          <a:chExt cx="0" cy="0"/>
-        </a:xfrm>
-      </p:grpSpPr>
-      <p:sp>
-        <p:nvSpPr>
-          <p:cNvPr id="2" name="Title 1"/>
-          <p:cNvSpPr>
-            <a:spLocks noGrp="1"/>
-          </p:cNvSpPr>
-          <p:nvPr>
-            <p:ph type="title"/>
-          </p:nvPr>
-        </p:nvSpPr>
-        <p:spPr/>
-        <p:txBody>
-          <a:bodyPr/>
-          <a:lstStyle/>
-          <a:p>
-            <a:r>
-              <a:rPr lang="en-US" dirty="0" smtClean="0"/>
-              <a:t>Good Idea: SQL Enlightenment</a:t>
-            </a:r>
-            <a:endParaRPr lang="en-US" dirty="0"/>
-          </a:p>
-        </p:txBody>
-      </p:sp>
-      <p:pic>
-        <p:nvPicPr>
-          <p:cNvPr id="4" name="Content Placeholder 3"/>
-          <p:cNvPicPr>
-            <a:picLocks noGrp="1" noChangeAspect="1"/>
-          </p:cNvPicPr>
-          <p:nvPr>
-            <p:ph idx="1"/>
-          </p:nvPr>
-        </p:nvPicPr>
-        <p:blipFill>
-          <a:blip r:embed="rId2"/>
-          <a:stretch>
-            <a:fillRect/>
-          </a:stretch>
-        </p:blipFill>
-        <p:spPr>
-          <a:xfrm>
-            <a:off x="1162084" y="1825625"/>
-            <a:ext cx="6819832" cy="4351338"/>
-          </a:xfrm>
-          <a:prstGeom prst="rect">
-            <a:avLst/>
-          </a:prstGeom>
-        </p:spPr>
-      </p:pic>
-    </p:spTree>
-    <p:extLst>
-      <p:ext uri="{BB962C8B-B14F-4D97-AF65-F5344CB8AC3E}">
-        <p14:creationId xmlns:p14="http://schemas.microsoft.com/office/powerpoint/2010/main" val="2784056842"/>
-      </p:ext>
-    </p:extLst>
-  </p:cSld>
-  <p:clrMapOvr>
-    <a:masterClrMapping/>
-  </p:clrMapOvr>
-  <p:timing>
-    <p:tnLst>
-      <p:par>
-        <p:cTn id="1" dur="indefinite" restart="never" nodeType="tmRoot"/>
-      </p:par>
-    </p:tnLst>
-  </p:timing>
-</p:sld>
-</file>
-
-<file path=ppt/slides/slide49.xml><?xml version="1.0" encoding="utf-8"?>
-<p:sld xmlns:a="http://schemas.openxmlformats.org/drawingml/2006/main" xmlns:r="http://schemas.openxmlformats.org/officeDocument/2006/relationships" xmlns:p="http://schemas.openxmlformats.org/presentationml/2006/main">
-  <p:cSld>
-    <p:spTree>
-      <p:nvGrpSpPr>
-        <p:cNvPr id="1" name=""/>
-        <p:cNvGrpSpPr/>
-        <p:nvPr/>
-      </p:nvGrpSpPr>
-      <p:grpSpPr>
-        <a:xfrm>
-          <a:off x="0" y="0"/>
-          <a:ext cx="0" cy="0"/>
-          <a:chOff x="0" y="0"/>
-          <a:chExt cx="0" cy="0"/>
-        </a:xfrm>
-      </p:grpSpPr>
-      <p:sp>
-        <p:nvSpPr>
-          <p:cNvPr id="2" name="Title 1"/>
-          <p:cNvSpPr>
-            <a:spLocks noGrp="1"/>
-          </p:cNvSpPr>
-          <p:nvPr>
-            <p:ph type="title"/>
-          </p:nvPr>
-        </p:nvSpPr>
-        <p:spPr/>
-        <p:txBody>
-          <a:bodyPr/>
-          <a:lstStyle/>
-          <a:p>
-            <a:r>
-              <a:rPr lang="en-US" dirty="0" smtClean="0"/>
-              <a:t>Bad Idea:</a:t>
-            </a:r>
-            <a:br>
-              <a:rPr lang="en-US" dirty="0" smtClean="0"/>
-            </a:br>
-            <a:r>
-              <a:rPr lang="en-US" dirty="0" smtClean="0"/>
-              <a:t>Implicit Transactions</a:t>
-            </a:r>
-            <a:endParaRPr lang="en-US" dirty="0"/>
-          </a:p>
-        </p:txBody>
-      </p:sp>
-      <p:pic>
-        <p:nvPicPr>
-          <p:cNvPr id="6" name="Content Placeholder 5"/>
-          <p:cNvPicPr>
-            <a:picLocks noGrp="1" noChangeAspect="1"/>
-          </p:cNvPicPr>
-          <p:nvPr>
-            <p:ph idx="1"/>
-          </p:nvPr>
-        </p:nvPicPr>
-        <p:blipFill>
-          <a:blip r:embed="rId2"/>
-          <a:stretch>
-            <a:fillRect/>
-          </a:stretch>
-        </p:blipFill>
-        <p:spPr>
-          <a:xfrm>
-            <a:off x="1251986" y="1825625"/>
-            <a:ext cx="6640028" cy="4351338"/>
-          </a:xfrm>
-          <a:prstGeom prst="rect">
-            <a:avLst/>
-          </a:prstGeom>
-        </p:spPr>
-      </p:pic>
-    </p:spTree>
-    <p:extLst>
-      <p:ext uri="{BB962C8B-B14F-4D97-AF65-F5344CB8AC3E}">
-        <p14:creationId xmlns:p14="http://schemas.microsoft.com/office/powerpoint/2010/main" val="2155082430"/>
-      </p:ext>
-    </p:extLst>
-  </p:cSld>
-  <p:clrMapOvr>
-    <a:masterClrMapping/>
-  </p:clrMapOvr>
-  <p:timing>
-    <p:tnLst>
-      <p:par>
-        <p:cTn id="1" dur="indefinite" restart="never" nodeType="tmRoot"/>
-      </p:par>
-    </p:tnLst>
-  </p:timing>
-</p:sld>
-</file>
-
 <file path=ppt/slides/slide5.xml><?xml version="1.0" encoding="utf-8"?>
 <p:sld xmlns:a="http://schemas.openxmlformats.org/drawingml/2006/main" xmlns:r="http://schemas.openxmlformats.org/officeDocument/2006/relationships" xmlns:p="http://schemas.openxmlformats.org/presentationml/2006/main">
   <p:cSld>
@@ -8130,8 +8119,8 @@
         </p:blipFill>
         <p:spPr bwMode="auto">
           <a:xfrm>
-            <a:off x="1142207" y="3680619"/>
-            <a:ext cx="1504951" cy="1333500"/>
+            <a:off x="399143" y="3022208"/>
+            <a:ext cx="2946400" cy="2610733"/>
           </a:xfrm>
           <a:prstGeom prst="rect">
             <a:avLst/>
@@ -8195,8 +8184,8 @@
         </p:blipFill>
         <p:spPr bwMode="auto">
           <a:xfrm>
-            <a:off x="4629150" y="3482518"/>
-            <a:ext cx="3887788" cy="1729701"/>
+            <a:off x="3929795" y="3171372"/>
+            <a:ext cx="5007667" cy="2227942"/>
           </a:xfrm>
           <a:prstGeom prst="rect">
             <a:avLst/>
@@ -8267,6 +8256,185 @@
           <a:p>
             <a:r>
               <a:rPr lang="en-US" dirty="0" smtClean="0"/>
+              <a:t>Good Idea: SQL Enlightenment</a:t>
+            </a:r>
+            <a:endParaRPr lang="en-US" dirty="0"/>
+          </a:p>
+        </p:txBody>
+      </p:sp>
+      <p:pic>
+        <p:nvPicPr>
+          <p:cNvPr id="4" name="Content Placeholder 3"/>
+          <p:cNvPicPr>
+            <a:picLocks noGrp="1" noChangeAspect="1"/>
+          </p:cNvPicPr>
+          <p:nvPr>
+            <p:ph idx="1"/>
+          </p:nvPr>
+        </p:nvPicPr>
+        <p:blipFill>
+          <a:blip r:embed="rId2"/>
+          <a:stretch>
+            <a:fillRect/>
+          </a:stretch>
+        </p:blipFill>
+        <p:spPr>
+          <a:xfrm>
+            <a:off x="1162084" y="1825625"/>
+            <a:ext cx="6819832" cy="4351338"/>
+          </a:xfrm>
+          <a:prstGeom prst="rect">
+            <a:avLst/>
+          </a:prstGeom>
+        </p:spPr>
+      </p:pic>
+    </p:spTree>
+    <p:extLst>
+      <p:ext uri="{BB962C8B-B14F-4D97-AF65-F5344CB8AC3E}">
+        <p14:creationId xmlns:p14="http://schemas.microsoft.com/office/powerpoint/2010/main" val="2784056842"/>
+      </p:ext>
+    </p:extLst>
+  </p:cSld>
+  <p:clrMapOvr>
+    <a:masterClrMapping/>
+  </p:clrMapOvr>
+  <p:timing>
+    <p:tnLst>
+      <p:par>
+        <p:cTn id="1" dur="indefinite" restart="never" nodeType="tmRoot"/>
+      </p:par>
+    </p:tnLst>
+  </p:timing>
+</p:sld>
+</file>
+
+<file path=ppt/slides/slide51.xml><?xml version="1.0" encoding="utf-8"?>
+<p:sld xmlns:a="http://schemas.openxmlformats.org/drawingml/2006/main" xmlns:r="http://schemas.openxmlformats.org/officeDocument/2006/relationships" xmlns:p="http://schemas.openxmlformats.org/presentationml/2006/main">
+  <p:cSld>
+    <p:spTree>
+      <p:nvGrpSpPr>
+        <p:cNvPr id="1" name=""/>
+        <p:cNvGrpSpPr/>
+        <p:nvPr/>
+      </p:nvGrpSpPr>
+      <p:grpSpPr>
+        <a:xfrm>
+          <a:off x="0" y="0"/>
+          <a:ext cx="0" cy="0"/>
+          <a:chOff x="0" y="0"/>
+          <a:chExt cx="0" cy="0"/>
+        </a:xfrm>
+      </p:grpSpPr>
+      <p:sp>
+        <p:nvSpPr>
+          <p:cNvPr id="2" name="Title 1"/>
+          <p:cNvSpPr>
+            <a:spLocks noGrp="1"/>
+          </p:cNvSpPr>
+          <p:nvPr>
+            <p:ph type="title"/>
+          </p:nvPr>
+        </p:nvSpPr>
+        <p:spPr/>
+        <p:txBody>
+          <a:bodyPr/>
+          <a:lstStyle/>
+          <a:p>
+            <a:r>
+              <a:rPr lang="en-US" dirty="0" smtClean="0"/>
+              <a:t>Bad Idea:</a:t>
+            </a:r>
+            <a:br>
+              <a:rPr lang="en-US" dirty="0" smtClean="0"/>
+            </a:br>
+            <a:r>
+              <a:rPr lang="en-US" dirty="0" smtClean="0"/>
+              <a:t>Implicit Transactions</a:t>
+            </a:r>
+            <a:endParaRPr lang="en-US" dirty="0"/>
+          </a:p>
+        </p:txBody>
+      </p:sp>
+      <p:pic>
+        <p:nvPicPr>
+          <p:cNvPr id="6" name="Content Placeholder 5"/>
+          <p:cNvPicPr>
+            <a:picLocks noGrp="1" noChangeAspect="1"/>
+          </p:cNvPicPr>
+          <p:nvPr>
+            <p:ph idx="1"/>
+          </p:nvPr>
+        </p:nvPicPr>
+        <p:blipFill>
+          <a:blip r:embed="rId2"/>
+          <a:stretch>
+            <a:fillRect/>
+          </a:stretch>
+        </p:blipFill>
+        <p:spPr>
+          <a:xfrm>
+            <a:off x="1251986" y="1825625"/>
+            <a:ext cx="6640028" cy="4351338"/>
+          </a:xfrm>
+          <a:prstGeom prst="rect">
+            <a:avLst/>
+          </a:prstGeom>
+        </p:spPr>
+      </p:pic>
+    </p:spTree>
+    <p:extLst>
+      <p:ext uri="{BB962C8B-B14F-4D97-AF65-F5344CB8AC3E}">
+        <p14:creationId xmlns:p14="http://schemas.microsoft.com/office/powerpoint/2010/main" val="2155082430"/>
+      </p:ext>
+    </p:extLst>
+  </p:cSld>
+  <p:clrMapOvr>
+    <a:masterClrMapping/>
+  </p:clrMapOvr>
+  <p:timing>
+    <p:tnLst>
+      <p:par>
+        <p:cTn id="1" dur="indefinite" restart="never" nodeType="tmRoot"/>
+      </p:par>
+    </p:tnLst>
+  </p:timing>
+</p:sld>
+</file>
+
+<file path=ppt/slides/slide52.xml><?xml version="1.0" encoding="utf-8"?>
+<p:sld xmlns:a="http://schemas.openxmlformats.org/drawingml/2006/main" xmlns:r="http://schemas.openxmlformats.org/officeDocument/2006/relationships" xmlns:p="http://schemas.openxmlformats.org/presentationml/2006/main">
+  <p:cSld>
+    <p:spTree>
+      <p:nvGrpSpPr>
+        <p:cNvPr id="1" name=""/>
+        <p:cNvGrpSpPr/>
+        <p:nvPr/>
+      </p:nvGrpSpPr>
+      <p:grpSpPr>
+        <a:xfrm>
+          <a:off x="0" y="0"/>
+          <a:ext cx="0" cy="0"/>
+          <a:chOff x="0" y="0"/>
+          <a:chExt cx="0" cy="0"/>
+        </a:xfrm>
+      </p:grpSpPr>
+      <p:sp>
+        <p:nvSpPr>
+          <p:cNvPr id="2" name="Title 1"/>
+          <p:cNvSpPr>
+            <a:spLocks noGrp="1"/>
+          </p:cNvSpPr>
+          <p:nvPr>
+            <p:ph type="title"/>
+          </p:nvPr>
+        </p:nvSpPr>
+        <p:spPr/>
+        <p:txBody>
+          <a:bodyPr/>
+          <a:lstStyle/>
+          <a:p>
+            <a:r>
+              <a:rPr lang="en-US" dirty="0" smtClean="0"/>
               <a:t>Good Idea:</a:t>
             </a:r>
             <a:br>
@@ -8326,7 +8494,7 @@
 </p:sld>
 </file>
 
-<file path=ppt/slides/slide51.xml><?xml version="1.0" encoding="utf-8"?>
+<file path=ppt/slides/slide53.xml><?xml version="1.0" encoding="utf-8"?>
 <p:sld xmlns:a="http://schemas.openxmlformats.org/drawingml/2006/main" xmlns:r="http://schemas.openxmlformats.org/officeDocument/2006/relationships" xmlns:p="http://schemas.openxmlformats.org/presentationml/2006/main">
   <p:cSld>
     <p:spTree>
@@ -8412,7 +8580,7 @@
 </p:sld>
 </file>
 
-<file path=ppt/slides/slide52.xml><?xml version="1.0" encoding="utf-8"?>
+<file path=ppt/slides/slide54.xml><?xml version="1.0" encoding="utf-8"?>
 <p:sld xmlns:a="http://schemas.openxmlformats.org/drawingml/2006/main" xmlns:r="http://schemas.openxmlformats.org/officeDocument/2006/relationships" xmlns:p="http://schemas.openxmlformats.org/presentationml/2006/main">
   <p:cSld>
     <p:spTree>
@@ -8498,7 +8666,7 @@
 </p:sld>
 </file>
 
-<file path=ppt/slides/slide53.xml><?xml version="1.0" encoding="utf-8"?>
+<file path=ppt/slides/slide55.xml><?xml version="1.0" encoding="utf-8"?>
 <p:sld xmlns:a="http://schemas.openxmlformats.org/drawingml/2006/main" xmlns:r="http://schemas.openxmlformats.org/officeDocument/2006/relationships" xmlns:p="http://schemas.openxmlformats.org/presentationml/2006/main">
   <p:cSld>
     <p:spTree>
@@ -8848,8 +9016,8 @@
         </p:blipFill>
         <p:spPr bwMode="auto">
           <a:xfrm>
-            <a:off x="2667000" y="2934494"/>
-            <a:ext cx="3810000" cy="2133600"/>
+            <a:off x="1379383" y="2213429"/>
+            <a:ext cx="6479591" cy="3628571"/>
           </a:xfrm>
           <a:prstGeom prst="rect">
             <a:avLst/>
@@ -8905,7 +9073,7 @@
       </p:grpSpPr>
       <p:sp>
         <p:nvSpPr>
-          <p:cNvPr id="4" name="Title 3"/>
+          <p:cNvPr id="2" name="Title 1"/>
           <p:cNvSpPr>
             <a:spLocks noGrp="1"/>
           </p:cNvSpPr>
@@ -8920,7 +9088,7 @@
           <a:p>
             <a:r>
               <a:rPr lang="en-US" dirty="0" smtClean="0"/>
-              <a:t>Mapping Problems</a:t>
+              <a:t>Problem areas</a:t>
             </a:r>
             <a:endParaRPr lang="en-US" dirty="0"/>
           </a:p>
@@ -8928,27 +9096,51 @@
       </p:sp>
       <p:sp>
         <p:nvSpPr>
-          <p:cNvPr id="5" name="Text Placeholder 4"/>
-          <p:cNvSpPr>
-            <a:spLocks noGrp="1"/>
-          </p:cNvSpPr>
-          <p:nvPr>
-            <p:ph type="body" idx="1"/>
-          </p:nvPr>
-        </p:nvSpPr>
-        <p:spPr/>
-        <p:txBody>
-          <a:bodyPr/>
-          <a:lstStyle/>
-          <a:p>
-            <a:endParaRPr lang="en-US"/>
+          <p:cNvPr id="3" name="Content Placeholder 2"/>
+          <p:cNvSpPr>
+            <a:spLocks noGrp="1"/>
+          </p:cNvSpPr>
+          <p:nvPr>
+            <p:ph idx="1"/>
+          </p:nvPr>
+        </p:nvSpPr>
+        <p:spPr/>
+        <p:txBody>
+          <a:bodyPr>
+            <a:normAutofit/>
+          </a:bodyPr>
+          <a:lstStyle/>
+          <a:p>
+            <a:r>
+              <a:rPr lang="en-US" sz="4000" dirty="0" smtClean="0"/>
+              <a:t>Mapping problems</a:t>
+            </a:r>
+          </a:p>
+          <a:p>
+            <a:endParaRPr lang="en-US" sz="4000" dirty="0"/>
+          </a:p>
+          <a:p>
+            <a:r>
+              <a:rPr lang="en-US" sz="4000" dirty="0" smtClean="0"/>
+              <a:t>Querying problems</a:t>
+            </a:r>
+          </a:p>
+          <a:p>
+            <a:endParaRPr lang="en-US" sz="4000" dirty="0"/>
+          </a:p>
+          <a:p>
+            <a:r>
+              <a:rPr lang="en-US" sz="4000" dirty="0" smtClean="0"/>
+              <a:t>Usage problems</a:t>
+            </a:r>
+            <a:endParaRPr lang="en-US" sz="4000" dirty="0"/>
           </a:p>
         </p:txBody>
       </p:sp>
     </p:spTree>
     <p:extLst>
       <p:ext uri="{BB962C8B-B14F-4D97-AF65-F5344CB8AC3E}">
-        <p14:creationId xmlns:p14="http://schemas.microsoft.com/office/powerpoint/2010/main" val="1030116070"/>
+        <p14:creationId xmlns:p14="http://schemas.microsoft.com/office/powerpoint/2010/main" val="2380927814"/>
       </p:ext>
     </p:extLst>
   </p:cSld>

--- a/ORMs/Orms.pptx
+++ b/ORMs/Orms.pptx
@@ -251,7 +251,7 @@
           <a:p>
             <a:fld id="{1F97ECA5-4044-4ED6-8472-6668B9C1F77C}" type="datetimeFigureOut">
               <a:rPr lang="en-US" smtClean="0"/>
-              <a:t>11/6/2014</a:t>
+              <a:t>1/30/2015</a:t>
             </a:fld>
             <a:endParaRPr lang="en-US"/>
           </a:p>
@@ -739,7 +739,7 @@
           <a:p>
             <a:fld id="{00AB0D8E-E724-48D0-B7E1-3298C8355436}" type="datetimeFigureOut">
               <a:rPr lang="en-US" smtClean="0"/>
-              <a:t>11/6/2014</a:t>
+              <a:t>1/30/2015</a:t>
             </a:fld>
             <a:endParaRPr lang="en-US"/>
           </a:p>
@@ -909,7 +909,7 @@
           <a:p>
             <a:fld id="{00AB0D8E-E724-48D0-B7E1-3298C8355436}" type="datetimeFigureOut">
               <a:rPr lang="en-US" smtClean="0"/>
-              <a:t>11/6/2014</a:t>
+              <a:t>1/30/2015</a:t>
             </a:fld>
             <a:endParaRPr lang="en-US"/>
           </a:p>
@@ -1089,7 +1089,7 @@
           <a:p>
             <a:fld id="{00AB0D8E-E724-48D0-B7E1-3298C8355436}" type="datetimeFigureOut">
               <a:rPr lang="en-US" smtClean="0"/>
-              <a:t>11/6/2014</a:t>
+              <a:t>1/30/2015</a:t>
             </a:fld>
             <a:endParaRPr lang="en-US"/>
           </a:p>
@@ -1259,7 +1259,7 @@
           <a:p>
             <a:fld id="{00AB0D8E-E724-48D0-B7E1-3298C8355436}" type="datetimeFigureOut">
               <a:rPr lang="en-US" smtClean="0"/>
-              <a:t>11/6/2014</a:t>
+              <a:t>1/30/2015</a:t>
             </a:fld>
             <a:endParaRPr lang="en-US"/>
           </a:p>
@@ -1503,7 +1503,7 @@
           <a:p>
             <a:fld id="{00AB0D8E-E724-48D0-B7E1-3298C8355436}" type="datetimeFigureOut">
               <a:rPr lang="en-US" smtClean="0"/>
-              <a:t>11/6/2014</a:t>
+              <a:t>1/30/2015</a:t>
             </a:fld>
             <a:endParaRPr lang="en-US"/>
           </a:p>
@@ -1735,7 +1735,7 @@
           <a:p>
             <a:fld id="{00AB0D8E-E724-48D0-B7E1-3298C8355436}" type="datetimeFigureOut">
               <a:rPr lang="en-US" smtClean="0"/>
-              <a:t>11/6/2014</a:t>
+              <a:t>1/30/2015</a:t>
             </a:fld>
             <a:endParaRPr lang="en-US"/>
           </a:p>
@@ -2102,7 +2102,7 @@
           <a:p>
             <a:fld id="{00AB0D8E-E724-48D0-B7E1-3298C8355436}" type="datetimeFigureOut">
               <a:rPr lang="en-US" smtClean="0"/>
-              <a:t>11/6/2014</a:t>
+              <a:t>1/30/2015</a:t>
             </a:fld>
             <a:endParaRPr lang="en-US"/>
           </a:p>
@@ -2220,7 +2220,7 @@
           <a:p>
             <a:fld id="{00AB0D8E-E724-48D0-B7E1-3298C8355436}" type="datetimeFigureOut">
               <a:rPr lang="en-US" smtClean="0"/>
-              <a:t>11/6/2014</a:t>
+              <a:t>1/30/2015</a:t>
             </a:fld>
             <a:endParaRPr lang="en-US"/>
           </a:p>
@@ -2315,7 +2315,7 @@
           <a:p>
             <a:fld id="{00AB0D8E-E724-48D0-B7E1-3298C8355436}" type="datetimeFigureOut">
               <a:rPr lang="en-US" smtClean="0"/>
-              <a:t>11/6/2014</a:t>
+              <a:t>1/30/2015</a:t>
             </a:fld>
             <a:endParaRPr lang="en-US"/>
           </a:p>
@@ -2592,7 +2592,7 @@
           <a:p>
             <a:fld id="{00AB0D8E-E724-48D0-B7E1-3298C8355436}" type="datetimeFigureOut">
               <a:rPr lang="en-US" smtClean="0"/>
-              <a:t>11/6/2014</a:t>
+              <a:t>1/30/2015</a:t>
             </a:fld>
             <a:endParaRPr lang="en-US"/>
           </a:p>
@@ -2849,7 +2849,7 @@
           <a:p>
             <a:fld id="{00AB0D8E-E724-48D0-B7E1-3298C8355436}" type="datetimeFigureOut">
               <a:rPr lang="en-US" smtClean="0"/>
-              <a:t>11/6/2014</a:t>
+              <a:t>1/30/2015</a:t>
             </a:fld>
             <a:endParaRPr lang="en-US"/>
           </a:p>
@@ -3062,7 +3062,7 @@
           <a:p>
             <a:fld id="{00AB0D8E-E724-48D0-B7E1-3298C8355436}" type="datetimeFigureOut">
               <a:rPr lang="en-US" smtClean="0"/>
-              <a:t>11/6/2014</a:t>
+              <a:t>1/30/2015</a:t>
             </a:fld>
             <a:endParaRPr lang="en-US"/>
           </a:p>
@@ -6292,8 +6292,8 @@
         </p:blipFill>
         <p:spPr bwMode="auto">
           <a:xfrm>
-            <a:off x="2233286" y="2691423"/>
-            <a:ext cx="4677428" cy="2619741"/>
+            <a:off x="586636" y="1769165"/>
+            <a:ext cx="8030590" cy="4497785"/>
           </a:xfrm>
           <a:prstGeom prst="rect">
             <a:avLst/>

--- a/ORMs/Orms.pptx
+++ b/ORMs/Orms.pptx
@@ -8,7 +8,7 @@
     <p:notesMasterId r:id="rId57"/>
   </p:notesMasterIdLst>
   <p:sldIdLst>
-    <p:sldId id="257" r:id="rId2"/>
+    <p:sldId id="321" r:id="rId2"/>
     <p:sldId id="261" r:id="rId3"/>
     <p:sldId id="262" r:id="rId4"/>
     <p:sldId id="264" r:id="rId5"/>
@@ -251,7 +251,7 @@
           <a:p>
             <a:fld id="{1F97ECA5-4044-4ED6-8472-6668B9C1F77C}" type="datetimeFigureOut">
               <a:rPr lang="en-US" smtClean="0"/>
-              <a:t>1/30/2015</a:t>
+              <a:t>6/25/2015</a:t>
             </a:fld>
             <a:endParaRPr lang="en-US"/>
           </a:p>
@@ -598,7 +598,7 @@
     </p:spTree>
     <p:extLst>
       <p:ext uri="{BB962C8B-B14F-4D97-AF65-F5344CB8AC3E}">
-        <p14:creationId xmlns:p14="http://schemas.microsoft.com/office/powerpoint/2010/main" val="4200398286"/>
+        <p14:creationId xmlns:p14="http://schemas.microsoft.com/office/powerpoint/2010/main" val="1068023506"/>
       </p:ext>
     </p:extLst>
   </p:cSld>
@@ -739,7 +739,7 @@
           <a:p>
             <a:fld id="{00AB0D8E-E724-48D0-B7E1-3298C8355436}" type="datetimeFigureOut">
               <a:rPr lang="en-US" smtClean="0"/>
-              <a:t>1/30/2015</a:t>
+              <a:t>6/25/2015</a:t>
             </a:fld>
             <a:endParaRPr lang="en-US"/>
           </a:p>
@@ -909,7 +909,7 @@
           <a:p>
             <a:fld id="{00AB0D8E-E724-48D0-B7E1-3298C8355436}" type="datetimeFigureOut">
               <a:rPr lang="en-US" smtClean="0"/>
-              <a:t>1/30/2015</a:t>
+              <a:t>6/25/2015</a:t>
             </a:fld>
             <a:endParaRPr lang="en-US"/>
           </a:p>
@@ -1089,7 +1089,7 @@
           <a:p>
             <a:fld id="{00AB0D8E-E724-48D0-B7E1-3298C8355436}" type="datetimeFigureOut">
               <a:rPr lang="en-US" smtClean="0"/>
-              <a:t>1/30/2015</a:t>
+              <a:t>6/25/2015</a:t>
             </a:fld>
             <a:endParaRPr lang="en-US"/>
           </a:p>
@@ -1259,7 +1259,7 @@
           <a:p>
             <a:fld id="{00AB0D8E-E724-48D0-B7E1-3298C8355436}" type="datetimeFigureOut">
               <a:rPr lang="en-US" smtClean="0"/>
-              <a:t>1/30/2015</a:t>
+              <a:t>6/25/2015</a:t>
             </a:fld>
             <a:endParaRPr lang="en-US"/>
           </a:p>
@@ -1503,7 +1503,7 @@
           <a:p>
             <a:fld id="{00AB0D8E-E724-48D0-B7E1-3298C8355436}" type="datetimeFigureOut">
               <a:rPr lang="en-US" smtClean="0"/>
-              <a:t>1/30/2015</a:t>
+              <a:t>6/25/2015</a:t>
             </a:fld>
             <a:endParaRPr lang="en-US"/>
           </a:p>
@@ -1735,7 +1735,7 @@
           <a:p>
             <a:fld id="{00AB0D8E-E724-48D0-B7E1-3298C8355436}" type="datetimeFigureOut">
               <a:rPr lang="en-US" smtClean="0"/>
-              <a:t>1/30/2015</a:t>
+              <a:t>6/25/2015</a:t>
             </a:fld>
             <a:endParaRPr lang="en-US"/>
           </a:p>
@@ -2102,7 +2102,7 @@
           <a:p>
             <a:fld id="{00AB0D8E-E724-48D0-B7E1-3298C8355436}" type="datetimeFigureOut">
               <a:rPr lang="en-US" smtClean="0"/>
-              <a:t>1/30/2015</a:t>
+              <a:t>6/25/2015</a:t>
             </a:fld>
             <a:endParaRPr lang="en-US"/>
           </a:p>
@@ -2220,7 +2220,7 @@
           <a:p>
             <a:fld id="{00AB0D8E-E724-48D0-B7E1-3298C8355436}" type="datetimeFigureOut">
               <a:rPr lang="en-US" smtClean="0"/>
-              <a:t>1/30/2015</a:t>
+              <a:t>6/25/2015</a:t>
             </a:fld>
             <a:endParaRPr lang="en-US"/>
           </a:p>
@@ -2315,7 +2315,7 @@
           <a:p>
             <a:fld id="{00AB0D8E-E724-48D0-B7E1-3298C8355436}" type="datetimeFigureOut">
               <a:rPr lang="en-US" smtClean="0"/>
-              <a:t>1/30/2015</a:t>
+              <a:t>6/25/2015</a:t>
             </a:fld>
             <a:endParaRPr lang="en-US"/>
           </a:p>
@@ -2592,7 +2592,7 @@
           <a:p>
             <a:fld id="{00AB0D8E-E724-48D0-B7E1-3298C8355436}" type="datetimeFigureOut">
               <a:rPr lang="en-US" smtClean="0"/>
-              <a:t>1/30/2015</a:t>
+              <a:t>6/25/2015</a:t>
             </a:fld>
             <a:endParaRPr lang="en-US"/>
           </a:p>
@@ -2849,7 +2849,7 @@
           <a:p>
             <a:fld id="{00AB0D8E-E724-48D0-B7E1-3298C8355436}" type="datetimeFigureOut">
               <a:rPr lang="en-US" smtClean="0"/>
-              <a:t>1/30/2015</a:t>
+              <a:t>6/25/2015</a:t>
             </a:fld>
             <a:endParaRPr lang="en-US"/>
           </a:p>
@@ -3062,7 +3062,7 @@
           <a:p>
             <a:fld id="{00AB0D8E-E724-48D0-B7E1-3298C8355436}" type="datetimeFigureOut">
               <a:rPr lang="en-US" smtClean="0"/>
-              <a:t>1/30/2015</a:t>
+              <a:t>6/25/2015</a:t>
             </a:fld>
             <a:endParaRPr lang="en-US"/>
           </a:p>
@@ -3488,26 +3488,42 @@
         </p:spPr>
         <p:txBody>
           <a:bodyPr anchor="t">
-            <a:normAutofit fontScale="90000"/>
+            <a:noAutofit/>
           </a:bodyPr>
           <a:lstStyle/>
           <a:p>
             <a:r>
-              <a:rPr lang="en-US" sz="7300" dirty="0"/>
+              <a:rPr lang="en-US" sz="6600" dirty="0">
+                <a:solidFill>
+                  <a:prstClr val="black"/>
+                </a:solidFill>
+              </a:rPr>
               <a:t>ORMs:</a:t>
             </a:r>
             <a:r>
-              <a:rPr lang="en-US" dirty="0" smtClean="0"/>
+              <a:rPr lang="en-US" sz="5400" dirty="0">
+                <a:solidFill>
+                  <a:prstClr val="black"/>
+                </a:solidFill>
+              </a:rPr>
               <a:t/>
             </a:r>
             <a:br>
-              <a:rPr lang="en-US" dirty="0" smtClean="0"/>
+              <a:rPr lang="en-US" sz="5400" dirty="0">
+                <a:solidFill>
+                  <a:prstClr val="black"/>
+                </a:solidFill>
+              </a:rPr>
             </a:br>
             <a:r>
-              <a:rPr lang="en-US" dirty="0" smtClean="0"/>
+              <a:rPr lang="en-US" sz="5400" dirty="0">
+                <a:solidFill>
+                  <a:prstClr val="black"/>
+                </a:solidFill>
+              </a:rPr>
               <a:t>You’re Doing it wrong</a:t>
             </a:r>
-            <a:endParaRPr lang="en-US" dirty="0"/>
+            <a:endParaRPr lang="en-US" sz="4800" dirty="0"/>
           </a:p>
         </p:txBody>
       </p:sp>
@@ -3582,7 +3598,7 @@
       </p:sp>
       <p:pic>
         <p:nvPicPr>
-          <p:cNvPr id="8" name="Picture 2" descr="http://www.manning.com/palermo3/palermo3_cover150.jpg"/>
+          <p:cNvPr id="9" name="Picture 4" descr="https://mvp.support.microsoft.com/library/images/support/en-US/MVPLogo.gif"/>
           <p:cNvPicPr>
             <a:picLocks noChangeAspect="1" noChangeArrowheads="1"/>
           </p:cNvPicPr>
@@ -3603,48 +3619,7 @@
         </p:blipFill>
         <p:spPr bwMode="auto">
           <a:xfrm>
-            <a:off x="381002" y="4521449"/>
-            <a:ext cx="1428751" cy="1790701"/>
-          </a:xfrm>
-          <a:prstGeom prst="rect">
-            <a:avLst/>
-          </a:prstGeom>
-          <a:noFill/>
-          <a:extLst>
-            <a:ext uri="{909E8E84-426E-40DD-AFC4-6F175D3DCCD1}">
-              <a14:hiddenFill xmlns:a14="http://schemas.microsoft.com/office/drawing/2010/main">
-                <a:solidFill>
-                  <a:srgbClr val="FFFFFF"/>
-                </a:solidFill>
-              </a14:hiddenFill>
-            </a:ext>
-          </a:extLst>
-        </p:spPr>
-      </p:pic>
-      <p:pic>
-        <p:nvPicPr>
-          <p:cNvPr id="9" name="Picture 4" descr="https://mvp.support.microsoft.com/library/images/support/en-US/MVPLogo.gif"/>
-          <p:cNvPicPr>
-            <a:picLocks noChangeAspect="1" noChangeArrowheads="1"/>
-          </p:cNvPicPr>
-          <p:nvPr/>
-        </p:nvPicPr>
-        <p:blipFill>
-          <a:blip r:embed="rId7">
-            <a:extLst>
-              <a:ext uri="{28A0092B-C50C-407E-A947-70E740481C1C}">
-                <a14:useLocalDpi xmlns:a14="http://schemas.microsoft.com/office/drawing/2010/main" val="0"/>
-              </a:ext>
-            </a:extLst>
-          </a:blip>
-          <a:srcRect/>
-          <a:stretch>
-            <a:fillRect/>
-          </a:stretch>
-        </p:blipFill>
-        <p:spPr bwMode="auto">
-          <a:xfrm>
-            <a:off x="7315203" y="4559547"/>
+            <a:off x="6364680" y="4730335"/>
             <a:ext cx="1095375" cy="1714500"/>
           </a:xfrm>
           <a:prstGeom prst="rect">
@@ -3671,7 +3646,7 @@
           <p:nvPr/>
         </p:nvPicPr>
         <p:blipFill>
-          <a:blip r:embed="rId8">
+          <a:blip r:embed="rId7">
             <a:extLst>
               <a:ext uri="{28A0092B-C50C-407E-A947-70E740481C1C}">
                 <a14:useLocalDpi xmlns:a14="http://schemas.microsoft.com/office/drawing/2010/main" val="0"/>
@@ -3685,7 +3660,7 @@
         </p:blipFill>
         <p:spPr bwMode="auto">
           <a:xfrm>
-            <a:off x="1389648" y="4724403"/>
+            <a:off x="54417" y="5902026"/>
             <a:ext cx="6047539" cy="733425"/>
           </a:xfrm>
           <a:prstGeom prst="rect">
@@ -3712,6 +3687,47 @@
           <p:nvPr/>
         </p:nvPicPr>
         <p:blipFill>
+          <a:blip r:embed="rId8">
+            <a:extLst>
+              <a:ext uri="{28A0092B-C50C-407E-A947-70E740481C1C}">
+                <a14:useLocalDpi xmlns:a14="http://schemas.microsoft.com/office/drawing/2010/main" val="0"/>
+              </a:ext>
+            </a:extLst>
+          </a:blip>
+          <a:srcRect/>
+          <a:stretch>
+            <a:fillRect/>
+          </a:stretch>
+        </p:blipFill>
+        <p:spPr bwMode="auto">
+          <a:xfrm>
+            <a:off x="1211287" y="5298391"/>
+            <a:ext cx="3733800" cy="382377"/>
+          </a:xfrm>
+          <a:prstGeom prst="rect">
+            <a:avLst/>
+          </a:prstGeom>
+          <a:noFill/>
+          <a:extLst>
+            <a:ext uri="{909E8E84-426E-40DD-AFC4-6F175D3DCCD1}">
+              <a14:hiddenFill xmlns:a14="http://schemas.microsoft.com/office/drawing/2010/main">
+                <a:solidFill>
+                  <a:srgbClr val="FFFFFF"/>
+                </a:solidFill>
+              </a14:hiddenFill>
+            </a:ext>
+          </a:extLst>
+        </p:spPr>
+      </p:pic>
+      <p:pic>
+        <p:nvPicPr>
+          <p:cNvPr id="10" name="Picture 2" descr="http://storage.pardot.com/52582/22896/headspring_weblogo.png"/>
+          <p:cNvPicPr>
+            <a:picLocks noChangeAspect="1" noChangeArrowheads="1"/>
+          </p:cNvPicPr>
+          <p:nvPr/>
+        </p:nvPicPr>
+        <p:blipFill>
           <a:blip r:embed="rId9">
             <a:extLst>
               <a:ext uri="{28A0092B-C50C-407E-A947-70E740481C1C}">
@@ -3726,8 +3742,8 @@
         </p:blipFill>
         <p:spPr bwMode="auto">
           <a:xfrm>
-            <a:off x="2476500" y="5871329"/>
-            <a:ext cx="3733800" cy="382377"/>
+            <a:off x="1486404" y="4498303"/>
+            <a:ext cx="3183567" cy="578830"/>
           </a:xfrm>
           <a:prstGeom prst="rect">
             <a:avLst/>
@@ -3750,7 +3766,7 @@
     </p:custDataLst>
     <p:extLst>
       <p:ext uri="{BB962C8B-B14F-4D97-AF65-F5344CB8AC3E}">
-        <p14:creationId xmlns:p14="http://schemas.microsoft.com/office/powerpoint/2010/main" val="306092679"/>
+        <p14:creationId xmlns:p14="http://schemas.microsoft.com/office/powerpoint/2010/main" val="671359779"/>
       </p:ext>
     </p:extLst>
   </p:cSld>

--- a/ORMs/Orms.pptx
+++ b/ORMs/Orms.pptx
@@ -2,7 +2,7 @@
 <file path=ppt/presentation.xml><?xml version="1.0" encoding="utf-8"?>
 <p:presentation xmlns:a="http://schemas.openxmlformats.org/drawingml/2006/main" xmlns:r="http://schemas.openxmlformats.org/officeDocument/2006/relationships" xmlns:p="http://schemas.openxmlformats.org/presentationml/2006/main" saveSubsetFonts="1">
   <p:sldMasterIdLst>
-    <p:sldMasterId id="2147483660" r:id="rId1"/>
+    <p:sldMasterId id="2147483672" r:id="rId1"/>
   </p:sldMasterIdLst>
   <p:notesMasterIdLst>
     <p:notesMasterId r:id="rId57"/>
@@ -64,7 +64,7 @@
     <p:sldId id="311" r:id="rId55"/>
     <p:sldId id="312" r:id="rId56"/>
   </p:sldIdLst>
-  <p:sldSz cx="9144000" cy="6858000" type="screen4x3"/>
+  <p:sldSz cx="12192000" cy="6858000"/>
   <p:notesSz cx="6858000" cy="9144000"/>
   <p:defaultTextStyle>
     <a:defPPr>
@@ -251,7 +251,7 @@
           <a:p>
             <a:fld id="{1F97ECA5-4044-4ED6-8472-6668B9C1F77C}" type="datetimeFigureOut">
               <a:rPr lang="en-US" smtClean="0"/>
-              <a:t>6/25/2015</a:t>
+              <a:t>6/2/17</a:t>
             </a:fld>
             <a:endParaRPr lang="en-US"/>
           </a:p>
@@ -269,8 +269,8 @@
         </p:nvSpPr>
         <p:spPr>
           <a:xfrm>
-            <a:off x="1371600" y="1143000"/>
-            <a:ext cx="4114800" cy="3086100"/>
+            <a:off x="685800" y="1143000"/>
+            <a:ext cx="5486400" cy="3086100"/>
           </a:xfrm>
           <a:prstGeom prst="rect">
             <a:avLst/>
@@ -548,8 +548,8 @@
         </p:nvSpPr>
         <p:spPr>
           <a:xfrm>
-            <a:off x="1143000" y="685800"/>
-            <a:ext cx="4572000" cy="3429000"/>
+            <a:off x="381000" y="685800"/>
+            <a:ext cx="6096000" cy="3429000"/>
           </a:xfrm>
         </p:spPr>
       </p:sp>
@@ -637,8 +637,8 @@
         </p:nvSpPr>
         <p:spPr>
           <a:xfrm>
-            <a:off x="685800" y="1122363"/>
-            <a:ext cx="7772400" cy="2387600"/>
+            <a:off x="1524000" y="1122363"/>
+            <a:ext cx="9144000" cy="2387600"/>
           </a:xfrm>
         </p:spPr>
         <p:txBody>
@@ -669,8 +669,8 @@
         </p:nvSpPr>
         <p:spPr>
           <a:xfrm>
-            <a:off x="1143000" y="3602038"/>
-            <a:ext cx="6858000" cy="1655762"/>
+            <a:off x="1524000" y="3602038"/>
+            <a:ext cx="9144000" cy="1655762"/>
           </a:xfrm>
         </p:spPr>
         <p:txBody>
@@ -739,7 +739,7 @@
           <a:p>
             <a:fld id="{00AB0D8E-E724-48D0-B7E1-3298C8355436}" type="datetimeFigureOut">
               <a:rPr lang="en-US" smtClean="0"/>
-              <a:t>6/25/2015</a:t>
+              <a:t>6/2/17</a:t>
             </a:fld>
             <a:endParaRPr lang="en-US"/>
           </a:p>
@@ -788,11 +788,6 @@
         </p:txBody>
       </p:sp>
     </p:spTree>
-    <p:extLst>
-      <p:ext uri="{BB962C8B-B14F-4D97-AF65-F5344CB8AC3E}">
-        <p14:creationId xmlns:p14="http://schemas.microsoft.com/office/powerpoint/2010/main" val="3315378128"/>
-      </p:ext>
-    </p:extLst>
   </p:cSld>
   <p:clrMapOvr>
     <a:masterClrMapping/>
@@ -909,7 +904,7 @@
           <a:p>
             <a:fld id="{00AB0D8E-E724-48D0-B7E1-3298C8355436}" type="datetimeFigureOut">
               <a:rPr lang="en-US" smtClean="0"/>
-              <a:t>6/25/2015</a:t>
+              <a:t>6/2/17</a:t>
             </a:fld>
             <a:endParaRPr lang="en-US"/>
           </a:p>
@@ -958,11 +953,6 @@
         </p:txBody>
       </p:sp>
     </p:spTree>
-    <p:extLst>
-      <p:ext uri="{BB962C8B-B14F-4D97-AF65-F5344CB8AC3E}">
-        <p14:creationId xmlns:p14="http://schemas.microsoft.com/office/powerpoint/2010/main" val="1662437077"/>
-      </p:ext>
-    </p:extLst>
   </p:cSld>
   <p:clrMapOvr>
     <a:masterClrMapping/>
@@ -999,8 +989,8 @@
         </p:nvSpPr>
         <p:spPr>
           <a:xfrm>
-            <a:off x="6543675" y="365125"/>
-            <a:ext cx="1971675" cy="5811838"/>
+            <a:off x="8724900" y="365125"/>
+            <a:ext cx="2628900" cy="5811838"/>
           </a:xfrm>
         </p:spPr>
         <p:txBody>
@@ -1027,8 +1017,8 @@
         </p:nvSpPr>
         <p:spPr>
           <a:xfrm>
-            <a:off x="628650" y="365125"/>
-            <a:ext cx="5800725" cy="5811838"/>
+            <a:off x="838200" y="365125"/>
+            <a:ext cx="7734300" cy="5811838"/>
           </a:xfrm>
         </p:spPr>
         <p:txBody>
@@ -1089,7 +1079,7 @@
           <a:p>
             <a:fld id="{00AB0D8E-E724-48D0-B7E1-3298C8355436}" type="datetimeFigureOut">
               <a:rPr lang="en-US" smtClean="0"/>
-              <a:t>6/25/2015</a:t>
+              <a:t>6/2/17</a:t>
             </a:fld>
             <a:endParaRPr lang="en-US"/>
           </a:p>
@@ -1138,11 +1128,6 @@
         </p:txBody>
       </p:sp>
     </p:spTree>
-    <p:extLst>
-      <p:ext uri="{BB962C8B-B14F-4D97-AF65-F5344CB8AC3E}">
-        <p14:creationId xmlns:p14="http://schemas.microsoft.com/office/powerpoint/2010/main" val="1542422788"/>
-      </p:ext>
-    </p:extLst>
   </p:cSld>
   <p:clrMapOvr>
     <a:masterClrMapping/>
@@ -1259,7 +1244,7 @@
           <a:p>
             <a:fld id="{00AB0D8E-E724-48D0-B7E1-3298C8355436}" type="datetimeFigureOut">
               <a:rPr lang="en-US" smtClean="0"/>
-              <a:t>6/25/2015</a:t>
+              <a:t>6/2/17</a:t>
             </a:fld>
             <a:endParaRPr lang="en-US"/>
           </a:p>
@@ -1308,11 +1293,6 @@
         </p:txBody>
       </p:sp>
     </p:spTree>
-    <p:extLst>
-      <p:ext uri="{BB962C8B-B14F-4D97-AF65-F5344CB8AC3E}">
-        <p14:creationId xmlns:p14="http://schemas.microsoft.com/office/powerpoint/2010/main" val="1968290409"/>
-      </p:ext>
-    </p:extLst>
   </p:cSld>
   <p:clrMapOvr>
     <a:masterClrMapping/>
@@ -1349,8 +1329,8 @@
         </p:nvSpPr>
         <p:spPr>
           <a:xfrm>
-            <a:off x="623888" y="1709739"/>
-            <a:ext cx="7886700" cy="2852737"/>
+            <a:off x="831850" y="1709738"/>
+            <a:ext cx="10515600" cy="2852737"/>
           </a:xfrm>
         </p:spPr>
         <p:txBody>
@@ -1381,8 +1361,8 @@
         </p:nvSpPr>
         <p:spPr>
           <a:xfrm>
-            <a:off x="623888" y="4589464"/>
-            <a:ext cx="7886700" cy="1500187"/>
+            <a:off x="831850" y="4589463"/>
+            <a:ext cx="10515600" cy="1500187"/>
           </a:xfrm>
         </p:spPr>
         <p:txBody>
@@ -1392,7 +1372,9 @@
               <a:buNone/>
               <a:defRPr sz="2400">
                 <a:solidFill>
-                  <a:schemeClr val="tx1"/>
+                  <a:schemeClr val="tx1">
+                    <a:tint val="75000"/>
+                  </a:schemeClr>
                 </a:solidFill>
               </a:defRPr>
             </a:lvl1pPr>
@@ -1503,7 +1485,7 @@
           <a:p>
             <a:fld id="{00AB0D8E-E724-48D0-B7E1-3298C8355436}" type="datetimeFigureOut">
               <a:rPr lang="en-US" smtClean="0"/>
-              <a:t>6/25/2015</a:t>
+              <a:t>6/2/17</a:t>
             </a:fld>
             <a:endParaRPr lang="en-US"/>
           </a:p>
@@ -1552,11 +1534,6 @@
         </p:txBody>
       </p:sp>
     </p:spTree>
-    <p:extLst>
-      <p:ext uri="{BB962C8B-B14F-4D97-AF65-F5344CB8AC3E}">
-        <p14:creationId xmlns:p14="http://schemas.microsoft.com/office/powerpoint/2010/main" val="2766462418"/>
-      </p:ext>
-    </p:extLst>
   </p:cSld>
   <p:clrMapOvr>
     <a:masterClrMapping/>
@@ -1616,8 +1593,8 @@
         </p:nvSpPr>
         <p:spPr>
           <a:xfrm>
-            <a:off x="628650" y="1825625"/>
-            <a:ext cx="3886200" cy="4351338"/>
+            <a:off x="838200" y="1825625"/>
+            <a:ext cx="5181600" cy="4351338"/>
           </a:xfrm>
         </p:spPr>
         <p:txBody>
@@ -1673,8 +1650,8 @@
         </p:nvSpPr>
         <p:spPr>
           <a:xfrm>
-            <a:off x="4629150" y="1825625"/>
-            <a:ext cx="3886200" cy="4351338"/>
+            <a:off x="6172200" y="1825625"/>
+            <a:ext cx="5181600" cy="4351338"/>
           </a:xfrm>
         </p:spPr>
         <p:txBody>
@@ -1735,7 +1712,7 @@
           <a:p>
             <a:fld id="{00AB0D8E-E724-48D0-B7E1-3298C8355436}" type="datetimeFigureOut">
               <a:rPr lang="en-US" smtClean="0"/>
-              <a:t>6/25/2015</a:t>
+              <a:t>6/2/17</a:t>
             </a:fld>
             <a:endParaRPr lang="en-US"/>
           </a:p>
@@ -1784,11 +1761,6 @@
         </p:txBody>
       </p:sp>
     </p:spTree>
-    <p:extLst>
-      <p:ext uri="{BB962C8B-B14F-4D97-AF65-F5344CB8AC3E}">
-        <p14:creationId xmlns:p14="http://schemas.microsoft.com/office/powerpoint/2010/main" val="912103035"/>
-      </p:ext>
-    </p:extLst>
   </p:cSld>
   <p:clrMapOvr>
     <a:masterClrMapping/>
@@ -1825,8 +1797,8 @@
         </p:nvSpPr>
         <p:spPr>
           <a:xfrm>
-            <a:off x="629841" y="365126"/>
-            <a:ext cx="7886700" cy="1325563"/>
+            <a:off x="839788" y="365125"/>
+            <a:ext cx="10515600" cy="1325563"/>
           </a:xfrm>
         </p:spPr>
         <p:txBody>
@@ -1853,8 +1825,8 @@
         </p:nvSpPr>
         <p:spPr>
           <a:xfrm>
-            <a:off x="629842" y="1681163"/>
-            <a:ext cx="3868340" cy="823912"/>
+            <a:off x="839788" y="1681163"/>
+            <a:ext cx="5157787" cy="823912"/>
           </a:xfrm>
         </p:spPr>
         <p:txBody>
@@ -1918,8 +1890,8 @@
         </p:nvSpPr>
         <p:spPr>
           <a:xfrm>
-            <a:off x="629842" y="2505075"/>
-            <a:ext cx="3868340" cy="3684588"/>
+            <a:off x="839788" y="2505075"/>
+            <a:ext cx="5157787" cy="3684588"/>
           </a:xfrm>
         </p:spPr>
         <p:txBody>
@@ -1975,8 +1947,8 @@
         </p:nvSpPr>
         <p:spPr>
           <a:xfrm>
-            <a:off x="4629150" y="1681163"/>
-            <a:ext cx="3887391" cy="823912"/>
+            <a:off x="6172200" y="1681163"/>
+            <a:ext cx="5183188" cy="823912"/>
           </a:xfrm>
         </p:spPr>
         <p:txBody>
@@ -2040,8 +2012,8 @@
         </p:nvSpPr>
         <p:spPr>
           <a:xfrm>
-            <a:off x="4629150" y="2505075"/>
-            <a:ext cx="3887391" cy="3684588"/>
+            <a:off x="6172200" y="2505075"/>
+            <a:ext cx="5183188" cy="3684588"/>
           </a:xfrm>
         </p:spPr>
         <p:txBody>
@@ -2102,7 +2074,7 @@
           <a:p>
             <a:fld id="{00AB0D8E-E724-48D0-B7E1-3298C8355436}" type="datetimeFigureOut">
               <a:rPr lang="en-US" smtClean="0"/>
-              <a:t>6/25/2015</a:t>
+              <a:t>6/2/17</a:t>
             </a:fld>
             <a:endParaRPr lang="en-US"/>
           </a:p>
@@ -2151,11 +2123,6 @@
         </p:txBody>
       </p:sp>
     </p:spTree>
-    <p:extLst>
-      <p:ext uri="{BB962C8B-B14F-4D97-AF65-F5344CB8AC3E}">
-        <p14:creationId xmlns:p14="http://schemas.microsoft.com/office/powerpoint/2010/main" val="500438678"/>
-      </p:ext>
-    </p:extLst>
   </p:cSld>
   <p:clrMapOvr>
     <a:masterClrMapping/>
@@ -2220,7 +2187,7 @@
           <a:p>
             <a:fld id="{00AB0D8E-E724-48D0-B7E1-3298C8355436}" type="datetimeFigureOut">
               <a:rPr lang="en-US" smtClean="0"/>
-              <a:t>6/25/2015</a:t>
+              <a:t>6/2/17</a:t>
             </a:fld>
             <a:endParaRPr lang="en-US"/>
           </a:p>
@@ -2269,11 +2236,6 @@
         </p:txBody>
       </p:sp>
     </p:spTree>
-    <p:extLst>
-      <p:ext uri="{BB962C8B-B14F-4D97-AF65-F5344CB8AC3E}">
-        <p14:creationId xmlns:p14="http://schemas.microsoft.com/office/powerpoint/2010/main" val="3390511608"/>
-      </p:ext>
-    </p:extLst>
   </p:cSld>
   <p:clrMapOvr>
     <a:masterClrMapping/>
@@ -2315,7 +2277,7 @@
           <a:p>
             <a:fld id="{00AB0D8E-E724-48D0-B7E1-3298C8355436}" type="datetimeFigureOut">
               <a:rPr lang="en-US" smtClean="0"/>
-              <a:t>6/25/2015</a:t>
+              <a:t>6/2/17</a:t>
             </a:fld>
             <a:endParaRPr lang="en-US"/>
           </a:p>
@@ -2364,11 +2326,6 @@
         </p:txBody>
       </p:sp>
     </p:spTree>
-    <p:extLst>
-      <p:ext uri="{BB962C8B-B14F-4D97-AF65-F5344CB8AC3E}">
-        <p14:creationId xmlns:p14="http://schemas.microsoft.com/office/powerpoint/2010/main" val="1920359190"/>
-      </p:ext>
-    </p:extLst>
   </p:cSld>
   <p:clrMapOvr>
     <a:masterClrMapping/>
@@ -2405,8 +2362,8 @@
         </p:nvSpPr>
         <p:spPr>
           <a:xfrm>
-            <a:off x="629841" y="457200"/>
-            <a:ext cx="2949178" cy="1600200"/>
+            <a:off x="839788" y="457200"/>
+            <a:ext cx="3932237" cy="1600200"/>
           </a:xfrm>
         </p:spPr>
         <p:txBody>
@@ -2437,8 +2394,8 @@
         </p:nvSpPr>
         <p:spPr>
           <a:xfrm>
-            <a:off x="3887391" y="987426"/>
-            <a:ext cx="4629150" cy="4873625"/>
+            <a:off x="5183188" y="987425"/>
+            <a:ext cx="6172200" cy="4873625"/>
           </a:xfrm>
         </p:spPr>
         <p:txBody>
@@ -2522,8 +2479,8 @@
         </p:nvSpPr>
         <p:spPr>
           <a:xfrm>
-            <a:off x="629841" y="2057400"/>
-            <a:ext cx="2949178" cy="3811588"/>
+            <a:off x="839788" y="2057400"/>
+            <a:ext cx="3932237" cy="3811588"/>
           </a:xfrm>
         </p:spPr>
         <p:txBody>
@@ -2592,7 +2549,7 @@
           <a:p>
             <a:fld id="{00AB0D8E-E724-48D0-B7E1-3298C8355436}" type="datetimeFigureOut">
               <a:rPr lang="en-US" smtClean="0"/>
-              <a:t>6/25/2015</a:t>
+              <a:t>6/2/17</a:t>
             </a:fld>
             <a:endParaRPr lang="en-US"/>
           </a:p>
@@ -2641,11 +2598,6 @@
         </p:txBody>
       </p:sp>
     </p:spTree>
-    <p:extLst>
-      <p:ext uri="{BB962C8B-B14F-4D97-AF65-F5344CB8AC3E}">
-        <p14:creationId xmlns:p14="http://schemas.microsoft.com/office/powerpoint/2010/main" val="3220667009"/>
-      </p:ext>
-    </p:extLst>
   </p:cSld>
   <p:clrMapOvr>
     <a:masterClrMapping/>
@@ -2682,8 +2634,8 @@
         </p:nvSpPr>
         <p:spPr>
           <a:xfrm>
-            <a:off x="629841" y="457200"/>
-            <a:ext cx="2949178" cy="1600200"/>
+            <a:off x="839788" y="457200"/>
+            <a:ext cx="3932237" cy="1600200"/>
           </a:xfrm>
         </p:spPr>
         <p:txBody>
@@ -2714,8 +2666,8 @@
         </p:nvSpPr>
         <p:spPr>
           <a:xfrm>
-            <a:off x="3887391" y="987426"/>
-            <a:ext cx="4629150" cy="4873625"/>
+            <a:off x="5183188" y="987425"/>
+            <a:ext cx="6172200" cy="4873625"/>
           </a:xfrm>
         </p:spPr>
         <p:txBody>
@@ -2761,7 +2713,7 @@
           <a:p>
             <a:r>
               <a:rPr lang="en-US" smtClean="0"/>
-              <a:t>Click icon to add picture</a:t>
+              <a:t>Drag picture to placeholder or click icon to add</a:t>
             </a:r>
             <a:endParaRPr lang="en-US" dirty="0"/>
           </a:p>
@@ -2779,8 +2731,8 @@
         </p:nvSpPr>
         <p:spPr>
           <a:xfrm>
-            <a:off x="629841" y="2057400"/>
-            <a:ext cx="2949178" cy="3811588"/>
+            <a:off x="839788" y="2057400"/>
+            <a:ext cx="3932237" cy="3811588"/>
           </a:xfrm>
         </p:spPr>
         <p:txBody>
@@ -2849,7 +2801,7 @@
           <a:p>
             <a:fld id="{00AB0D8E-E724-48D0-B7E1-3298C8355436}" type="datetimeFigureOut">
               <a:rPr lang="en-US" smtClean="0"/>
-              <a:t>6/25/2015</a:t>
+              <a:t>6/2/17</a:t>
             </a:fld>
             <a:endParaRPr lang="en-US"/>
           </a:p>
@@ -2898,11 +2850,6 @@
         </p:txBody>
       </p:sp>
     </p:spTree>
-    <p:extLst>
-      <p:ext uri="{BB962C8B-B14F-4D97-AF65-F5344CB8AC3E}">
-        <p14:creationId xmlns:p14="http://schemas.microsoft.com/office/powerpoint/2010/main" val="628010808"/>
-      </p:ext>
-    </p:extLst>
   </p:cSld>
   <p:clrMapOvr>
     <a:masterClrMapping/>
@@ -2944,8 +2891,8 @@
         </p:nvSpPr>
         <p:spPr>
           <a:xfrm>
-            <a:off x="628650" y="365126"/>
-            <a:ext cx="7886700" cy="1325563"/>
+            <a:off x="838200" y="365125"/>
+            <a:ext cx="10515600" cy="1325563"/>
           </a:xfrm>
           <a:prstGeom prst="rect">
             <a:avLst/>
@@ -2977,8 +2924,8 @@
         </p:nvSpPr>
         <p:spPr>
           <a:xfrm>
-            <a:off x="628650" y="1825625"/>
-            <a:ext cx="7886700" cy="4351338"/>
+            <a:off x="838200" y="1825625"/>
+            <a:ext cx="10515600" cy="4351338"/>
           </a:xfrm>
           <a:prstGeom prst="rect">
             <a:avLst/>
@@ -3039,8 +2986,8 @@
         </p:nvSpPr>
         <p:spPr>
           <a:xfrm>
-            <a:off x="628650" y="6356351"/>
-            <a:ext cx="2057400" cy="365125"/>
+            <a:off x="838200" y="6356350"/>
+            <a:ext cx="2743200" cy="365125"/>
           </a:xfrm>
           <a:prstGeom prst="rect">
             <a:avLst/>
@@ -3062,7 +3009,7 @@
           <a:p>
             <a:fld id="{00AB0D8E-E724-48D0-B7E1-3298C8355436}" type="datetimeFigureOut">
               <a:rPr lang="en-US" smtClean="0"/>
-              <a:t>6/25/2015</a:t>
+              <a:t>6/2/17</a:t>
             </a:fld>
             <a:endParaRPr lang="en-US"/>
           </a:p>
@@ -3080,8 +3027,8 @@
         </p:nvSpPr>
         <p:spPr>
           <a:xfrm>
-            <a:off x="3028950" y="6356351"/>
-            <a:ext cx="3086100" cy="365125"/>
+            <a:off x="4038600" y="6356350"/>
+            <a:ext cx="4114800" cy="365125"/>
           </a:xfrm>
           <a:prstGeom prst="rect">
             <a:avLst/>
@@ -3117,8 +3064,8 @@
         </p:nvSpPr>
         <p:spPr>
           <a:xfrm>
-            <a:off x="6457950" y="6356351"/>
-            <a:ext cx="2057400" cy="365125"/>
+            <a:off x="8610600" y="6356350"/>
+            <a:ext cx="2743200" cy="365125"/>
           </a:xfrm>
           <a:prstGeom prst="rect">
             <a:avLst/>
@@ -3149,23 +3096,23 @@
     </p:spTree>
     <p:extLst>
       <p:ext uri="{BB962C8B-B14F-4D97-AF65-F5344CB8AC3E}">
-        <p14:creationId xmlns:p14="http://schemas.microsoft.com/office/powerpoint/2010/main" val="749051933"/>
+        <p14:creationId xmlns:p14="http://schemas.microsoft.com/office/powerpoint/2010/main" val="1255477161"/>
       </p:ext>
     </p:extLst>
   </p:cSld>
   <p:clrMap bg1="lt1" tx1="dk1" bg2="lt2" tx2="dk2" accent1="accent1" accent2="accent2" accent3="accent3" accent4="accent4" accent5="accent5" accent6="accent6" hlink="hlink" folHlink="folHlink"/>
   <p:sldLayoutIdLst>
-    <p:sldLayoutId id="2147483661" r:id="rId1"/>
-    <p:sldLayoutId id="2147483662" r:id="rId2"/>
-    <p:sldLayoutId id="2147483663" r:id="rId3"/>
-    <p:sldLayoutId id="2147483664" r:id="rId4"/>
-    <p:sldLayoutId id="2147483665" r:id="rId5"/>
-    <p:sldLayoutId id="2147483666" r:id="rId6"/>
-    <p:sldLayoutId id="2147483667" r:id="rId7"/>
-    <p:sldLayoutId id="2147483668" r:id="rId8"/>
-    <p:sldLayoutId id="2147483669" r:id="rId9"/>
-    <p:sldLayoutId id="2147483670" r:id="rId10"/>
-    <p:sldLayoutId id="2147483671" r:id="rId11"/>
+    <p:sldLayoutId id="2147483673" r:id="rId1"/>
+    <p:sldLayoutId id="2147483674" r:id="rId2"/>
+    <p:sldLayoutId id="2147483675" r:id="rId3"/>
+    <p:sldLayoutId id="2147483676" r:id="rId4"/>
+    <p:sldLayoutId id="2147483677" r:id="rId5"/>
+    <p:sldLayoutId id="2147483678" r:id="rId6"/>
+    <p:sldLayoutId id="2147483679" r:id="rId7"/>
+    <p:sldLayoutId id="2147483680" r:id="rId8"/>
+    <p:sldLayoutId id="2147483681" r:id="rId9"/>
+    <p:sldLayoutId id="2147483682" r:id="rId10"/>
+    <p:sldLayoutId id="2147483683" r:id="rId11"/>
   </p:sldLayoutIdLst>
   <p:txStyles>
     <p:titleStyle>
@@ -3181,9 +3128,9 @@
           <a:solidFill>
             <a:schemeClr val="tx1"/>
           </a:solidFill>
-          <a:latin typeface="+mj-lt"/>
-          <a:ea typeface="+mj-ea"/>
-          <a:cs typeface="+mj-cs"/>
+          <a:latin typeface="Consolas" charset="0"/>
+          <a:ea typeface="Consolas" charset="0"/>
+          <a:cs typeface="Consolas" charset="0"/>
         </a:defRPr>
       </a:lvl1pPr>
     </p:titleStyle>
@@ -3201,9 +3148,9 @@
           <a:solidFill>
             <a:schemeClr val="tx1"/>
           </a:solidFill>
-          <a:latin typeface="+mn-lt"/>
-          <a:ea typeface="+mn-ea"/>
-          <a:cs typeface="+mn-cs"/>
+          <a:latin typeface="Consolas" charset="0"/>
+          <a:ea typeface="Consolas" charset="0"/>
+          <a:cs typeface="Consolas" charset="0"/>
         </a:defRPr>
       </a:lvl1pPr>
       <a:lvl2pPr marL="685800" indent="-228600" algn="l" defTabSz="914400" rtl="0" eaLnBrk="1" latinLnBrk="0" hangingPunct="1">
@@ -3219,9 +3166,9 @@
           <a:solidFill>
             <a:schemeClr val="tx1"/>
           </a:solidFill>
-          <a:latin typeface="+mn-lt"/>
-          <a:ea typeface="+mn-ea"/>
-          <a:cs typeface="+mn-cs"/>
+          <a:latin typeface="Consolas" charset="0"/>
+          <a:ea typeface="Consolas" charset="0"/>
+          <a:cs typeface="Consolas" charset="0"/>
         </a:defRPr>
       </a:lvl2pPr>
       <a:lvl3pPr marL="1143000" indent="-228600" algn="l" defTabSz="914400" rtl="0" eaLnBrk="1" latinLnBrk="0" hangingPunct="1">
@@ -3237,9 +3184,9 @@
           <a:solidFill>
             <a:schemeClr val="tx1"/>
           </a:solidFill>
-          <a:latin typeface="+mn-lt"/>
-          <a:ea typeface="+mn-ea"/>
-          <a:cs typeface="+mn-cs"/>
+          <a:latin typeface="Consolas" charset="0"/>
+          <a:ea typeface="Consolas" charset="0"/>
+          <a:cs typeface="Consolas" charset="0"/>
         </a:defRPr>
       </a:lvl3pPr>
       <a:lvl4pPr marL="1600200" indent="-228600" algn="l" defTabSz="914400" rtl="0" eaLnBrk="1" latinLnBrk="0" hangingPunct="1">
@@ -3255,9 +3202,9 @@
           <a:solidFill>
             <a:schemeClr val="tx1"/>
           </a:solidFill>
-          <a:latin typeface="+mn-lt"/>
-          <a:ea typeface="+mn-ea"/>
-          <a:cs typeface="+mn-cs"/>
+          <a:latin typeface="Consolas" charset="0"/>
+          <a:ea typeface="Consolas" charset="0"/>
+          <a:cs typeface="Consolas" charset="0"/>
         </a:defRPr>
       </a:lvl4pPr>
       <a:lvl5pPr marL="2057400" indent="-228600" algn="l" defTabSz="914400" rtl="0" eaLnBrk="1" latinLnBrk="0" hangingPunct="1">
@@ -3273,9 +3220,9 @@
           <a:solidFill>
             <a:schemeClr val="tx1"/>
           </a:solidFill>
-          <a:latin typeface="+mn-lt"/>
-          <a:ea typeface="+mn-ea"/>
-          <a:cs typeface="+mn-cs"/>
+          <a:latin typeface="Consolas" charset="0"/>
+          <a:ea typeface="Consolas" charset="0"/>
+          <a:cs typeface="Consolas" charset="0"/>
         </a:defRPr>
       </a:lvl5pPr>
       <a:lvl6pPr marL="2514600" indent="-228600" algn="l" defTabSz="914400" rtl="0" eaLnBrk="1" latinLnBrk="0" hangingPunct="1">
@@ -3482,7 +3429,7 @@
         </p:nvSpPr>
         <p:spPr>
           <a:xfrm>
-            <a:off x="235391" y="70969"/>
+            <a:off x="1759392" y="70969"/>
             <a:ext cx="8691327" cy="2387600"/>
           </a:xfrm>
         </p:spPr>
@@ -3542,7 +3489,7 @@
         </p:nvSpPr>
         <p:spPr>
           <a:xfrm>
-            <a:off x="1152052" y="2693396"/>
+            <a:off x="2676052" y="2693397"/>
             <a:ext cx="6858000" cy="1655763"/>
           </a:xfrm>
         </p:spPr>
@@ -3586,13 +3533,10 @@
           </a:p>
           <a:p>
             <a:r>
-              <a:rPr lang="en-US" dirty="0"/>
-              <a:t>j</a:t>
-            </a:r>
-            <a:r>
-              <a:rPr lang="en-US" dirty="0" smtClean="0"/>
-              <a:t>immybogard.lostechies.com</a:t>
-            </a:r>
+              <a:rPr lang="en-US" dirty="0" err="1" smtClean="0"/>
+              <a:t>jimmybogard.com</a:t>
+            </a:r>
+            <a:endParaRPr lang="en-US" dirty="0" smtClean="0"/>
           </a:p>
         </p:txBody>
       </p:sp>
@@ -3619,7 +3563,7 @@
         </p:blipFill>
         <p:spPr bwMode="auto">
           <a:xfrm>
-            <a:off x="6364680" y="4730335"/>
+            <a:off x="7888681" y="4730335"/>
             <a:ext cx="1095375" cy="1714500"/>
           </a:xfrm>
           <a:prstGeom prst="rect">
@@ -3660,7 +3604,7 @@
         </p:blipFill>
         <p:spPr bwMode="auto">
           <a:xfrm>
-            <a:off x="54417" y="5902026"/>
+            <a:off x="1578418" y="5902027"/>
             <a:ext cx="6047539" cy="733425"/>
           </a:xfrm>
           <a:prstGeom prst="rect">
@@ -3701,7 +3645,7 @@
         </p:blipFill>
         <p:spPr bwMode="auto">
           <a:xfrm>
-            <a:off x="1211287" y="5298391"/>
+            <a:off x="2735287" y="5298392"/>
             <a:ext cx="3733800" cy="382377"/>
           </a:xfrm>
           <a:prstGeom prst="rect">
@@ -3742,7 +3686,7 @@
         </p:blipFill>
         <p:spPr bwMode="auto">
           <a:xfrm>
-            <a:off x="1486404" y="4498303"/>
+            <a:off x="3010405" y="4498303"/>
             <a:ext cx="3183567" cy="578830"/>
           </a:xfrm>
           <a:prstGeom prst="rect">
@@ -3920,7 +3864,7 @@
         </p:blipFill>
         <p:spPr>
           <a:xfrm>
-            <a:off x="2146475" y="1825625"/>
+            <a:off x="3670475" y="1825625"/>
             <a:ext cx="4851049" cy="4351338"/>
           </a:xfrm>
           <a:prstGeom prst="rect">
@@ -4006,7 +3950,7 @@
         </p:blipFill>
         <p:spPr>
           <a:xfrm>
-            <a:off x="2146475" y="1825625"/>
+            <a:off x="3670475" y="1825625"/>
             <a:ext cx="4851049" cy="4351338"/>
           </a:xfrm>
           <a:prstGeom prst="rect">
@@ -4093,7 +4037,7 @@
         </p:blipFill>
         <p:spPr>
           <a:xfrm>
-            <a:off x="1002786" y="1825625"/>
+            <a:off x="2526786" y="1825625"/>
             <a:ext cx="7138428" cy="4351338"/>
           </a:xfrm>
           <a:prstGeom prst="rect">
@@ -4179,7 +4123,7 @@
         </p:blipFill>
         <p:spPr>
           <a:xfrm>
-            <a:off x="1388947" y="1825625"/>
+            <a:off x="2912947" y="1825625"/>
             <a:ext cx="6366105" cy="4351338"/>
           </a:xfrm>
           <a:prstGeom prst="rect">
@@ -4265,8 +4209,8 @@
         </p:blipFill>
         <p:spPr>
           <a:xfrm>
-            <a:off x="628650" y="3112151"/>
-            <a:ext cx="7886700" cy="1778286"/>
+            <a:off x="838200" y="2815770"/>
+            <a:ext cx="10515600" cy="2371048"/>
           </a:xfrm>
           <a:prstGeom prst="rect">
             <a:avLst/>
@@ -4351,8 +4295,8 @@
         </p:blipFill>
         <p:spPr>
           <a:xfrm>
-            <a:off x="628650" y="3231430"/>
-            <a:ext cx="7886700" cy="1539728"/>
+            <a:off x="838200" y="2974808"/>
+            <a:ext cx="10515600" cy="2052971"/>
           </a:xfrm>
           <a:prstGeom prst="rect">
             <a:avLst/>
@@ -4443,8 +4387,8 @@
         </p:blipFill>
         <p:spPr bwMode="auto">
           <a:xfrm>
-            <a:off x="1995128" y="2162712"/>
-            <a:ext cx="5153744" cy="3677163"/>
+            <a:off x="3519487" y="2162969"/>
+            <a:ext cx="5153025" cy="3676650"/>
           </a:xfrm>
           <a:prstGeom prst="rect">
             <a:avLst/>
@@ -4539,8 +4483,8 @@
         </p:blipFill>
         <p:spPr>
           <a:xfrm>
-            <a:off x="628650" y="3062401"/>
-            <a:ext cx="7886700" cy="1877785"/>
+            <a:off x="838200" y="2749437"/>
+            <a:ext cx="10515600" cy="2503714"/>
           </a:xfrm>
           <a:prstGeom prst="rect">
             <a:avLst/>
@@ -4625,8 +4569,8 @@
         </p:blipFill>
         <p:spPr>
           <a:xfrm>
-            <a:off x="628650" y="3094627"/>
-            <a:ext cx="7886700" cy="1813333"/>
+            <a:off x="838200" y="2792405"/>
+            <a:ext cx="10515600" cy="2417778"/>
           </a:xfrm>
           <a:prstGeom prst="rect">
             <a:avLst/>
@@ -4742,7 +4686,7 @@
         </p:blipFill>
         <p:spPr bwMode="auto">
           <a:xfrm>
-            <a:off x="2951629" y="3841397"/>
+            <a:off x="4475629" y="3841397"/>
             <a:ext cx="4146168" cy="2812486"/>
           </a:xfrm>
           <a:prstGeom prst="rect">
@@ -4906,8 +4850,8 @@
         </p:blipFill>
         <p:spPr>
           <a:xfrm>
-            <a:off x="1462087" y="2996406"/>
-            <a:ext cx="6219825" cy="2009775"/>
+            <a:off x="1949450" y="2661444"/>
+            <a:ext cx="8293100" cy="2679700"/>
           </a:xfrm>
           <a:prstGeom prst="rect">
             <a:avLst/>
@@ -4992,8 +4936,8 @@
         </p:blipFill>
         <p:spPr>
           <a:xfrm>
-            <a:off x="1014412" y="2991644"/>
-            <a:ext cx="7115175" cy="2019300"/>
+            <a:off x="1352550" y="2655094"/>
+            <a:ext cx="9486900" cy="2692400"/>
           </a:xfrm>
           <a:prstGeom prst="rect">
             <a:avLst/>
@@ -5078,8 +5022,8 @@
         </p:blipFill>
         <p:spPr>
           <a:xfrm>
-            <a:off x="1628775" y="3225006"/>
-            <a:ext cx="5886450" cy="1552575"/>
+            <a:off x="2171700" y="2966244"/>
+            <a:ext cx="7848600" cy="2070100"/>
           </a:xfrm>
           <a:prstGeom prst="rect">
             <a:avLst/>
@@ -5215,7 +5159,7 @@
         <p:spPr/>
         <p:txBody>
           <a:bodyPr>
-            <a:normAutofit fontScale="90000"/>
+            <a:normAutofit/>
           </a:bodyPr>
           <a:lstStyle/>
           <a:p>
@@ -5251,8 +5195,8 @@
         </p:blipFill>
         <p:spPr>
           <a:xfrm>
-            <a:off x="628650" y="3198915"/>
-            <a:ext cx="7886700" cy="1604757"/>
+            <a:off x="838200" y="2931455"/>
+            <a:ext cx="10515600" cy="2139677"/>
           </a:xfrm>
           <a:prstGeom prst="rect">
             <a:avLst/>
@@ -5309,7 +5253,7 @@
         <p:spPr/>
         <p:txBody>
           <a:bodyPr>
-            <a:normAutofit fontScale="90000"/>
+            <a:normAutofit/>
           </a:bodyPr>
           <a:lstStyle/>
           <a:p>
@@ -5345,7 +5289,7 @@
         </p:blipFill>
         <p:spPr>
           <a:xfrm>
-            <a:off x="1495468" y="1825625"/>
+            <a:off x="3019468" y="1825625"/>
             <a:ext cx="6153063" cy="4351338"/>
           </a:xfrm>
           <a:prstGeom prst="rect">
@@ -5431,8 +5375,8 @@
         </p:blipFill>
         <p:spPr>
           <a:xfrm>
-            <a:off x="628650" y="2710889"/>
-            <a:ext cx="7886700" cy="2580810"/>
+            <a:off x="838200" y="2280754"/>
+            <a:ext cx="10515600" cy="3441080"/>
           </a:xfrm>
           <a:prstGeom prst="rect">
             <a:avLst/>
@@ -5517,8 +5461,8 @@
         </p:blipFill>
         <p:spPr>
           <a:xfrm>
-            <a:off x="628650" y="2548976"/>
-            <a:ext cx="7886700" cy="2904636"/>
+            <a:off x="838200" y="2064869"/>
+            <a:ext cx="10515600" cy="3872849"/>
           </a:xfrm>
           <a:prstGeom prst="rect">
             <a:avLst/>
@@ -5603,8 +5547,8 @@
         </p:blipFill>
         <p:spPr>
           <a:xfrm>
-            <a:off x="628650" y="2290472"/>
-            <a:ext cx="7886700" cy="3421643"/>
+            <a:off x="1081202" y="1825625"/>
+            <a:ext cx="10029595" cy="4351338"/>
           </a:xfrm>
           <a:prstGeom prst="rect">
             <a:avLst/>
@@ -5689,7 +5633,7 @@
         </p:blipFill>
         <p:spPr>
           <a:xfrm>
-            <a:off x="1350158" y="1825625"/>
+            <a:off x="2874158" y="1825625"/>
             <a:ext cx="6443683" cy="4351338"/>
           </a:xfrm>
           <a:prstGeom prst="rect">
@@ -5742,7 +5686,7 @@
         </p:nvSpPr>
         <p:spPr>
           <a:xfrm>
-            <a:off x="7126942" y="1728538"/>
+            <a:off x="8650942" y="1728539"/>
             <a:ext cx="1811344" cy="2926859"/>
           </a:xfrm>
           <a:prstGeom prst="can">
@@ -5785,7 +5729,7 @@
         </p:nvSpPr>
         <p:spPr>
           <a:xfrm>
-            <a:off x="389964" y="2111189"/>
+            <a:off x="1913965" y="2111190"/>
             <a:ext cx="2247901" cy="2166157"/>
           </a:xfrm>
           <a:prstGeom prst="rect">
@@ -5831,7 +5775,7 @@
         </p:nvCxnSpPr>
         <p:spPr>
           <a:xfrm flipV="1">
-            <a:off x="2637865" y="3191968"/>
+            <a:off x="4161866" y="3191968"/>
             <a:ext cx="4489077" cy="2300"/>
           </a:xfrm>
           <a:prstGeom prst="straightConnector1">
@@ -5880,7 +5824,7 @@
         </p:blipFill>
         <p:spPr bwMode="auto">
           <a:xfrm>
-            <a:off x="4024209" y="1972767"/>
+            <a:off x="5548209" y="1972767"/>
             <a:ext cx="2438400" cy="2438400"/>
           </a:xfrm>
           <a:prstGeom prst="rect">
@@ -6044,8 +5988,8 @@
         </p:blipFill>
         <p:spPr>
           <a:xfrm>
-            <a:off x="628650" y="2268451"/>
-            <a:ext cx="7886700" cy="3465685"/>
+            <a:off x="1144930" y="1825625"/>
+            <a:ext cx="9902139" cy="4351338"/>
           </a:xfrm>
           <a:prstGeom prst="rect">
             <a:avLst/>
@@ -6130,8 +6074,8 @@
         </p:blipFill>
         <p:spPr>
           <a:xfrm>
-            <a:off x="628650" y="1904985"/>
-            <a:ext cx="7886700" cy="4192618"/>
+            <a:off x="2003367" y="1825625"/>
+            <a:ext cx="8185265" cy="4351338"/>
           </a:xfrm>
           <a:prstGeom prst="rect">
             <a:avLst/>
@@ -6216,8 +6160,8 @@
         </p:blipFill>
         <p:spPr>
           <a:xfrm>
-            <a:off x="628650" y="3450044"/>
-            <a:ext cx="7886700" cy="1102500"/>
+            <a:off x="838200" y="3266294"/>
+            <a:ext cx="10515600" cy="1470000"/>
           </a:xfrm>
           <a:prstGeom prst="rect">
             <a:avLst/>
@@ -6308,8 +6252,8 @@
         </p:blipFill>
         <p:spPr bwMode="auto">
           <a:xfrm>
-            <a:off x="586636" y="1769165"/>
-            <a:ext cx="8030590" cy="4497785"/>
+            <a:off x="3757612" y="2691606"/>
+            <a:ext cx="4676775" cy="2619375"/>
           </a:xfrm>
           <a:prstGeom prst="rect">
             <a:avLst/>
@@ -6405,7 +6349,7 @@
         </p:blipFill>
         <p:spPr>
           <a:xfrm>
-            <a:off x="1676089" y="1825625"/>
+            <a:off x="3200089" y="1825625"/>
             <a:ext cx="5791822" cy="4351338"/>
           </a:xfrm>
           <a:prstGeom prst="rect">
@@ -6498,7 +6442,7 @@
         </p:blipFill>
         <p:spPr>
           <a:xfrm>
-            <a:off x="2427092" y="1825625"/>
+            <a:off x="3951092" y="1825625"/>
             <a:ext cx="4289815" cy="4351338"/>
           </a:xfrm>
           <a:prstGeom prst="rect">
@@ -6514,7 +6458,7 @@
         </p:nvCxnSpPr>
         <p:spPr>
           <a:xfrm flipH="1">
-            <a:off x="3810001" y="2714625"/>
+            <a:off x="5334002" y="2714625"/>
             <a:ext cx="847725" cy="0"/>
           </a:xfrm>
           <a:prstGeom prst="straightConnector1">
@@ -6547,7 +6491,7 @@
         </p:nvCxnSpPr>
         <p:spPr>
           <a:xfrm flipH="1">
-            <a:off x="3810001" y="3686175"/>
+            <a:off x="5334002" y="3686175"/>
             <a:ext cx="847725" cy="0"/>
           </a:xfrm>
           <a:prstGeom prst="straightConnector1">
@@ -6580,7 +6524,7 @@
         </p:nvCxnSpPr>
         <p:spPr>
           <a:xfrm flipH="1">
-            <a:off x="3810001" y="4476751"/>
+            <a:off x="5334002" y="4476751"/>
             <a:ext cx="847725" cy="0"/>
           </a:xfrm>
           <a:prstGeom prst="straightConnector1">
@@ -6690,8 +6634,8 @@
         </p:blipFill>
         <p:spPr>
           <a:xfrm>
-            <a:off x="628650" y="2694824"/>
-            <a:ext cx="7886700" cy="2612939"/>
+            <a:off x="838200" y="2259334"/>
+            <a:ext cx="10515600" cy="3483919"/>
           </a:xfrm>
           <a:prstGeom prst="rect">
             <a:avLst/>
@@ -6776,8 +6720,8 @@
         </p:blipFill>
         <p:spPr>
           <a:xfrm>
-            <a:off x="628650" y="2211405"/>
-            <a:ext cx="7886700" cy="3579778"/>
+            <a:off x="1302729" y="1825625"/>
+            <a:ext cx="9586541" cy="4351338"/>
           </a:xfrm>
           <a:prstGeom prst="rect">
             <a:avLst/>
@@ -6862,8 +6806,8 @@
         </p:blipFill>
         <p:spPr>
           <a:xfrm>
-            <a:off x="628650" y="2181720"/>
-            <a:ext cx="7886700" cy="3639148"/>
+            <a:off x="1380928" y="1825625"/>
+            <a:ext cx="9430144" cy="4351338"/>
           </a:xfrm>
           <a:prstGeom prst="rect">
             <a:avLst/>
@@ -7056,8 +7000,8 @@
         </p:blipFill>
         <p:spPr bwMode="auto">
           <a:xfrm>
-            <a:off x="253764" y="3265714"/>
-            <a:ext cx="3545031" cy="2336800"/>
+            <a:off x="1723231" y="3229769"/>
+            <a:ext cx="3390900" cy="2235200"/>
           </a:xfrm>
           <a:prstGeom prst="rect">
             <a:avLst/>
@@ -7121,8 +7065,8 @@
         </p:blipFill>
         <p:spPr bwMode="auto">
           <a:xfrm>
-            <a:off x="4253430" y="3693886"/>
-            <a:ext cx="4765616" cy="1342571"/>
+            <a:off x="6153150" y="3799735"/>
+            <a:ext cx="3887788" cy="1095269"/>
           </a:xfrm>
           <a:prstGeom prst="rect">
             <a:avLst/>
@@ -7217,7 +7161,7 @@
         </p:blipFill>
         <p:spPr>
           <a:xfrm>
-            <a:off x="1116250" y="1825625"/>
+            <a:off x="2640250" y="1825625"/>
             <a:ext cx="6911500" cy="4351338"/>
           </a:xfrm>
           <a:prstGeom prst="rect">
@@ -7310,8 +7254,8 @@
         </p:blipFill>
         <p:spPr>
           <a:xfrm>
-            <a:off x="628650" y="2427285"/>
-            <a:ext cx="7886700" cy="3148017"/>
+            <a:off x="838200" y="1902616"/>
+            <a:ext cx="10515600" cy="4197356"/>
           </a:xfrm>
           <a:prstGeom prst="rect">
             <a:avLst/>
@@ -7403,7 +7347,7 @@
         </p:blipFill>
         <p:spPr>
           <a:xfrm>
-            <a:off x="1930400" y="1689625"/>
+            <a:off x="3454401" y="1689626"/>
             <a:ext cx="5087257" cy="5168375"/>
           </a:xfrm>
           <a:prstGeom prst="rect">
@@ -7496,8 +7440,8 @@
         </p:blipFill>
         <p:spPr>
           <a:xfrm>
-            <a:off x="628650" y="2572874"/>
-            <a:ext cx="7886700" cy="2856839"/>
+            <a:off x="838200" y="2096734"/>
+            <a:ext cx="10515600" cy="3809119"/>
           </a:xfrm>
           <a:prstGeom prst="rect">
             <a:avLst/>
@@ -7589,8 +7533,8 @@
         </p:blipFill>
         <p:spPr>
           <a:xfrm>
-            <a:off x="628650" y="3026502"/>
-            <a:ext cx="7886700" cy="1949583"/>
+            <a:off x="838200" y="2701572"/>
+            <a:ext cx="10515600" cy="2599444"/>
           </a:xfrm>
           <a:prstGeom prst="rect">
             <a:avLst/>
@@ -7675,7 +7619,7 @@
         </p:blipFill>
         <p:spPr>
           <a:xfrm>
-            <a:off x="746719" y="1825625"/>
+            <a:off x="2270719" y="1825625"/>
             <a:ext cx="7650561" cy="4351338"/>
           </a:xfrm>
           <a:prstGeom prst="rect">
@@ -7761,7 +7705,7 @@
         </p:blipFill>
         <p:spPr>
           <a:xfrm>
-            <a:off x="1355192" y="1825625"/>
+            <a:off x="2879192" y="1825625"/>
             <a:ext cx="6433615" cy="4351338"/>
           </a:xfrm>
           <a:prstGeom prst="rect">
@@ -7847,7 +7791,7 @@
         </p:blipFill>
         <p:spPr>
           <a:xfrm>
-            <a:off x="2023158" y="1825625"/>
+            <a:off x="3547158" y="1825625"/>
             <a:ext cx="5097684" cy="4351338"/>
           </a:xfrm>
           <a:prstGeom prst="rect">
@@ -7933,8 +7877,8 @@
         </p:blipFill>
         <p:spPr>
           <a:xfrm>
-            <a:off x="1619250" y="2824956"/>
-            <a:ext cx="5905500" cy="2352675"/>
+            <a:off x="2159000" y="2432844"/>
+            <a:ext cx="7874000" cy="3136900"/>
           </a:xfrm>
           <a:prstGeom prst="rect">
             <a:avLst/>
@@ -8019,8 +7963,8 @@
         </p:blipFill>
         <p:spPr>
           <a:xfrm>
-            <a:off x="628650" y="2700121"/>
-            <a:ext cx="7886700" cy="2602345"/>
+            <a:off x="838200" y="2266397"/>
+            <a:ext cx="10515600" cy="3469793"/>
           </a:xfrm>
           <a:prstGeom prst="rect">
             <a:avLst/>
@@ -8135,7 +8079,7 @@
         </p:blipFill>
         <p:spPr bwMode="auto">
           <a:xfrm>
-            <a:off x="399143" y="3022208"/>
+            <a:off x="1923143" y="3022209"/>
             <a:ext cx="2946400" cy="2610733"/>
           </a:xfrm>
           <a:prstGeom prst="rect">
@@ -8200,7 +8144,7 @@
         </p:blipFill>
         <p:spPr bwMode="auto">
           <a:xfrm>
-            <a:off x="3929795" y="3171372"/>
+            <a:off x="5453796" y="3171372"/>
             <a:ext cx="5007667" cy="2227942"/>
           </a:xfrm>
           <a:prstGeom prst="rect">
@@ -8296,7 +8240,7 @@
         </p:blipFill>
         <p:spPr>
           <a:xfrm>
-            <a:off x="1162084" y="1825625"/>
+            <a:off x="2686084" y="1825625"/>
             <a:ext cx="6819832" cy="4351338"/>
           </a:xfrm>
           <a:prstGeom prst="rect">
@@ -8389,7 +8333,7 @@
         </p:blipFill>
         <p:spPr>
           <a:xfrm>
-            <a:off x="1251986" y="1825625"/>
+            <a:off x="2775986" y="1825625"/>
             <a:ext cx="6640028" cy="4351338"/>
           </a:xfrm>
           <a:prstGeom prst="rect">
@@ -8482,7 +8426,7 @@
         </p:blipFill>
         <p:spPr>
           <a:xfrm>
-            <a:off x="1619700" y="1825625"/>
+            <a:off x="3143700" y="1825625"/>
             <a:ext cx="5904600" cy="4351338"/>
           </a:xfrm>
           <a:prstGeom prst="rect">
@@ -8568,8 +8512,8 @@
         </p:blipFill>
         <p:spPr>
           <a:xfrm>
-            <a:off x="628650" y="2469059"/>
-            <a:ext cx="7886700" cy="3064470"/>
+            <a:off x="838200" y="1958314"/>
+            <a:ext cx="10515600" cy="4085960"/>
           </a:xfrm>
           <a:prstGeom prst="rect">
             <a:avLst/>
@@ -8654,7 +8598,7 @@
         </p:blipFill>
         <p:spPr>
           <a:xfrm>
-            <a:off x="907520" y="1825625"/>
+            <a:off x="2431520" y="1825625"/>
             <a:ext cx="7328960" cy="4351338"/>
           </a:xfrm>
           <a:prstGeom prst="rect">
@@ -8930,7 +8874,7 @@
         </p:blipFill>
         <p:spPr bwMode="auto">
           <a:xfrm>
-            <a:off x="1668166" y="1825625"/>
+            <a:off x="3192166" y="1825625"/>
             <a:ext cx="5807668" cy="4351338"/>
           </a:xfrm>
           <a:prstGeom prst="rect">
@@ -9032,8 +8976,8 @@
         </p:blipFill>
         <p:spPr bwMode="auto">
           <a:xfrm>
-            <a:off x="1379383" y="2213429"/>
-            <a:ext cx="6479591" cy="3628571"/>
+            <a:off x="3556000" y="2578894"/>
+            <a:ext cx="5080000" cy="2844800"/>
           </a:xfrm>
           <a:prstGeom prst="rect">
             <a:avLst/>
@@ -9128,7 +9072,7 @@
           <a:lstStyle/>
           <a:p>
             <a:r>
-              <a:rPr lang="en-US" sz="4000" dirty="0" smtClean="0"/>
+              <a:rPr lang="en-US" sz="4000" dirty="0"/>
               <a:t>Mapping problems</a:t>
             </a:r>
           </a:p>
@@ -9137,7 +9081,7 @@
           </a:p>
           <a:p>
             <a:r>
-              <a:rPr lang="en-US" sz="4000" dirty="0" smtClean="0"/>
+              <a:rPr lang="en-US" sz="4000" dirty="0"/>
               <a:t>Querying problems</a:t>
             </a:r>
           </a:p>
@@ -9146,7 +9090,7 @@
           </a:p>
           <a:p>
             <a:r>
-              <a:rPr lang="en-US" sz="4000" dirty="0" smtClean="0"/>
+              <a:rPr lang="en-US" sz="4000" dirty="0"/>
               <a:t>Usage problems</a:t>
             </a:r>
             <a:endParaRPr lang="en-US" sz="4000" dirty="0"/>
@@ -9208,7 +9152,7 @@
         <a:srgbClr val="E7E6E6"/>
       </a:lt2>
       <a:accent1>
-        <a:srgbClr val="5B9BD5"/>
+        <a:srgbClr val="4472C4"/>
       </a:accent1>
       <a:accent2>
         <a:srgbClr val="ED7D31"/>
@@ -9220,7 +9164,7 @@
         <a:srgbClr val="FFC000"/>
       </a:accent4>
       <a:accent5>
-        <a:srgbClr val="4472C4"/>
+        <a:srgbClr val="5B9BD5"/>
       </a:accent5>
       <a:accent6>
         <a:srgbClr val="70AD47"/>
@@ -9232,16 +9176,76 @@
         <a:srgbClr val="954F72"/>
       </a:folHlink>
     </a:clrScheme>
-    <a:fontScheme name="Lucida Console">
+    <a:fontScheme name="Office Theme">
       <a:majorFont>
-        <a:latin typeface="Lucida Console"/>
+        <a:latin typeface="Calibri Light" panose="020F0302020204030204"/>
         <a:ea typeface=""/>
         <a:cs typeface=""/>
+        <a:font script="Jpan" typeface="游ゴシック Light"/>
+        <a:font script="Hang" typeface="맑은 고딕"/>
+        <a:font script="Hans" typeface="等线 Light"/>
+        <a:font script="Hant" typeface="新細明體"/>
+        <a:font script="Arab" typeface="Times New Roman"/>
+        <a:font script="Hebr" typeface="Times New Roman"/>
+        <a:font script="Thai" typeface="Angsana New"/>
+        <a:font script="Ethi" typeface="Nyala"/>
+        <a:font script="Beng" typeface="Vrinda"/>
+        <a:font script="Gujr" typeface="Shruti"/>
+        <a:font script="Khmr" typeface="MoolBoran"/>
+        <a:font script="Knda" typeface="Tunga"/>
+        <a:font script="Guru" typeface="Raavi"/>
+        <a:font script="Cans" typeface="Euphemia"/>
+        <a:font script="Cher" typeface="Plantagenet Cherokee"/>
+        <a:font script="Yiii" typeface="Microsoft Yi Baiti"/>
+        <a:font script="Tibt" typeface="Microsoft Himalaya"/>
+        <a:font script="Thaa" typeface="MV Boli"/>
+        <a:font script="Deva" typeface="Mangal"/>
+        <a:font script="Telu" typeface="Gautami"/>
+        <a:font script="Taml" typeface="Latha"/>
+        <a:font script="Syrc" typeface="Estrangelo Edessa"/>
+        <a:font script="Orya" typeface="Kalinga"/>
+        <a:font script="Mlym" typeface="Kartika"/>
+        <a:font script="Laoo" typeface="DokChampa"/>
+        <a:font script="Sinh" typeface="Iskoola Pota"/>
+        <a:font script="Mong" typeface="Mongolian Baiti"/>
+        <a:font script="Viet" typeface="Times New Roman"/>
+        <a:font script="Uigh" typeface="Microsoft Uighur"/>
+        <a:font script="Geor" typeface="Sylfaen"/>
       </a:majorFont>
       <a:minorFont>
-        <a:latin typeface="Lucida Console"/>
+        <a:latin typeface="Calibri" panose="020F0502020204030204"/>
         <a:ea typeface=""/>
         <a:cs typeface=""/>
+        <a:font script="Jpan" typeface="游ゴシック"/>
+        <a:font script="Hang" typeface="맑은 고딕"/>
+        <a:font script="Hans" typeface="等线"/>
+        <a:font script="Hant" typeface="新細明體"/>
+        <a:font script="Arab" typeface="Arial"/>
+        <a:font script="Hebr" typeface="Arial"/>
+        <a:font script="Thai" typeface="Cordia New"/>
+        <a:font script="Ethi" typeface="Nyala"/>
+        <a:font script="Beng" typeface="Vrinda"/>
+        <a:font script="Gujr" typeface="Shruti"/>
+        <a:font script="Khmr" typeface="DaunPenh"/>
+        <a:font script="Knda" typeface="Tunga"/>
+        <a:font script="Guru" typeface="Raavi"/>
+        <a:font script="Cans" typeface="Euphemia"/>
+        <a:font script="Cher" typeface="Plantagenet Cherokee"/>
+        <a:font script="Yiii" typeface="Microsoft Yi Baiti"/>
+        <a:font script="Tibt" typeface="Microsoft Himalaya"/>
+        <a:font script="Thaa" typeface="MV Boli"/>
+        <a:font script="Deva" typeface="Mangal"/>
+        <a:font script="Telu" typeface="Gautami"/>
+        <a:font script="Taml" typeface="Latha"/>
+        <a:font script="Syrc" typeface="Estrangelo Edessa"/>
+        <a:font script="Orya" typeface="Kalinga"/>
+        <a:font script="Mlym" typeface="Kartika"/>
+        <a:font script="Laoo" typeface="DokChampa"/>
+        <a:font script="Sinh" typeface="Iskoola Pota"/>
+        <a:font script="Mong" typeface="Mongolian Baiti"/>
+        <a:font script="Viet" typeface="Arial"/>
+        <a:font script="Uigh" typeface="Microsoft Uighur"/>
+        <a:font script="Geor" typeface="Sylfaen"/>
       </a:minorFont>
     </a:fontScheme>
     <a:fmtScheme name="Office Theme">
